--- a/Android10/5_2_2_GMS_App_Investigations_Dialer.pptx
+++ b/Android10/5_2_2_GMS_App_Investigations_Dialer.pptx
@@ -5,7 +5,7 @@
     <p:sldMasterId id="2147483648" r:id="rId1"/>
   </p:sldMasterIdLst>
   <p:notesMasterIdLst>
-    <p:notesMasterId r:id="rId18"/>
+    <p:notesMasterId r:id="rId24"/>
   </p:notesMasterIdLst>
   <p:sldIdLst>
     <p:sldId id="256" r:id="rId2"/>
@@ -13,17 +13,23 @@
     <p:sldId id="522" r:id="rId4"/>
     <p:sldId id="528" r:id="rId5"/>
     <p:sldId id="523" r:id="rId6"/>
-    <p:sldId id="524" r:id="rId7"/>
-    <p:sldId id="525" r:id="rId8"/>
-    <p:sldId id="527" r:id="rId9"/>
-    <p:sldId id="530" r:id="rId10"/>
-    <p:sldId id="531" r:id="rId11"/>
-    <p:sldId id="533" r:id="rId12"/>
-    <p:sldId id="538" r:id="rId13"/>
-    <p:sldId id="539" r:id="rId14"/>
-    <p:sldId id="535" r:id="rId15"/>
-    <p:sldId id="536" r:id="rId16"/>
-    <p:sldId id="526" r:id="rId17"/>
+    <p:sldId id="540" r:id="rId7"/>
+    <p:sldId id="546" r:id="rId8"/>
+    <p:sldId id="541" r:id="rId9"/>
+    <p:sldId id="542" r:id="rId10"/>
+    <p:sldId id="543" r:id="rId11"/>
+    <p:sldId id="544" r:id="rId12"/>
+    <p:sldId id="524" r:id="rId13"/>
+    <p:sldId id="525" r:id="rId14"/>
+    <p:sldId id="527" r:id="rId15"/>
+    <p:sldId id="530" r:id="rId16"/>
+    <p:sldId id="545" r:id="rId17"/>
+    <p:sldId id="533" r:id="rId18"/>
+    <p:sldId id="538" r:id="rId19"/>
+    <p:sldId id="539" r:id="rId20"/>
+    <p:sldId id="535" r:id="rId21"/>
+    <p:sldId id="536" r:id="rId22"/>
+    <p:sldId id="526" r:id="rId23"/>
   </p:sldIdLst>
   <p:sldSz cx="12192000" cy="6858000"/>
   <p:notesSz cx="6858000" cy="9144000"/>
@@ -145,7 +151,7 @@
 <file path=ppt/revisionInfo.xml><?xml version="1.0" encoding="utf-8"?>
 <p1510:revInfo xmlns:a="http://schemas.openxmlformats.org/drawingml/2006/main" xmlns:r="http://schemas.openxmlformats.org/officeDocument/2006/relationships" xmlns:p1510="http://schemas.microsoft.com/office/powerpoint/2015/10/main">
   <p1510:revLst>
-    <p1510:client id="{C93986A8-D257-46D5-A932-87F105AEF0C6}" v="28" dt="2021-08-15T20:03:03.238"/>
+    <p1510:client id="{C93986A8-D257-46D5-A932-87F105AEF0C6}" v="44" dt="2025-04-04T13:40:48.498"/>
   </p1510:revLst>
 </p1510:revInfo>
 </file>
@@ -5720,23 +5726,23 @@
   </pc:docChgLst>
   <pc:docChgLst>
     <pc:chgData name="Weifeng Xu" userId="e7aed605-a3dd-4d5a-a692-a87037af107b" providerId="ADAL" clId="{C93986A8-D257-46D5-A932-87F105AEF0C6}"/>
-    <pc:docChg chg="undo custSel addSld delSld modSld sldOrd">
-      <pc:chgData name="Weifeng Xu" userId="e7aed605-a3dd-4d5a-a692-a87037af107b" providerId="ADAL" clId="{C93986A8-D257-46D5-A932-87F105AEF0C6}" dt="2025-01-01T14:54:57.933" v="1611" actId="20577"/>
+    <pc:docChg chg="undo redo custSel addSld delSld modSld sldOrd">
+      <pc:chgData name="Weifeng Xu" userId="e7aed605-a3dd-4d5a-a692-a87037af107b" providerId="ADAL" clId="{C93986A8-D257-46D5-A932-87F105AEF0C6}" dt="2025-04-04T14:00:33.687" v="2245" actId="6549"/>
       <pc:docMkLst>
         <pc:docMk/>
       </pc:docMkLst>
       <pc:sldChg chg="addSp modSp mod modNotesTx">
-        <pc:chgData name="Weifeng Xu" userId="e7aed605-a3dd-4d5a-a692-a87037af107b" providerId="ADAL" clId="{C93986A8-D257-46D5-A932-87F105AEF0C6}" dt="2025-01-01T14:54:57.933" v="1611" actId="20577"/>
+        <pc:chgData name="Weifeng Xu" userId="e7aed605-a3dd-4d5a-a692-a87037af107b" providerId="ADAL" clId="{C93986A8-D257-46D5-A932-87F105AEF0C6}" dt="2025-04-04T12:21:34.101" v="1613" actId="20577"/>
         <pc:sldMkLst>
           <pc:docMk/>
           <pc:sldMk cId="1323245308" sldId="256"/>
         </pc:sldMkLst>
         <pc:spChg chg="mod">
-          <ac:chgData name="Weifeng Xu" userId="e7aed605-a3dd-4d5a-a692-a87037af107b" providerId="ADAL" clId="{C93986A8-D257-46D5-A932-87F105AEF0C6}" dt="2025-01-01T14:54:57.933" v="1611" actId="20577"/>
+          <ac:chgData name="Weifeng Xu" userId="e7aed605-a3dd-4d5a-a692-a87037af107b" providerId="ADAL" clId="{C93986A8-D257-46D5-A932-87F105AEF0C6}" dt="2025-04-04T12:21:34.101" v="1613" actId="20577"/>
           <ac:spMkLst>
             <pc:docMk/>
             <pc:sldMk cId="1323245308" sldId="256"/>
-            <ac:spMk id="3" creationId="{58CD3106-2EE0-40F4-8C0B-042135FF9FB4}"/>
+            <ac:spMk id="2" creationId="{B476BAF9-88AC-4600-B511-347782B9C875}"/>
           </ac:spMkLst>
         </pc:spChg>
       </pc:sldChg>
@@ -6098,18 +6104,58 @@
         </pc:sldMkLst>
       </pc:sldChg>
       <pc:sldChg chg="addSp delSp modSp new mod modNotesTx">
-        <pc:chgData name="Weifeng Xu" userId="e7aed605-a3dd-4d5a-a692-a87037af107b" providerId="ADAL" clId="{C93986A8-D257-46D5-A932-87F105AEF0C6}" dt="2021-08-14T21:15:32.607" v="586" actId="14100"/>
+        <pc:chgData name="Weifeng Xu" userId="e7aed605-a3dd-4d5a-a692-a87037af107b" providerId="ADAL" clId="{C93986A8-D257-46D5-A932-87F105AEF0C6}" dt="2025-04-04T12:25:58.307" v="1620" actId="14100"/>
         <pc:sldMkLst>
           <pc:docMk/>
           <pc:sldMk cId="3057585943" sldId="523"/>
         </pc:sldMkLst>
-      </pc:sldChg>
-      <pc:sldChg chg="addSp modSp new mod modNotesTx">
-        <pc:chgData name="Weifeng Xu" userId="e7aed605-a3dd-4d5a-a692-a87037af107b" providerId="ADAL" clId="{C93986A8-D257-46D5-A932-87F105AEF0C6}" dt="2021-08-14T19:03:30.821" v="209" actId="1076"/>
+        <pc:spChg chg="add mod">
+          <ac:chgData name="Weifeng Xu" userId="e7aed605-a3dd-4d5a-a692-a87037af107b" providerId="ADAL" clId="{C93986A8-D257-46D5-A932-87F105AEF0C6}" dt="2025-04-04T12:25:40.693" v="1617" actId="1582"/>
+          <ac:spMkLst>
+            <pc:docMk/>
+            <pc:sldMk cId="3057585943" sldId="523"/>
+            <ac:spMk id="2" creationId="{5D132F43-DC25-1034-768F-995957AF84E5}"/>
+          </ac:spMkLst>
+        </pc:spChg>
+        <pc:spChg chg="add mod">
+          <ac:chgData name="Weifeng Xu" userId="e7aed605-a3dd-4d5a-a692-a87037af107b" providerId="ADAL" clId="{C93986A8-D257-46D5-A932-87F105AEF0C6}" dt="2025-04-04T12:25:58.307" v="1620" actId="14100"/>
+          <ac:spMkLst>
+            <pc:docMk/>
+            <pc:sldMk cId="3057585943" sldId="523"/>
+            <ac:spMk id="3" creationId="{65FD65D0-C3A2-FD60-83FB-3D419AF7AA32}"/>
+          </ac:spMkLst>
+        </pc:spChg>
+      </pc:sldChg>
+      <pc:sldChg chg="addSp modSp new mod modClrScheme chgLayout modNotesTx">
+        <pc:chgData name="Weifeng Xu" userId="e7aed605-a3dd-4d5a-a692-a87037af107b" providerId="ADAL" clId="{C93986A8-D257-46D5-A932-87F105AEF0C6}" dt="2025-04-04T13:18:53.627" v="2095" actId="20577"/>
         <pc:sldMkLst>
           <pc:docMk/>
           <pc:sldMk cId="3611995831" sldId="524"/>
         </pc:sldMkLst>
+        <pc:spChg chg="add mod ord">
+          <ac:chgData name="Weifeng Xu" userId="e7aed605-a3dd-4d5a-a692-a87037af107b" providerId="ADAL" clId="{C93986A8-D257-46D5-A932-87F105AEF0C6}" dt="2025-04-04T13:18:53.627" v="2095" actId="20577"/>
+          <ac:spMkLst>
+            <pc:docMk/>
+            <pc:sldMk cId="3611995831" sldId="524"/>
+            <ac:spMk id="2" creationId="{235D3EA3-6D82-4D19-DC06-61D86AC6B86F}"/>
+          </ac:spMkLst>
+        </pc:spChg>
+        <pc:picChg chg="mod">
+          <ac:chgData name="Weifeng Xu" userId="e7aed605-a3dd-4d5a-a692-a87037af107b" providerId="ADAL" clId="{C93986A8-D257-46D5-A932-87F105AEF0C6}" dt="2025-04-04T13:05:15.537" v="1972" actId="1076"/>
+          <ac:picMkLst>
+            <pc:docMk/>
+            <pc:sldMk cId="3611995831" sldId="524"/>
+            <ac:picMk id="3" creationId="{36F87AEA-0D8B-4AA7-89DA-D39AD65D27F3}"/>
+          </ac:picMkLst>
+        </pc:picChg>
+        <pc:picChg chg="mod">
+          <ac:chgData name="Weifeng Xu" userId="e7aed605-a3dd-4d5a-a692-a87037af107b" providerId="ADAL" clId="{C93986A8-D257-46D5-A932-87F105AEF0C6}" dt="2025-04-04T13:05:15.537" v="1972" actId="1076"/>
+          <ac:picMkLst>
+            <pc:docMk/>
+            <pc:sldMk cId="3611995831" sldId="524"/>
+            <ac:picMk id="5" creationId="{4FAD0020-226C-4E2B-9A9C-7F569E71C88A}"/>
+          </ac:picMkLst>
+        </pc:picChg>
       </pc:sldChg>
       <pc:sldChg chg="addSp delSp modSp new mod modNotesTx">
         <pc:chgData name="Weifeng Xu" userId="e7aed605-a3dd-4d5a-a692-a87037af107b" providerId="ADAL" clId="{C93986A8-D257-46D5-A932-87F105AEF0C6}" dt="2021-08-15T01:27:02.028" v="646" actId="1076"/>
@@ -6153,12 +6199,28 @@
           <pc:sldMk cId="1311538801" sldId="530"/>
         </pc:sldMkLst>
       </pc:sldChg>
-      <pc:sldChg chg="addSp modSp new mod">
-        <pc:chgData name="Weifeng Xu" userId="e7aed605-a3dd-4d5a-a692-a87037af107b" providerId="ADAL" clId="{C93986A8-D257-46D5-A932-87F105AEF0C6}" dt="2021-08-15T02:14:54.285" v="1060" actId="20577"/>
+      <pc:sldChg chg="addSp delSp modSp new del mod">
+        <pc:chgData name="Weifeng Xu" userId="e7aed605-a3dd-4d5a-a692-a87037af107b" providerId="ADAL" clId="{C93986A8-D257-46D5-A932-87F105AEF0C6}" dt="2025-04-04T13:54:35.383" v="2189" actId="47"/>
         <pc:sldMkLst>
           <pc:docMk/>
           <pc:sldMk cId="1903883902" sldId="531"/>
         </pc:sldMkLst>
+        <pc:spChg chg="mod">
+          <ac:chgData name="Weifeng Xu" userId="e7aed605-a3dd-4d5a-a692-a87037af107b" providerId="ADAL" clId="{C93986A8-D257-46D5-A932-87F105AEF0C6}" dt="2025-04-04T13:37:01.503" v="2153" actId="207"/>
+          <ac:spMkLst>
+            <pc:docMk/>
+            <pc:sldMk cId="1903883902" sldId="531"/>
+            <ac:spMk id="2" creationId="{B487C63A-A947-476D-8037-F6FE72367F38}"/>
+          </ac:spMkLst>
+        </pc:spChg>
+        <pc:picChg chg="del">
+          <ac:chgData name="Weifeng Xu" userId="e7aed605-a3dd-4d5a-a692-a87037af107b" providerId="ADAL" clId="{C93986A8-D257-46D5-A932-87F105AEF0C6}" dt="2025-04-04T13:37:36.154" v="2154" actId="478"/>
+          <ac:picMkLst>
+            <pc:docMk/>
+            <pc:sldMk cId="1903883902" sldId="531"/>
+            <ac:picMk id="5" creationId="{197C3542-80BF-41D1-A7F9-4B93595EFC27}"/>
+          </ac:picMkLst>
+        </pc:picChg>
       </pc:sldChg>
       <pc:sldChg chg="new del ord">
         <pc:chgData name="Weifeng Xu" userId="e7aed605-a3dd-4d5a-a692-a87037af107b" providerId="ADAL" clId="{C93986A8-D257-46D5-A932-87F105AEF0C6}" dt="2021-08-15T20:03:50.489" v="1584" actId="47"/>
@@ -6203,11 +6265,35 @@
         </pc:sldMkLst>
       </pc:sldChg>
       <pc:sldChg chg="addSp modSp new mod modClrScheme chgLayout">
-        <pc:chgData name="Weifeng Xu" userId="e7aed605-a3dd-4d5a-a692-a87037af107b" providerId="ADAL" clId="{C93986A8-D257-46D5-A932-87F105AEF0C6}" dt="2021-08-15T03:25:03.390" v="1439" actId="14100"/>
+        <pc:chgData name="Weifeng Xu" userId="e7aed605-a3dd-4d5a-a692-a87037af107b" providerId="ADAL" clId="{C93986A8-D257-46D5-A932-87F105AEF0C6}" dt="2025-04-04T14:00:33.687" v="2245" actId="6549"/>
         <pc:sldMkLst>
           <pc:docMk/>
           <pc:sldMk cId="3578698584" sldId="538"/>
         </pc:sldMkLst>
+        <pc:spChg chg="mod">
+          <ac:chgData name="Weifeng Xu" userId="e7aed605-a3dd-4d5a-a692-a87037af107b" providerId="ADAL" clId="{C93986A8-D257-46D5-A932-87F105AEF0C6}" dt="2025-04-04T13:58:23.556" v="2199"/>
+          <ac:spMkLst>
+            <pc:docMk/>
+            <pc:sldMk cId="3578698584" sldId="538"/>
+            <ac:spMk id="2" creationId="{6B49195F-7102-4A8A-9EB1-A1496331F1E0}"/>
+          </ac:spMkLst>
+        </pc:spChg>
+        <pc:spChg chg="mod">
+          <ac:chgData name="Weifeng Xu" userId="e7aed605-a3dd-4d5a-a692-a87037af107b" providerId="ADAL" clId="{C93986A8-D257-46D5-A932-87F105AEF0C6}" dt="2025-04-04T14:00:33.687" v="2245" actId="6549"/>
+          <ac:spMkLst>
+            <pc:docMk/>
+            <pc:sldMk cId="3578698584" sldId="538"/>
+            <ac:spMk id="3" creationId="{C23843C1-37EF-48E2-BABB-BC35C0982C70}"/>
+          </ac:spMkLst>
+        </pc:spChg>
+        <pc:picChg chg="mod">
+          <ac:chgData name="Weifeng Xu" userId="e7aed605-a3dd-4d5a-a692-a87037af107b" providerId="ADAL" clId="{C93986A8-D257-46D5-A932-87F105AEF0C6}" dt="2025-04-04T13:59:00.379" v="2206" actId="1076"/>
+          <ac:picMkLst>
+            <pc:docMk/>
+            <pc:sldMk cId="3578698584" sldId="538"/>
+            <ac:picMk id="5" creationId="{744FB812-8BF0-440C-B7DF-844E2376C7FE}"/>
+          </ac:picMkLst>
+        </pc:picChg>
       </pc:sldChg>
       <pc:sldChg chg="addSp delSp modSp new mod modClrScheme chgLayout">
         <pc:chgData name="Weifeng Xu" userId="e7aed605-a3dd-4d5a-a692-a87037af107b" providerId="ADAL" clId="{C93986A8-D257-46D5-A932-87F105AEF0C6}" dt="2021-08-15T03:28:20.644" v="1504" actId="20577"/>
@@ -6215,6 +6301,223 @@
           <pc:docMk/>
           <pc:sldMk cId="1495699096" sldId="539"/>
         </pc:sldMkLst>
+      </pc:sldChg>
+      <pc:sldChg chg="addSp delSp modSp new mod modClrScheme chgLayout">
+        <pc:chgData name="Weifeng Xu" userId="e7aed605-a3dd-4d5a-a692-a87037af107b" providerId="ADAL" clId="{C93986A8-D257-46D5-A932-87F105AEF0C6}" dt="2025-04-04T13:15:48.384" v="2050" actId="6549"/>
+        <pc:sldMkLst>
+          <pc:docMk/>
+          <pc:sldMk cId="1777753340" sldId="540"/>
+        </pc:sldMkLst>
+        <pc:spChg chg="add mod">
+          <ac:chgData name="Weifeng Xu" userId="e7aed605-a3dd-4d5a-a692-a87037af107b" providerId="ADAL" clId="{C93986A8-D257-46D5-A932-87F105AEF0C6}" dt="2025-04-04T12:31:09.022" v="1691" actId="20577"/>
+          <ac:spMkLst>
+            <pc:docMk/>
+            <pc:sldMk cId="1777753340" sldId="540"/>
+            <ac:spMk id="2" creationId="{138D4EDD-C7BC-95D0-61BC-C933AEC0544E}"/>
+          </ac:spMkLst>
+        </pc:spChg>
+        <pc:spChg chg="add del mod">
+          <ac:chgData name="Weifeng Xu" userId="e7aed605-a3dd-4d5a-a692-a87037af107b" providerId="ADAL" clId="{C93986A8-D257-46D5-A932-87F105AEF0C6}" dt="2025-04-04T13:15:48.384" v="2050" actId="6549"/>
+          <ac:spMkLst>
+            <pc:docMk/>
+            <pc:sldMk cId="1777753340" sldId="540"/>
+            <ac:spMk id="3" creationId="{CA9DD39F-AA11-B44D-9E18-32778265BD4B}"/>
+          </ac:spMkLst>
+        </pc:spChg>
+        <pc:spChg chg="add mod">
+          <ac:chgData name="Weifeng Xu" userId="e7aed605-a3dd-4d5a-a692-a87037af107b" providerId="ADAL" clId="{C93986A8-D257-46D5-A932-87F105AEF0C6}" dt="2025-04-04T12:27:40.774" v="1625"/>
+          <ac:spMkLst>
+            <pc:docMk/>
+            <pc:sldMk cId="1777753340" sldId="540"/>
+            <ac:spMk id="4" creationId="{BE28224E-07EA-037E-7BF8-FC907D85FAA2}"/>
+          </ac:spMkLst>
+        </pc:spChg>
+      </pc:sldChg>
+      <pc:sldChg chg="modSp add mod">
+        <pc:chgData name="Weifeng Xu" userId="e7aed605-a3dd-4d5a-a692-a87037af107b" providerId="ADAL" clId="{C93986A8-D257-46D5-A932-87F105AEF0C6}" dt="2025-04-04T13:41:31.933" v="2185" actId="20577"/>
+        <pc:sldMkLst>
+          <pc:docMk/>
+          <pc:sldMk cId="747876307" sldId="541"/>
+        </pc:sldMkLst>
+        <pc:spChg chg="mod">
+          <ac:chgData name="Weifeng Xu" userId="e7aed605-a3dd-4d5a-a692-a87037af107b" providerId="ADAL" clId="{C93986A8-D257-46D5-A932-87F105AEF0C6}" dt="2025-04-04T13:41:31.933" v="2185" actId="20577"/>
+          <ac:spMkLst>
+            <pc:docMk/>
+            <pc:sldMk cId="747876307" sldId="541"/>
+            <ac:spMk id="2" creationId="{DB2743EB-F407-1D19-C005-E1425EFA3E03}"/>
+          </ac:spMkLst>
+        </pc:spChg>
+        <pc:spChg chg="mod">
+          <ac:chgData name="Weifeng Xu" userId="e7aed605-a3dd-4d5a-a692-a87037af107b" providerId="ADAL" clId="{C93986A8-D257-46D5-A932-87F105AEF0C6}" dt="2025-04-04T12:33:36.881" v="1730" actId="207"/>
+          <ac:spMkLst>
+            <pc:docMk/>
+            <pc:sldMk cId="747876307" sldId="541"/>
+            <ac:spMk id="3" creationId="{4B0390EF-709E-BFDF-FD22-0C2C0F3AEB43}"/>
+          </ac:spMkLst>
+        </pc:spChg>
+      </pc:sldChg>
+      <pc:sldChg chg="modSp add mod">
+        <pc:chgData name="Weifeng Xu" userId="e7aed605-a3dd-4d5a-a692-a87037af107b" providerId="ADAL" clId="{C93986A8-D257-46D5-A932-87F105AEF0C6}" dt="2025-04-04T13:41:36.232" v="2187" actId="20577"/>
+        <pc:sldMkLst>
+          <pc:docMk/>
+          <pc:sldMk cId="1556875773" sldId="542"/>
+        </pc:sldMkLst>
+        <pc:spChg chg="mod">
+          <ac:chgData name="Weifeng Xu" userId="e7aed605-a3dd-4d5a-a692-a87037af107b" providerId="ADAL" clId="{C93986A8-D257-46D5-A932-87F105AEF0C6}" dt="2025-04-04T13:41:36.232" v="2187" actId="20577"/>
+          <ac:spMkLst>
+            <pc:docMk/>
+            <pc:sldMk cId="1556875773" sldId="542"/>
+            <ac:spMk id="2" creationId="{CB2B2C99-33FF-6666-DF71-1CD1BA2B73B1}"/>
+          </ac:spMkLst>
+        </pc:spChg>
+        <pc:spChg chg="mod">
+          <ac:chgData name="Weifeng Xu" userId="e7aed605-a3dd-4d5a-a692-a87037af107b" providerId="ADAL" clId="{C93986A8-D257-46D5-A932-87F105AEF0C6}" dt="2025-04-04T12:36:58.023" v="1796" actId="108"/>
+          <ac:spMkLst>
+            <pc:docMk/>
+            <pc:sldMk cId="1556875773" sldId="542"/>
+            <ac:spMk id="3" creationId="{A8473B7E-4B8F-4067-4420-1D17DC2FB680}"/>
+          </ac:spMkLst>
+        </pc:spChg>
+      </pc:sldChg>
+      <pc:sldChg chg="addSp delSp modSp new mod modClrScheme chgLayout">
+        <pc:chgData name="Weifeng Xu" userId="e7aed605-a3dd-4d5a-a692-a87037af107b" providerId="ADAL" clId="{C93986A8-D257-46D5-A932-87F105AEF0C6}" dt="2025-04-04T13:33:33.299" v="2107" actId="20577"/>
+        <pc:sldMkLst>
+          <pc:docMk/>
+          <pc:sldMk cId="250569170" sldId="543"/>
+        </pc:sldMkLst>
+        <pc:spChg chg="del mod ord">
+          <ac:chgData name="Weifeng Xu" userId="e7aed605-a3dd-4d5a-a692-a87037af107b" providerId="ADAL" clId="{C93986A8-D257-46D5-A932-87F105AEF0C6}" dt="2025-04-04T12:48:33.581" v="1798" actId="700"/>
+          <ac:spMkLst>
+            <pc:docMk/>
+            <pc:sldMk cId="250569170" sldId="543"/>
+            <ac:spMk id="2" creationId="{9B23613D-BE3C-865E-D3CB-8C7FFED1A7E0}"/>
+          </ac:spMkLst>
+        </pc:spChg>
+        <pc:spChg chg="del">
+          <ac:chgData name="Weifeng Xu" userId="e7aed605-a3dd-4d5a-a692-a87037af107b" providerId="ADAL" clId="{C93986A8-D257-46D5-A932-87F105AEF0C6}" dt="2025-04-04T12:48:33.581" v="1798" actId="700"/>
+          <ac:spMkLst>
+            <pc:docMk/>
+            <pc:sldMk cId="250569170" sldId="543"/>
+            <ac:spMk id="3" creationId="{41D00BC0-5680-D6CE-4481-51A80D11DE0A}"/>
+          </ac:spMkLst>
+        </pc:spChg>
+        <pc:spChg chg="add mod ord">
+          <ac:chgData name="Weifeng Xu" userId="e7aed605-a3dd-4d5a-a692-a87037af107b" providerId="ADAL" clId="{C93986A8-D257-46D5-A932-87F105AEF0C6}" dt="2025-04-04T13:18:27.060" v="2090" actId="20577"/>
+          <ac:spMkLst>
+            <pc:docMk/>
+            <pc:sldMk cId="250569170" sldId="543"/>
+            <ac:spMk id="4" creationId="{EA6A5203-A9FD-66C1-E0A2-9F6CA7F4B282}"/>
+          </ac:spMkLst>
+        </pc:spChg>
+        <pc:spChg chg="add mod ord">
+          <ac:chgData name="Weifeng Xu" userId="e7aed605-a3dd-4d5a-a692-a87037af107b" providerId="ADAL" clId="{C93986A8-D257-46D5-A932-87F105AEF0C6}" dt="2025-04-04T13:33:33.299" v="2107" actId="20577"/>
+          <ac:spMkLst>
+            <pc:docMk/>
+            <pc:sldMk cId="250569170" sldId="543"/>
+            <ac:spMk id="7" creationId="{4762B4CC-C8A3-E596-5B4C-B8E7DDAF1B29}"/>
+          </ac:spMkLst>
+        </pc:spChg>
+        <pc:picChg chg="add mod modCrop">
+          <ac:chgData name="Weifeng Xu" userId="e7aed605-a3dd-4d5a-a692-a87037af107b" providerId="ADAL" clId="{C93986A8-D257-46D5-A932-87F105AEF0C6}" dt="2025-04-04T12:52:27.197" v="1808" actId="14100"/>
+          <ac:picMkLst>
+            <pc:docMk/>
+            <pc:sldMk cId="250569170" sldId="543"/>
+            <ac:picMk id="6" creationId="{B9BA693B-F3DC-A556-CB54-147E0A523A35}"/>
+          </ac:picMkLst>
+        </pc:picChg>
+        <pc:cxnChg chg="add mod">
+          <ac:chgData name="Weifeng Xu" userId="e7aed605-a3dd-4d5a-a692-a87037af107b" providerId="ADAL" clId="{C93986A8-D257-46D5-A932-87F105AEF0C6}" dt="2025-04-04T12:54:38.758" v="1860" actId="13822"/>
+          <ac:cxnSpMkLst>
+            <pc:docMk/>
+            <pc:sldMk cId="250569170" sldId="543"/>
+            <ac:cxnSpMk id="9" creationId="{B6E557D2-59A7-FF7E-26F6-0E9D10A3AB09}"/>
+          </ac:cxnSpMkLst>
+        </pc:cxnChg>
+      </pc:sldChg>
+      <pc:sldChg chg="addSp delSp modSp new mod modClrScheme chgLayout">
+        <pc:chgData name="Weifeng Xu" userId="e7aed605-a3dd-4d5a-a692-a87037af107b" providerId="ADAL" clId="{C93986A8-D257-46D5-A932-87F105AEF0C6}" dt="2025-04-04T13:00:58.691" v="1968" actId="207"/>
+        <pc:sldMkLst>
+          <pc:docMk/>
+          <pc:sldMk cId="1161210120" sldId="544"/>
+        </pc:sldMkLst>
+        <pc:spChg chg="del">
+          <ac:chgData name="Weifeng Xu" userId="e7aed605-a3dd-4d5a-a692-a87037af107b" providerId="ADAL" clId="{C93986A8-D257-46D5-A932-87F105AEF0C6}" dt="2025-04-04T12:57:45.635" v="1916" actId="700"/>
+          <ac:spMkLst>
+            <pc:docMk/>
+            <pc:sldMk cId="1161210120" sldId="544"/>
+            <ac:spMk id="2" creationId="{E6E09D63-39F4-D505-1BD6-1E047B42B4EE}"/>
+          </ac:spMkLst>
+        </pc:spChg>
+        <pc:spChg chg="del">
+          <ac:chgData name="Weifeng Xu" userId="e7aed605-a3dd-4d5a-a692-a87037af107b" providerId="ADAL" clId="{C93986A8-D257-46D5-A932-87F105AEF0C6}" dt="2025-04-04T12:57:45.635" v="1916" actId="700"/>
+          <ac:spMkLst>
+            <pc:docMk/>
+            <pc:sldMk cId="1161210120" sldId="544"/>
+            <ac:spMk id="3" creationId="{21356D23-13DF-4285-74BC-047BBDBEFF65}"/>
+          </ac:spMkLst>
+        </pc:spChg>
+        <pc:spChg chg="add mod">
+          <ac:chgData name="Weifeng Xu" userId="e7aed605-a3dd-4d5a-a692-a87037af107b" providerId="ADAL" clId="{C93986A8-D257-46D5-A932-87F105AEF0C6}" dt="2025-04-04T13:00:58.691" v="1968" actId="207"/>
+          <ac:spMkLst>
+            <pc:docMk/>
+            <pc:sldMk cId="1161210120" sldId="544"/>
+            <ac:spMk id="8" creationId="{0ACA8700-8A72-F9B0-199D-8DB49D896527}"/>
+          </ac:spMkLst>
+        </pc:spChg>
+        <pc:picChg chg="add mod">
+          <ac:chgData name="Weifeng Xu" userId="e7aed605-a3dd-4d5a-a692-a87037af107b" providerId="ADAL" clId="{C93986A8-D257-46D5-A932-87F105AEF0C6}" dt="2025-04-04T12:59:16.434" v="1921" actId="14100"/>
+          <ac:picMkLst>
+            <pc:docMk/>
+            <pc:sldMk cId="1161210120" sldId="544"/>
+            <ac:picMk id="5" creationId="{40B1DCDE-C125-2F8A-8A40-14DE7D76BABB}"/>
+          </ac:picMkLst>
+        </pc:picChg>
+        <pc:picChg chg="add mod">
+          <ac:chgData name="Weifeng Xu" userId="e7aed605-a3dd-4d5a-a692-a87037af107b" providerId="ADAL" clId="{C93986A8-D257-46D5-A932-87F105AEF0C6}" dt="2025-04-04T13:00:13.865" v="1925" actId="1076"/>
+          <ac:picMkLst>
+            <pc:docMk/>
+            <pc:sldMk cId="1161210120" sldId="544"/>
+            <ac:picMk id="7" creationId="{1581DD33-245D-3949-4A5D-34BD40E20D8A}"/>
+          </ac:picMkLst>
+        </pc:picChg>
+      </pc:sldChg>
+      <pc:sldChg chg="modSp add mod">
+        <pc:chgData name="Weifeng Xu" userId="e7aed605-a3dd-4d5a-a692-a87037af107b" providerId="ADAL" clId="{C93986A8-D257-46D5-A932-87F105AEF0C6}" dt="2025-04-04T13:46:38.529" v="2188"/>
+        <pc:sldMkLst>
+          <pc:docMk/>
+          <pc:sldMk cId="780716649" sldId="545"/>
+        </pc:sldMkLst>
+        <pc:spChg chg="mod">
+          <ac:chgData name="Weifeng Xu" userId="e7aed605-a3dd-4d5a-a692-a87037af107b" providerId="ADAL" clId="{C93986A8-D257-46D5-A932-87F105AEF0C6}" dt="2025-04-04T13:46:38.529" v="2188"/>
+          <ac:spMkLst>
+            <pc:docMk/>
+            <pc:sldMk cId="780716649" sldId="545"/>
+            <ac:spMk id="2" creationId="{209AFAE7-F693-F564-6C72-5B4B238D07F3}"/>
+          </ac:spMkLst>
+        </pc:spChg>
+      </pc:sldChg>
+      <pc:sldChg chg="modSp add mod">
+        <pc:chgData name="Weifeng Xu" userId="e7aed605-a3dd-4d5a-a692-a87037af107b" providerId="ADAL" clId="{C93986A8-D257-46D5-A932-87F105AEF0C6}" dt="2025-04-04T13:41:08.006" v="2183" actId="207"/>
+        <pc:sldMkLst>
+          <pc:docMk/>
+          <pc:sldMk cId="2179553264" sldId="546"/>
+        </pc:sldMkLst>
+        <pc:spChg chg="mod">
+          <ac:chgData name="Weifeng Xu" userId="e7aed605-a3dd-4d5a-a692-a87037af107b" providerId="ADAL" clId="{C93986A8-D257-46D5-A932-87F105AEF0C6}" dt="2025-04-04T13:38:53.514" v="2157" actId="20577"/>
+          <ac:spMkLst>
+            <pc:docMk/>
+            <pc:sldMk cId="2179553264" sldId="546"/>
+            <ac:spMk id="2" creationId="{09AC0554-88CC-7991-D77C-A6992D81C3D7}"/>
+          </ac:spMkLst>
+        </pc:spChg>
+        <pc:spChg chg="mod">
+          <ac:chgData name="Weifeng Xu" userId="e7aed605-a3dd-4d5a-a692-a87037af107b" providerId="ADAL" clId="{C93986A8-D257-46D5-A932-87F105AEF0C6}" dt="2025-04-04T13:41:08.006" v="2183" actId="207"/>
+          <ac:spMkLst>
+            <pc:docMk/>
+            <pc:sldMk cId="2179553264" sldId="546"/>
+            <ac:spMk id="3" creationId="{0920B6B3-8143-0661-9D01-6424C7CD1AA6}"/>
+          </ac:spMkLst>
+        </pc:spChg>
       </pc:sldChg>
     </pc:docChg>
   </pc:docChgLst>
@@ -7264,7 +7567,7 @@
           <a:p>
             <a:fld id="{EE41F6E3-57F9-402E-BDBA-5B2DE11C8530}" type="datetimeFigureOut">
               <a:rPr lang="en-US" smtClean="0"/>
-              <a:t>1/1/2025</a:t>
+              <a:t>4/4/2025</a:t>
             </a:fld>
             <a:endParaRPr lang="en-US"/>
           </a:p>
@@ -7798,7 +8101,7 @@
           <a:p>
             <a:fld id="{DDBF98C7-164A-4723-84F0-B1E4B080DDEC}" type="slidenum">
               <a:rPr lang="en-US" smtClean="0"/>
-              <a:t>6</a:t>
+              <a:t>12</a:t>
             </a:fld>
             <a:endParaRPr lang="en-US"/>
           </a:p>
@@ -7891,7 +8194,7 @@
           <a:p>
             <a:fld id="{DDBF98C7-164A-4723-84F0-B1E4B080DDEC}" type="slidenum">
               <a:rPr lang="en-US" smtClean="0"/>
-              <a:t>7</a:t>
+              <a:t>13</a:t>
             </a:fld>
             <a:endParaRPr lang="en-US"/>
           </a:p>
@@ -7984,7 +8287,7 @@
           <a:p>
             <a:fld id="{DDBF98C7-164A-4723-84F0-B1E4B080DDEC}" type="slidenum">
               <a:rPr lang="en-US" smtClean="0"/>
-              <a:t>8</a:t>
+              <a:t>14</a:t>
             </a:fld>
             <a:endParaRPr lang="en-US"/>
           </a:p>
@@ -8132,7 +8435,7 @@
           <a:p>
             <a:fld id="{4263717A-E3C1-4BED-ABE0-B7069385E023}" type="datetimeFigureOut">
               <a:rPr lang="en-US" smtClean="0"/>
-              <a:t>1/1/2025</a:t>
+              <a:t>4/4/2025</a:t>
             </a:fld>
             <a:endParaRPr lang="en-US"/>
           </a:p>
@@ -8305,7 +8608,7 @@
           <a:p>
             <a:fld id="{4263717A-E3C1-4BED-ABE0-B7069385E023}" type="datetimeFigureOut">
               <a:rPr lang="en-US" smtClean="0"/>
-              <a:t>1/1/2025</a:t>
+              <a:t>4/4/2025</a:t>
             </a:fld>
             <a:endParaRPr lang="en-US"/>
           </a:p>
@@ -8483,7 +8786,7 @@
           <a:p>
             <a:fld id="{4263717A-E3C1-4BED-ABE0-B7069385E023}" type="datetimeFigureOut">
               <a:rPr lang="en-US" smtClean="0"/>
-              <a:t>1/1/2025</a:t>
+              <a:t>4/4/2025</a:t>
             </a:fld>
             <a:endParaRPr lang="en-US"/>
           </a:p>
@@ -8651,7 +8954,7 @@
           <a:p>
             <a:fld id="{4263717A-E3C1-4BED-ABE0-B7069385E023}" type="datetimeFigureOut">
               <a:rPr lang="en-US" smtClean="0"/>
-              <a:t>1/1/2025</a:t>
+              <a:t>4/4/2025</a:t>
             </a:fld>
             <a:endParaRPr lang="en-US"/>
           </a:p>
@@ -8896,7 +9199,7 @@
           <a:p>
             <a:fld id="{4263717A-E3C1-4BED-ABE0-B7069385E023}" type="datetimeFigureOut">
               <a:rPr lang="en-US" smtClean="0"/>
-              <a:t>1/1/2025</a:t>
+              <a:t>4/4/2025</a:t>
             </a:fld>
             <a:endParaRPr lang="en-US"/>
           </a:p>
@@ -9125,7 +9428,7 @@
           <a:p>
             <a:fld id="{4263717A-E3C1-4BED-ABE0-B7069385E023}" type="datetimeFigureOut">
               <a:rPr lang="en-US" smtClean="0"/>
-              <a:t>1/1/2025</a:t>
+              <a:t>4/4/2025</a:t>
             </a:fld>
             <a:endParaRPr lang="en-US"/>
           </a:p>
@@ -9489,7 +9792,7 @@
           <a:p>
             <a:fld id="{4263717A-E3C1-4BED-ABE0-B7069385E023}" type="datetimeFigureOut">
               <a:rPr lang="en-US" smtClean="0"/>
-              <a:t>1/1/2025</a:t>
+              <a:t>4/4/2025</a:t>
             </a:fld>
             <a:endParaRPr lang="en-US"/>
           </a:p>
@@ -9606,7 +9909,7 @@
           <a:p>
             <a:fld id="{4263717A-E3C1-4BED-ABE0-B7069385E023}" type="datetimeFigureOut">
               <a:rPr lang="en-US" smtClean="0"/>
-              <a:t>1/1/2025</a:t>
+              <a:t>4/4/2025</a:t>
             </a:fld>
             <a:endParaRPr lang="en-US"/>
           </a:p>
@@ -9701,7 +10004,7 @@
           <a:p>
             <a:fld id="{4263717A-E3C1-4BED-ABE0-B7069385E023}" type="datetimeFigureOut">
               <a:rPr lang="en-US" smtClean="0"/>
-              <a:t>1/1/2025</a:t>
+              <a:t>4/4/2025</a:t>
             </a:fld>
             <a:endParaRPr lang="en-US"/>
           </a:p>
@@ -9976,7 +10279,7 @@
           <a:p>
             <a:fld id="{4263717A-E3C1-4BED-ABE0-B7069385E023}" type="datetimeFigureOut">
               <a:rPr lang="en-US" smtClean="0"/>
-              <a:t>1/1/2025</a:t>
+              <a:t>4/4/2025</a:t>
             </a:fld>
             <a:endParaRPr lang="en-US"/>
           </a:p>
@@ -10228,7 +10531,7 @@
           <a:p>
             <a:fld id="{4263717A-E3C1-4BED-ABE0-B7069385E023}" type="datetimeFigureOut">
               <a:rPr lang="en-US" smtClean="0"/>
-              <a:t>1/1/2025</a:t>
+              <a:t>4/4/2025</a:t>
             </a:fld>
             <a:endParaRPr lang="en-US"/>
           </a:p>
@@ -10439,7 +10742,7 @@
           <a:p>
             <a:fld id="{4263717A-E3C1-4BED-ABE0-B7069385E023}" type="datetimeFigureOut">
               <a:rPr lang="en-US" smtClean="0"/>
-              <a:t>1/1/2025</a:t>
+              <a:t>4/4/2025</a:t>
             </a:fld>
             <a:endParaRPr lang="en-US"/>
           </a:p>
@@ -11031,7 +11334,7 @@
           <a:p>
             <a:r>
               <a:rPr lang="en-US" dirty="0"/>
-              <a:t>GMS Apps/Packages Investigations</a:t>
+              <a:t>GMS Apps Investigations</a:t>
             </a:r>
           </a:p>
         </p:txBody>
@@ -11134,10 +11437,10 @@
       </p:grpSpPr>
       <p:sp>
         <p:nvSpPr>
-          <p:cNvPr id="2" name="Title 1">
+          <p:cNvPr id="4" name="Title 3">
             <a:extLst>
               <a:ext uri="{FF2B5EF4-FFF2-40B4-BE49-F238E27FC236}">
-                <a16:creationId xmlns:a16="http://schemas.microsoft.com/office/drawing/2014/main" id="{B487C63A-A947-476D-8037-F6FE72367F38}"/>
+                <a16:creationId xmlns:a16="http://schemas.microsoft.com/office/drawing/2014/main" id="{EA6A5203-A9FD-66C1-E0A2-9F6CA7F4B282}"/>
               </a:ext>
             </a:extLst>
           </p:cNvPr>
@@ -11154,18 +11457,34 @@
           <a:lstStyle/>
           <a:p>
             <a:r>
-              <a:rPr lang="en-US" dirty="0"/>
-              <a:t>What are frequently contacted phone numbers?</a:t>
+              <a:rPr lang="en-GB" dirty="0"/>
+              <a:t>Smart dial information in  </a:t>
+            </a:r>
+            <a:r>
+              <a:rPr lang="en-US" dirty="0" err="1">
+                <a:solidFill>
+                  <a:srgbClr val="7030A0"/>
+                </a:solidFill>
+              </a:rPr>
+              <a:t>dialer.db</a:t>
+            </a:r>
+            <a:r>
+              <a:rPr lang="en-US" dirty="0">
+                <a:solidFill>
+                  <a:srgbClr val="7030A0"/>
+                </a:solidFill>
+              </a:rPr>
+              <a:t> </a:t>
             </a:r>
           </a:p>
         </p:txBody>
       </p:sp>
       <p:sp>
         <p:nvSpPr>
-          <p:cNvPr id="3" name="Content Placeholder 2">
+          <p:cNvPr id="7" name="Content Placeholder 6">
             <a:extLst>
               <a:ext uri="{FF2B5EF4-FFF2-40B4-BE49-F238E27FC236}">
-                <a16:creationId xmlns:a16="http://schemas.microsoft.com/office/drawing/2014/main" id="{46050840-3675-42B7-ABBF-DC64E0C8F5A6}"/>
+                <a16:creationId xmlns:a16="http://schemas.microsoft.com/office/drawing/2014/main" id="{4762B4CC-C8A3-E596-5B4C-B8E7DDAF1B29}"/>
               </a:ext>
             </a:extLst>
           </p:cNvPr>
@@ -11178,17 +11497,149 @@
         </p:nvSpPr>
         <p:spPr>
           <a:xfrm>
-            <a:off x="838200" y="1825625"/>
-            <a:ext cx="3465443" cy="4351338"/>
+            <a:off x="5120640" y="1825625"/>
+            <a:ext cx="6233160" cy="4351338"/>
           </a:xfrm>
         </p:spPr>
         <p:txBody>
-          <a:bodyPr/>
+          <a:bodyPr>
+            <a:normAutofit fontScale="92500" lnSpcReduction="10000"/>
+          </a:bodyPr>
           <a:lstStyle/>
           <a:p>
             <a:r>
               <a:rPr lang="en-GB" dirty="0"/>
-              <a:t>When you try and share photos or anything from Google pixel, you will see suggested contacts pops up with several frequently contacted people in the phone</a:t>
+              <a:t>"smart dial" functionality</a:t>
+            </a:r>
+          </a:p>
+          <a:p>
+            <a:pPr lvl="1"/>
+            <a:r>
+              <a:rPr lang="en-GB" dirty="0"/>
+              <a:t> Allows users to quickly find contacts by typing a portion of a name or number, with the app suggesting matches as they type.</a:t>
+            </a:r>
+          </a:p>
+          <a:p>
+            <a:r>
+              <a:rPr lang="en-GB" dirty="0"/>
+              <a:t>Provides detailed information about frequently </a:t>
+            </a:r>
+            <a:r>
+              <a:rPr lang="en-GB" dirty="0" err="1"/>
+              <a:t>dialed</a:t>
+            </a:r>
+            <a:r>
+              <a:rPr lang="en-GB" dirty="0"/>
+              <a:t> or interacted-with contacts</a:t>
+            </a:r>
+          </a:p>
+          <a:p>
+            <a:pPr lvl="1"/>
+            <a:r>
+              <a:rPr lang="en-GB" dirty="0"/>
+              <a:t>including usage patterns (</a:t>
+            </a:r>
+            <a:r>
+              <a:rPr lang="en-GB" dirty="0" err="1">
+                <a:solidFill>
+                  <a:srgbClr val="7030A0"/>
+                </a:solidFill>
+              </a:rPr>
+              <a:t>last_time_used</a:t>
+            </a:r>
+            <a:r>
+              <a:rPr lang="en-GB" dirty="0"/>
+              <a:t>, </a:t>
+            </a:r>
+            <a:r>
+              <a:rPr lang="en-GB" dirty="0" err="1">
+                <a:solidFill>
+                  <a:srgbClr val="7030A0"/>
+                </a:solidFill>
+              </a:rPr>
+              <a:t>times_used</a:t>
+            </a:r>
+            <a:r>
+              <a:rPr lang="en-GB" dirty="0"/>
+              <a:t>). </a:t>
+            </a:r>
+          </a:p>
+          <a:p>
+            <a:pPr lvl="1"/>
+            <a:r>
+              <a:rPr lang="en-GB" dirty="0" err="1">
+                <a:solidFill>
+                  <a:srgbClr val="7030A0"/>
+                </a:solidFill>
+              </a:rPr>
+              <a:t>contact_id</a:t>
+            </a:r>
+            <a:r>
+              <a:rPr lang="en-GB" dirty="0">
+                <a:solidFill>
+                  <a:srgbClr val="7030A0"/>
+                </a:solidFill>
+              </a:rPr>
+              <a:t> </a:t>
+            </a:r>
+            <a:r>
+              <a:rPr lang="en-GB" dirty="0"/>
+              <a:t>and </a:t>
+            </a:r>
+            <a:r>
+              <a:rPr lang="en-GB" dirty="0" err="1">
+                <a:solidFill>
+                  <a:srgbClr val="7030A0"/>
+                </a:solidFill>
+              </a:rPr>
+              <a:t>lookup_key</a:t>
+            </a:r>
+            <a:r>
+              <a:rPr lang="en-GB" dirty="0">
+                <a:solidFill>
+                  <a:srgbClr val="7030A0"/>
+                </a:solidFill>
+              </a:rPr>
+              <a:t> </a:t>
+            </a:r>
+            <a:r>
+              <a:rPr lang="en-GB" dirty="0"/>
+              <a:t>can link to the Android Contacts database, </a:t>
+            </a:r>
+          </a:p>
+          <a:p>
+            <a:pPr lvl="1"/>
+            <a:r>
+              <a:rPr lang="en-GB" dirty="0">
+                <a:solidFill>
+                  <a:srgbClr val="7030A0"/>
+                </a:solidFill>
+              </a:rPr>
+              <a:t>starred</a:t>
+            </a:r>
+            <a:r>
+              <a:rPr lang="en-GB" dirty="0"/>
+              <a:t> or </a:t>
+            </a:r>
+            <a:r>
+              <a:rPr lang="en-GB" dirty="0" err="1">
+                <a:solidFill>
+                  <a:srgbClr val="7030A0"/>
+                </a:solidFill>
+              </a:rPr>
+              <a:t>is_primary</a:t>
+            </a:r>
+            <a:r>
+              <a:rPr lang="en-GB" dirty="0">
+                <a:solidFill>
+                  <a:srgbClr val="7030A0"/>
+                </a:solidFill>
+              </a:rPr>
+              <a:t> </a:t>
+            </a:r>
+            <a:r>
+              <a:rPr lang="en-GB" dirty="0"/>
+              <a:t>can indicate important contacts.</a:t>
             </a:r>
             <a:endParaRPr lang="en-US" dirty="0"/>
           </a:p>
@@ -11196,10 +11647,10 @@
       </p:sp>
       <p:pic>
         <p:nvPicPr>
-          <p:cNvPr id="5" name="Picture 4" descr="Text&#10;&#10;Description automatically generated">
+          <p:cNvPr id="6" name="Picture 5">
             <a:extLst>
               <a:ext uri="{FF2B5EF4-FFF2-40B4-BE49-F238E27FC236}">
-                <a16:creationId xmlns:a16="http://schemas.microsoft.com/office/drawing/2014/main" id="{197C3542-80BF-41D1-A7F9-4B93595EFC27}"/>
+                <a16:creationId xmlns:a16="http://schemas.microsoft.com/office/drawing/2014/main" id="{B9BA693B-F3DC-A556-CB54-147E0A523A35}"/>
               </a:ext>
             </a:extLst>
           </p:cNvPr>
@@ -11210,24 +11661,62 @@
         </p:nvPicPr>
         <p:blipFill>
           <a:blip r:embed="rId2"/>
-          <a:stretch>
-            <a:fillRect/>
-          </a:stretch>
+          <a:srcRect r="31944"/>
+          <a:stretch/>
         </p:blipFill>
         <p:spPr>
           <a:xfrm>
-            <a:off x="4499542" y="1938014"/>
-            <a:ext cx="7127078" cy="3578204"/>
+            <a:off x="838200" y="2114451"/>
+            <a:ext cx="3649157" cy="3156795"/>
           </a:xfrm>
           <a:prstGeom prst="rect">
             <a:avLst/>
           </a:prstGeom>
         </p:spPr>
       </p:pic>
+      <p:cxnSp>
+        <p:nvCxnSpPr>
+          <p:cNvPr id="9" name="Straight Arrow Connector 8">
+            <a:extLst>
+              <a:ext uri="{FF2B5EF4-FFF2-40B4-BE49-F238E27FC236}">
+                <a16:creationId xmlns:a16="http://schemas.microsoft.com/office/drawing/2014/main" id="{B6E557D2-59A7-FF7E-26F6-0E9D10A3AB09}"/>
+              </a:ext>
+            </a:extLst>
+          </p:cNvPr>
+          <p:cNvCxnSpPr/>
+          <p:nvPr/>
+        </p:nvCxnSpPr>
+        <p:spPr>
+          <a:xfrm flipH="1">
+            <a:off x="3575957" y="2114451"/>
+            <a:ext cx="1690007" cy="2351413"/>
+          </a:xfrm>
+          <a:prstGeom prst="straightConnector1">
+            <a:avLst/>
+          </a:prstGeom>
+          <a:ln>
+            <a:tailEnd type="triangle"/>
+          </a:ln>
+        </p:spPr>
+        <p:style>
+          <a:lnRef idx="1">
+            <a:schemeClr val="accent2"/>
+          </a:lnRef>
+          <a:fillRef idx="0">
+            <a:schemeClr val="accent2"/>
+          </a:fillRef>
+          <a:effectRef idx="0">
+            <a:schemeClr val="accent2"/>
+          </a:effectRef>
+          <a:fontRef idx="minor">
+            <a:schemeClr val="tx1"/>
+          </a:fontRef>
+        </p:style>
+      </p:cxnSp>
     </p:spTree>
     <p:extLst>
       <p:ext uri="{BB962C8B-B14F-4D97-AF65-F5344CB8AC3E}">
-        <p14:creationId xmlns:p14="http://schemas.microsoft.com/office/powerpoint/2010/main" val="1903883902"/>
+        <p14:creationId xmlns:p14="http://schemas.microsoft.com/office/powerpoint/2010/main" val="250569170"/>
       </p:ext>
     </p:extLst>
   </p:cSld>
@@ -11259,7 +11748,7 @@
           <p:cNvPr id="5" name="Picture 4">
             <a:extLst>
               <a:ext uri="{FF2B5EF4-FFF2-40B4-BE49-F238E27FC236}">
-                <a16:creationId xmlns:a16="http://schemas.microsoft.com/office/drawing/2014/main" id="{B6E8D264-4C74-474A-A296-BB94A94F3701}"/>
+                <a16:creationId xmlns:a16="http://schemas.microsoft.com/office/drawing/2014/main" id="{40B1DCDE-C125-2F8A-8A40-14DE7D76BABB}"/>
               </a:ext>
             </a:extLst>
           </p:cNvPr>
@@ -11276,8 +11765,8 @@
         </p:blipFill>
         <p:spPr>
           <a:xfrm>
-            <a:off x="902811" y="1464422"/>
-            <a:ext cx="10386378" cy="588967"/>
+            <a:off x="766024" y="1842899"/>
+            <a:ext cx="10198611" cy="1607613"/>
           </a:xfrm>
           <a:prstGeom prst="rect">
             <a:avLst/>
@@ -11289,7 +11778,7 @@
           <p:cNvPr id="7" name="Picture 6">
             <a:extLst>
               <a:ext uri="{FF2B5EF4-FFF2-40B4-BE49-F238E27FC236}">
-                <a16:creationId xmlns:a16="http://schemas.microsoft.com/office/drawing/2014/main" id="{81948891-9473-453B-9BA1-3E792311A3A6}"/>
+                <a16:creationId xmlns:a16="http://schemas.microsoft.com/office/drawing/2014/main" id="{1581DD33-245D-3949-4A5D-34BD40E20D8A}"/>
               </a:ext>
             </a:extLst>
           </p:cNvPr>
@@ -11306,38 +11795,8 @@
         </p:blipFill>
         <p:spPr>
           <a:xfrm>
-            <a:off x="902812" y="2053389"/>
-            <a:ext cx="10386377" cy="1063478"/>
-          </a:xfrm>
-          <a:prstGeom prst="rect">
-            <a:avLst/>
-          </a:prstGeom>
-        </p:spPr>
-      </p:pic>
-      <p:pic>
-        <p:nvPicPr>
-          <p:cNvPr id="9" name="Picture 8" descr="Graphical user interface&#10;&#10;Description automatically generated">
-            <a:extLst>
-              <a:ext uri="{FF2B5EF4-FFF2-40B4-BE49-F238E27FC236}">
-                <a16:creationId xmlns:a16="http://schemas.microsoft.com/office/drawing/2014/main" id="{6DD4813B-5125-4D6A-A084-E6DA8E69E478}"/>
-              </a:ext>
-            </a:extLst>
-          </p:cNvPr>
-          <p:cNvPicPr>
-            <a:picLocks noChangeAspect="1"/>
-          </p:cNvPicPr>
-          <p:nvPr/>
-        </p:nvPicPr>
-        <p:blipFill>
-          <a:blip r:embed="rId4"/>
-          <a:stretch>
-            <a:fillRect/>
-          </a:stretch>
-        </p:blipFill>
-        <p:spPr>
-          <a:xfrm>
-            <a:off x="902811" y="3741133"/>
-            <a:ext cx="4557978" cy="1611097"/>
+            <a:off x="766024" y="4178121"/>
+            <a:ext cx="7128840" cy="1464703"/>
           </a:xfrm>
           <a:prstGeom prst="rect">
             <a:avLst/>
@@ -11346,10 +11805,10 @@
       </p:pic>
       <p:sp>
         <p:nvSpPr>
-          <p:cNvPr id="10" name="TextBox 9">
+          <p:cNvPr id="8" name="TextBox 7">
             <a:extLst>
               <a:ext uri="{FF2B5EF4-FFF2-40B4-BE49-F238E27FC236}">
-                <a16:creationId xmlns:a16="http://schemas.microsoft.com/office/drawing/2014/main" id="{7F7F070B-1F7C-4E84-8ECE-5AEC9881D33C}"/>
+                <a16:creationId xmlns:a16="http://schemas.microsoft.com/office/drawing/2014/main" id="{0ACA8700-8A72-F9B0-199D-8DB49D896527}"/>
               </a:ext>
             </a:extLst>
           </p:cNvPr>
@@ -11358,872 +11817,8 @@
         </p:nvSpPr>
         <p:spPr>
           <a:xfrm>
-            <a:off x="902811" y="1095090"/>
-            <a:ext cx="3238644" cy="369332"/>
-          </a:xfrm>
-          <a:prstGeom prst="rect">
-            <a:avLst/>
-          </a:prstGeom>
-          <a:solidFill>
-            <a:schemeClr val="accent4"/>
-          </a:solidFill>
-        </p:spPr>
-        <p:txBody>
-          <a:bodyPr wrap="none" rtlCol="0">
-            <a:spAutoFit/>
-          </a:bodyPr>
-          <a:lstStyle/>
-          <a:p>
-            <a:r>
-              <a:rPr lang="en-US" dirty="0"/>
-              <a:t>Open </a:t>
-            </a:r>
-            <a:r>
-              <a:rPr lang="en-US" i="1" dirty="0" err="1">
-                <a:solidFill>
-                  <a:srgbClr val="7030A0"/>
-                </a:solidFill>
-              </a:rPr>
-              <a:t>suggest_contact_database</a:t>
-            </a:r>
-            <a:endParaRPr lang="en-US" i="1" dirty="0">
-              <a:solidFill>
-                <a:srgbClr val="7030A0"/>
-              </a:solidFill>
-            </a:endParaRPr>
-          </a:p>
-        </p:txBody>
-      </p:sp>
-      <p:sp>
-        <p:nvSpPr>
-          <p:cNvPr id="11" name="TextBox 10">
-            <a:extLst>
-              <a:ext uri="{FF2B5EF4-FFF2-40B4-BE49-F238E27FC236}">
-                <a16:creationId xmlns:a16="http://schemas.microsoft.com/office/drawing/2014/main" id="{0DB459A9-0ECB-4DD7-AF6C-9594EE7D9625}"/>
-              </a:ext>
-            </a:extLst>
-          </p:cNvPr>
-          <p:cNvSpPr txBox="1"/>
-          <p:nvPr/>
-        </p:nvSpPr>
-        <p:spPr>
-          <a:xfrm>
-            <a:off x="902811" y="3371802"/>
-            <a:ext cx="4557979" cy="369332"/>
-          </a:xfrm>
-          <a:prstGeom prst="rect">
-            <a:avLst/>
-          </a:prstGeom>
-          <a:solidFill>
-            <a:schemeClr val="accent4"/>
-          </a:solidFill>
-        </p:spPr>
-        <p:txBody>
-          <a:bodyPr wrap="none" rtlCol="0">
-            <a:spAutoFit/>
-          </a:bodyPr>
-          <a:lstStyle/>
-          <a:p>
-            <a:r>
-              <a:rPr lang="en-US" dirty="0"/>
-              <a:t>Find </a:t>
-            </a:r>
-            <a:r>
-              <a:rPr lang="en-US" dirty="0" err="1"/>
-              <a:t>thefrequently</a:t>
-            </a:r>
-            <a:r>
-              <a:rPr lang="en-US" dirty="0"/>
-              <a:t> contacted phone numbers  </a:t>
-            </a:r>
-            <a:endParaRPr lang="en-US" i="1" dirty="0">
-              <a:solidFill>
-                <a:srgbClr val="7030A0"/>
-              </a:solidFill>
-            </a:endParaRPr>
-          </a:p>
-        </p:txBody>
-      </p:sp>
-    </p:spTree>
-    <p:extLst>
-      <p:ext uri="{BB962C8B-B14F-4D97-AF65-F5344CB8AC3E}">
-        <p14:creationId xmlns:p14="http://schemas.microsoft.com/office/powerpoint/2010/main" val="76325081"/>
-      </p:ext>
-    </p:extLst>
-  </p:cSld>
-  <p:clrMapOvr>
-    <a:masterClrMapping/>
-  </p:clrMapOvr>
-</p:sld>
-</file>
-
-<file path=ppt/slides/slide12.xml><?xml version="1.0" encoding="utf-8"?>
-<p:sld xmlns:a="http://schemas.openxmlformats.org/drawingml/2006/main" xmlns:r="http://schemas.openxmlformats.org/officeDocument/2006/relationships" xmlns:p="http://schemas.openxmlformats.org/presentationml/2006/main">
-  <p:cSld>
-    <p:spTree>
-      <p:nvGrpSpPr>
-        <p:cNvPr id="1" name=""/>
-        <p:cNvGrpSpPr/>
-        <p:nvPr/>
-      </p:nvGrpSpPr>
-      <p:grpSpPr>
-        <a:xfrm>
-          <a:off x="0" y="0"/>
-          <a:ext cx="0" cy="0"/>
-          <a:chOff x="0" y="0"/>
-          <a:chExt cx="0" cy="0"/>
-        </a:xfrm>
-      </p:grpSpPr>
-      <p:sp>
-        <p:nvSpPr>
-          <p:cNvPr id="2" name="Title 1">
-            <a:extLst>
-              <a:ext uri="{FF2B5EF4-FFF2-40B4-BE49-F238E27FC236}">
-                <a16:creationId xmlns:a16="http://schemas.microsoft.com/office/drawing/2014/main" id="{6B49195F-7102-4A8A-9EB1-A1496331F1E0}"/>
-              </a:ext>
-            </a:extLst>
-          </p:cNvPr>
-          <p:cNvSpPr>
-            <a:spLocks noGrp="1"/>
-          </p:cNvSpPr>
-          <p:nvPr>
-            <p:ph type="title"/>
-          </p:nvPr>
-        </p:nvSpPr>
-        <p:spPr/>
-        <p:txBody>
-          <a:bodyPr/>
-          <a:lstStyle/>
-          <a:p>
-            <a:r>
-              <a:rPr lang="en-US" dirty="0"/>
-              <a:t>List phone lookup history</a:t>
-            </a:r>
-          </a:p>
-        </p:txBody>
-      </p:sp>
-      <p:sp>
-        <p:nvSpPr>
-          <p:cNvPr id="3" name="Content Placeholder 2">
-            <a:extLst>
-              <a:ext uri="{FF2B5EF4-FFF2-40B4-BE49-F238E27FC236}">
-                <a16:creationId xmlns:a16="http://schemas.microsoft.com/office/drawing/2014/main" id="{C23843C1-37EF-48E2-BABB-BC35C0982C70}"/>
-              </a:ext>
-            </a:extLst>
-          </p:cNvPr>
-          <p:cNvSpPr>
-            <a:spLocks noGrp="1"/>
-          </p:cNvSpPr>
-          <p:nvPr>
-            <p:ph idx="1"/>
-          </p:nvPr>
-        </p:nvSpPr>
-        <p:spPr>
-          <a:xfrm>
-            <a:off x="838200" y="1825625"/>
-            <a:ext cx="10515600" cy="1026905"/>
-          </a:xfrm>
-        </p:spPr>
-        <p:txBody>
-          <a:bodyPr/>
-          <a:lstStyle/>
-          <a:p>
-            <a:r>
-              <a:rPr lang="en-US" dirty="0"/>
-              <a:t>The phone number is recorded when an entry of contact is saved/modified.</a:t>
-            </a:r>
-          </a:p>
-        </p:txBody>
-      </p:sp>
-      <p:pic>
-        <p:nvPicPr>
-          <p:cNvPr id="5" name="Picture 4" descr="Text&#10;&#10;Description automatically generated">
-            <a:extLst>
-              <a:ext uri="{FF2B5EF4-FFF2-40B4-BE49-F238E27FC236}">
-                <a16:creationId xmlns:a16="http://schemas.microsoft.com/office/drawing/2014/main" id="{744FB812-8BF0-440C-B7DF-844E2376C7FE}"/>
-              </a:ext>
-            </a:extLst>
-          </p:cNvPr>
-          <p:cNvPicPr>
-            <a:picLocks noChangeAspect="1"/>
-          </p:cNvPicPr>
-          <p:nvPr/>
-        </p:nvPicPr>
-        <p:blipFill>
-          <a:blip r:embed="rId2"/>
-          <a:stretch>
-            <a:fillRect/>
-          </a:stretch>
-        </p:blipFill>
-        <p:spPr>
-          <a:xfrm>
-            <a:off x="1094222" y="2852530"/>
-            <a:ext cx="6986828" cy="3488635"/>
-          </a:xfrm>
-          <a:prstGeom prst="rect">
-            <a:avLst/>
-          </a:prstGeom>
-        </p:spPr>
-      </p:pic>
-    </p:spTree>
-    <p:extLst>
-      <p:ext uri="{BB962C8B-B14F-4D97-AF65-F5344CB8AC3E}">
-        <p14:creationId xmlns:p14="http://schemas.microsoft.com/office/powerpoint/2010/main" val="3578698584"/>
-      </p:ext>
-    </p:extLst>
-  </p:cSld>
-  <p:clrMapOvr>
-    <a:masterClrMapping/>
-  </p:clrMapOvr>
-</p:sld>
-</file>
-
-<file path=ppt/slides/slide13.xml><?xml version="1.0" encoding="utf-8"?>
-<p:sld xmlns:a="http://schemas.openxmlformats.org/drawingml/2006/main" xmlns:r="http://schemas.openxmlformats.org/officeDocument/2006/relationships" xmlns:p="http://schemas.openxmlformats.org/presentationml/2006/main">
-  <p:cSld>
-    <p:spTree>
-      <p:nvGrpSpPr>
-        <p:cNvPr id="1" name=""/>
-        <p:cNvGrpSpPr/>
-        <p:nvPr/>
-      </p:nvGrpSpPr>
-      <p:grpSpPr>
-        <a:xfrm>
-          <a:off x="0" y="0"/>
-          <a:ext cx="0" cy="0"/>
-          <a:chOff x="0" y="0"/>
-          <a:chExt cx="0" cy="0"/>
-        </a:xfrm>
-      </p:grpSpPr>
-      <p:pic>
-        <p:nvPicPr>
-          <p:cNvPr id="5" name="Picture 4">
-            <a:extLst>
-              <a:ext uri="{FF2B5EF4-FFF2-40B4-BE49-F238E27FC236}">
-                <a16:creationId xmlns:a16="http://schemas.microsoft.com/office/drawing/2014/main" id="{CDC9D4A2-1A29-419B-8CF3-FA31B4B46DC0}"/>
-              </a:ext>
-            </a:extLst>
-          </p:cNvPr>
-          <p:cNvPicPr>
-            <a:picLocks noChangeAspect="1"/>
-          </p:cNvPicPr>
-          <p:nvPr/>
-        </p:nvPicPr>
-        <p:blipFill>
-          <a:blip r:embed="rId2"/>
-          <a:stretch>
-            <a:fillRect/>
-          </a:stretch>
-        </p:blipFill>
-        <p:spPr>
-          <a:xfrm>
-            <a:off x="851089" y="1227130"/>
-            <a:ext cx="9999538" cy="581791"/>
-          </a:xfrm>
-          <a:prstGeom prst="rect">
-            <a:avLst/>
-          </a:prstGeom>
-        </p:spPr>
-      </p:pic>
-      <p:pic>
-        <p:nvPicPr>
-          <p:cNvPr id="7" name="Picture 6" descr="A screenshot of a computer&#10;&#10;Description automatically generated with medium confidence">
-            <a:extLst>
-              <a:ext uri="{FF2B5EF4-FFF2-40B4-BE49-F238E27FC236}">
-                <a16:creationId xmlns:a16="http://schemas.microsoft.com/office/drawing/2014/main" id="{390BE3CF-794C-4B41-85D5-B314048A8AED}"/>
-              </a:ext>
-            </a:extLst>
-          </p:cNvPr>
-          <p:cNvPicPr>
-            <a:picLocks noChangeAspect="1"/>
-          </p:cNvPicPr>
-          <p:nvPr/>
-        </p:nvPicPr>
-        <p:blipFill>
-          <a:blip r:embed="rId3"/>
-          <a:stretch>
-            <a:fillRect/>
-          </a:stretch>
-        </p:blipFill>
-        <p:spPr>
-          <a:xfrm>
-            <a:off x="851089" y="1808921"/>
-            <a:ext cx="7866620" cy="1576661"/>
-          </a:xfrm>
-          <a:prstGeom prst="rect">
-            <a:avLst/>
-          </a:prstGeom>
-        </p:spPr>
-      </p:pic>
-      <p:pic>
-        <p:nvPicPr>
-          <p:cNvPr id="9" name="Picture 8" descr="Graphical user interface&#10;&#10;Description automatically generated">
-            <a:extLst>
-              <a:ext uri="{FF2B5EF4-FFF2-40B4-BE49-F238E27FC236}">
-                <a16:creationId xmlns:a16="http://schemas.microsoft.com/office/drawing/2014/main" id="{B6516974-8E35-4D9E-8B52-0F9861769110}"/>
-              </a:ext>
-            </a:extLst>
-          </p:cNvPr>
-          <p:cNvPicPr>
-            <a:picLocks noChangeAspect="1"/>
-          </p:cNvPicPr>
-          <p:nvPr/>
-        </p:nvPicPr>
-        <p:blipFill>
-          <a:blip r:embed="rId4"/>
-          <a:stretch>
-            <a:fillRect/>
-          </a:stretch>
-        </p:blipFill>
-        <p:spPr>
-          <a:xfrm>
-            <a:off x="851089" y="3992396"/>
-            <a:ext cx="4778154" cy="1905165"/>
-          </a:xfrm>
-          <a:prstGeom prst="rect">
-            <a:avLst/>
-          </a:prstGeom>
-        </p:spPr>
-      </p:pic>
-      <p:sp>
-        <p:nvSpPr>
-          <p:cNvPr id="10" name="TextBox 9">
-            <a:extLst>
-              <a:ext uri="{FF2B5EF4-FFF2-40B4-BE49-F238E27FC236}">
-                <a16:creationId xmlns:a16="http://schemas.microsoft.com/office/drawing/2014/main" id="{38963192-A564-4C49-BA1C-22C3F488DFF0}"/>
-              </a:ext>
-            </a:extLst>
-          </p:cNvPr>
-          <p:cNvSpPr txBox="1"/>
-          <p:nvPr/>
-        </p:nvSpPr>
-        <p:spPr>
-          <a:xfrm>
-            <a:off x="851089" y="845023"/>
-            <a:ext cx="3227615" cy="369332"/>
-          </a:xfrm>
-          <a:prstGeom prst="rect">
-            <a:avLst/>
-          </a:prstGeom>
-          <a:solidFill>
-            <a:schemeClr val="accent4"/>
-          </a:solidFill>
-        </p:spPr>
-        <p:txBody>
-          <a:bodyPr wrap="none" rtlCol="0">
-            <a:spAutoFit/>
-          </a:bodyPr>
-          <a:lstStyle/>
-          <a:p>
-            <a:r>
-              <a:rPr lang="en-US" dirty="0"/>
-              <a:t>Open </a:t>
-            </a:r>
-            <a:r>
-              <a:rPr lang="en-US" i="1" dirty="0" err="1">
-                <a:solidFill>
-                  <a:srgbClr val="7030A0"/>
-                </a:solidFill>
-              </a:rPr>
-              <a:t>phone_lookup_history.db</a:t>
-            </a:r>
-            <a:endParaRPr lang="en-US" i="1" dirty="0">
-              <a:solidFill>
-                <a:srgbClr val="7030A0"/>
-              </a:solidFill>
-            </a:endParaRPr>
-          </a:p>
-        </p:txBody>
-      </p:sp>
-      <p:sp>
-        <p:nvSpPr>
-          <p:cNvPr id="11" name="TextBox 10">
-            <a:extLst>
-              <a:ext uri="{FF2B5EF4-FFF2-40B4-BE49-F238E27FC236}">
-                <a16:creationId xmlns:a16="http://schemas.microsoft.com/office/drawing/2014/main" id="{884103A9-E37C-4959-A633-0363560DA7CE}"/>
-              </a:ext>
-            </a:extLst>
-          </p:cNvPr>
-          <p:cNvSpPr txBox="1"/>
-          <p:nvPr/>
-        </p:nvSpPr>
-        <p:spPr>
-          <a:xfrm>
-            <a:off x="851089" y="3623064"/>
-            <a:ext cx="2356222" cy="369332"/>
-          </a:xfrm>
-          <a:prstGeom prst="rect">
-            <a:avLst/>
-          </a:prstGeom>
-          <a:solidFill>
-            <a:schemeClr val="accent4"/>
-          </a:solidFill>
-        </p:spPr>
-        <p:txBody>
-          <a:bodyPr wrap="none" rtlCol="0">
-            <a:spAutoFit/>
-          </a:bodyPr>
-          <a:lstStyle/>
-          <a:p>
-            <a:r>
-              <a:rPr lang="en-US" dirty="0"/>
-              <a:t>Two contacts are saved</a:t>
-            </a:r>
-            <a:endParaRPr lang="en-US" i="1" dirty="0">
-              <a:solidFill>
-                <a:srgbClr val="7030A0"/>
-              </a:solidFill>
-            </a:endParaRPr>
-          </a:p>
-        </p:txBody>
-      </p:sp>
-    </p:spTree>
-    <p:extLst>
-      <p:ext uri="{BB962C8B-B14F-4D97-AF65-F5344CB8AC3E}">
-        <p14:creationId xmlns:p14="http://schemas.microsoft.com/office/powerpoint/2010/main" val="1495699096"/>
-      </p:ext>
-    </p:extLst>
-  </p:cSld>
-  <p:clrMapOvr>
-    <a:masterClrMapping/>
-  </p:clrMapOvr>
-</p:sld>
-</file>
-
-<file path=ppt/slides/slide14.xml><?xml version="1.0" encoding="utf-8"?>
-<p:sld xmlns:a="http://schemas.openxmlformats.org/drawingml/2006/main" xmlns:r="http://schemas.openxmlformats.org/officeDocument/2006/relationships" xmlns:p="http://schemas.openxmlformats.org/presentationml/2006/main">
-  <p:cSld>
-    <p:spTree>
-      <p:nvGrpSpPr>
-        <p:cNvPr id="1" name=""/>
-        <p:cNvGrpSpPr/>
-        <p:nvPr/>
-      </p:nvGrpSpPr>
-      <p:grpSpPr>
-        <a:xfrm>
-          <a:off x="0" y="0"/>
-          <a:ext cx="0" cy="0"/>
-          <a:chOff x="0" y="0"/>
-          <a:chExt cx="0" cy="0"/>
-        </a:xfrm>
-      </p:grpSpPr>
-      <p:sp>
-        <p:nvSpPr>
-          <p:cNvPr id="2" name="Title 1">
-            <a:extLst>
-              <a:ext uri="{FF2B5EF4-FFF2-40B4-BE49-F238E27FC236}">
-                <a16:creationId xmlns:a16="http://schemas.microsoft.com/office/drawing/2014/main" id="{84AAD71E-1D63-4FE9-8A2D-A3C04021473A}"/>
-              </a:ext>
-            </a:extLst>
-          </p:cNvPr>
-          <p:cNvSpPr>
-            <a:spLocks noGrp="1"/>
-          </p:cNvSpPr>
-          <p:nvPr>
-            <p:ph type="title"/>
-          </p:nvPr>
-        </p:nvSpPr>
-        <p:spPr/>
-        <p:txBody>
-          <a:bodyPr/>
-          <a:lstStyle/>
-          <a:p>
-            <a:r>
-              <a:rPr lang="en-US" dirty="0"/>
-              <a:t>What is the greeting message?</a:t>
-            </a:r>
-          </a:p>
-        </p:txBody>
-      </p:sp>
-      <p:sp>
-        <p:nvSpPr>
-          <p:cNvPr id="3" name="Content Placeholder 2">
-            <a:extLst>
-              <a:ext uri="{FF2B5EF4-FFF2-40B4-BE49-F238E27FC236}">
-                <a16:creationId xmlns:a16="http://schemas.microsoft.com/office/drawing/2014/main" id="{C7D96ACB-A16D-4162-A340-47BFCF3CAD6A}"/>
-              </a:ext>
-            </a:extLst>
-          </p:cNvPr>
-          <p:cNvSpPr>
-            <a:spLocks noGrp="1"/>
-          </p:cNvSpPr>
-          <p:nvPr>
-            <p:ph idx="1"/>
-          </p:nvPr>
-        </p:nvSpPr>
-        <p:spPr>
-          <a:xfrm>
-            <a:off x="838200" y="1825625"/>
-            <a:ext cx="10515600" cy="636838"/>
-          </a:xfrm>
-        </p:spPr>
-        <p:txBody>
-          <a:bodyPr>
-            <a:normAutofit fontScale="85000" lnSpcReduction="20000"/>
-          </a:bodyPr>
-          <a:lstStyle/>
-          <a:p>
-            <a:r>
-              <a:rPr lang="en-US" dirty="0"/>
-              <a:t>The owner often provides greeting message. Did the owner use a greeting message?</a:t>
-            </a:r>
-          </a:p>
-        </p:txBody>
-      </p:sp>
-      <p:pic>
-        <p:nvPicPr>
-          <p:cNvPr id="5" name="Picture 4" descr="Text&#10;&#10;Description automatically generated">
-            <a:extLst>
-              <a:ext uri="{FF2B5EF4-FFF2-40B4-BE49-F238E27FC236}">
-                <a16:creationId xmlns:a16="http://schemas.microsoft.com/office/drawing/2014/main" id="{DE102491-6098-4C0F-8CDF-2ECB8C93DD1C}"/>
-              </a:ext>
-            </a:extLst>
-          </p:cNvPr>
-          <p:cNvPicPr>
-            <a:picLocks noChangeAspect="1"/>
-          </p:cNvPicPr>
-          <p:nvPr/>
-        </p:nvPicPr>
-        <p:blipFill>
-          <a:blip r:embed="rId2"/>
-          <a:stretch>
-            <a:fillRect/>
-          </a:stretch>
-        </p:blipFill>
-        <p:spPr>
-          <a:xfrm>
-            <a:off x="1037854" y="2735179"/>
-            <a:ext cx="7514844" cy="3684130"/>
-          </a:xfrm>
-          <a:prstGeom prst="rect">
-            <a:avLst/>
-          </a:prstGeom>
-        </p:spPr>
-      </p:pic>
-    </p:spTree>
-    <p:extLst>
-      <p:ext uri="{BB962C8B-B14F-4D97-AF65-F5344CB8AC3E}">
-        <p14:creationId xmlns:p14="http://schemas.microsoft.com/office/powerpoint/2010/main" val="4195252170"/>
-      </p:ext>
-    </p:extLst>
-  </p:cSld>
-  <p:clrMapOvr>
-    <a:masterClrMapping/>
-  </p:clrMapOvr>
-</p:sld>
-</file>
-
-<file path=ppt/slides/slide15.xml><?xml version="1.0" encoding="utf-8"?>
-<p:sld xmlns:a="http://schemas.openxmlformats.org/drawingml/2006/main" xmlns:r="http://schemas.openxmlformats.org/officeDocument/2006/relationships" xmlns:p="http://schemas.openxmlformats.org/presentationml/2006/main">
-  <p:cSld>
-    <p:spTree>
-      <p:nvGrpSpPr>
-        <p:cNvPr id="1" name=""/>
-        <p:cNvGrpSpPr/>
-        <p:nvPr/>
-      </p:nvGrpSpPr>
-      <p:grpSpPr>
-        <a:xfrm>
-          <a:off x="0" y="0"/>
-          <a:ext cx="0" cy="0"/>
-          <a:chOff x="0" y="0"/>
-          <a:chExt cx="0" cy="0"/>
-        </a:xfrm>
-      </p:grpSpPr>
-      <p:pic>
-        <p:nvPicPr>
-          <p:cNvPr id="5" name="Picture 4">
-            <a:extLst>
-              <a:ext uri="{FF2B5EF4-FFF2-40B4-BE49-F238E27FC236}">
-                <a16:creationId xmlns:a16="http://schemas.microsoft.com/office/drawing/2014/main" id="{72EA8EB7-DDDE-4C16-931E-F9A7987D454E}"/>
-              </a:ext>
-            </a:extLst>
-          </p:cNvPr>
-          <p:cNvPicPr>
-            <a:picLocks noChangeAspect="1"/>
-          </p:cNvPicPr>
-          <p:nvPr/>
-        </p:nvPicPr>
-        <p:blipFill>
-          <a:blip r:embed="rId2"/>
-          <a:stretch>
-            <a:fillRect/>
-          </a:stretch>
-        </p:blipFill>
-        <p:spPr>
-          <a:xfrm>
-            <a:off x="1078508" y="1636675"/>
-            <a:ext cx="8615321" cy="545051"/>
-          </a:xfrm>
-          <a:prstGeom prst="rect">
-            <a:avLst/>
-          </a:prstGeom>
-        </p:spPr>
-      </p:pic>
-      <p:pic>
-        <p:nvPicPr>
-          <p:cNvPr id="7" name="Picture 6">
-            <a:extLst>
-              <a:ext uri="{FF2B5EF4-FFF2-40B4-BE49-F238E27FC236}">
-                <a16:creationId xmlns:a16="http://schemas.microsoft.com/office/drawing/2014/main" id="{80E4ABD7-D69C-4C99-9BE2-56C6B3508317}"/>
-              </a:ext>
-            </a:extLst>
-          </p:cNvPr>
-          <p:cNvPicPr>
-            <a:picLocks noChangeAspect="1"/>
-          </p:cNvPicPr>
-          <p:nvPr/>
-        </p:nvPicPr>
-        <p:blipFill>
-          <a:blip r:embed="rId3"/>
-          <a:stretch>
-            <a:fillRect/>
-          </a:stretch>
-        </p:blipFill>
-        <p:spPr>
-          <a:xfrm>
-            <a:off x="1078508" y="2181726"/>
-            <a:ext cx="8615321" cy="1050649"/>
-          </a:xfrm>
-          <a:prstGeom prst="rect">
-            <a:avLst/>
-          </a:prstGeom>
-        </p:spPr>
-      </p:pic>
-      <p:sp>
-        <p:nvSpPr>
-          <p:cNvPr id="10" name="TextBox 9">
-            <a:extLst>
-              <a:ext uri="{FF2B5EF4-FFF2-40B4-BE49-F238E27FC236}">
-                <a16:creationId xmlns:a16="http://schemas.microsoft.com/office/drawing/2014/main" id="{2406A49F-3704-4C72-8AA0-D2C68E05B539}"/>
-              </a:ext>
-            </a:extLst>
-          </p:cNvPr>
-          <p:cNvSpPr txBox="1"/>
-          <p:nvPr/>
-        </p:nvSpPr>
-        <p:spPr>
-          <a:xfrm>
-            <a:off x="1078508" y="1248525"/>
-            <a:ext cx="1929439" cy="369332"/>
-          </a:xfrm>
-          <a:prstGeom prst="rect">
-            <a:avLst/>
-          </a:prstGeom>
-          <a:solidFill>
-            <a:schemeClr val="accent4"/>
-          </a:solidFill>
-        </p:spPr>
-        <p:txBody>
-          <a:bodyPr wrap="none" rtlCol="0">
-            <a:spAutoFit/>
-          </a:bodyPr>
-          <a:lstStyle/>
-          <a:p>
-            <a:r>
-              <a:rPr lang="en-US" dirty="0"/>
-              <a:t>Open </a:t>
-            </a:r>
-            <a:r>
-              <a:rPr lang="en-US" i="1" dirty="0" err="1">
-                <a:solidFill>
-                  <a:srgbClr val="7030A0"/>
-                </a:solidFill>
-              </a:rPr>
-              <a:t>voicemail.db</a:t>
-            </a:r>
-            <a:endParaRPr lang="en-US" i="1" dirty="0">
-              <a:solidFill>
-                <a:srgbClr val="7030A0"/>
-              </a:solidFill>
-            </a:endParaRPr>
-          </a:p>
-        </p:txBody>
-      </p:sp>
-      <p:sp>
-        <p:nvSpPr>
-          <p:cNvPr id="11" name="TextBox 10">
-            <a:extLst>
-              <a:ext uri="{FF2B5EF4-FFF2-40B4-BE49-F238E27FC236}">
-                <a16:creationId xmlns:a16="http://schemas.microsoft.com/office/drawing/2014/main" id="{1DD41B2A-F30C-4E00-8119-B876095B7795}"/>
-              </a:ext>
-            </a:extLst>
-          </p:cNvPr>
-          <p:cNvSpPr txBox="1"/>
-          <p:nvPr/>
-        </p:nvSpPr>
-        <p:spPr>
-          <a:xfrm>
-            <a:off x="1078508" y="3525237"/>
-            <a:ext cx="4557979" cy="369332"/>
-          </a:xfrm>
-          <a:prstGeom prst="rect">
-            <a:avLst/>
-          </a:prstGeom>
-          <a:solidFill>
-            <a:schemeClr val="accent4"/>
-          </a:solidFill>
-        </p:spPr>
-        <p:txBody>
-          <a:bodyPr wrap="none" rtlCol="0">
-            <a:spAutoFit/>
-          </a:bodyPr>
-          <a:lstStyle/>
-          <a:p>
-            <a:r>
-              <a:rPr lang="en-US" dirty="0"/>
-              <a:t>Find </a:t>
-            </a:r>
-            <a:r>
-              <a:rPr lang="en-US" dirty="0" err="1"/>
-              <a:t>thefrequently</a:t>
-            </a:r>
-            <a:r>
-              <a:rPr lang="en-US" dirty="0"/>
-              <a:t> contacted phone numbers  </a:t>
-            </a:r>
-            <a:endParaRPr lang="en-US" i="1" dirty="0">
-              <a:solidFill>
-                <a:srgbClr val="7030A0"/>
-              </a:solidFill>
-            </a:endParaRPr>
-          </a:p>
-        </p:txBody>
-      </p:sp>
-      <p:pic>
-        <p:nvPicPr>
-          <p:cNvPr id="13" name="Picture 12" descr="Graphical user interface, application&#10;&#10;Description automatically generated">
-            <a:extLst>
-              <a:ext uri="{FF2B5EF4-FFF2-40B4-BE49-F238E27FC236}">
-                <a16:creationId xmlns:a16="http://schemas.microsoft.com/office/drawing/2014/main" id="{1F7066E2-440B-4F32-95D1-704B50D065F2}"/>
-              </a:ext>
-            </a:extLst>
-          </p:cNvPr>
-          <p:cNvPicPr>
-            <a:picLocks noChangeAspect="1"/>
-          </p:cNvPicPr>
-          <p:nvPr/>
-        </p:nvPicPr>
-        <p:blipFill>
-          <a:blip r:embed="rId4"/>
-          <a:stretch>
-            <a:fillRect/>
-          </a:stretch>
-        </p:blipFill>
-        <p:spPr>
-          <a:xfrm>
-            <a:off x="1078507" y="3898563"/>
-            <a:ext cx="6255381" cy="1322761"/>
-          </a:xfrm>
-          <a:prstGeom prst="rect">
-            <a:avLst/>
-          </a:prstGeom>
-        </p:spPr>
-      </p:pic>
-    </p:spTree>
-    <p:extLst>
-      <p:ext uri="{BB962C8B-B14F-4D97-AF65-F5344CB8AC3E}">
-        <p14:creationId xmlns:p14="http://schemas.microsoft.com/office/powerpoint/2010/main" val="1721339908"/>
-      </p:ext>
-    </p:extLst>
-  </p:cSld>
-  <p:clrMapOvr>
-    <a:masterClrMapping/>
-  </p:clrMapOvr>
-</p:sld>
-</file>
-
-<file path=ppt/slides/slide16.xml><?xml version="1.0" encoding="utf-8"?>
-<p:sld xmlns:a="http://schemas.openxmlformats.org/drawingml/2006/main" xmlns:r="http://schemas.openxmlformats.org/officeDocument/2006/relationships" xmlns:p="http://schemas.openxmlformats.org/presentationml/2006/main">
-  <p:cSld>
-    <p:spTree>
-      <p:nvGrpSpPr>
-        <p:cNvPr id="1" name=""/>
-        <p:cNvGrpSpPr/>
-        <p:nvPr/>
-      </p:nvGrpSpPr>
-      <p:grpSpPr>
-        <a:xfrm>
-          <a:off x="0" y="0"/>
-          <a:ext cx="0" cy="0"/>
-          <a:chOff x="0" y="0"/>
-          <a:chExt cx="0" cy="0"/>
-        </a:xfrm>
-      </p:grpSpPr>
-      <p:sp>
-        <p:nvSpPr>
-          <p:cNvPr id="2" name="Title 1">
-            <a:extLst>
-              <a:ext uri="{FF2B5EF4-FFF2-40B4-BE49-F238E27FC236}">
-                <a16:creationId xmlns:a16="http://schemas.microsoft.com/office/drawing/2014/main" id="{A981FA00-0A4C-4B33-ABBF-39EF68ED3853}"/>
-              </a:ext>
-            </a:extLst>
-          </p:cNvPr>
-          <p:cNvSpPr>
-            <a:spLocks noGrp="1"/>
-          </p:cNvSpPr>
-          <p:nvPr>
-            <p:ph type="title"/>
-          </p:nvPr>
-        </p:nvSpPr>
-        <p:spPr/>
-        <p:txBody>
-          <a:bodyPr/>
-          <a:lstStyle/>
-          <a:p>
-            <a:r>
-              <a:rPr lang="en-US" dirty="0"/>
-              <a:t>Other valuable information in databases</a:t>
-            </a:r>
-          </a:p>
-        </p:txBody>
-      </p:sp>
-      <p:pic>
-        <p:nvPicPr>
-          <p:cNvPr id="4" name="Picture 3" descr="Text&#10;&#10;Description automatically generated">
-            <a:extLst>
-              <a:ext uri="{FF2B5EF4-FFF2-40B4-BE49-F238E27FC236}">
-                <a16:creationId xmlns:a16="http://schemas.microsoft.com/office/drawing/2014/main" id="{FD267A1B-3ED7-4E12-9D94-E5AC8F5EBCC6}"/>
-              </a:ext>
-            </a:extLst>
-          </p:cNvPr>
-          <p:cNvPicPr>
-            <a:picLocks noChangeAspect="1"/>
-          </p:cNvPicPr>
-          <p:nvPr/>
-        </p:nvPicPr>
-        <p:blipFill>
-          <a:blip r:embed="rId2"/>
-          <a:stretch>
-            <a:fillRect/>
-          </a:stretch>
-        </p:blipFill>
-        <p:spPr>
-          <a:xfrm>
-            <a:off x="1027043" y="1458913"/>
-            <a:ext cx="7966774" cy="4802739"/>
-          </a:xfrm>
-          <a:prstGeom prst="rect">
-            <a:avLst/>
-          </a:prstGeom>
-        </p:spPr>
-      </p:pic>
-      <p:sp>
-        <p:nvSpPr>
-          <p:cNvPr id="7" name="TextBox 6">
-            <a:extLst>
-              <a:ext uri="{FF2B5EF4-FFF2-40B4-BE49-F238E27FC236}">
-                <a16:creationId xmlns:a16="http://schemas.microsoft.com/office/drawing/2014/main" id="{9D820783-1DC5-4602-9E36-878E3BF4ECA9}"/>
-              </a:ext>
-            </a:extLst>
-          </p:cNvPr>
-          <p:cNvSpPr txBox="1"/>
-          <p:nvPr/>
-        </p:nvSpPr>
-        <p:spPr>
-          <a:xfrm>
-            <a:off x="5526505" y="2927684"/>
-            <a:ext cx="2014847" cy="646331"/>
+            <a:off x="766024" y="1445079"/>
+            <a:ext cx="3073662" cy="369332"/>
           </a:xfrm>
           <a:prstGeom prst="rect">
             <a:avLst/>
@@ -12243,101 +11838,15 @@
           <a:p>
             <a:r>
               <a:rPr lang="en-US" dirty="0"/>
-              <a:t>speed dial entry</a:t>
-            </a:r>
-          </a:p>
-          <a:p>
-            <a:r>
-              <a:rPr lang="en-US" dirty="0"/>
-              <a:t>spam call database </a:t>
+              <a:t>Two phone numbers are found</a:t>
             </a:r>
           </a:p>
         </p:txBody>
       </p:sp>
-      <p:cxnSp>
-        <p:nvCxnSpPr>
-          <p:cNvPr id="9" name="Straight Arrow Connector 8">
-            <a:extLst>
-              <a:ext uri="{FF2B5EF4-FFF2-40B4-BE49-F238E27FC236}">
-                <a16:creationId xmlns:a16="http://schemas.microsoft.com/office/drawing/2014/main" id="{3402ED8B-0EE6-4BA9-88BB-7E9A16164462}"/>
-              </a:ext>
-            </a:extLst>
-          </p:cNvPr>
-          <p:cNvCxnSpPr/>
-          <p:nvPr/>
-        </p:nvCxnSpPr>
-        <p:spPr>
-          <a:xfrm flipH="1" flipV="1">
-            <a:off x="3433011" y="2863516"/>
-            <a:ext cx="2101515" cy="240631"/>
-          </a:xfrm>
-          <a:prstGeom prst="straightConnector1">
-            <a:avLst/>
-          </a:prstGeom>
-          <a:ln>
-            <a:tailEnd type="triangle"/>
-          </a:ln>
-        </p:spPr>
-        <p:style>
-          <a:lnRef idx="1">
-            <a:schemeClr val="accent4"/>
-          </a:lnRef>
-          <a:fillRef idx="0">
-            <a:schemeClr val="accent4"/>
-          </a:fillRef>
-          <a:effectRef idx="0">
-            <a:schemeClr val="accent4"/>
-          </a:effectRef>
-          <a:fontRef idx="minor">
-            <a:schemeClr val="tx1"/>
-          </a:fontRef>
-        </p:style>
-      </p:cxnSp>
-      <p:cxnSp>
-        <p:nvCxnSpPr>
-          <p:cNvPr id="10" name="Straight Arrow Connector 9">
-            <a:extLst>
-              <a:ext uri="{FF2B5EF4-FFF2-40B4-BE49-F238E27FC236}">
-                <a16:creationId xmlns:a16="http://schemas.microsoft.com/office/drawing/2014/main" id="{BFCB8B6F-9909-4AD6-BA9D-4C254EC4CD4B}"/>
-              </a:ext>
-            </a:extLst>
-          </p:cNvPr>
-          <p:cNvCxnSpPr>
-            <a:cxnSpLocks/>
-          </p:cNvCxnSpPr>
-          <p:nvPr/>
-        </p:nvCxnSpPr>
-        <p:spPr>
-          <a:xfrm flipH="1">
-            <a:off x="3641559" y="3429000"/>
-            <a:ext cx="1884946" cy="926432"/>
-          </a:xfrm>
-          <a:prstGeom prst="straightConnector1">
-            <a:avLst/>
-          </a:prstGeom>
-          <a:ln>
-            <a:tailEnd type="triangle"/>
-          </a:ln>
-        </p:spPr>
-        <p:style>
-          <a:lnRef idx="1">
-            <a:schemeClr val="accent4"/>
-          </a:lnRef>
-          <a:fillRef idx="0">
-            <a:schemeClr val="accent4"/>
-          </a:fillRef>
-          <a:effectRef idx="0">
-            <a:schemeClr val="accent4"/>
-          </a:effectRef>
-          <a:fontRef idx="minor">
-            <a:schemeClr val="tx1"/>
-          </a:fontRef>
-        </p:style>
-      </p:cxnSp>
     </p:spTree>
     <p:extLst>
       <p:ext uri="{BB962C8B-B14F-4D97-AF65-F5344CB8AC3E}">
-        <p14:creationId xmlns:p14="http://schemas.microsoft.com/office/powerpoint/2010/main" val="1335316084"/>
+        <p14:creationId xmlns:p14="http://schemas.microsoft.com/office/powerpoint/2010/main" val="1161210120"/>
       </p:ext>
     </p:extLst>
   </p:cSld>
@@ -12347,562 +11856,7 @@
 </p:sld>
 </file>
 
-<file path=ppt/slides/slide2.xml><?xml version="1.0" encoding="utf-8"?>
-<p:sld xmlns:a="http://schemas.openxmlformats.org/drawingml/2006/main" xmlns:r="http://schemas.openxmlformats.org/officeDocument/2006/relationships" xmlns:p="http://schemas.openxmlformats.org/presentationml/2006/main">
-  <p:cSld>
-    <p:spTree>
-      <p:nvGrpSpPr>
-        <p:cNvPr id="1" name=""/>
-        <p:cNvGrpSpPr/>
-        <p:nvPr/>
-      </p:nvGrpSpPr>
-      <p:grpSpPr>
-        <a:xfrm>
-          <a:off x="0" y="0"/>
-          <a:ext cx="0" cy="0"/>
-          <a:chOff x="0" y="0"/>
-          <a:chExt cx="0" cy="0"/>
-        </a:xfrm>
-      </p:grpSpPr>
-      <p:sp>
-        <p:nvSpPr>
-          <p:cNvPr id="4" name="Title 3">
-            <a:extLst>
-              <a:ext uri="{FF2B5EF4-FFF2-40B4-BE49-F238E27FC236}">
-                <a16:creationId xmlns:a16="http://schemas.microsoft.com/office/drawing/2014/main" id="{C56E7611-8511-43F9-B6DC-680747335AF4}"/>
-              </a:ext>
-            </a:extLst>
-          </p:cNvPr>
-          <p:cNvSpPr>
-            <a:spLocks noGrp="1"/>
-          </p:cNvSpPr>
-          <p:nvPr>
-            <p:ph type="title"/>
-          </p:nvPr>
-        </p:nvSpPr>
-        <p:spPr/>
-        <p:txBody>
-          <a:bodyPr>
-            <a:normAutofit/>
-          </a:bodyPr>
-          <a:lstStyle/>
-          <a:p>
-            <a:r>
-              <a:rPr lang="en-GB" dirty="0"/>
-              <a:t>Phone App by Google </a:t>
-            </a:r>
-            <a:r>
-              <a:rPr lang="en-US" sz="2800" i="1" dirty="0">
-                <a:solidFill>
-                  <a:srgbClr val="7030A0"/>
-                </a:solidFill>
-              </a:rPr>
-              <a:t>id=</a:t>
-            </a:r>
-            <a:r>
-              <a:rPr lang="en-US" sz="2800" i="1" dirty="0" err="1">
-                <a:solidFill>
-                  <a:srgbClr val="7030A0"/>
-                </a:solidFill>
-              </a:rPr>
-              <a:t>com.google.android.dialer</a:t>
-            </a:r>
-            <a:endParaRPr lang="en-US" i="1" dirty="0">
-              <a:solidFill>
-                <a:srgbClr val="7030A0"/>
-              </a:solidFill>
-            </a:endParaRPr>
-          </a:p>
-        </p:txBody>
-      </p:sp>
-      <p:pic>
-        <p:nvPicPr>
-          <p:cNvPr id="8" name="Picture 7" descr="Graphical user interface, application&#10;&#10;Description automatically generated">
-            <a:extLst>
-              <a:ext uri="{FF2B5EF4-FFF2-40B4-BE49-F238E27FC236}">
-                <a16:creationId xmlns:a16="http://schemas.microsoft.com/office/drawing/2014/main" id="{F7A71BE9-17B4-4AEA-A0D5-196DEE53A18D}"/>
-              </a:ext>
-            </a:extLst>
-          </p:cNvPr>
-          <p:cNvPicPr>
-            <a:picLocks noChangeAspect="1"/>
-          </p:cNvPicPr>
-          <p:nvPr/>
-        </p:nvPicPr>
-        <p:blipFill>
-          <a:blip r:embed="rId2"/>
-          <a:stretch>
-            <a:fillRect/>
-          </a:stretch>
-        </p:blipFill>
-        <p:spPr>
-          <a:xfrm>
-            <a:off x="299129" y="1620077"/>
-            <a:ext cx="2580791" cy="4631635"/>
-          </a:xfrm>
-          <a:prstGeom prst="rect">
-            <a:avLst/>
-          </a:prstGeom>
-        </p:spPr>
-      </p:pic>
-      <p:pic>
-        <p:nvPicPr>
-          <p:cNvPr id="10" name="Picture 9" descr="Graphical user interface, application&#10;&#10;Description automatically generated">
-            <a:extLst>
-              <a:ext uri="{FF2B5EF4-FFF2-40B4-BE49-F238E27FC236}">
-                <a16:creationId xmlns:a16="http://schemas.microsoft.com/office/drawing/2014/main" id="{951823AA-25C4-458E-B5BB-50993074C44A}"/>
-              </a:ext>
-            </a:extLst>
-          </p:cNvPr>
-          <p:cNvPicPr>
-            <a:picLocks noChangeAspect="1"/>
-          </p:cNvPicPr>
-          <p:nvPr/>
-        </p:nvPicPr>
-        <p:blipFill>
-          <a:blip r:embed="rId3"/>
-          <a:stretch>
-            <a:fillRect/>
-          </a:stretch>
-        </p:blipFill>
-        <p:spPr>
-          <a:xfrm>
-            <a:off x="3081249" y="1620077"/>
-            <a:ext cx="2563984" cy="4552122"/>
-          </a:xfrm>
-          <a:prstGeom prst="rect">
-            <a:avLst/>
-          </a:prstGeom>
-        </p:spPr>
-      </p:pic>
-      <p:pic>
-        <p:nvPicPr>
-          <p:cNvPr id="13" name="Picture 12" descr="Graphical user interface, text, application, chat or text message&#10;&#10;Description automatically generated">
-            <a:extLst>
-              <a:ext uri="{FF2B5EF4-FFF2-40B4-BE49-F238E27FC236}">
-                <a16:creationId xmlns:a16="http://schemas.microsoft.com/office/drawing/2014/main" id="{7A649AC0-1747-4D88-9E55-C4C85B54A67C}"/>
-              </a:ext>
-            </a:extLst>
-          </p:cNvPr>
-          <p:cNvPicPr>
-            <a:picLocks noChangeAspect="1"/>
-          </p:cNvPicPr>
-          <p:nvPr/>
-        </p:nvPicPr>
-        <p:blipFill>
-          <a:blip r:embed="rId4"/>
-          <a:stretch>
-            <a:fillRect/>
-          </a:stretch>
-        </p:blipFill>
-        <p:spPr>
-          <a:xfrm>
-            <a:off x="5846562" y="1620077"/>
-            <a:ext cx="2597030" cy="4782827"/>
-          </a:xfrm>
-          <a:prstGeom prst="rect">
-            <a:avLst/>
-          </a:prstGeom>
-        </p:spPr>
-      </p:pic>
-      <p:pic>
-        <p:nvPicPr>
-          <p:cNvPr id="15" name="Picture 14" descr="Graphical user interface, text, application, chat or text message&#10;&#10;Description automatically generated">
-            <a:extLst>
-              <a:ext uri="{FF2B5EF4-FFF2-40B4-BE49-F238E27FC236}">
-                <a16:creationId xmlns:a16="http://schemas.microsoft.com/office/drawing/2014/main" id="{336CA6AB-D86A-48EC-8321-33CBF151ABC5}"/>
-              </a:ext>
-            </a:extLst>
-          </p:cNvPr>
-          <p:cNvPicPr>
-            <a:picLocks noChangeAspect="1"/>
-          </p:cNvPicPr>
-          <p:nvPr/>
-        </p:nvPicPr>
-        <p:blipFill>
-          <a:blip r:embed="rId5"/>
-          <a:stretch>
-            <a:fillRect/>
-          </a:stretch>
-        </p:blipFill>
-        <p:spPr>
-          <a:xfrm>
-            <a:off x="8857127" y="1620077"/>
-            <a:ext cx="2698002" cy="5128591"/>
-          </a:xfrm>
-          <a:prstGeom prst="rect">
-            <a:avLst/>
-          </a:prstGeom>
-        </p:spPr>
-      </p:pic>
-    </p:spTree>
-    <p:extLst>
-      <p:ext uri="{BB962C8B-B14F-4D97-AF65-F5344CB8AC3E}">
-        <p14:creationId xmlns:p14="http://schemas.microsoft.com/office/powerpoint/2010/main" val="1798688075"/>
-      </p:ext>
-    </p:extLst>
-  </p:cSld>
-  <p:clrMapOvr>
-    <a:masterClrMapping/>
-  </p:clrMapOvr>
-</p:sld>
-</file>
-
-<file path=ppt/slides/slide3.xml><?xml version="1.0" encoding="utf-8"?>
-<p:sld xmlns:a="http://schemas.openxmlformats.org/drawingml/2006/main" xmlns:r="http://schemas.openxmlformats.org/officeDocument/2006/relationships" xmlns:p="http://schemas.openxmlformats.org/presentationml/2006/main">
-  <p:cSld>
-    <p:spTree>
-      <p:nvGrpSpPr>
-        <p:cNvPr id="1" name=""/>
-        <p:cNvGrpSpPr/>
-        <p:nvPr/>
-      </p:nvGrpSpPr>
-      <p:grpSpPr>
-        <a:xfrm>
-          <a:off x="0" y="0"/>
-          <a:ext cx="0" cy="0"/>
-          <a:chOff x="0" y="0"/>
-          <a:chExt cx="0" cy="0"/>
-        </a:xfrm>
-      </p:grpSpPr>
-      <p:pic>
-        <p:nvPicPr>
-          <p:cNvPr id="4" name="Picture 3" descr="Graphical user interface, text, application&#10;&#10;Description automatically generated">
-            <a:extLst>
-              <a:ext uri="{FF2B5EF4-FFF2-40B4-BE49-F238E27FC236}">
-                <a16:creationId xmlns:a16="http://schemas.microsoft.com/office/drawing/2014/main" id="{9B8F3327-07A8-49FA-B852-37D0C25E442A}"/>
-              </a:ext>
-            </a:extLst>
-          </p:cNvPr>
-          <p:cNvPicPr>
-            <a:picLocks noChangeAspect="1"/>
-          </p:cNvPicPr>
-          <p:nvPr/>
-        </p:nvPicPr>
-        <p:blipFill>
-          <a:blip r:embed="rId2"/>
-          <a:stretch>
-            <a:fillRect/>
-          </a:stretch>
-        </p:blipFill>
-        <p:spPr>
-          <a:xfrm>
-            <a:off x="180319" y="725555"/>
-            <a:ext cx="2715137" cy="5128592"/>
-          </a:xfrm>
-          <a:prstGeom prst="rect">
-            <a:avLst/>
-          </a:prstGeom>
-        </p:spPr>
-      </p:pic>
-      <p:pic>
-        <p:nvPicPr>
-          <p:cNvPr id="6" name="Picture 5" descr="Graphical user interface, application&#10;&#10;Description automatically generated">
-            <a:extLst>
-              <a:ext uri="{FF2B5EF4-FFF2-40B4-BE49-F238E27FC236}">
-                <a16:creationId xmlns:a16="http://schemas.microsoft.com/office/drawing/2014/main" id="{A37DF157-3A8A-4F22-AABF-267A0A00CCD1}"/>
-              </a:ext>
-            </a:extLst>
-          </p:cNvPr>
-          <p:cNvPicPr>
-            <a:picLocks noChangeAspect="1"/>
-          </p:cNvPicPr>
-          <p:nvPr/>
-        </p:nvPicPr>
-        <p:blipFill>
-          <a:blip r:embed="rId3"/>
-          <a:stretch>
-            <a:fillRect/>
-          </a:stretch>
-        </p:blipFill>
-        <p:spPr>
-          <a:xfrm>
-            <a:off x="3141355" y="725555"/>
-            <a:ext cx="2737935" cy="5317435"/>
-          </a:xfrm>
-          <a:prstGeom prst="rect">
-            <a:avLst/>
-          </a:prstGeom>
-        </p:spPr>
-      </p:pic>
-      <p:pic>
-        <p:nvPicPr>
-          <p:cNvPr id="8" name="Picture 7" descr="Graphical user interface, application&#10;&#10;Description automatically generated">
-            <a:extLst>
-              <a:ext uri="{FF2B5EF4-FFF2-40B4-BE49-F238E27FC236}">
-                <a16:creationId xmlns:a16="http://schemas.microsoft.com/office/drawing/2014/main" id="{71E22AC2-C962-40CB-9DD2-3A0381AAE4A7}"/>
-              </a:ext>
-            </a:extLst>
-          </p:cNvPr>
-          <p:cNvPicPr>
-            <a:picLocks noChangeAspect="1"/>
-          </p:cNvPicPr>
-          <p:nvPr/>
-        </p:nvPicPr>
-        <p:blipFill>
-          <a:blip r:embed="rId4"/>
-          <a:stretch>
-            <a:fillRect/>
-          </a:stretch>
-        </p:blipFill>
-        <p:spPr>
-          <a:xfrm>
-            <a:off x="6125818" y="725555"/>
-            <a:ext cx="2790470" cy="4890052"/>
-          </a:xfrm>
-          <a:prstGeom prst="rect">
-            <a:avLst/>
-          </a:prstGeom>
-        </p:spPr>
-      </p:pic>
-      <p:pic>
-        <p:nvPicPr>
-          <p:cNvPr id="10" name="Picture 9" descr="Graphical user interface, text, application&#10;&#10;Description automatically generated">
-            <a:extLst>
-              <a:ext uri="{FF2B5EF4-FFF2-40B4-BE49-F238E27FC236}">
-                <a16:creationId xmlns:a16="http://schemas.microsoft.com/office/drawing/2014/main" id="{D43E33DB-651F-4A7E-B066-BAB60AE11252}"/>
-              </a:ext>
-            </a:extLst>
-          </p:cNvPr>
-          <p:cNvPicPr>
-            <a:picLocks noChangeAspect="1"/>
-          </p:cNvPicPr>
-          <p:nvPr/>
-        </p:nvPicPr>
-        <p:blipFill>
-          <a:blip r:embed="rId5"/>
-          <a:stretch>
-            <a:fillRect/>
-          </a:stretch>
-        </p:blipFill>
-        <p:spPr>
-          <a:xfrm>
-            <a:off x="9162816" y="725555"/>
-            <a:ext cx="3022480" cy="5705061"/>
-          </a:xfrm>
-          <a:prstGeom prst="rect">
-            <a:avLst/>
-          </a:prstGeom>
-        </p:spPr>
-      </p:pic>
-    </p:spTree>
-    <p:extLst>
-      <p:ext uri="{BB962C8B-B14F-4D97-AF65-F5344CB8AC3E}">
-        <p14:creationId xmlns:p14="http://schemas.microsoft.com/office/powerpoint/2010/main" val="1527544531"/>
-      </p:ext>
-    </p:extLst>
-  </p:cSld>
-  <p:clrMapOvr>
-    <a:masterClrMapping/>
-  </p:clrMapOvr>
-</p:sld>
-</file>
-
-<file path=ppt/slides/slide4.xml><?xml version="1.0" encoding="utf-8"?>
-<p:sld xmlns:a="http://schemas.openxmlformats.org/drawingml/2006/main" xmlns:r="http://schemas.openxmlformats.org/officeDocument/2006/relationships" xmlns:p="http://schemas.openxmlformats.org/presentationml/2006/main">
-  <p:cSld>
-    <p:spTree>
-      <p:nvGrpSpPr>
-        <p:cNvPr id="1" name=""/>
-        <p:cNvGrpSpPr/>
-        <p:nvPr/>
-      </p:nvGrpSpPr>
-      <p:grpSpPr>
-        <a:xfrm>
-          <a:off x="0" y="0"/>
-          <a:ext cx="0" cy="0"/>
-          <a:chOff x="0" y="0"/>
-          <a:chExt cx="0" cy="0"/>
-        </a:xfrm>
-      </p:grpSpPr>
-      <p:sp>
-        <p:nvSpPr>
-          <p:cNvPr id="2" name="Title 1">
-            <a:extLst>
-              <a:ext uri="{FF2B5EF4-FFF2-40B4-BE49-F238E27FC236}">
-                <a16:creationId xmlns:a16="http://schemas.microsoft.com/office/drawing/2014/main" id="{F7CE2EDE-E25A-4A70-8F62-F085450451DD}"/>
-              </a:ext>
-            </a:extLst>
-          </p:cNvPr>
-          <p:cNvSpPr>
-            <a:spLocks noGrp="1"/>
-          </p:cNvSpPr>
-          <p:nvPr>
-            <p:ph type="title"/>
-          </p:nvPr>
-        </p:nvSpPr>
-        <p:spPr/>
-        <p:txBody>
-          <a:bodyPr/>
-          <a:lstStyle/>
-          <a:p>
-            <a:r>
-              <a:rPr lang="en-US" dirty="0"/>
-              <a:t>Questions</a:t>
-            </a:r>
-          </a:p>
-        </p:txBody>
-      </p:sp>
-      <p:sp>
-        <p:nvSpPr>
-          <p:cNvPr id="3" name="Content Placeholder 2">
-            <a:extLst>
-              <a:ext uri="{FF2B5EF4-FFF2-40B4-BE49-F238E27FC236}">
-                <a16:creationId xmlns:a16="http://schemas.microsoft.com/office/drawing/2014/main" id="{9AEE3A0C-68A5-4030-881D-4851A929E20E}"/>
-              </a:ext>
-            </a:extLst>
-          </p:cNvPr>
-          <p:cNvSpPr>
-            <a:spLocks noGrp="1"/>
-          </p:cNvSpPr>
-          <p:nvPr>
-            <p:ph idx="1"/>
-          </p:nvPr>
-        </p:nvSpPr>
-        <p:spPr/>
-        <p:txBody>
-          <a:bodyPr/>
-          <a:lstStyle/>
-          <a:p>
-            <a:r>
-              <a:rPr lang="en-US" dirty="0"/>
-              <a:t>List all incoming calls</a:t>
-            </a:r>
-          </a:p>
-          <a:p>
-            <a:r>
-              <a:rPr lang="en-US" dirty="0"/>
-              <a:t>Did any callers leave voice mails?</a:t>
-            </a:r>
-          </a:p>
-        </p:txBody>
-      </p:sp>
-    </p:spTree>
-    <p:extLst>
-      <p:ext uri="{BB962C8B-B14F-4D97-AF65-F5344CB8AC3E}">
-        <p14:creationId xmlns:p14="http://schemas.microsoft.com/office/powerpoint/2010/main" val="1311878670"/>
-      </p:ext>
-    </p:extLst>
-  </p:cSld>
-  <p:clrMapOvr>
-    <a:masterClrMapping/>
-  </p:clrMapOvr>
-</p:sld>
-</file>
-
-<file path=ppt/slides/slide5.xml><?xml version="1.0" encoding="utf-8"?>
-<p:sld xmlns:a="http://schemas.openxmlformats.org/drawingml/2006/main" xmlns:r="http://schemas.openxmlformats.org/officeDocument/2006/relationships" xmlns:p="http://schemas.openxmlformats.org/presentationml/2006/main">
-  <p:cSld>
-    <p:spTree>
-      <p:nvGrpSpPr>
-        <p:cNvPr id="1" name=""/>
-        <p:cNvGrpSpPr/>
-        <p:nvPr/>
-      </p:nvGrpSpPr>
-      <p:grpSpPr>
-        <a:xfrm>
-          <a:off x="0" y="0"/>
-          <a:ext cx="0" cy="0"/>
-          <a:chOff x="0" y="0"/>
-          <a:chExt cx="0" cy="0"/>
-        </a:xfrm>
-      </p:grpSpPr>
-      <p:pic>
-        <p:nvPicPr>
-          <p:cNvPr id="5" name="Picture 4" descr="Text&#10;&#10;Description automatically generated">
-            <a:extLst>
-              <a:ext uri="{FF2B5EF4-FFF2-40B4-BE49-F238E27FC236}">
-                <a16:creationId xmlns:a16="http://schemas.microsoft.com/office/drawing/2014/main" id="{BA00B114-EB72-495B-88DF-D2D75B198CDF}"/>
-              </a:ext>
-            </a:extLst>
-          </p:cNvPr>
-          <p:cNvPicPr>
-            <a:picLocks noChangeAspect="1"/>
-          </p:cNvPicPr>
-          <p:nvPr/>
-        </p:nvPicPr>
-        <p:blipFill>
-          <a:blip r:embed="rId3"/>
-          <a:stretch>
-            <a:fillRect/>
-          </a:stretch>
-        </p:blipFill>
-        <p:spPr>
-          <a:xfrm>
-            <a:off x="2127476" y="417224"/>
-            <a:ext cx="8659836" cy="6192298"/>
-          </a:xfrm>
-          <a:prstGeom prst="rect">
-            <a:avLst/>
-          </a:prstGeom>
-        </p:spPr>
-      </p:pic>
-      <p:sp>
-        <p:nvSpPr>
-          <p:cNvPr id="6" name="Rectangle 5">
-            <a:extLst>
-              <a:ext uri="{FF2B5EF4-FFF2-40B4-BE49-F238E27FC236}">
-                <a16:creationId xmlns:a16="http://schemas.microsoft.com/office/drawing/2014/main" id="{BFB5C54F-7E34-42AD-9CBA-061E6E4D4A76}"/>
-              </a:ext>
-            </a:extLst>
-          </p:cNvPr>
-          <p:cNvSpPr/>
-          <p:nvPr/>
-        </p:nvSpPr>
-        <p:spPr>
-          <a:xfrm>
-            <a:off x="2597533" y="1385175"/>
-            <a:ext cx="2898806" cy="224964"/>
-          </a:xfrm>
-          <a:prstGeom prst="rect">
-            <a:avLst/>
-          </a:prstGeom>
-          <a:noFill/>
-          <a:ln w="28575">
-            <a:solidFill>
-              <a:srgbClr val="FF0000"/>
-            </a:solidFill>
-          </a:ln>
-        </p:spPr>
-        <p:style>
-          <a:lnRef idx="2">
-            <a:schemeClr val="accent1">
-              <a:shade val="50000"/>
-            </a:schemeClr>
-          </a:lnRef>
-          <a:fillRef idx="1">
-            <a:schemeClr val="accent1"/>
-          </a:fillRef>
-          <a:effectRef idx="0">
-            <a:schemeClr val="accent1"/>
-          </a:effectRef>
-          <a:fontRef idx="minor">
-            <a:schemeClr val="lt1"/>
-          </a:fontRef>
-        </p:style>
-        <p:txBody>
-          <a:bodyPr rtlCol="0" anchor="ctr"/>
-          <a:lstStyle/>
-          <a:p>
-            <a:pPr algn="ctr"/>
-            <a:endParaRPr lang="en-US"/>
-          </a:p>
-        </p:txBody>
-      </p:sp>
-    </p:spTree>
-    <p:extLst>
-      <p:ext uri="{BB962C8B-B14F-4D97-AF65-F5344CB8AC3E}">
-        <p14:creationId xmlns:p14="http://schemas.microsoft.com/office/powerpoint/2010/main" val="3057585943"/>
-      </p:ext>
-    </p:extLst>
-  </p:cSld>
-  <p:clrMapOvr>
-    <a:masterClrMapping/>
-  </p:clrMapOvr>
-</p:sld>
-</file>
-
-<file path=ppt/slides/slide6.xml><?xml version="1.0" encoding="utf-8"?>
+<file path=ppt/slides/slide12.xml><?xml version="1.0" encoding="utf-8"?>
 <p:sld xmlns:a="http://schemas.openxmlformats.org/drawingml/2006/main" xmlns:r="http://schemas.openxmlformats.org/officeDocument/2006/relationships" xmlns:p="http://schemas.openxmlformats.org/presentationml/2006/main">
   <p:cSld>
     <p:spTree>
@@ -12941,7 +11895,7 @@
         </p:blipFill>
         <p:spPr>
           <a:xfrm>
-            <a:off x="544349" y="1165664"/>
+            <a:off x="544349" y="1815568"/>
             <a:ext cx="11103302" cy="4526672"/>
           </a:xfrm>
           <a:prstGeom prst="rect">
@@ -12971,7 +11925,7 @@
         </p:blipFill>
         <p:spPr>
           <a:xfrm>
-            <a:off x="2943280" y="4136893"/>
+            <a:off x="2943280" y="4786797"/>
             <a:ext cx="1463167" cy="1219306"/>
           </a:xfrm>
           <a:prstGeom prst="rect">
@@ -12991,6 +11945,47 @@
           </a:effectLst>
         </p:spPr>
       </p:pic>
+      <p:sp>
+        <p:nvSpPr>
+          <p:cNvPr id="2" name="Title 1">
+            <a:extLst>
+              <a:ext uri="{FF2B5EF4-FFF2-40B4-BE49-F238E27FC236}">
+                <a16:creationId xmlns:a16="http://schemas.microsoft.com/office/drawing/2014/main" id="{235D3EA3-6D82-4D19-DC06-61D86AC6B86F}"/>
+              </a:ext>
+            </a:extLst>
+          </p:cNvPr>
+          <p:cNvSpPr>
+            <a:spLocks noGrp="1"/>
+          </p:cNvSpPr>
+          <p:nvPr>
+            <p:ph type="title"/>
+          </p:nvPr>
+        </p:nvSpPr>
+        <p:spPr/>
+        <p:txBody>
+          <a:bodyPr/>
+          <a:lstStyle/>
+          <a:p>
+            <a:r>
+              <a:rPr lang="en-US" dirty="0"/>
+              <a:t>Call log in </a:t>
+            </a:r>
+            <a:r>
+              <a:rPr lang="en-US" dirty="0" err="1">
+                <a:solidFill>
+                  <a:srgbClr val="7030A0"/>
+                </a:solidFill>
+              </a:rPr>
+              <a:t>annotated_call_log.db</a:t>
+            </a:r>
+            <a:endParaRPr lang="en-US" dirty="0">
+              <a:solidFill>
+                <a:srgbClr val="7030A0"/>
+              </a:solidFill>
+            </a:endParaRPr>
+          </a:p>
+        </p:txBody>
+      </p:sp>
     </p:spTree>
     <p:extLst>
       <p:ext uri="{BB962C8B-B14F-4D97-AF65-F5344CB8AC3E}">
@@ -13004,7 +11999,7 @@
 </p:sld>
 </file>
 
-<file path=ppt/slides/slide7.xml><?xml version="1.0" encoding="utf-8"?>
+<file path=ppt/slides/slide13.xml><?xml version="1.0" encoding="utf-8"?>
 <p:sld xmlns:a="http://schemas.openxmlformats.org/drawingml/2006/main" xmlns:r="http://schemas.openxmlformats.org/officeDocument/2006/relationships" xmlns:p="http://schemas.openxmlformats.org/presentationml/2006/main">
   <p:cSld>
     <p:spTree>
@@ -13798,7 +12793,7 @@
 </p:sld>
 </file>
 
-<file path=ppt/slides/slide8.xml><?xml version="1.0" encoding="utf-8"?>
+<file path=ppt/slides/slide14.xml><?xml version="1.0" encoding="utf-8"?>
 <p:sld xmlns:a="http://schemas.openxmlformats.org/drawingml/2006/main" xmlns:r="http://schemas.openxmlformats.org/officeDocument/2006/relationships" xmlns:p="http://schemas.openxmlformats.org/presentationml/2006/main">
   <p:cSld>
     <p:spTree>
@@ -14226,7 +13221,7 @@
 </p:sld>
 </file>
 
-<file path=ppt/slides/slide9.xml><?xml version="1.0" encoding="utf-8"?>
+<file path=ppt/slides/slide15.xml><?xml version="1.0" encoding="utf-8"?>
 <p:sld xmlns:a="http://schemas.openxmlformats.org/drawingml/2006/main" xmlns:r="http://schemas.openxmlformats.org/officeDocument/2006/relationships" xmlns:p="http://schemas.openxmlformats.org/presentationml/2006/main">
   <p:cSld>
     <p:spTree>
@@ -14545,6 +13540,2697 @@
     <p:extLst>
       <p:ext uri="{BB962C8B-B14F-4D97-AF65-F5344CB8AC3E}">
         <p14:creationId xmlns:p14="http://schemas.microsoft.com/office/powerpoint/2010/main" val="1311538801"/>
+      </p:ext>
+    </p:extLst>
+  </p:cSld>
+  <p:clrMapOvr>
+    <a:masterClrMapping/>
+  </p:clrMapOvr>
+</p:sld>
+</file>
+
+<file path=ppt/slides/slide16.xml><?xml version="1.0" encoding="utf-8"?>
+<p:sld xmlns:a="http://schemas.openxmlformats.org/drawingml/2006/main" xmlns:r="http://schemas.openxmlformats.org/officeDocument/2006/relationships" xmlns:p="http://schemas.openxmlformats.org/presentationml/2006/main">
+  <p:cSld>
+    <p:spTree>
+      <p:nvGrpSpPr>
+        <p:cNvPr id="1" name="">
+          <a:extLst>
+            <a:ext uri="{FF2B5EF4-FFF2-40B4-BE49-F238E27FC236}">
+              <a16:creationId xmlns:a16="http://schemas.microsoft.com/office/drawing/2014/main" id="{F7C4DC75-BF47-96E7-9542-847C205643C0}"/>
+            </a:ext>
+          </a:extLst>
+        </p:cNvPr>
+        <p:cNvGrpSpPr/>
+        <p:nvPr/>
+      </p:nvGrpSpPr>
+      <p:grpSpPr>
+        <a:xfrm>
+          <a:off x="0" y="0"/>
+          <a:ext cx="0" cy="0"/>
+          <a:chOff x="0" y="0"/>
+          <a:chExt cx="0" cy="0"/>
+        </a:xfrm>
+      </p:grpSpPr>
+      <p:sp>
+        <p:nvSpPr>
+          <p:cNvPr id="2" name="Title 1">
+            <a:extLst>
+              <a:ext uri="{FF2B5EF4-FFF2-40B4-BE49-F238E27FC236}">
+                <a16:creationId xmlns:a16="http://schemas.microsoft.com/office/drawing/2014/main" id="{209AFAE7-F693-F564-6C72-5B4B238D07F3}"/>
+              </a:ext>
+            </a:extLst>
+          </p:cNvPr>
+          <p:cNvSpPr>
+            <a:spLocks noGrp="1"/>
+          </p:cNvSpPr>
+          <p:nvPr>
+            <p:ph type="title"/>
+          </p:nvPr>
+        </p:nvSpPr>
+        <p:spPr/>
+        <p:txBody>
+          <a:bodyPr/>
+          <a:lstStyle/>
+          <a:p>
+            <a:r>
+              <a:rPr lang="en-GB" dirty="0"/>
+              <a:t>Understand user’s interactions with contacts, not just </a:t>
+            </a:r>
+            <a:r>
+              <a:rPr lang="en-GB" dirty="0" err="1"/>
+              <a:t>dialing</a:t>
+            </a:r>
+            <a:r>
+              <a:rPr lang="en-GB" dirty="0"/>
+              <a:t> (</a:t>
+            </a:r>
+            <a:r>
+              <a:rPr lang="en-GB" dirty="0" err="1">
+                <a:solidFill>
+                  <a:srgbClr val="7030A0"/>
+                </a:solidFill>
+              </a:rPr>
+              <a:t>suggest_contact_database</a:t>
+            </a:r>
+            <a:r>
+              <a:rPr lang="en-GB" dirty="0"/>
+              <a:t>)</a:t>
+            </a:r>
+            <a:endParaRPr lang="en-US" dirty="0"/>
+          </a:p>
+        </p:txBody>
+      </p:sp>
+      <p:sp>
+        <p:nvSpPr>
+          <p:cNvPr id="3" name="Content Placeholder 2">
+            <a:extLst>
+              <a:ext uri="{FF2B5EF4-FFF2-40B4-BE49-F238E27FC236}">
+                <a16:creationId xmlns:a16="http://schemas.microsoft.com/office/drawing/2014/main" id="{FAECE302-37ED-9A51-52E7-1DB1AC1C02CD}"/>
+              </a:ext>
+            </a:extLst>
+          </p:cNvPr>
+          <p:cNvSpPr>
+            <a:spLocks noGrp="1"/>
+          </p:cNvSpPr>
+          <p:nvPr>
+            <p:ph idx="1"/>
+          </p:nvPr>
+        </p:nvSpPr>
+        <p:spPr>
+          <a:xfrm>
+            <a:off x="838200" y="1825625"/>
+            <a:ext cx="3465443" cy="4351338"/>
+          </a:xfrm>
+        </p:spPr>
+        <p:txBody>
+          <a:bodyPr/>
+          <a:lstStyle/>
+          <a:p>
+            <a:r>
+              <a:rPr lang="en-GB" dirty="0"/>
+              <a:t>When you try and share photos or anything from Google pixel, you will see suggested contacts pops up with several frequently contacted people in the phone</a:t>
+            </a:r>
+            <a:endParaRPr lang="en-US" dirty="0"/>
+          </a:p>
+        </p:txBody>
+      </p:sp>
+      <p:pic>
+        <p:nvPicPr>
+          <p:cNvPr id="5" name="Picture 4" descr="Text&#10;&#10;Description automatically generated">
+            <a:extLst>
+              <a:ext uri="{FF2B5EF4-FFF2-40B4-BE49-F238E27FC236}">
+                <a16:creationId xmlns:a16="http://schemas.microsoft.com/office/drawing/2014/main" id="{1DB44BAA-0D10-E24D-F7C3-5B02CBBD23EC}"/>
+              </a:ext>
+            </a:extLst>
+          </p:cNvPr>
+          <p:cNvPicPr>
+            <a:picLocks noChangeAspect="1"/>
+          </p:cNvPicPr>
+          <p:nvPr/>
+        </p:nvPicPr>
+        <p:blipFill>
+          <a:blip r:embed="rId2"/>
+          <a:stretch>
+            <a:fillRect/>
+          </a:stretch>
+        </p:blipFill>
+        <p:spPr>
+          <a:xfrm>
+            <a:off x="4499542" y="1938014"/>
+            <a:ext cx="7127078" cy="3578204"/>
+          </a:xfrm>
+          <a:prstGeom prst="rect">
+            <a:avLst/>
+          </a:prstGeom>
+        </p:spPr>
+      </p:pic>
+    </p:spTree>
+    <p:extLst>
+      <p:ext uri="{BB962C8B-B14F-4D97-AF65-F5344CB8AC3E}">
+        <p14:creationId xmlns:p14="http://schemas.microsoft.com/office/powerpoint/2010/main" val="780716649"/>
+      </p:ext>
+    </p:extLst>
+  </p:cSld>
+  <p:clrMapOvr>
+    <a:masterClrMapping/>
+  </p:clrMapOvr>
+</p:sld>
+</file>
+
+<file path=ppt/slides/slide17.xml><?xml version="1.0" encoding="utf-8"?>
+<p:sld xmlns:a="http://schemas.openxmlformats.org/drawingml/2006/main" xmlns:r="http://schemas.openxmlformats.org/officeDocument/2006/relationships" xmlns:p="http://schemas.openxmlformats.org/presentationml/2006/main">
+  <p:cSld>
+    <p:spTree>
+      <p:nvGrpSpPr>
+        <p:cNvPr id="1" name=""/>
+        <p:cNvGrpSpPr/>
+        <p:nvPr/>
+      </p:nvGrpSpPr>
+      <p:grpSpPr>
+        <a:xfrm>
+          <a:off x="0" y="0"/>
+          <a:ext cx="0" cy="0"/>
+          <a:chOff x="0" y="0"/>
+          <a:chExt cx="0" cy="0"/>
+        </a:xfrm>
+      </p:grpSpPr>
+      <p:pic>
+        <p:nvPicPr>
+          <p:cNvPr id="5" name="Picture 4">
+            <a:extLst>
+              <a:ext uri="{FF2B5EF4-FFF2-40B4-BE49-F238E27FC236}">
+                <a16:creationId xmlns:a16="http://schemas.microsoft.com/office/drawing/2014/main" id="{B6E8D264-4C74-474A-A296-BB94A94F3701}"/>
+              </a:ext>
+            </a:extLst>
+          </p:cNvPr>
+          <p:cNvPicPr>
+            <a:picLocks noChangeAspect="1"/>
+          </p:cNvPicPr>
+          <p:nvPr/>
+        </p:nvPicPr>
+        <p:blipFill>
+          <a:blip r:embed="rId2"/>
+          <a:stretch>
+            <a:fillRect/>
+          </a:stretch>
+        </p:blipFill>
+        <p:spPr>
+          <a:xfrm>
+            <a:off x="902811" y="1464422"/>
+            <a:ext cx="10386378" cy="588967"/>
+          </a:xfrm>
+          <a:prstGeom prst="rect">
+            <a:avLst/>
+          </a:prstGeom>
+        </p:spPr>
+      </p:pic>
+      <p:pic>
+        <p:nvPicPr>
+          <p:cNvPr id="7" name="Picture 6">
+            <a:extLst>
+              <a:ext uri="{FF2B5EF4-FFF2-40B4-BE49-F238E27FC236}">
+                <a16:creationId xmlns:a16="http://schemas.microsoft.com/office/drawing/2014/main" id="{81948891-9473-453B-9BA1-3E792311A3A6}"/>
+              </a:ext>
+            </a:extLst>
+          </p:cNvPr>
+          <p:cNvPicPr>
+            <a:picLocks noChangeAspect="1"/>
+          </p:cNvPicPr>
+          <p:nvPr/>
+        </p:nvPicPr>
+        <p:blipFill>
+          <a:blip r:embed="rId3"/>
+          <a:stretch>
+            <a:fillRect/>
+          </a:stretch>
+        </p:blipFill>
+        <p:spPr>
+          <a:xfrm>
+            <a:off x="902812" y="2053389"/>
+            <a:ext cx="10386377" cy="1063478"/>
+          </a:xfrm>
+          <a:prstGeom prst="rect">
+            <a:avLst/>
+          </a:prstGeom>
+        </p:spPr>
+      </p:pic>
+      <p:pic>
+        <p:nvPicPr>
+          <p:cNvPr id="9" name="Picture 8" descr="Graphical user interface&#10;&#10;Description automatically generated">
+            <a:extLst>
+              <a:ext uri="{FF2B5EF4-FFF2-40B4-BE49-F238E27FC236}">
+                <a16:creationId xmlns:a16="http://schemas.microsoft.com/office/drawing/2014/main" id="{6DD4813B-5125-4D6A-A084-E6DA8E69E478}"/>
+              </a:ext>
+            </a:extLst>
+          </p:cNvPr>
+          <p:cNvPicPr>
+            <a:picLocks noChangeAspect="1"/>
+          </p:cNvPicPr>
+          <p:nvPr/>
+        </p:nvPicPr>
+        <p:blipFill>
+          <a:blip r:embed="rId4"/>
+          <a:stretch>
+            <a:fillRect/>
+          </a:stretch>
+        </p:blipFill>
+        <p:spPr>
+          <a:xfrm>
+            <a:off x="902811" y="3741133"/>
+            <a:ext cx="4557978" cy="1611097"/>
+          </a:xfrm>
+          <a:prstGeom prst="rect">
+            <a:avLst/>
+          </a:prstGeom>
+        </p:spPr>
+      </p:pic>
+      <p:sp>
+        <p:nvSpPr>
+          <p:cNvPr id="10" name="TextBox 9">
+            <a:extLst>
+              <a:ext uri="{FF2B5EF4-FFF2-40B4-BE49-F238E27FC236}">
+                <a16:creationId xmlns:a16="http://schemas.microsoft.com/office/drawing/2014/main" id="{7F7F070B-1F7C-4E84-8ECE-5AEC9881D33C}"/>
+              </a:ext>
+            </a:extLst>
+          </p:cNvPr>
+          <p:cNvSpPr txBox="1"/>
+          <p:nvPr/>
+        </p:nvSpPr>
+        <p:spPr>
+          <a:xfrm>
+            <a:off x="902811" y="1095090"/>
+            <a:ext cx="3238644" cy="369332"/>
+          </a:xfrm>
+          <a:prstGeom prst="rect">
+            <a:avLst/>
+          </a:prstGeom>
+          <a:solidFill>
+            <a:schemeClr val="accent4"/>
+          </a:solidFill>
+        </p:spPr>
+        <p:txBody>
+          <a:bodyPr wrap="none" rtlCol="0">
+            <a:spAutoFit/>
+          </a:bodyPr>
+          <a:lstStyle/>
+          <a:p>
+            <a:r>
+              <a:rPr lang="en-US" dirty="0"/>
+              <a:t>Open </a:t>
+            </a:r>
+            <a:r>
+              <a:rPr lang="en-US" i="1" dirty="0" err="1">
+                <a:solidFill>
+                  <a:srgbClr val="7030A0"/>
+                </a:solidFill>
+              </a:rPr>
+              <a:t>suggest_contact_database</a:t>
+            </a:r>
+            <a:endParaRPr lang="en-US" i="1" dirty="0">
+              <a:solidFill>
+                <a:srgbClr val="7030A0"/>
+              </a:solidFill>
+            </a:endParaRPr>
+          </a:p>
+        </p:txBody>
+      </p:sp>
+      <p:sp>
+        <p:nvSpPr>
+          <p:cNvPr id="11" name="TextBox 10">
+            <a:extLst>
+              <a:ext uri="{FF2B5EF4-FFF2-40B4-BE49-F238E27FC236}">
+                <a16:creationId xmlns:a16="http://schemas.microsoft.com/office/drawing/2014/main" id="{0DB459A9-0ECB-4DD7-AF6C-9594EE7D9625}"/>
+              </a:ext>
+            </a:extLst>
+          </p:cNvPr>
+          <p:cNvSpPr txBox="1"/>
+          <p:nvPr/>
+        </p:nvSpPr>
+        <p:spPr>
+          <a:xfrm>
+            <a:off x="902811" y="3371802"/>
+            <a:ext cx="4557979" cy="369332"/>
+          </a:xfrm>
+          <a:prstGeom prst="rect">
+            <a:avLst/>
+          </a:prstGeom>
+          <a:solidFill>
+            <a:schemeClr val="accent4"/>
+          </a:solidFill>
+        </p:spPr>
+        <p:txBody>
+          <a:bodyPr wrap="none" rtlCol="0">
+            <a:spAutoFit/>
+          </a:bodyPr>
+          <a:lstStyle/>
+          <a:p>
+            <a:r>
+              <a:rPr lang="en-US" dirty="0"/>
+              <a:t>Find </a:t>
+            </a:r>
+            <a:r>
+              <a:rPr lang="en-US" dirty="0" err="1"/>
+              <a:t>thefrequently</a:t>
+            </a:r>
+            <a:r>
+              <a:rPr lang="en-US" dirty="0"/>
+              <a:t> contacted phone numbers  </a:t>
+            </a:r>
+            <a:endParaRPr lang="en-US" i="1" dirty="0">
+              <a:solidFill>
+                <a:srgbClr val="7030A0"/>
+              </a:solidFill>
+            </a:endParaRPr>
+          </a:p>
+        </p:txBody>
+      </p:sp>
+    </p:spTree>
+    <p:extLst>
+      <p:ext uri="{BB962C8B-B14F-4D97-AF65-F5344CB8AC3E}">
+        <p14:creationId xmlns:p14="http://schemas.microsoft.com/office/powerpoint/2010/main" val="76325081"/>
+      </p:ext>
+    </p:extLst>
+  </p:cSld>
+  <p:clrMapOvr>
+    <a:masterClrMapping/>
+  </p:clrMapOvr>
+</p:sld>
+</file>
+
+<file path=ppt/slides/slide18.xml><?xml version="1.0" encoding="utf-8"?>
+<p:sld xmlns:a="http://schemas.openxmlformats.org/drawingml/2006/main" xmlns:r="http://schemas.openxmlformats.org/officeDocument/2006/relationships" xmlns:p="http://schemas.openxmlformats.org/presentationml/2006/main">
+  <p:cSld>
+    <p:spTree>
+      <p:nvGrpSpPr>
+        <p:cNvPr id="1" name=""/>
+        <p:cNvGrpSpPr/>
+        <p:nvPr/>
+      </p:nvGrpSpPr>
+      <p:grpSpPr>
+        <a:xfrm>
+          <a:off x="0" y="0"/>
+          <a:ext cx="0" cy="0"/>
+          <a:chOff x="0" y="0"/>
+          <a:chExt cx="0" cy="0"/>
+        </a:xfrm>
+      </p:grpSpPr>
+      <p:sp>
+        <p:nvSpPr>
+          <p:cNvPr id="2" name="Title 1">
+            <a:extLst>
+              <a:ext uri="{FF2B5EF4-FFF2-40B4-BE49-F238E27FC236}">
+                <a16:creationId xmlns:a16="http://schemas.microsoft.com/office/drawing/2014/main" id="{6B49195F-7102-4A8A-9EB1-A1496331F1E0}"/>
+              </a:ext>
+            </a:extLst>
+          </p:cNvPr>
+          <p:cNvSpPr>
+            <a:spLocks noGrp="1"/>
+          </p:cNvSpPr>
+          <p:nvPr>
+            <p:ph type="title"/>
+          </p:nvPr>
+        </p:nvSpPr>
+        <p:spPr/>
+        <p:txBody>
+          <a:bodyPr/>
+          <a:lstStyle/>
+          <a:p>
+            <a:r>
+              <a:rPr lang="en-US" dirty="0"/>
+              <a:t>List phone lookup (</a:t>
+            </a:r>
+            <a:r>
+              <a:rPr lang="en-GB" dirty="0"/>
+              <a:t>caller ID</a:t>
+            </a:r>
+            <a:r>
+              <a:rPr lang="en-US" dirty="0"/>
+              <a:t>) history</a:t>
+            </a:r>
+          </a:p>
+        </p:txBody>
+      </p:sp>
+      <p:sp>
+        <p:nvSpPr>
+          <p:cNvPr id="3" name="Content Placeholder 2">
+            <a:extLst>
+              <a:ext uri="{FF2B5EF4-FFF2-40B4-BE49-F238E27FC236}">
+                <a16:creationId xmlns:a16="http://schemas.microsoft.com/office/drawing/2014/main" id="{C23843C1-37EF-48E2-BABB-BC35C0982C70}"/>
+              </a:ext>
+            </a:extLst>
+          </p:cNvPr>
+          <p:cNvSpPr>
+            <a:spLocks noGrp="1"/>
+          </p:cNvSpPr>
+          <p:nvPr>
+            <p:ph idx="1"/>
+          </p:nvPr>
+        </p:nvSpPr>
+        <p:spPr>
+          <a:xfrm>
+            <a:off x="838200" y="1825624"/>
+            <a:ext cx="4194779" cy="4605403"/>
+          </a:xfrm>
+        </p:spPr>
+        <p:txBody>
+          <a:bodyPr>
+            <a:normAutofit fontScale="85000" lnSpcReduction="10000"/>
+          </a:bodyPr>
+          <a:lstStyle/>
+          <a:p>
+            <a:r>
+              <a:rPr lang="en-GB" dirty="0"/>
+              <a:t>When the Google </a:t>
+            </a:r>
+            <a:r>
+              <a:rPr lang="en-GB" dirty="0" err="1"/>
+              <a:t>Dialer</a:t>
+            </a:r>
+            <a:r>
+              <a:rPr lang="en-GB" dirty="0"/>
+              <a:t> app performs a caller ID lookup</a:t>
+            </a:r>
+          </a:p>
+          <a:p>
+            <a:pPr lvl="1"/>
+            <a:r>
+              <a:rPr lang="en-GB" dirty="0"/>
+              <a:t>it may query Google’s servers or another external database to identify the caller. </a:t>
+            </a:r>
+          </a:p>
+          <a:p>
+            <a:pPr lvl="1"/>
+            <a:r>
+              <a:rPr lang="en-GB" dirty="0"/>
+              <a:t>done either manually by the user or automatically for caller ID</a:t>
+            </a:r>
+          </a:p>
+          <a:p>
+            <a:r>
+              <a:rPr lang="en-GB" dirty="0"/>
+              <a:t>Storing these results locally in </a:t>
+            </a:r>
+            <a:r>
+              <a:rPr lang="en-GB" dirty="0" err="1">
+                <a:solidFill>
+                  <a:srgbClr val="7030A0"/>
+                </a:solidFill>
+              </a:rPr>
+              <a:t>phone_lookup_history.db</a:t>
+            </a:r>
+            <a:endParaRPr lang="en-GB" dirty="0">
+              <a:solidFill>
+                <a:srgbClr val="7030A0"/>
+              </a:solidFill>
+            </a:endParaRPr>
+          </a:p>
+          <a:p>
+            <a:pPr lvl="1"/>
+            <a:r>
+              <a:rPr lang="en-GB"/>
+              <a:t>allows </a:t>
+            </a:r>
+            <a:r>
+              <a:rPr lang="en-GB" dirty="0"/>
+              <a:t>the app to quickly retrieve the same information if the same number calls again, reducing the need for repeated server queries and improving performance.</a:t>
+            </a:r>
+            <a:endParaRPr lang="en-US" dirty="0"/>
+          </a:p>
+        </p:txBody>
+      </p:sp>
+      <p:pic>
+        <p:nvPicPr>
+          <p:cNvPr id="5" name="Picture 4" descr="Text&#10;&#10;Description automatically generated">
+            <a:extLst>
+              <a:ext uri="{FF2B5EF4-FFF2-40B4-BE49-F238E27FC236}">
+                <a16:creationId xmlns:a16="http://schemas.microsoft.com/office/drawing/2014/main" id="{744FB812-8BF0-440C-B7DF-844E2376C7FE}"/>
+              </a:ext>
+            </a:extLst>
+          </p:cNvPr>
+          <p:cNvPicPr>
+            <a:picLocks noChangeAspect="1"/>
+          </p:cNvPicPr>
+          <p:nvPr/>
+        </p:nvPicPr>
+        <p:blipFill>
+          <a:blip r:embed="rId2"/>
+          <a:stretch>
+            <a:fillRect/>
+          </a:stretch>
+        </p:blipFill>
+        <p:spPr>
+          <a:xfrm>
+            <a:off x="5192648" y="1995609"/>
+            <a:ext cx="6425018" cy="3208114"/>
+          </a:xfrm>
+          <a:prstGeom prst="rect">
+            <a:avLst/>
+          </a:prstGeom>
+        </p:spPr>
+      </p:pic>
+    </p:spTree>
+    <p:extLst>
+      <p:ext uri="{BB962C8B-B14F-4D97-AF65-F5344CB8AC3E}">
+        <p14:creationId xmlns:p14="http://schemas.microsoft.com/office/powerpoint/2010/main" val="3578698584"/>
+      </p:ext>
+    </p:extLst>
+  </p:cSld>
+  <p:clrMapOvr>
+    <a:masterClrMapping/>
+  </p:clrMapOvr>
+</p:sld>
+</file>
+
+<file path=ppt/slides/slide19.xml><?xml version="1.0" encoding="utf-8"?>
+<p:sld xmlns:a="http://schemas.openxmlformats.org/drawingml/2006/main" xmlns:r="http://schemas.openxmlformats.org/officeDocument/2006/relationships" xmlns:p="http://schemas.openxmlformats.org/presentationml/2006/main">
+  <p:cSld>
+    <p:spTree>
+      <p:nvGrpSpPr>
+        <p:cNvPr id="1" name=""/>
+        <p:cNvGrpSpPr/>
+        <p:nvPr/>
+      </p:nvGrpSpPr>
+      <p:grpSpPr>
+        <a:xfrm>
+          <a:off x="0" y="0"/>
+          <a:ext cx="0" cy="0"/>
+          <a:chOff x="0" y="0"/>
+          <a:chExt cx="0" cy="0"/>
+        </a:xfrm>
+      </p:grpSpPr>
+      <p:pic>
+        <p:nvPicPr>
+          <p:cNvPr id="5" name="Picture 4">
+            <a:extLst>
+              <a:ext uri="{FF2B5EF4-FFF2-40B4-BE49-F238E27FC236}">
+                <a16:creationId xmlns:a16="http://schemas.microsoft.com/office/drawing/2014/main" id="{CDC9D4A2-1A29-419B-8CF3-FA31B4B46DC0}"/>
+              </a:ext>
+            </a:extLst>
+          </p:cNvPr>
+          <p:cNvPicPr>
+            <a:picLocks noChangeAspect="1"/>
+          </p:cNvPicPr>
+          <p:nvPr/>
+        </p:nvPicPr>
+        <p:blipFill>
+          <a:blip r:embed="rId2"/>
+          <a:stretch>
+            <a:fillRect/>
+          </a:stretch>
+        </p:blipFill>
+        <p:spPr>
+          <a:xfrm>
+            <a:off x="851089" y="1227130"/>
+            <a:ext cx="9999538" cy="581791"/>
+          </a:xfrm>
+          <a:prstGeom prst="rect">
+            <a:avLst/>
+          </a:prstGeom>
+        </p:spPr>
+      </p:pic>
+      <p:pic>
+        <p:nvPicPr>
+          <p:cNvPr id="7" name="Picture 6" descr="A screenshot of a computer&#10;&#10;Description automatically generated with medium confidence">
+            <a:extLst>
+              <a:ext uri="{FF2B5EF4-FFF2-40B4-BE49-F238E27FC236}">
+                <a16:creationId xmlns:a16="http://schemas.microsoft.com/office/drawing/2014/main" id="{390BE3CF-794C-4B41-85D5-B314048A8AED}"/>
+              </a:ext>
+            </a:extLst>
+          </p:cNvPr>
+          <p:cNvPicPr>
+            <a:picLocks noChangeAspect="1"/>
+          </p:cNvPicPr>
+          <p:nvPr/>
+        </p:nvPicPr>
+        <p:blipFill>
+          <a:blip r:embed="rId3"/>
+          <a:stretch>
+            <a:fillRect/>
+          </a:stretch>
+        </p:blipFill>
+        <p:spPr>
+          <a:xfrm>
+            <a:off x="851089" y="1808921"/>
+            <a:ext cx="7866620" cy="1576661"/>
+          </a:xfrm>
+          <a:prstGeom prst="rect">
+            <a:avLst/>
+          </a:prstGeom>
+        </p:spPr>
+      </p:pic>
+      <p:pic>
+        <p:nvPicPr>
+          <p:cNvPr id="9" name="Picture 8" descr="Graphical user interface&#10;&#10;Description automatically generated">
+            <a:extLst>
+              <a:ext uri="{FF2B5EF4-FFF2-40B4-BE49-F238E27FC236}">
+                <a16:creationId xmlns:a16="http://schemas.microsoft.com/office/drawing/2014/main" id="{B6516974-8E35-4D9E-8B52-0F9861769110}"/>
+              </a:ext>
+            </a:extLst>
+          </p:cNvPr>
+          <p:cNvPicPr>
+            <a:picLocks noChangeAspect="1"/>
+          </p:cNvPicPr>
+          <p:nvPr/>
+        </p:nvPicPr>
+        <p:blipFill>
+          <a:blip r:embed="rId4"/>
+          <a:stretch>
+            <a:fillRect/>
+          </a:stretch>
+        </p:blipFill>
+        <p:spPr>
+          <a:xfrm>
+            <a:off x="851089" y="3992396"/>
+            <a:ext cx="4778154" cy="1905165"/>
+          </a:xfrm>
+          <a:prstGeom prst="rect">
+            <a:avLst/>
+          </a:prstGeom>
+        </p:spPr>
+      </p:pic>
+      <p:sp>
+        <p:nvSpPr>
+          <p:cNvPr id="10" name="TextBox 9">
+            <a:extLst>
+              <a:ext uri="{FF2B5EF4-FFF2-40B4-BE49-F238E27FC236}">
+                <a16:creationId xmlns:a16="http://schemas.microsoft.com/office/drawing/2014/main" id="{38963192-A564-4C49-BA1C-22C3F488DFF0}"/>
+              </a:ext>
+            </a:extLst>
+          </p:cNvPr>
+          <p:cNvSpPr txBox="1"/>
+          <p:nvPr/>
+        </p:nvSpPr>
+        <p:spPr>
+          <a:xfrm>
+            <a:off x="851089" y="845023"/>
+            <a:ext cx="3227615" cy="369332"/>
+          </a:xfrm>
+          <a:prstGeom prst="rect">
+            <a:avLst/>
+          </a:prstGeom>
+          <a:solidFill>
+            <a:schemeClr val="accent4"/>
+          </a:solidFill>
+        </p:spPr>
+        <p:txBody>
+          <a:bodyPr wrap="none" rtlCol="0">
+            <a:spAutoFit/>
+          </a:bodyPr>
+          <a:lstStyle/>
+          <a:p>
+            <a:r>
+              <a:rPr lang="en-US" dirty="0"/>
+              <a:t>Open </a:t>
+            </a:r>
+            <a:r>
+              <a:rPr lang="en-US" i="1" dirty="0" err="1">
+                <a:solidFill>
+                  <a:srgbClr val="7030A0"/>
+                </a:solidFill>
+              </a:rPr>
+              <a:t>phone_lookup_history.db</a:t>
+            </a:r>
+            <a:endParaRPr lang="en-US" i="1" dirty="0">
+              <a:solidFill>
+                <a:srgbClr val="7030A0"/>
+              </a:solidFill>
+            </a:endParaRPr>
+          </a:p>
+        </p:txBody>
+      </p:sp>
+      <p:sp>
+        <p:nvSpPr>
+          <p:cNvPr id="11" name="TextBox 10">
+            <a:extLst>
+              <a:ext uri="{FF2B5EF4-FFF2-40B4-BE49-F238E27FC236}">
+                <a16:creationId xmlns:a16="http://schemas.microsoft.com/office/drawing/2014/main" id="{884103A9-E37C-4959-A633-0363560DA7CE}"/>
+              </a:ext>
+            </a:extLst>
+          </p:cNvPr>
+          <p:cNvSpPr txBox="1"/>
+          <p:nvPr/>
+        </p:nvSpPr>
+        <p:spPr>
+          <a:xfrm>
+            <a:off x="851089" y="3623064"/>
+            <a:ext cx="2356222" cy="369332"/>
+          </a:xfrm>
+          <a:prstGeom prst="rect">
+            <a:avLst/>
+          </a:prstGeom>
+          <a:solidFill>
+            <a:schemeClr val="accent4"/>
+          </a:solidFill>
+        </p:spPr>
+        <p:txBody>
+          <a:bodyPr wrap="none" rtlCol="0">
+            <a:spAutoFit/>
+          </a:bodyPr>
+          <a:lstStyle/>
+          <a:p>
+            <a:r>
+              <a:rPr lang="en-US" dirty="0"/>
+              <a:t>Two contacts are saved</a:t>
+            </a:r>
+            <a:endParaRPr lang="en-US" i="1" dirty="0">
+              <a:solidFill>
+                <a:srgbClr val="7030A0"/>
+              </a:solidFill>
+            </a:endParaRPr>
+          </a:p>
+        </p:txBody>
+      </p:sp>
+    </p:spTree>
+    <p:extLst>
+      <p:ext uri="{BB962C8B-B14F-4D97-AF65-F5344CB8AC3E}">
+        <p14:creationId xmlns:p14="http://schemas.microsoft.com/office/powerpoint/2010/main" val="1495699096"/>
+      </p:ext>
+    </p:extLst>
+  </p:cSld>
+  <p:clrMapOvr>
+    <a:masterClrMapping/>
+  </p:clrMapOvr>
+</p:sld>
+</file>
+
+<file path=ppt/slides/slide2.xml><?xml version="1.0" encoding="utf-8"?>
+<p:sld xmlns:a="http://schemas.openxmlformats.org/drawingml/2006/main" xmlns:r="http://schemas.openxmlformats.org/officeDocument/2006/relationships" xmlns:p="http://schemas.openxmlformats.org/presentationml/2006/main">
+  <p:cSld>
+    <p:spTree>
+      <p:nvGrpSpPr>
+        <p:cNvPr id="1" name=""/>
+        <p:cNvGrpSpPr/>
+        <p:nvPr/>
+      </p:nvGrpSpPr>
+      <p:grpSpPr>
+        <a:xfrm>
+          <a:off x="0" y="0"/>
+          <a:ext cx="0" cy="0"/>
+          <a:chOff x="0" y="0"/>
+          <a:chExt cx="0" cy="0"/>
+        </a:xfrm>
+      </p:grpSpPr>
+      <p:sp>
+        <p:nvSpPr>
+          <p:cNvPr id="4" name="Title 3">
+            <a:extLst>
+              <a:ext uri="{FF2B5EF4-FFF2-40B4-BE49-F238E27FC236}">
+                <a16:creationId xmlns:a16="http://schemas.microsoft.com/office/drawing/2014/main" id="{C56E7611-8511-43F9-B6DC-680747335AF4}"/>
+              </a:ext>
+            </a:extLst>
+          </p:cNvPr>
+          <p:cNvSpPr>
+            <a:spLocks noGrp="1"/>
+          </p:cNvSpPr>
+          <p:nvPr>
+            <p:ph type="title"/>
+          </p:nvPr>
+        </p:nvSpPr>
+        <p:spPr/>
+        <p:txBody>
+          <a:bodyPr>
+            <a:normAutofit/>
+          </a:bodyPr>
+          <a:lstStyle/>
+          <a:p>
+            <a:r>
+              <a:rPr lang="en-GB" dirty="0"/>
+              <a:t>Phone App by Google </a:t>
+            </a:r>
+            <a:r>
+              <a:rPr lang="en-US" sz="2800" i="1" dirty="0">
+                <a:solidFill>
+                  <a:srgbClr val="7030A0"/>
+                </a:solidFill>
+              </a:rPr>
+              <a:t>id=</a:t>
+            </a:r>
+            <a:r>
+              <a:rPr lang="en-US" sz="2800" i="1" dirty="0" err="1">
+                <a:solidFill>
+                  <a:srgbClr val="7030A0"/>
+                </a:solidFill>
+              </a:rPr>
+              <a:t>com.google.android.dialer</a:t>
+            </a:r>
+            <a:endParaRPr lang="en-US" i="1" dirty="0">
+              <a:solidFill>
+                <a:srgbClr val="7030A0"/>
+              </a:solidFill>
+            </a:endParaRPr>
+          </a:p>
+        </p:txBody>
+      </p:sp>
+      <p:pic>
+        <p:nvPicPr>
+          <p:cNvPr id="8" name="Picture 7" descr="Graphical user interface, application&#10;&#10;Description automatically generated">
+            <a:extLst>
+              <a:ext uri="{FF2B5EF4-FFF2-40B4-BE49-F238E27FC236}">
+                <a16:creationId xmlns:a16="http://schemas.microsoft.com/office/drawing/2014/main" id="{F7A71BE9-17B4-4AEA-A0D5-196DEE53A18D}"/>
+              </a:ext>
+            </a:extLst>
+          </p:cNvPr>
+          <p:cNvPicPr>
+            <a:picLocks noChangeAspect="1"/>
+          </p:cNvPicPr>
+          <p:nvPr/>
+        </p:nvPicPr>
+        <p:blipFill>
+          <a:blip r:embed="rId2"/>
+          <a:stretch>
+            <a:fillRect/>
+          </a:stretch>
+        </p:blipFill>
+        <p:spPr>
+          <a:xfrm>
+            <a:off x="299129" y="1620077"/>
+            <a:ext cx="2580791" cy="4631635"/>
+          </a:xfrm>
+          <a:prstGeom prst="rect">
+            <a:avLst/>
+          </a:prstGeom>
+        </p:spPr>
+      </p:pic>
+      <p:pic>
+        <p:nvPicPr>
+          <p:cNvPr id="10" name="Picture 9" descr="Graphical user interface, application&#10;&#10;Description automatically generated">
+            <a:extLst>
+              <a:ext uri="{FF2B5EF4-FFF2-40B4-BE49-F238E27FC236}">
+                <a16:creationId xmlns:a16="http://schemas.microsoft.com/office/drawing/2014/main" id="{951823AA-25C4-458E-B5BB-50993074C44A}"/>
+              </a:ext>
+            </a:extLst>
+          </p:cNvPr>
+          <p:cNvPicPr>
+            <a:picLocks noChangeAspect="1"/>
+          </p:cNvPicPr>
+          <p:nvPr/>
+        </p:nvPicPr>
+        <p:blipFill>
+          <a:blip r:embed="rId3"/>
+          <a:stretch>
+            <a:fillRect/>
+          </a:stretch>
+        </p:blipFill>
+        <p:spPr>
+          <a:xfrm>
+            <a:off x="3081249" y="1620077"/>
+            <a:ext cx="2563984" cy="4552122"/>
+          </a:xfrm>
+          <a:prstGeom prst="rect">
+            <a:avLst/>
+          </a:prstGeom>
+        </p:spPr>
+      </p:pic>
+      <p:pic>
+        <p:nvPicPr>
+          <p:cNvPr id="13" name="Picture 12" descr="Graphical user interface, text, application, chat or text message&#10;&#10;Description automatically generated">
+            <a:extLst>
+              <a:ext uri="{FF2B5EF4-FFF2-40B4-BE49-F238E27FC236}">
+                <a16:creationId xmlns:a16="http://schemas.microsoft.com/office/drawing/2014/main" id="{7A649AC0-1747-4D88-9E55-C4C85B54A67C}"/>
+              </a:ext>
+            </a:extLst>
+          </p:cNvPr>
+          <p:cNvPicPr>
+            <a:picLocks noChangeAspect="1"/>
+          </p:cNvPicPr>
+          <p:nvPr/>
+        </p:nvPicPr>
+        <p:blipFill>
+          <a:blip r:embed="rId4"/>
+          <a:stretch>
+            <a:fillRect/>
+          </a:stretch>
+        </p:blipFill>
+        <p:spPr>
+          <a:xfrm>
+            <a:off x="5846562" y="1620077"/>
+            <a:ext cx="2597030" cy="4782827"/>
+          </a:xfrm>
+          <a:prstGeom prst="rect">
+            <a:avLst/>
+          </a:prstGeom>
+        </p:spPr>
+      </p:pic>
+      <p:pic>
+        <p:nvPicPr>
+          <p:cNvPr id="15" name="Picture 14" descr="Graphical user interface, text, application, chat or text message&#10;&#10;Description automatically generated">
+            <a:extLst>
+              <a:ext uri="{FF2B5EF4-FFF2-40B4-BE49-F238E27FC236}">
+                <a16:creationId xmlns:a16="http://schemas.microsoft.com/office/drawing/2014/main" id="{336CA6AB-D86A-48EC-8321-33CBF151ABC5}"/>
+              </a:ext>
+            </a:extLst>
+          </p:cNvPr>
+          <p:cNvPicPr>
+            <a:picLocks noChangeAspect="1"/>
+          </p:cNvPicPr>
+          <p:nvPr/>
+        </p:nvPicPr>
+        <p:blipFill>
+          <a:blip r:embed="rId5"/>
+          <a:stretch>
+            <a:fillRect/>
+          </a:stretch>
+        </p:blipFill>
+        <p:spPr>
+          <a:xfrm>
+            <a:off x="8857127" y="1620077"/>
+            <a:ext cx="2698002" cy="5128591"/>
+          </a:xfrm>
+          <a:prstGeom prst="rect">
+            <a:avLst/>
+          </a:prstGeom>
+        </p:spPr>
+      </p:pic>
+    </p:spTree>
+    <p:extLst>
+      <p:ext uri="{BB962C8B-B14F-4D97-AF65-F5344CB8AC3E}">
+        <p14:creationId xmlns:p14="http://schemas.microsoft.com/office/powerpoint/2010/main" val="1798688075"/>
+      </p:ext>
+    </p:extLst>
+  </p:cSld>
+  <p:clrMapOvr>
+    <a:masterClrMapping/>
+  </p:clrMapOvr>
+</p:sld>
+</file>
+
+<file path=ppt/slides/slide20.xml><?xml version="1.0" encoding="utf-8"?>
+<p:sld xmlns:a="http://schemas.openxmlformats.org/drawingml/2006/main" xmlns:r="http://schemas.openxmlformats.org/officeDocument/2006/relationships" xmlns:p="http://schemas.openxmlformats.org/presentationml/2006/main">
+  <p:cSld>
+    <p:spTree>
+      <p:nvGrpSpPr>
+        <p:cNvPr id="1" name=""/>
+        <p:cNvGrpSpPr/>
+        <p:nvPr/>
+      </p:nvGrpSpPr>
+      <p:grpSpPr>
+        <a:xfrm>
+          <a:off x="0" y="0"/>
+          <a:ext cx="0" cy="0"/>
+          <a:chOff x="0" y="0"/>
+          <a:chExt cx="0" cy="0"/>
+        </a:xfrm>
+      </p:grpSpPr>
+      <p:sp>
+        <p:nvSpPr>
+          <p:cNvPr id="2" name="Title 1">
+            <a:extLst>
+              <a:ext uri="{FF2B5EF4-FFF2-40B4-BE49-F238E27FC236}">
+                <a16:creationId xmlns:a16="http://schemas.microsoft.com/office/drawing/2014/main" id="{84AAD71E-1D63-4FE9-8A2D-A3C04021473A}"/>
+              </a:ext>
+            </a:extLst>
+          </p:cNvPr>
+          <p:cNvSpPr>
+            <a:spLocks noGrp="1"/>
+          </p:cNvSpPr>
+          <p:nvPr>
+            <p:ph type="title"/>
+          </p:nvPr>
+        </p:nvSpPr>
+        <p:spPr/>
+        <p:txBody>
+          <a:bodyPr/>
+          <a:lstStyle/>
+          <a:p>
+            <a:r>
+              <a:rPr lang="en-US" dirty="0"/>
+              <a:t>What is the greeting message?</a:t>
+            </a:r>
+          </a:p>
+        </p:txBody>
+      </p:sp>
+      <p:sp>
+        <p:nvSpPr>
+          <p:cNvPr id="3" name="Content Placeholder 2">
+            <a:extLst>
+              <a:ext uri="{FF2B5EF4-FFF2-40B4-BE49-F238E27FC236}">
+                <a16:creationId xmlns:a16="http://schemas.microsoft.com/office/drawing/2014/main" id="{C7D96ACB-A16D-4162-A340-47BFCF3CAD6A}"/>
+              </a:ext>
+            </a:extLst>
+          </p:cNvPr>
+          <p:cNvSpPr>
+            <a:spLocks noGrp="1"/>
+          </p:cNvSpPr>
+          <p:nvPr>
+            <p:ph idx="1"/>
+          </p:nvPr>
+        </p:nvSpPr>
+        <p:spPr>
+          <a:xfrm>
+            <a:off x="838200" y="1825625"/>
+            <a:ext cx="10515600" cy="636838"/>
+          </a:xfrm>
+        </p:spPr>
+        <p:txBody>
+          <a:bodyPr>
+            <a:normAutofit fontScale="85000" lnSpcReduction="20000"/>
+          </a:bodyPr>
+          <a:lstStyle/>
+          <a:p>
+            <a:r>
+              <a:rPr lang="en-US" dirty="0"/>
+              <a:t>The owner often provides greeting message. Did the owner use a greeting message?</a:t>
+            </a:r>
+          </a:p>
+        </p:txBody>
+      </p:sp>
+      <p:pic>
+        <p:nvPicPr>
+          <p:cNvPr id="5" name="Picture 4" descr="Text&#10;&#10;Description automatically generated">
+            <a:extLst>
+              <a:ext uri="{FF2B5EF4-FFF2-40B4-BE49-F238E27FC236}">
+                <a16:creationId xmlns:a16="http://schemas.microsoft.com/office/drawing/2014/main" id="{DE102491-6098-4C0F-8CDF-2ECB8C93DD1C}"/>
+              </a:ext>
+            </a:extLst>
+          </p:cNvPr>
+          <p:cNvPicPr>
+            <a:picLocks noChangeAspect="1"/>
+          </p:cNvPicPr>
+          <p:nvPr/>
+        </p:nvPicPr>
+        <p:blipFill>
+          <a:blip r:embed="rId2"/>
+          <a:stretch>
+            <a:fillRect/>
+          </a:stretch>
+        </p:blipFill>
+        <p:spPr>
+          <a:xfrm>
+            <a:off x="1037854" y="2735179"/>
+            <a:ext cx="7514844" cy="3684130"/>
+          </a:xfrm>
+          <a:prstGeom prst="rect">
+            <a:avLst/>
+          </a:prstGeom>
+        </p:spPr>
+      </p:pic>
+    </p:spTree>
+    <p:extLst>
+      <p:ext uri="{BB962C8B-B14F-4D97-AF65-F5344CB8AC3E}">
+        <p14:creationId xmlns:p14="http://schemas.microsoft.com/office/powerpoint/2010/main" val="4195252170"/>
+      </p:ext>
+    </p:extLst>
+  </p:cSld>
+  <p:clrMapOvr>
+    <a:masterClrMapping/>
+  </p:clrMapOvr>
+</p:sld>
+</file>
+
+<file path=ppt/slides/slide21.xml><?xml version="1.0" encoding="utf-8"?>
+<p:sld xmlns:a="http://schemas.openxmlformats.org/drawingml/2006/main" xmlns:r="http://schemas.openxmlformats.org/officeDocument/2006/relationships" xmlns:p="http://schemas.openxmlformats.org/presentationml/2006/main">
+  <p:cSld>
+    <p:spTree>
+      <p:nvGrpSpPr>
+        <p:cNvPr id="1" name=""/>
+        <p:cNvGrpSpPr/>
+        <p:nvPr/>
+      </p:nvGrpSpPr>
+      <p:grpSpPr>
+        <a:xfrm>
+          <a:off x="0" y="0"/>
+          <a:ext cx="0" cy="0"/>
+          <a:chOff x="0" y="0"/>
+          <a:chExt cx="0" cy="0"/>
+        </a:xfrm>
+      </p:grpSpPr>
+      <p:pic>
+        <p:nvPicPr>
+          <p:cNvPr id="5" name="Picture 4">
+            <a:extLst>
+              <a:ext uri="{FF2B5EF4-FFF2-40B4-BE49-F238E27FC236}">
+                <a16:creationId xmlns:a16="http://schemas.microsoft.com/office/drawing/2014/main" id="{72EA8EB7-DDDE-4C16-931E-F9A7987D454E}"/>
+              </a:ext>
+            </a:extLst>
+          </p:cNvPr>
+          <p:cNvPicPr>
+            <a:picLocks noChangeAspect="1"/>
+          </p:cNvPicPr>
+          <p:nvPr/>
+        </p:nvPicPr>
+        <p:blipFill>
+          <a:blip r:embed="rId2"/>
+          <a:stretch>
+            <a:fillRect/>
+          </a:stretch>
+        </p:blipFill>
+        <p:spPr>
+          <a:xfrm>
+            <a:off x="1078508" y="1636675"/>
+            <a:ext cx="8615321" cy="545051"/>
+          </a:xfrm>
+          <a:prstGeom prst="rect">
+            <a:avLst/>
+          </a:prstGeom>
+        </p:spPr>
+      </p:pic>
+      <p:pic>
+        <p:nvPicPr>
+          <p:cNvPr id="7" name="Picture 6">
+            <a:extLst>
+              <a:ext uri="{FF2B5EF4-FFF2-40B4-BE49-F238E27FC236}">
+                <a16:creationId xmlns:a16="http://schemas.microsoft.com/office/drawing/2014/main" id="{80E4ABD7-D69C-4C99-9BE2-56C6B3508317}"/>
+              </a:ext>
+            </a:extLst>
+          </p:cNvPr>
+          <p:cNvPicPr>
+            <a:picLocks noChangeAspect="1"/>
+          </p:cNvPicPr>
+          <p:nvPr/>
+        </p:nvPicPr>
+        <p:blipFill>
+          <a:blip r:embed="rId3"/>
+          <a:stretch>
+            <a:fillRect/>
+          </a:stretch>
+        </p:blipFill>
+        <p:spPr>
+          <a:xfrm>
+            <a:off x="1078508" y="2181726"/>
+            <a:ext cx="8615321" cy="1050649"/>
+          </a:xfrm>
+          <a:prstGeom prst="rect">
+            <a:avLst/>
+          </a:prstGeom>
+        </p:spPr>
+      </p:pic>
+      <p:sp>
+        <p:nvSpPr>
+          <p:cNvPr id="10" name="TextBox 9">
+            <a:extLst>
+              <a:ext uri="{FF2B5EF4-FFF2-40B4-BE49-F238E27FC236}">
+                <a16:creationId xmlns:a16="http://schemas.microsoft.com/office/drawing/2014/main" id="{2406A49F-3704-4C72-8AA0-D2C68E05B539}"/>
+              </a:ext>
+            </a:extLst>
+          </p:cNvPr>
+          <p:cNvSpPr txBox="1"/>
+          <p:nvPr/>
+        </p:nvSpPr>
+        <p:spPr>
+          <a:xfrm>
+            <a:off x="1078508" y="1248525"/>
+            <a:ext cx="1929439" cy="369332"/>
+          </a:xfrm>
+          <a:prstGeom prst="rect">
+            <a:avLst/>
+          </a:prstGeom>
+          <a:solidFill>
+            <a:schemeClr val="accent4"/>
+          </a:solidFill>
+        </p:spPr>
+        <p:txBody>
+          <a:bodyPr wrap="none" rtlCol="0">
+            <a:spAutoFit/>
+          </a:bodyPr>
+          <a:lstStyle/>
+          <a:p>
+            <a:r>
+              <a:rPr lang="en-US" dirty="0"/>
+              <a:t>Open </a:t>
+            </a:r>
+            <a:r>
+              <a:rPr lang="en-US" i="1" dirty="0" err="1">
+                <a:solidFill>
+                  <a:srgbClr val="7030A0"/>
+                </a:solidFill>
+              </a:rPr>
+              <a:t>voicemail.db</a:t>
+            </a:r>
+            <a:endParaRPr lang="en-US" i="1" dirty="0">
+              <a:solidFill>
+                <a:srgbClr val="7030A0"/>
+              </a:solidFill>
+            </a:endParaRPr>
+          </a:p>
+        </p:txBody>
+      </p:sp>
+      <p:sp>
+        <p:nvSpPr>
+          <p:cNvPr id="11" name="TextBox 10">
+            <a:extLst>
+              <a:ext uri="{FF2B5EF4-FFF2-40B4-BE49-F238E27FC236}">
+                <a16:creationId xmlns:a16="http://schemas.microsoft.com/office/drawing/2014/main" id="{1DD41B2A-F30C-4E00-8119-B876095B7795}"/>
+              </a:ext>
+            </a:extLst>
+          </p:cNvPr>
+          <p:cNvSpPr txBox="1"/>
+          <p:nvPr/>
+        </p:nvSpPr>
+        <p:spPr>
+          <a:xfrm>
+            <a:off x="1078508" y="3525237"/>
+            <a:ext cx="4557979" cy="369332"/>
+          </a:xfrm>
+          <a:prstGeom prst="rect">
+            <a:avLst/>
+          </a:prstGeom>
+          <a:solidFill>
+            <a:schemeClr val="accent4"/>
+          </a:solidFill>
+        </p:spPr>
+        <p:txBody>
+          <a:bodyPr wrap="none" rtlCol="0">
+            <a:spAutoFit/>
+          </a:bodyPr>
+          <a:lstStyle/>
+          <a:p>
+            <a:r>
+              <a:rPr lang="en-US" dirty="0"/>
+              <a:t>Find </a:t>
+            </a:r>
+            <a:r>
+              <a:rPr lang="en-US" dirty="0" err="1"/>
+              <a:t>thefrequently</a:t>
+            </a:r>
+            <a:r>
+              <a:rPr lang="en-US" dirty="0"/>
+              <a:t> contacted phone numbers  </a:t>
+            </a:r>
+            <a:endParaRPr lang="en-US" i="1" dirty="0">
+              <a:solidFill>
+                <a:srgbClr val="7030A0"/>
+              </a:solidFill>
+            </a:endParaRPr>
+          </a:p>
+        </p:txBody>
+      </p:sp>
+      <p:pic>
+        <p:nvPicPr>
+          <p:cNvPr id="13" name="Picture 12" descr="Graphical user interface, application&#10;&#10;Description automatically generated">
+            <a:extLst>
+              <a:ext uri="{FF2B5EF4-FFF2-40B4-BE49-F238E27FC236}">
+                <a16:creationId xmlns:a16="http://schemas.microsoft.com/office/drawing/2014/main" id="{1F7066E2-440B-4F32-95D1-704B50D065F2}"/>
+              </a:ext>
+            </a:extLst>
+          </p:cNvPr>
+          <p:cNvPicPr>
+            <a:picLocks noChangeAspect="1"/>
+          </p:cNvPicPr>
+          <p:nvPr/>
+        </p:nvPicPr>
+        <p:blipFill>
+          <a:blip r:embed="rId4"/>
+          <a:stretch>
+            <a:fillRect/>
+          </a:stretch>
+        </p:blipFill>
+        <p:spPr>
+          <a:xfrm>
+            <a:off x="1078507" y="3898563"/>
+            <a:ext cx="6255381" cy="1322761"/>
+          </a:xfrm>
+          <a:prstGeom prst="rect">
+            <a:avLst/>
+          </a:prstGeom>
+        </p:spPr>
+      </p:pic>
+    </p:spTree>
+    <p:extLst>
+      <p:ext uri="{BB962C8B-B14F-4D97-AF65-F5344CB8AC3E}">
+        <p14:creationId xmlns:p14="http://schemas.microsoft.com/office/powerpoint/2010/main" val="1721339908"/>
+      </p:ext>
+    </p:extLst>
+  </p:cSld>
+  <p:clrMapOvr>
+    <a:masterClrMapping/>
+  </p:clrMapOvr>
+</p:sld>
+</file>
+
+<file path=ppt/slides/slide22.xml><?xml version="1.0" encoding="utf-8"?>
+<p:sld xmlns:a="http://schemas.openxmlformats.org/drawingml/2006/main" xmlns:r="http://schemas.openxmlformats.org/officeDocument/2006/relationships" xmlns:p="http://schemas.openxmlformats.org/presentationml/2006/main">
+  <p:cSld>
+    <p:spTree>
+      <p:nvGrpSpPr>
+        <p:cNvPr id="1" name=""/>
+        <p:cNvGrpSpPr/>
+        <p:nvPr/>
+      </p:nvGrpSpPr>
+      <p:grpSpPr>
+        <a:xfrm>
+          <a:off x="0" y="0"/>
+          <a:ext cx="0" cy="0"/>
+          <a:chOff x="0" y="0"/>
+          <a:chExt cx="0" cy="0"/>
+        </a:xfrm>
+      </p:grpSpPr>
+      <p:sp>
+        <p:nvSpPr>
+          <p:cNvPr id="2" name="Title 1">
+            <a:extLst>
+              <a:ext uri="{FF2B5EF4-FFF2-40B4-BE49-F238E27FC236}">
+                <a16:creationId xmlns:a16="http://schemas.microsoft.com/office/drawing/2014/main" id="{A981FA00-0A4C-4B33-ABBF-39EF68ED3853}"/>
+              </a:ext>
+            </a:extLst>
+          </p:cNvPr>
+          <p:cNvSpPr>
+            <a:spLocks noGrp="1"/>
+          </p:cNvSpPr>
+          <p:nvPr>
+            <p:ph type="title"/>
+          </p:nvPr>
+        </p:nvSpPr>
+        <p:spPr/>
+        <p:txBody>
+          <a:bodyPr/>
+          <a:lstStyle/>
+          <a:p>
+            <a:r>
+              <a:rPr lang="en-US" dirty="0"/>
+              <a:t>Other valuable information in databases</a:t>
+            </a:r>
+          </a:p>
+        </p:txBody>
+      </p:sp>
+      <p:pic>
+        <p:nvPicPr>
+          <p:cNvPr id="4" name="Picture 3" descr="Text&#10;&#10;Description automatically generated">
+            <a:extLst>
+              <a:ext uri="{FF2B5EF4-FFF2-40B4-BE49-F238E27FC236}">
+                <a16:creationId xmlns:a16="http://schemas.microsoft.com/office/drawing/2014/main" id="{FD267A1B-3ED7-4E12-9D94-E5AC8F5EBCC6}"/>
+              </a:ext>
+            </a:extLst>
+          </p:cNvPr>
+          <p:cNvPicPr>
+            <a:picLocks noChangeAspect="1"/>
+          </p:cNvPicPr>
+          <p:nvPr/>
+        </p:nvPicPr>
+        <p:blipFill>
+          <a:blip r:embed="rId2"/>
+          <a:stretch>
+            <a:fillRect/>
+          </a:stretch>
+        </p:blipFill>
+        <p:spPr>
+          <a:xfrm>
+            <a:off x="1027043" y="1458913"/>
+            <a:ext cx="7966774" cy="4802739"/>
+          </a:xfrm>
+          <a:prstGeom prst="rect">
+            <a:avLst/>
+          </a:prstGeom>
+        </p:spPr>
+      </p:pic>
+      <p:sp>
+        <p:nvSpPr>
+          <p:cNvPr id="7" name="TextBox 6">
+            <a:extLst>
+              <a:ext uri="{FF2B5EF4-FFF2-40B4-BE49-F238E27FC236}">
+                <a16:creationId xmlns:a16="http://schemas.microsoft.com/office/drawing/2014/main" id="{9D820783-1DC5-4602-9E36-878E3BF4ECA9}"/>
+              </a:ext>
+            </a:extLst>
+          </p:cNvPr>
+          <p:cNvSpPr txBox="1"/>
+          <p:nvPr/>
+        </p:nvSpPr>
+        <p:spPr>
+          <a:xfrm>
+            <a:off x="5526505" y="2927684"/>
+            <a:ext cx="2014847" cy="646331"/>
+          </a:xfrm>
+          <a:prstGeom prst="rect">
+            <a:avLst/>
+          </a:prstGeom>
+          <a:solidFill>
+            <a:schemeClr val="accent4">
+              <a:lumMod val="20000"/>
+              <a:lumOff val="80000"/>
+            </a:schemeClr>
+          </a:solidFill>
+        </p:spPr>
+        <p:txBody>
+          <a:bodyPr wrap="none" rtlCol="0">
+            <a:spAutoFit/>
+          </a:bodyPr>
+          <a:lstStyle/>
+          <a:p>
+            <a:r>
+              <a:rPr lang="en-US" dirty="0"/>
+              <a:t>speed dial entry</a:t>
+            </a:r>
+          </a:p>
+          <a:p>
+            <a:r>
+              <a:rPr lang="en-US" dirty="0"/>
+              <a:t>spam call database </a:t>
+            </a:r>
+          </a:p>
+        </p:txBody>
+      </p:sp>
+      <p:cxnSp>
+        <p:nvCxnSpPr>
+          <p:cNvPr id="9" name="Straight Arrow Connector 8">
+            <a:extLst>
+              <a:ext uri="{FF2B5EF4-FFF2-40B4-BE49-F238E27FC236}">
+                <a16:creationId xmlns:a16="http://schemas.microsoft.com/office/drawing/2014/main" id="{3402ED8B-0EE6-4BA9-88BB-7E9A16164462}"/>
+              </a:ext>
+            </a:extLst>
+          </p:cNvPr>
+          <p:cNvCxnSpPr/>
+          <p:nvPr/>
+        </p:nvCxnSpPr>
+        <p:spPr>
+          <a:xfrm flipH="1" flipV="1">
+            <a:off x="3433011" y="2863516"/>
+            <a:ext cx="2101515" cy="240631"/>
+          </a:xfrm>
+          <a:prstGeom prst="straightConnector1">
+            <a:avLst/>
+          </a:prstGeom>
+          <a:ln>
+            <a:tailEnd type="triangle"/>
+          </a:ln>
+        </p:spPr>
+        <p:style>
+          <a:lnRef idx="1">
+            <a:schemeClr val="accent4"/>
+          </a:lnRef>
+          <a:fillRef idx="0">
+            <a:schemeClr val="accent4"/>
+          </a:fillRef>
+          <a:effectRef idx="0">
+            <a:schemeClr val="accent4"/>
+          </a:effectRef>
+          <a:fontRef idx="minor">
+            <a:schemeClr val="tx1"/>
+          </a:fontRef>
+        </p:style>
+      </p:cxnSp>
+      <p:cxnSp>
+        <p:nvCxnSpPr>
+          <p:cNvPr id="10" name="Straight Arrow Connector 9">
+            <a:extLst>
+              <a:ext uri="{FF2B5EF4-FFF2-40B4-BE49-F238E27FC236}">
+                <a16:creationId xmlns:a16="http://schemas.microsoft.com/office/drawing/2014/main" id="{BFCB8B6F-9909-4AD6-BA9D-4C254EC4CD4B}"/>
+              </a:ext>
+            </a:extLst>
+          </p:cNvPr>
+          <p:cNvCxnSpPr>
+            <a:cxnSpLocks/>
+          </p:cNvCxnSpPr>
+          <p:nvPr/>
+        </p:nvCxnSpPr>
+        <p:spPr>
+          <a:xfrm flipH="1">
+            <a:off x="3641559" y="3429000"/>
+            <a:ext cx="1884946" cy="926432"/>
+          </a:xfrm>
+          <a:prstGeom prst="straightConnector1">
+            <a:avLst/>
+          </a:prstGeom>
+          <a:ln>
+            <a:tailEnd type="triangle"/>
+          </a:ln>
+        </p:spPr>
+        <p:style>
+          <a:lnRef idx="1">
+            <a:schemeClr val="accent4"/>
+          </a:lnRef>
+          <a:fillRef idx="0">
+            <a:schemeClr val="accent4"/>
+          </a:fillRef>
+          <a:effectRef idx="0">
+            <a:schemeClr val="accent4"/>
+          </a:effectRef>
+          <a:fontRef idx="minor">
+            <a:schemeClr val="tx1"/>
+          </a:fontRef>
+        </p:style>
+      </p:cxnSp>
+    </p:spTree>
+    <p:extLst>
+      <p:ext uri="{BB962C8B-B14F-4D97-AF65-F5344CB8AC3E}">
+        <p14:creationId xmlns:p14="http://schemas.microsoft.com/office/powerpoint/2010/main" val="1335316084"/>
+      </p:ext>
+    </p:extLst>
+  </p:cSld>
+  <p:clrMapOvr>
+    <a:masterClrMapping/>
+  </p:clrMapOvr>
+</p:sld>
+</file>
+
+<file path=ppt/slides/slide3.xml><?xml version="1.0" encoding="utf-8"?>
+<p:sld xmlns:a="http://schemas.openxmlformats.org/drawingml/2006/main" xmlns:r="http://schemas.openxmlformats.org/officeDocument/2006/relationships" xmlns:p="http://schemas.openxmlformats.org/presentationml/2006/main">
+  <p:cSld>
+    <p:spTree>
+      <p:nvGrpSpPr>
+        <p:cNvPr id="1" name=""/>
+        <p:cNvGrpSpPr/>
+        <p:nvPr/>
+      </p:nvGrpSpPr>
+      <p:grpSpPr>
+        <a:xfrm>
+          <a:off x="0" y="0"/>
+          <a:ext cx="0" cy="0"/>
+          <a:chOff x="0" y="0"/>
+          <a:chExt cx="0" cy="0"/>
+        </a:xfrm>
+      </p:grpSpPr>
+      <p:pic>
+        <p:nvPicPr>
+          <p:cNvPr id="4" name="Picture 3" descr="Graphical user interface, text, application&#10;&#10;Description automatically generated">
+            <a:extLst>
+              <a:ext uri="{FF2B5EF4-FFF2-40B4-BE49-F238E27FC236}">
+                <a16:creationId xmlns:a16="http://schemas.microsoft.com/office/drawing/2014/main" id="{9B8F3327-07A8-49FA-B852-37D0C25E442A}"/>
+              </a:ext>
+            </a:extLst>
+          </p:cNvPr>
+          <p:cNvPicPr>
+            <a:picLocks noChangeAspect="1"/>
+          </p:cNvPicPr>
+          <p:nvPr/>
+        </p:nvPicPr>
+        <p:blipFill>
+          <a:blip r:embed="rId2"/>
+          <a:stretch>
+            <a:fillRect/>
+          </a:stretch>
+        </p:blipFill>
+        <p:spPr>
+          <a:xfrm>
+            <a:off x="180319" y="725555"/>
+            <a:ext cx="2715137" cy="5128592"/>
+          </a:xfrm>
+          <a:prstGeom prst="rect">
+            <a:avLst/>
+          </a:prstGeom>
+        </p:spPr>
+      </p:pic>
+      <p:pic>
+        <p:nvPicPr>
+          <p:cNvPr id="6" name="Picture 5" descr="Graphical user interface, application&#10;&#10;Description automatically generated">
+            <a:extLst>
+              <a:ext uri="{FF2B5EF4-FFF2-40B4-BE49-F238E27FC236}">
+                <a16:creationId xmlns:a16="http://schemas.microsoft.com/office/drawing/2014/main" id="{A37DF157-3A8A-4F22-AABF-267A0A00CCD1}"/>
+              </a:ext>
+            </a:extLst>
+          </p:cNvPr>
+          <p:cNvPicPr>
+            <a:picLocks noChangeAspect="1"/>
+          </p:cNvPicPr>
+          <p:nvPr/>
+        </p:nvPicPr>
+        <p:blipFill>
+          <a:blip r:embed="rId3"/>
+          <a:stretch>
+            <a:fillRect/>
+          </a:stretch>
+        </p:blipFill>
+        <p:spPr>
+          <a:xfrm>
+            <a:off x="3141355" y="725555"/>
+            <a:ext cx="2737935" cy="5317435"/>
+          </a:xfrm>
+          <a:prstGeom prst="rect">
+            <a:avLst/>
+          </a:prstGeom>
+        </p:spPr>
+      </p:pic>
+      <p:pic>
+        <p:nvPicPr>
+          <p:cNvPr id="8" name="Picture 7" descr="Graphical user interface, application&#10;&#10;Description automatically generated">
+            <a:extLst>
+              <a:ext uri="{FF2B5EF4-FFF2-40B4-BE49-F238E27FC236}">
+                <a16:creationId xmlns:a16="http://schemas.microsoft.com/office/drawing/2014/main" id="{71E22AC2-C962-40CB-9DD2-3A0381AAE4A7}"/>
+              </a:ext>
+            </a:extLst>
+          </p:cNvPr>
+          <p:cNvPicPr>
+            <a:picLocks noChangeAspect="1"/>
+          </p:cNvPicPr>
+          <p:nvPr/>
+        </p:nvPicPr>
+        <p:blipFill>
+          <a:blip r:embed="rId4"/>
+          <a:stretch>
+            <a:fillRect/>
+          </a:stretch>
+        </p:blipFill>
+        <p:spPr>
+          <a:xfrm>
+            <a:off x="6125818" y="725555"/>
+            <a:ext cx="2790470" cy="4890052"/>
+          </a:xfrm>
+          <a:prstGeom prst="rect">
+            <a:avLst/>
+          </a:prstGeom>
+        </p:spPr>
+      </p:pic>
+      <p:pic>
+        <p:nvPicPr>
+          <p:cNvPr id="10" name="Picture 9" descr="Graphical user interface, text, application&#10;&#10;Description automatically generated">
+            <a:extLst>
+              <a:ext uri="{FF2B5EF4-FFF2-40B4-BE49-F238E27FC236}">
+                <a16:creationId xmlns:a16="http://schemas.microsoft.com/office/drawing/2014/main" id="{D43E33DB-651F-4A7E-B066-BAB60AE11252}"/>
+              </a:ext>
+            </a:extLst>
+          </p:cNvPr>
+          <p:cNvPicPr>
+            <a:picLocks noChangeAspect="1"/>
+          </p:cNvPicPr>
+          <p:nvPr/>
+        </p:nvPicPr>
+        <p:blipFill>
+          <a:blip r:embed="rId5"/>
+          <a:stretch>
+            <a:fillRect/>
+          </a:stretch>
+        </p:blipFill>
+        <p:spPr>
+          <a:xfrm>
+            <a:off x="9162816" y="725555"/>
+            <a:ext cx="3022480" cy="5705061"/>
+          </a:xfrm>
+          <a:prstGeom prst="rect">
+            <a:avLst/>
+          </a:prstGeom>
+        </p:spPr>
+      </p:pic>
+    </p:spTree>
+    <p:extLst>
+      <p:ext uri="{BB962C8B-B14F-4D97-AF65-F5344CB8AC3E}">
+        <p14:creationId xmlns:p14="http://schemas.microsoft.com/office/powerpoint/2010/main" val="1527544531"/>
+      </p:ext>
+    </p:extLst>
+  </p:cSld>
+  <p:clrMapOvr>
+    <a:masterClrMapping/>
+  </p:clrMapOvr>
+</p:sld>
+</file>
+
+<file path=ppt/slides/slide4.xml><?xml version="1.0" encoding="utf-8"?>
+<p:sld xmlns:a="http://schemas.openxmlformats.org/drawingml/2006/main" xmlns:r="http://schemas.openxmlformats.org/officeDocument/2006/relationships" xmlns:p="http://schemas.openxmlformats.org/presentationml/2006/main">
+  <p:cSld>
+    <p:spTree>
+      <p:nvGrpSpPr>
+        <p:cNvPr id="1" name=""/>
+        <p:cNvGrpSpPr/>
+        <p:nvPr/>
+      </p:nvGrpSpPr>
+      <p:grpSpPr>
+        <a:xfrm>
+          <a:off x="0" y="0"/>
+          <a:ext cx="0" cy="0"/>
+          <a:chOff x="0" y="0"/>
+          <a:chExt cx="0" cy="0"/>
+        </a:xfrm>
+      </p:grpSpPr>
+      <p:sp>
+        <p:nvSpPr>
+          <p:cNvPr id="2" name="Title 1">
+            <a:extLst>
+              <a:ext uri="{FF2B5EF4-FFF2-40B4-BE49-F238E27FC236}">
+                <a16:creationId xmlns:a16="http://schemas.microsoft.com/office/drawing/2014/main" id="{F7CE2EDE-E25A-4A70-8F62-F085450451DD}"/>
+              </a:ext>
+            </a:extLst>
+          </p:cNvPr>
+          <p:cNvSpPr>
+            <a:spLocks noGrp="1"/>
+          </p:cNvSpPr>
+          <p:nvPr>
+            <p:ph type="title"/>
+          </p:nvPr>
+        </p:nvSpPr>
+        <p:spPr/>
+        <p:txBody>
+          <a:bodyPr/>
+          <a:lstStyle/>
+          <a:p>
+            <a:r>
+              <a:rPr lang="en-US" dirty="0"/>
+              <a:t>Questions</a:t>
+            </a:r>
+          </a:p>
+        </p:txBody>
+      </p:sp>
+      <p:sp>
+        <p:nvSpPr>
+          <p:cNvPr id="3" name="Content Placeholder 2">
+            <a:extLst>
+              <a:ext uri="{FF2B5EF4-FFF2-40B4-BE49-F238E27FC236}">
+                <a16:creationId xmlns:a16="http://schemas.microsoft.com/office/drawing/2014/main" id="{9AEE3A0C-68A5-4030-881D-4851A929E20E}"/>
+              </a:ext>
+            </a:extLst>
+          </p:cNvPr>
+          <p:cNvSpPr>
+            <a:spLocks noGrp="1"/>
+          </p:cNvSpPr>
+          <p:nvPr>
+            <p:ph idx="1"/>
+          </p:nvPr>
+        </p:nvSpPr>
+        <p:spPr/>
+        <p:txBody>
+          <a:bodyPr/>
+          <a:lstStyle/>
+          <a:p>
+            <a:r>
+              <a:rPr lang="en-US" dirty="0"/>
+              <a:t>List all incoming calls</a:t>
+            </a:r>
+          </a:p>
+          <a:p>
+            <a:r>
+              <a:rPr lang="en-US" dirty="0"/>
+              <a:t>Did any callers leave voice mails?</a:t>
+            </a:r>
+          </a:p>
+        </p:txBody>
+      </p:sp>
+    </p:spTree>
+    <p:extLst>
+      <p:ext uri="{BB962C8B-B14F-4D97-AF65-F5344CB8AC3E}">
+        <p14:creationId xmlns:p14="http://schemas.microsoft.com/office/powerpoint/2010/main" val="1311878670"/>
+      </p:ext>
+    </p:extLst>
+  </p:cSld>
+  <p:clrMapOvr>
+    <a:masterClrMapping/>
+  </p:clrMapOvr>
+</p:sld>
+</file>
+
+<file path=ppt/slides/slide5.xml><?xml version="1.0" encoding="utf-8"?>
+<p:sld xmlns:a="http://schemas.openxmlformats.org/drawingml/2006/main" xmlns:r="http://schemas.openxmlformats.org/officeDocument/2006/relationships" xmlns:p="http://schemas.openxmlformats.org/presentationml/2006/main">
+  <p:cSld>
+    <p:spTree>
+      <p:nvGrpSpPr>
+        <p:cNvPr id="1" name=""/>
+        <p:cNvGrpSpPr/>
+        <p:nvPr/>
+      </p:nvGrpSpPr>
+      <p:grpSpPr>
+        <a:xfrm>
+          <a:off x="0" y="0"/>
+          <a:ext cx="0" cy="0"/>
+          <a:chOff x="0" y="0"/>
+          <a:chExt cx="0" cy="0"/>
+        </a:xfrm>
+      </p:grpSpPr>
+      <p:pic>
+        <p:nvPicPr>
+          <p:cNvPr id="5" name="Picture 4" descr="Text&#10;&#10;Description automatically generated">
+            <a:extLst>
+              <a:ext uri="{FF2B5EF4-FFF2-40B4-BE49-F238E27FC236}">
+                <a16:creationId xmlns:a16="http://schemas.microsoft.com/office/drawing/2014/main" id="{BA00B114-EB72-495B-88DF-D2D75B198CDF}"/>
+              </a:ext>
+            </a:extLst>
+          </p:cNvPr>
+          <p:cNvPicPr>
+            <a:picLocks noChangeAspect="1"/>
+          </p:cNvPicPr>
+          <p:nvPr/>
+        </p:nvPicPr>
+        <p:blipFill>
+          <a:blip r:embed="rId3"/>
+          <a:stretch>
+            <a:fillRect/>
+          </a:stretch>
+        </p:blipFill>
+        <p:spPr>
+          <a:xfrm>
+            <a:off x="2127476" y="417224"/>
+            <a:ext cx="8659836" cy="6192298"/>
+          </a:xfrm>
+          <a:prstGeom prst="rect">
+            <a:avLst/>
+          </a:prstGeom>
+        </p:spPr>
+      </p:pic>
+      <p:sp>
+        <p:nvSpPr>
+          <p:cNvPr id="6" name="Rectangle 5">
+            <a:extLst>
+              <a:ext uri="{FF2B5EF4-FFF2-40B4-BE49-F238E27FC236}">
+                <a16:creationId xmlns:a16="http://schemas.microsoft.com/office/drawing/2014/main" id="{BFB5C54F-7E34-42AD-9CBA-061E6E4D4A76}"/>
+              </a:ext>
+            </a:extLst>
+          </p:cNvPr>
+          <p:cNvSpPr/>
+          <p:nvPr/>
+        </p:nvSpPr>
+        <p:spPr>
+          <a:xfrm>
+            <a:off x="2597533" y="1385175"/>
+            <a:ext cx="2898806" cy="224964"/>
+          </a:xfrm>
+          <a:prstGeom prst="rect">
+            <a:avLst/>
+          </a:prstGeom>
+          <a:noFill/>
+          <a:ln w="28575">
+            <a:solidFill>
+              <a:srgbClr val="FF0000"/>
+            </a:solidFill>
+          </a:ln>
+        </p:spPr>
+        <p:style>
+          <a:lnRef idx="2">
+            <a:schemeClr val="accent1">
+              <a:shade val="50000"/>
+            </a:schemeClr>
+          </a:lnRef>
+          <a:fillRef idx="1">
+            <a:schemeClr val="accent1"/>
+          </a:fillRef>
+          <a:effectRef idx="0">
+            <a:schemeClr val="accent1"/>
+          </a:effectRef>
+          <a:fontRef idx="minor">
+            <a:schemeClr val="lt1"/>
+          </a:fontRef>
+        </p:style>
+        <p:txBody>
+          <a:bodyPr rtlCol="0" anchor="ctr"/>
+          <a:lstStyle/>
+          <a:p>
+            <a:pPr algn="ctr"/>
+            <a:endParaRPr lang="en-US"/>
+          </a:p>
+        </p:txBody>
+      </p:sp>
+      <p:sp>
+        <p:nvSpPr>
+          <p:cNvPr id="2" name="Rectangle 1">
+            <a:extLst>
+              <a:ext uri="{FF2B5EF4-FFF2-40B4-BE49-F238E27FC236}">
+                <a16:creationId xmlns:a16="http://schemas.microsoft.com/office/drawing/2014/main" id="{5D132F43-DC25-1034-768F-995957AF84E5}"/>
+              </a:ext>
+            </a:extLst>
+          </p:cNvPr>
+          <p:cNvSpPr/>
+          <p:nvPr/>
+        </p:nvSpPr>
+        <p:spPr>
+          <a:xfrm>
+            <a:off x="2597533" y="2668859"/>
+            <a:ext cx="1416906" cy="224964"/>
+          </a:xfrm>
+          <a:prstGeom prst="rect">
+            <a:avLst/>
+          </a:prstGeom>
+          <a:noFill/>
+          <a:ln w="28575">
+            <a:solidFill>
+              <a:srgbClr val="FF0000"/>
+            </a:solidFill>
+          </a:ln>
+        </p:spPr>
+        <p:style>
+          <a:lnRef idx="2">
+            <a:schemeClr val="accent1">
+              <a:shade val="15000"/>
+            </a:schemeClr>
+          </a:lnRef>
+          <a:fillRef idx="1">
+            <a:schemeClr val="accent1"/>
+          </a:fillRef>
+          <a:effectRef idx="0">
+            <a:schemeClr val="accent1"/>
+          </a:effectRef>
+          <a:fontRef idx="minor">
+            <a:schemeClr val="lt1"/>
+          </a:fontRef>
+        </p:style>
+        <p:txBody>
+          <a:bodyPr rtlCol="0" anchor="ctr"/>
+          <a:lstStyle/>
+          <a:p>
+            <a:pPr algn="ctr"/>
+            <a:endParaRPr lang="en-US"/>
+          </a:p>
+        </p:txBody>
+      </p:sp>
+      <p:sp>
+        <p:nvSpPr>
+          <p:cNvPr id="3" name="Rectangle 2">
+            <a:extLst>
+              <a:ext uri="{FF2B5EF4-FFF2-40B4-BE49-F238E27FC236}">
+                <a16:creationId xmlns:a16="http://schemas.microsoft.com/office/drawing/2014/main" id="{65FD65D0-C3A2-FD60-83FB-3D419AF7AA32}"/>
+              </a:ext>
+            </a:extLst>
+          </p:cNvPr>
+          <p:cNvSpPr/>
+          <p:nvPr/>
+        </p:nvSpPr>
+        <p:spPr>
+          <a:xfrm>
+            <a:off x="2630029" y="5839522"/>
+            <a:ext cx="1711511" cy="224964"/>
+          </a:xfrm>
+          <a:prstGeom prst="rect">
+            <a:avLst/>
+          </a:prstGeom>
+          <a:noFill/>
+          <a:ln w="28575">
+            <a:solidFill>
+              <a:srgbClr val="FF0000"/>
+            </a:solidFill>
+          </a:ln>
+        </p:spPr>
+        <p:style>
+          <a:lnRef idx="2">
+            <a:schemeClr val="accent1">
+              <a:shade val="15000"/>
+            </a:schemeClr>
+          </a:lnRef>
+          <a:fillRef idx="1">
+            <a:schemeClr val="accent1"/>
+          </a:fillRef>
+          <a:effectRef idx="0">
+            <a:schemeClr val="accent1"/>
+          </a:effectRef>
+          <a:fontRef idx="minor">
+            <a:schemeClr val="lt1"/>
+          </a:fontRef>
+        </p:style>
+        <p:txBody>
+          <a:bodyPr rtlCol="0" anchor="ctr"/>
+          <a:lstStyle/>
+          <a:p>
+            <a:pPr algn="ctr"/>
+            <a:endParaRPr lang="en-US"/>
+          </a:p>
+        </p:txBody>
+      </p:sp>
+    </p:spTree>
+    <p:extLst>
+      <p:ext uri="{BB962C8B-B14F-4D97-AF65-F5344CB8AC3E}">
+        <p14:creationId xmlns:p14="http://schemas.microsoft.com/office/powerpoint/2010/main" val="3057585943"/>
+      </p:ext>
+    </p:extLst>
+  </p:cSld>
+  <p:clrMapOvr>
+    <a:masterClrMapping/>
+  </p:clrMapOvr>
+</p:sld>
+</file>
+
+<file path=ppt/slides/slide6.xml><?xml version="1.0" encoding="utf-8"?>
+<p:sld xmlns:a="http://schemas.openxmlformats.org/drawingml/2006/main" xmlns:r="http://schemas.openxmlformats.org/officeDocument/2006/relationships" xmlns:p="http://schemas.openxmlformats.org/presentationml/2006/main">
+  <p:cSld>
+    <p:spTree>
+      <p:nvGrpSpPr>
+        <p:cNvPr id="1" name=""/>
+        <p:cNvGrpSpPr/>
+        <p:nvPr/>
+      </p:nvGrpSpPr>
+      <p:grpSpPr>
+        <a:xfrm>
+          <a:off x="0" y="0"/>
+          <a:ext cx="0" cy="0"/>
+          <a:chOff x="0" y="0"/>
+          <a:chExt cx="0" cy="0"/>
+        </a:xfrm>
+      </p:grpSpPr>
+      <p:sp>
+        <p:nvSpPr>
+          <p:cNvPr id="2" name="Title 1">
+            <a:extLst>
+              <a:ext uri="{FF2B5EF4-FFF2-40B4-BE49-F238E27FC236}">
+                <a16:creationId xmlns:a16="http://schemas.microsoft.com/office/drawing/2014/main" id="{138D4EDD-C7BC-95D0-61BC-C933AEC0544E}"/>
+              </a:ext>
+            </a:extLst>
+          </p:cNvPr>
+          <p:cNvSpPr>
+            <a:spLocks noGrp="1"/>
+          </p:cNvSpPr>
+          <p:nvPr>
+            <p:ph type="title"/>
+          </p:nvPr>
+        </p:nvSpPr>
+        <p:spPr/>
+        <p:txBody>
+          <a:bodyPr/>
+          <a:lstStyle/>
+          <a:p>
+            <a:r>
+              <a:rPr lang="en-GB" dirty="0"/>
+              <a:t>Most Valuable Tables for Investigation (1)</a:t>
+            </a:r>
+            <a:endParaRPr lang="en-US" dirty="0"/>
+          </a:p>
+        </p:txBody>
+      </p:sp>
+      <p:sp>
+        <p:nvSpPr>
+          <p:cNvPr id="3" name="Content Placeholder 2">
+            <a:extLst>
+              <a:ext uri="{FF2B5EF4-FFF2-40B4-BE49-F238E27FC236}">
+                <a16:creationId xmlns:a16="http://schemas.microsoft.com/office/drawing/2014/main" id="{CA9DD39F-AA11-B44D-9E18-32778265BD4B}"/>
+              </a:ext>
+            </a:extLst>
+          </p:cNvPr>
+          <p:cNvSpPr>
+            <a:spLocks noGrp="1"/>
+          </p:cNvSpPr>
+          <p:nvPr>
+            <p:ph idx="1"/>
+          </p:nvPr>
+        </p:nvSpPr>
+        <p:spPr/>
+        <p:txBody>
+          <a:bodyPr>
+            <a:normAutofit lnSpcReduction="10000"/>
+          </a:bodyPr>
+          <a:lstStyle/>
+          <a:p>
+            <a:r>
+              <a:rPr lang="en-GB" dirty="0" err="1">
+                <a:solidFill>
+                  <a:srgbClr val="7030A0"/>
+                </a:solidFill>
+              </a:rPr>
+              <a:t>dialer.db</a:t>
+            </a:r>
+            <a:r>
+              <a:rPr lang="en-GB" dirty="0">
+                <a:solidFill>
+                  <a:srgbClr val="7030A0"/>
+                </a:solidFill>
+              </a:rPr>
+              <a:t> </a:t>
+            </a:r>
+          </a:p>
+          <a:p>
+            <a:pPr lvl="1"/>
+            <a:r>
+              <a:rPr lang="en-GB" b="1" dirty="0"/>
+              <a:t>Why? </a:t>
+            </a:r>
+            <a:r>
+              <a:rPr lang="en-GB" dirty="0"/>
+              <a:t>containing contact information, smart dial data, and filtered number data. It’s a primary source for understanding contact associations and some usage patterns but </a:t>
+            </a:r>
+            <a:r>
+              <a:rPr lang="en-GB" dirty="0">
+                <a:solidFill>
+                  <a:srgbClr val="FF0000"/>
+                </a:solidFill>
+              </a:rPr>
+              <a:t>does not </a:t>
+            </a:r>
+            <a:r>
+              <a:rPr lang="en-GB" dirty="0"/>
+              <a:t>contain detailed call logs.</a:t>
+            </a:r>
+          </a:p>
+          <a:p>
+            <a:pPr lvl="1"/>
+            <a:r>
+              <a:rPr lang="en-GB" b="1" dirty="0"/>
+              <a:t>Use Case: </a:t>
+            </a:r>
+            <a:r>
+              <a:rPr lang="en-GB" dirty="0"/>
+              <a:t>Investigating frequently contacted numbers, mapping phone numbers to contacts, and identifying blocked or filtered numbers.</a:t>
+            </a:r>
+          </a:p>
+          <a:p>
+            <a:r>
+              <a:rPr lang="en-GB" dirty="0" err="1">
+                <a:solidFill>
+                  <a:srgbClr val="7030A0"/>
+                </a:solidFill>
+              </a:rPr>
+              <a:t>annotated_call_log.db</a:t>
+            </a:r>
+            <a:endParaRPr lang="en-GB" dirty="0">
+              <a:solidFill>
+                <a:srgbClr val="7030A0"/>
+              </a:solidFill>
+            </a:endParaRPr>
+          </a:p>
+          <a:p>
+            <a:pPr lvl="1"/>
+            <a:r>
+              <a:rPr lang="en-GB" b="1" dirty="0"/>
+              <a:t>Why? </a:t>
+            </a:r>
+            <a:r>
+              <a:rPr lang="en-GB" dirty="0"/>
+              <a:t>includes enriched call log data, such as whether a call was flagged as spam, marked as a </a:t>
+            </a:r>
+            <a:r>
+              <a:rPr lang="en-GB" dirty="0" err="1"/>
+              <a:t>favorite</a:t>
+            </a:r>
+            <a:r>
+              <a:rPr lang="en-GB" dirty="0"/>
+              <a:t>, or associated with a specific contact. It might also include user annotations or app-generated labels.</a:t>
+            </a:r>
+          </a:p>
+          <a:p>
+            <a:pPr lvl="1"/>
+            <a:r>
+              <a:rPr lang="en-GB" b="1" dirty="0"/>
+              <a:t>Use Case: </a:t>
+            </a:r>
+            <a:r>
+              <a:rPr lang="en-GB" dirty="0"/>
+              <a:t>Identifying suspicious calls (e.g., flagged as spam) or understanding user interactions with specific numbers.</a:t>
+            </a:r>
+            <a:endParaRPr lang="en-US" dirty="0"/>
+          </a:p>
+        </p:txBody>
+      </p:sp>
+    </p:spTree>
+    <p:extLst>
+      <p:ext uri="{BB962C8B-B14F-4D97-AF65-F5344CB8AC3E}">
+        <p14:creationId xmlns:p14="http://schemas.microsoft.com/office/powerpoint/2010/main" val="1777753340"/>
+      </p:ext>
+    </p:extLst>
+  </p:cSld>
+  <p:clrMapOvr>
+    <a:masterClrMapping/>
+  </p:clrMapOvr>
+</p:sld>
+</file>
+
+<file path=ppt/slides/slide7.xml><?xml version="1.0" encoding="utf-8"?>
+<p:sld xmlns:a="http://schemas.openxmlformats.org/drawingml/2006/main" xmlns:r="http://schemas.openxmlformats.org/officeDocument/2006/relationships" xmlns:p="http://schemas.openxmlformats.org/presentationml/2006/main">
+  <p:cSld>
+    <p:spTree>
+      <p:nvGrpSpPr>
+        <p:cNvPr id="1" name="">
+          <a:extLst>
+            <a:ext uri="{FF2B5EF4-FFF2-40B4-BE49-F238E27FC236}">
+              <a16:creationId xmlns:a16="http://schemas.microsoft.com/office/drawing/2014/main" id="{AA87F9E7-A606-7D97-8149-62A5BC88CD24}"/>
+            </a:ext>
+          </a:extLst>
+        </p:cNvPr>
+        <p:cNvGrpSpPr/>
+        <p:nvPr/>
+      </p:nvGrpSpPr>
+      <p:grpSpPr>
+        <a:xfrm>
+          <a:off x="0" y="0"/>
+          <a:ext cx="0" cy="0"/>
+          <a:chOff x="0" y="0"/>
+          <a:chExt cx="0" cy="0"/>
+        </a:xfrm>
+      </p:grpSpPr>
+      <p:sp>
+        <p:nvSpPr>
+          <p:cNvPr id="2" name="Title 1">
+            <a:extLst>
+              <a:ext uri="{FF2B5EF4-FFF2-40B4-BE49-F238E27FC236}">
+                <a16:creationId xmlns:a16="http://schemas.microsoft.com/office/drawing/2014/main" id="{09AC0554-88CC-7991-D77C-A6992D81C3D7}"/>
+              </a:ext>
+            </a:extLst>
+          </p:cNvPr>
+          <p:cNvSpPr>
+            <a:spLocks noGrp="1"/>
+          </p:cNvSpPr>
+          <p:nvPr>
+            <p:ph type="title"/>
+          </p:nvPr>
+        </p:nvSpPr>
+        <p:spPr/>
+        <p:txBody>
+          <a:bodyPr/>
+          <a:lstStyle/>
+          <a:p>
+            <a:r>
+              <a:rPr lang="en-GB" dirty="0"/>
+              <a:t>Most Valuable Tables for Investigation (2)</a:t>
+            </a:r>
+            <a:endParaRPr lang="en-US" dirty="0"/>
+          </a:p>
+        </p:txBody>
+      </p:sp>
+      <p:sp>
+        <p:nvSpPr>
+          <p:cNvPr id="3" name="Content Placeholder 2">
+            <a:extLst>
+              <a:ext uri="{FF2B5EF4-FFF2-40B4-BE49-F238E27FC236}">
+                <a16:creationId xmlns:a16="http://schemas.microsoft.com/office/drawing/2014/main" id="{0920B6B3-8143-0661-9D01-6424C7CD1AA6}"/>
+              </a:ext>
+            </a:extLst>
+          </p:cNvPr>
+          <p:cNvSpPr>
+            <a:spLocks noGrp="1"/>
+          </p:cNvSpPr>
+          <p:nvPr>
+            <p:ph idx="1"/>
+          </p:nvPr>
+        </p:nvSpPr>
+        <p:spPr/>
+        <p:txBody>
+          <a:bodyPr>
+            <a:normAutofit/>
+          </a:bodyPr>
+          <a:lstStyle/>
+          <a:p>
+            <a:r>
+              <a:rPr lang="en-US" dirty="0" err="1">
+                <a:solidFill>
+                  <a:srgbClr val="7030A0"/>
+                </a:solidFill>
+              </a:rPr>
+              <a:t>suggest_contact_database</a:t>
+            </a:r>
+            <a:endParaRPr lang="en-US" dirty="0">
+              <a:solidFill>
+                <a:srgbClr val="7030A0"/>
+              </a:solidFill>
+            </a:endParaRPr>
+          </a:p>
+          <a:p>
+            <a:pPr lvl="1"/>
+            <a:r>
+              <a:rPr lang="en-GB" b="1" dirty="0"/>
+              <a:t>Why? </a:t>
+            </a:r>
+            <a:r>
+              <a:rPr lang="en-GB" dirty="0"/>
+              <a:t>store data for suggesting contacts, likely across a broader range of interactions beyond just </a:t>
+            </a:r>
+            <a:r>
+              <a:rPr lang="en-GB" dirty="0" err="1"/>
+              <a:t>dialing</a:t>
+            </a:r>
+            <a:r>
+              <a:rPr lang="en-GB" dirty="0"/>
+              <a:t>.</a:t>
+            </a:r>
+          </a:p>
+          <a:p>
+            <a:pPr lvl="2"/>
+            <a:r>
+              <a:rPr lang="en-GB" dirty="0"/>
+              <a:t>Suggesting contacts to call based on recent interactions (calls, messages, emails).</a:t>
+            </a:r>
+          </a:p>
+          <a:p>
+            <a:pPr lvl="2"/>
+            <a:r>
+              <a:rPr lang="en-GB" dirty="0"/>
+              <a:t>Suggesting contacts for sharing content (e.g., via the share sheet).</a:t>
+            </a:r>
+          </a:p>
+          <a:p>
+            <a:pPr lvl="2"/>
+            <a:r>
+              <a:rPr lang="en-GB" dirty="0"/>
+              <a:t>Suggesting contacts in other contexts, like when composing a message or email.</a:t>
+            </a:r>
+          </a:p>
+          <a:p>
+            <a:pPr lvl="1"/>
+            <a:r>
+              <a:rPr lang="en-GB" b="1" dirty="0"/>
+              <a:t>Use Case: </a:t>
+            </a:r>
+          </a:p>
+          <a:p>
+            <a:pPr lvl="2"/>
+            <a:r>
+              <a:rPr lang="en-GB" dirty="0"/>
+              <a:t>Useful for understanding a broader range of the user’s interactions with contacts, not just </a:t>
+            </a:r>
+            <a:r>
+              <a:rPr lang="en-GB" dirty="0" err="1"/>
+              <a:t>dialing</a:t>
+            </a:r>
+            <a:r>
+              <a:rPr lang="en-GB" dirty="0"/>
+              <a:t>. </a:t>
+            </a:r>
+          </a:p>
+          <a:p>
+            <a:pPr lvl="2"/>
+            <a:r>
+              <a:rPr lang="en-GB" dirty="0"/>
+              <a:t>Could reveal contacts the user frequently interacts with across different apps or contexts (e.g., messaging, email), which might not show up in </a:t>
+            </a:r>
+            <a:r>
+              <a:rPr lang="en-GB" dirty="0" err="1">
+                <a:solidFill>
+                  <a:srgbClr val="7030A0"/>
+                </a:solidFill>
+              </a:rPr>
+              <a:t>smartdial_table</a:t>
+            </a:r>
+            <a:r>
+              <a:rPr lang="en-GB" dirty="0">
+                <a:solidFill>
+                  <a:srgbClr val="7030A0"/>
+                </a:solidFill>
+              </a:rPr>
+              <a:t> </a:t>
+            </a:r>
+            <a:r>
+              <a:rPr lang="en-GB" dirty="0"/>
+              <a:t>if they weren’t </a:t>
+            </a:r>
+            <a:r>
+              <a:rPr lang="en-GB" dirty="0" err="1"/>
+              <a:t>dialed</a:t>
+            </a:r>
+            <a:r>
+              <a:rPr lang="en-GB" dirty="0"/>
+              <a:t>.</a:t>
+            </a:r>
+          </a:p>
+        </p:txBody>
+      </p:sp>
+    </p:spTree>
+    <p:extLst>
+      <p:ext uri="{BB962C8B-B14F-4D97-AF65-F5344CB8AC3E}">
+        <p14:creationId xmlns:p14="http://schemas.microsoft.com/office/powerpoint/2010/main" val="2179553264"/>
+      </p:ext>
+    </p:extLst>
+  </p:cSld>
+  <p:clrMapOvr>
+    <a:masterClrMapping/>
+  </p:clrMapOvr>
+</p:sld>
+</file>
+
+<file path=ppt/slides/slide8.xml><?xml version="1.0" encoding="utf-8"?>
+<p:sld xmlns:a="http://schemas.openxmlformats.org/drawingml/2006/main" xmlns:r="http://schemas.openxmlformats.org/officeDocument/2006/relationships" xmlns:p="http://schemas.openxmlformats.org/presentationml/2006/main">
+  <p:cSld>
+    <p:spTree>
+      <p:nvGrpSpPr>
+        <p:cNvPr id="1" name="">
+          <a:extLst>
+            <a:ext uri="{FF2B5EF4-FFF2-40B4-BE49-F238E27FC236}">
+              <a16:creationId xmlns:a16="http://schemas.microsoft.com/office/drawing/2014/main" id="{0E5431C3-1814-0B6F-B2B7-16B7ECBF38C5}"/>
+            </a:ext>
+          </a:extLst>
+        </p:cNvPr>
+        <p:cNvGrpSpPr/>
+        <p:nvPr/>
+      </p:nvGrpSpPr>
+      <p:grpSpPr>
+        <a:xfrm>
+          <a:off x="0" y="0"/>
+          <a:ext cx="0" cy="0"/>
+          <a:chOff x="0" y="0"/>
+          <a:chExt cx="0" cy="0"/>
+        </a:xfrm>
+      </p:grpSpPr>
+      <p:sp>
+        <p:nvSpPr>
+          <p:cNvPr id="2" name="Title 1">
+            <a:extLst>
+              <a:ext uri="{FF2B5EF4-FFF2-40B4-BE49-F238E27FC236}">
+                <a16:creationId xmlns:a16="http://schemas.microsoft.com/office/drawing/2014/main" id="{DB2743EB-F407-1D19-C005-E1425EFA3E03}"/>
+              </a:ext>
+            </a:extLst>
+          </p:cNvPr>
+          <p:cNvSpPr>
+            <a:spLocks noGrp="1"/>
+          </p:cNvSpPr>
+          <p:nvPr>
+            <p:ph type="title"/>
+          </p:nvPr>
+        </p:nvSpPr>
+        <p:spPr/>
+        <p:txBody>
+          <a:bodyPr/>
+          <a:lstStyle/>
+          <a:p>
+            <a:r>
+              <a:rPr lang="en-GB" dirty="0"/>
+              <a:t>Most Valuable Tables for Investigation (3)</a:t>
+            </a:r>
+            <a:endParaRPr lang="en-US" dirty="0"/>
+          </a:p>
+        </p:txBody>
+      </p:sp>
+      <p:sp>
+        <p:nvSpPr>
+          <p:cNvPr id="3" name="Content Placeholder 2">
+            <a:extLst>
+              <a:ext uri="{FF2B5EF4-FFF2-40B4-BE49-F238E27FC236}">
+                <a16:creationId xmlns:a16="http://schemas.microsoft.com/office/drawing/2014/main" id="{4B0390EF-709E-BFDF-FD22-0C2C0F3AEB43}"/>
+              </a:ext>
+            </a:extLst>
+          </p:cNvPr>
+          <p:cNvSpPr>
+            <a:spLocks noGrp="1"/>
+          </p:cNvSpPr>
+          <p:nvPr>
+            <p:ph idx="1"/>
+          </p:nvPr>
+        </p:nvSpPr>
+        <p:spPr/>
+        <p:txBody>
+          <a:bodyPr>
+            <a:normAutofit fontScale="92500"/>
+          </a:bodyPr>
+          <a:lstStyle/>
+          <a:p>
+            <a:r>
+              <a:rPr lang="en-US" dirty="0" err="1">
+                <a:solidFill>
+                  <a:srgbClr val="7030A0"/>
+                </a:solidFill>
+              </a:rPr>
+              <a:t>voicemail.db</a:t>
+            </a:r>
+            <a:endParaRPr lang="en-GB" dirty="0">
+              <a:solidFill>
+                <a:srgbClr val="7030A0"/>
+              </a:solidFill>
+            </a:endParaRPr>
+          </a:p>
+          <a:p>
+            <a:pPr lvl="1"/>
+            <a:r>
+              <a:rPr lang="en-GB" b="1" dirty="0"/>
+              <a:t>Why? </a:t>
+            </a:r>
+            <a:r>
+              <a:rPr lang="en-GB" dirty="0"/>
+              <a:t>Voicemails can contain critical information, such as audio recordings, transcriptions, and metadata about the caller. This could reveal important conversations or evidence.</a:t>
+            </a:r>
+          </a:p>
+          <a:p>
+            <a:pPr lvl="1"/>
+            <a:r>
+              <a:rPr lang="en-GB" b="1" dirty="0"/>
+              <a:t>Use Case: </a:t>
+            </a:r>
+            <a:r>
+              <a:rPr lang="en-GB" dirty="0"/>
+              <a:t>Extracting voicemail content for evidence of threats, plans, or other relevant communications.</a:t>
+            </a:r>
+          </a:p>
+          <a:p>
+            <a:r>
+              <a:rPr lang="en-US" dirty="0" err="1">
+                <a:solidFill>
+                  <a:srgbClr val="7030A0"/>
+                </a:solidFill>
+              </a:rPr>
+              <a:t>phone_lookup_history.db</a:t>
+            </a:r>
+            <a:endParaRPr lang="en-US" dirty="0">
+              <a:solidFill>
+                <a:srgbClr val="7030A0"/>
+              </a:solidFill>
+            </a:endParaRPr>
+          </a:p>
+          <a:p>
+            <a:pPr lvl="1"/>
+            <a:r>
+              <a:rPr lang="en-GB" b="1" dirty="0"/>
+              <a:t>Why? </a:t>
+            </a:r>
+            <a:r>
+              <a:rPr lang="en-GB" dirty="0"/>
+              <a:t>This database tracks phone number lookups, which could reveal attempts to identify unknown callers, reverse lookups, or spam detection queries. It might also show if the user or app queried a number against a known database.</a:t>
+            </a:r>
+          </a:p>
+          <a:p>
+            <a:pPr lvl="1"/>
+            <a:r>
+              <a:rPr lang="en-GB" b="1" dirty="0"/>
+              <a:t>Use Case: </a:t>
+            </a:r>
+            <a:r>
+              <a:rPr lang="en-GB" dirty="0"/>
+              <a:t>Investigating whether the user was dealing with unknown or suspicious numbers.</a:t>
+            </a:r>
+            <a:endParaRPr lang="en-US" dirty="0"/>
+          </a:p>
+        </p:txBody>
+      </p:sp>
+    </p:spTree>
+    <p:extLst>
+      <p:ext uri="{BB962C8B-B14F-4D97-AF65-F5344CB8AC3E}">
+        <p14:creationId xmlns:p14="http://schemas.microsoft.com/office/powerpoint/2010/main" val="747876307"/>
+      </p:ext>
+    </p:extLst>
+  </p:cSld>
+  <p:clrMapOvr>
+    <a:masterClrMapping/>
+  </p:clrMapOvr>
+</p:sld>
+</file>
+
+<file path=ppt/slides/slide9.xml><?xml version="1.0" encoding="utf-8"?>
+<p:sld xmlns:a="http://schemas.openxmlformats.org/drawingml/2006/main" xmlns:r="http://schemas.openxmlformats.org/officeDocument/2006/relationships" xmlns:p="http://schemas.openxmlformats.org/presentationml/2006/main">
+  <p:cSld>
+    <p:spTree>
+      <p:nvGrpSpPr>
+        <p:cNvPr id="1" name="">
+          <a:extLst>
+            <a:ext uri="{FF2B5EF4-FFF2-40B4-BE49-F238E27FC236}">
+              <a16:creationId xmlns:a16="http://schemas.microsoft.com/office/drawing/2014/main" id="{BAA0DEEC-B1A5-DA79-AA6D-923ADCB421AF}"/>
+            </a:ext>
+          </a:extLst>
+        </p:cNvPr>
+        <p:cNvGrpSpPr/>
+        <p:nvPr/>
+      </p:nvGrpSpPr>
+      <p:grpSpPr>
+        <a:xfrm>
+          <a:off x="0" y="0"/>
+          <a:ext cx="0" cy="0"/>
+          <a:chOff x="0" y="0"/>
+          <a:chExt cx="0" cy="0"/>
+        </a:xfrm>
+      </p:grpSpPr>
+      <p:sp>
+        <p:nvSpPr>
+          <p:cNvPr id="2" name="Title 1">
+            <a:extLst>
+              <a:ext uri="{FF2B5EF4-FFF2-40B4-BE49-F238E27FC236}">
+                <a16:creationId xmlns:a16="http://schemas.microsoft.com/office/drawing/2014/main" id="{CB2B2C99-33FF-6666-DF71-1CD1BA2B73B1}"/>
+              </a:ext>
+            </a:extLst>
+          </p:cNvPr>
+          <p:cNvSpPr>
+            <a:spLocks noGrp="1"/>
+          </p:cNvSpPr>
+          <p:nvPr>
+            <p:ph type="title"/>
+          </p:nvPr>
+        </p:nvSpPr>
+        <p:spPr/>
+        <p:txBody>
+          <a:bodyPr/>
+          <a:lstStyle/>
+          <a:p>
+            <a:r>
+              <a:rPr lang="en-GB" dirty="0"/>
+              <a:t>Most Valuable Tables for Investigation (4)</a:t>
+            </a:r>
+            <a:endParaRPr lang="en-US" dirty="0"/>
+          </a:p>
+        </p:txBody>
+      </p:sp>
+      <p:sp>
+        <p:nvSpPr>
+          <p:cNvPr id="3" name="Content Placeholder 2">
+            <a:extLst>
+              <a:ext uri="{FF2B5EF4-FFF2-40B4-BE49-F238E27FC236}">
+                <a16:creationId xmlns:a16="http://schemas.microsoft.com/office/drawing/2014/main" id="{A8473B7E-4B8F-4067-4420-1D17DC2FB680}"/>
+              </a:ext>
+            </a:extLst>
+          </p:cNvPr>
+          <p:cNvSpPr>
+            <a:spLocks noGrp="1"/>
+          </p:cNvSpPr>
+          <p:nvPr>
+            <p:ph idx="1"/>
+          </p:nvPr>
+        </p:nvSpPr>
+        <p:spPr/>
+        <p:txBody>
+          <a:bodyPr>
+            <a:normAutofit/>
+          </a:bodyPr>
+          <a:lstStyle/>
+          <a:p>
+            <a:r>
+              <a:rPr lang="en-US" dirty="0" err="1">
+                <a:solidFill>
+                  <a:srgbClr val="7030A0"/>
+                </a:solidFill>
+              </a:rPr>
+              <a:t>rtt_transcript.db</a:t>
+            </a:r>
+            <a:endParaRPr lang="en-US" dirty="0">
+              <a:solidFill>
+                <a:srgbClr val="7030A0"/>
+              </a:solidFill>
+            </a:endParaRPr>
+          </a:p>
+          <a:p>
+            <a:pPr lvl="1"/>
+            <a:r>
+              <a:rPr lang="en-GB" b="1" dirty="0"/>
+              <a:t>Why</a:t>
+            </a:r>
+            <a:r>
+              <a:rPr lang="en-GB" dirty="0"/>
+              <a:t>? If the user used RTT (Real-Time Text) for communication, this database could contain transcripts of text-based conversations during calls, which might be relevant for accessibility users or specific investigations.</a:t>
+            </a:r>
+          </a:p>
+          <a:p>
+            <a:pPr lvl="1"/>
+            <a:r>
+              <a:rPr lang="en-GB" b="1" dirty="0"/>
+              <a:t>Use Case: </a:t>
+            </a:r>
+            <a:r>
+              <a:rPr lang="en-GB" dirty="0"/>
+              <a:t>Extracting text communications that occurred during calls.</a:t>
+            </a:r>
+          </a:p>
+          <a:p>
+            <a:r>
+              <a:rPr lang="en-US" dirty="0" err="1">
+                <a:solidFill>
+                  <a:srgbClr val="7030A0"/>
+                </a:solidFill>
+              </a:rPr>
+              <a:t>callscreen_transcripts</a:t>
+            </a:r>
+            <a:endParaRPr lang="en-US" dirty="0">
+              <a:solidFill>
+                <a:srgbClr val="7030A0"/>
+              </a:solidFill>
+            </a:endParaRPr>
+          </a:p>
+          <a:p>
+            <a:pPr lvl="1"/>
+            <a:r>
+              <a:rPr lang="en-GB" b="1" dirty="0"/>
+              <a:t>Why? </a:t>
+            </a:r>
+            <a:r>
+              <a:rPr lang="en-GB" dirty="0"/>
+              <a:t>contains transcriptions of call screening interactions (e.g., Google’s Call Screen feature, which answers calls and transcribes responses). It could reveal interactions with unknown callers.</a:t>
+            </a:r>
+          </a:p>
+          <a:p>
+            <a:pPr lvl="1"/>
+            <a:r>
+              <a:rPr lang="en-GB" b="1" dirty="0"/>
+              <a:t>Use Case: </a:t>
+            </a:r>
+            <a:r>
+              <a:rPr lang="en-GB" dirty="0"/>
+              <a:t>Investigating interactions with unknown or suspicious callers through call screening.</a:t>
+            </a:r>
+            <a:endParaRPr lang="en-US" dirty="0"/>
+          </a:p>
+        </p:txBody>
+      </p:sp>
+    </p:spTree>
+    <p:extLst>
+      <p:ext uri="{BB962C8B-B14F-4D97-AF65-F5344CB8AC3E}">
+        <p14:creationId xmlns:p14="http://schemas.microsoft.com/office/powerpoint/2010/main" val="1556875773"/>
       </p:ext>
     </p:extLst>
   </p:cSld>

--- a/Android10/5_2_2_GMS_App_Investigations_Dialer.pptx
+++ b/Android10/5_2_2_GMS_App_Investigations_Dialer.pptx
@@ -5,31 +5,40 @@
     <p:sldMasterId id="2147483648" r:id="rId1"/>
   </p:sldMasterIdLst>
   <p:notesMasterIdLst>
-    <p:notesMasterId r:id="rId24"/>
+    <p:notesMasterId r:id="rId33"/>
   </p:notesMasterIdLst>
   <p:sldIdLst>
     <p:sldId id="256" r:id="rId2"/>
-    <p:sldId id="521" r:id="rId3"/>
-    <p:sldId id="522" r:id="rId4"/>
-    <p:sldId id="528" r:id="rId5"/>
-    <p:sldId id="523" r:id="rId6"/>
-    <p:sldId id="540" r:id="rId7"/>
-    <p:sldId id="546" r:id="rId8"/>
-    <p:sldId id="541" r:id="rId9"/>
-    <p:sldId id="542" r:id="rId10"/>
-    <p:sldId id="543" r:id="rId11"/>
-    <p:sldId id="544" r:id="rId12"/>
-    <p:sldId id="524" r:id="rId13"/>
-    <p:sldId id="525" r:id="rId14"/>
-    <p:sldId id="527" r:id="rId15"/>
-    <p:sldId id="530" r:id="rId16"/>
-    <p:sldId id="545" r:id="rId17"/>
-    <p:sldId id="533" r:id="rId18"/>
-    <p:sldId id="538" r:id="rId19"/>
-    <p:sldId id="539" r:id="rId20"/>
-    <p:sldId id="535" r:id="rId21"/>
-    <p:sldId id="536" r:id="rId22"/>
-    <p:sldId id="526" r:id="rId23"/>
+    <p:sldId id="547" r:id="rId3"/>
+    <p:sldId id="548" r:id="rId4"/>
+    <p:sldId id="521" r:id="rId5"/>
+    <p:sldId id="522" r:id="rId6"/>
+    <p:sldId id="528" r:id="rId7"/>
+    <p:sldId id="549" r:id="rId8"/>
+    <p:sldId id="523" r:id="rId9"/>
+    <p:sldId id="540" r:id="rId10"/>
+    <p:sldId id="546" r:id="rId11"/>
+    <p:sldId id="541" r:id="rId12"/>
+    <p:sldId id="542" r:id="rId13"/>
+    <p:sldId id="550" r:id="rId14"/>
+    <p:sldId id="552" r:id="rId15"/>
+    <p:sldId id="524" r:id="rId16"/>
+    <p:sldId id="525" r:id="rId17"/>
+    <p:sldId id="527" r:id="rId18"/>
+    <p:sldId id="530" r:id="rId19"/>
+    <p:sldId id="551" r:id="rId20"/>
+    <p:sldId id="543" r:id="rId21"/>
+    <p:sldId id="544" r:id="rId22"/>
+    <p:sldId id="553" r:id="rId23"/>
+    <p:sldId id="545" r:id="rId24"/>
+    <p:sldId id="533" r:id="rId25"/>
+    <p:sldId id="554" r:id="rId26"/>
+    <p:sldId id="538" r:id="rId27"/>
+    <p:sldId id="539" r:id="rId28"/>
+    <p:sldId id="555" r:id="rId29"/>
+    <p:sldId id="535" r:id="rId30"/>
+    <p:sldId id="536" r:id="rId31"/>
+    <p:sldId id="526" r:id="rId32"/>
   </p:sldIdLst>
   <p:sldSz cx="12192000" cy="6858000"/>
   <p:notesSz cx="6858000" cy="9144000"/>
@@ -151,7 +160,7 @@
 <file path=ppt/revisionInfo.xml><?xml version="1.0" encoding="utf-8"?>
 <p1510:revInfo xmlns:a="http://schemas.openxmlformats.org/drawingml/2006/main" xmlns:r="http://schemas.openxmlformats.org/officeDocument/2006/relationships" xmlns:p1510="http://schemas.microsoft.com/office/powerpoint/2015/10/main">
   <p1510:revLst>
-    <p1510:client id="{C93986A8-D257-46D5-A932-87F105AEF0C6}" v="44" dt="2025-04-04T13:40:48.498"/>
+    <p1510:client id="{C93986A8-D257-46D5-A932-87F105AEF0C6}" v="50" dt="2025-04-15T15:28:58.478"/>
   </p1510:revLst>
 </p1510:revInfo>
 </file>
@@ -5727,7 +5736,7 @@
   <pc:docChgLst>
     <pc:chgData name="Weifeng Xu" userId="e7aed605-a3dd-4d5a-a692-a87037af107b" providerId="ADAL" clId="{C93986A8-D257-46D5-A932-87F105AEF0C6}"/>
     <pc:docChg chg="undo redo custSel addSld delSld modSld sldOrd">
-      <pc:chgData name="Weifeng Xu" userId="e7aed605-a3dd-4d5a-a692-a87037af107b" providerId="ADAL" clId="{C93986A8-D257-46D5-A932-87F105AEF0C6}" dt="2025-04-04T14:00:33.687" v="2245" actId="6549"/>
+      <pc:chgData name="Weifeng Xu" userId="e7aed605-a3dd-4d5a-a692-a87037af107b" providerId="ADAL" clId="{C93986A8-D257-46D5-A932-87F105AEF0C6}" dt="2025-04-15T15:29:10.420" v="2865" actId="20577"/>
       <pc:docMkLst>
         <pc:docMk/>
       </pc:docMkLst>
@@ -6090,11 +6099,51 @@
         </pc:sldMkLst>
       </pc:sldChg>
       <pc:sldChg chg="addSp delSp modSp new mod modClrScheme chgLayout">
-        <pc:chgData name="Weifeng Xu" userId="e7aed605-a3dd-4d5a-a692-a87037af107b" providerId="ADAL" clId="{C93986A8-D257-46D5-A932-87F105AEF0C6}" dt="2021-08-14T15:01:45.103" v="119" actId="1076"/>
+        <pc:chgData name="Weifeng Xu" userId="e7aed605-a3dd-4d5a-a692-a87037af107b" providerId="ADAL" clId="{C93986A8-D257-46D5-A932-87F105AEF0C6}" dt="2025-04-15T14:53:10.150" v="2410" actId="1076"/>
         <pc:sldMkLst>
           <pc:docMk/>
           <pc:sldMk cId="1798688075" sldId="521"/>
         </pc:sldMkLst>
+        <pc:spChg chg="del mod">
+          <ac:chgData name="Weifeng Xu" userId="e7aed605-a3dd-4d5a-a692-a87037af107b" providerId="ADAL" clId="{C93986A8-D257-46D5-A932-87F105AEF0C6}" dt="2025-04-15T14:53:05.867" v="2409" actId="700"/>
+          <ac:spMkLst>
+            <pc:docMk/>
+            <pc:sldMk cId="1798688075" sldId="521"/>
+            <ac:spMk id="4" creationId="{C56E7611-8511-43F9-B6DC-680747335AF4}"/>
+          </ac:spMkLst>
+        </pc:spChg>
+        <pc:picChg chg="mod">
+          <ac:chgData name="Weifeng Xu" userId="e7aed605-a3dd-4d5a-a692-a87037af107b" providerId="ADAL" clId="{C93986A8-D257-46D5-A932-87F105AEF0C6}" dt="2025-04-15T14:53:10.150" v="2410" actId="1076"/>
+          <ac:picMkLst>
+            <pc:docMk/>
+            <pc:sldMk cId="1798688075" sldId="521"/>
+            <ac:picMk id="8" creationId="{F7A71BE9-17B4-4AEA-A0D5-196DEE53A18D}"/>
+          </ac:picMkLst>
+        </pc:picChg>
+        <pc:picChg chg="mod">
+          <ac:chgData name="Weifeng Xu" userId="e7aed605-a3dd-4d5a-a692-a87037af107b" providerId="ADAL" clId="{C93986A8-D257-46D5-A932-87F105AEF0C6}" dt="2025-04-15T14:53:10.150" v="2410" actId="1076"/>
+          <ac:picMkLst>
+            <pc:docMk/>
+            <pc:sldMk cId="1798688075" sldId="521"/>
+            <ac:picMk id="10" creationId="{951823AA-25C4-458E-B5BB-50993074C44A}"/>
+          </ac:picMkLst>
+        </pc:picChg>
+        <pc:picChg chg="mod">
+          <ac:chgData name="Weifeng Xu" userId="e7aed605-a3dd-4d5a-a692-a87037af107b" providerId="ADAL" clId="{C93986A8-D257-46D5-A932-87F105AEF0C6}" dt="2025-04-15T14:53:10.150" v="2410" actId="1076"/>
+          <ac:picMkLst>
+            <pc:docMk/>
+            <pc:sldMk cId="1798688075" sldId="521"/>
+            <ac:picMk id="13" creationId="{7A649AC0-1747-4D88-9E55-C4C85B54A67C}"/>
+          </ac:picMkLst>
+        </pc:picChg>
+        <pc:picChg chg="mod">
+          <ac:chgData name="Weifeng Xu" userId="e7aed605-a3dd-4d5a-a692-a87037af107b" providerId="ADAL" clId="{C93986A8-D257-46D5-A932-87F105AEF0C6}" dt="2025-04-15T14:53:10.150" v="2410" actId="1076"/>
+          <ac:picMkLst>
+            <pc:docMk/>
+            <pc:sldMk cId="1798688075" sldId="521"/>
+            <ac:picMk id="15" creationId="{336CA6AB-D86A-48EC-8321-33CBF151ABC5}"/>
+          </ac:picMkLst>
+        </pc:picChg>
       </pc:sldChg>
       <pc:sldChg chg="addSp delSp modSp new mod modClrScheme chgLayout">
         <pc:chgData name="Weifeng Xu" userId="e7aed605-a3dd-4d5a-a692-a87037af107b" providerId="ADAL" clId="{C93986A8-D257-46D5-A932-87F105AEF0C6}" dt="2021-08-14T15:04:19.794" v="151" actId="1076"/>
@@ -6104,44 +6153,68 @@
         </pc:sldMkLst>
       </pc:sldChg>
       <pc:sldChg chg="addSp delSp modSp new mod modNotesTx">
-        <pc:chgData name="Weifeng Xu" userId="e7aed605-a3dd-4d5a-a692-a87037af107b" providerId="ADAL" clId="{C93986A8-D257-46D5-A932-87F105AEF0C6}" dt="2025-04-04T12:25:58.307" v="1620" actId="14100"/>
+        <pc:chgData name="Weifeng Xu" userId="e7aed605-a3dd-4d5a-a692-a87037af107b" providerId="ADAL" clId="{C93986A8-D257-46D5-A932-87F105AEF0C6}" dt="2025-04-15T15:04:24.246" v="2485" actId="1076"/>
         <pc:sldMkLst>
           <pc:docMk/>
           <pc:sldMk cId="3057585943" sldId="523"/>
         </pc:sldMkLst>
-        <pc:spChg chg="add mod">
-          <ac:chgData name="Weifeng Xu" userId="e7aed605-a3dd-4d5a-a692-a87037af107b" providerId="ADAL" clId="{C93986A8-D257-46D5-A932-87F105AEF0C6}" dt="2025-04-04T12:25:40.693" v="1617" actId="1582"/>
+        <pc:spChg chg="add del mod">
+          <ac:chgData name="Weifeng Xu" userId="e7aed605-a3dd-4d5a-a692-a87037af107b" providerId="ADAL" clId="{C93986A8-D257-46D5-A932-87F105AEF0C6}" dt="2025-04-15T15:03:23.208" v="2483" actId="478"/>
           <ac:spMkLst>
             <pc:docMk/>
             <pc:sldMk cId="3057585943" sldId="523"/>
             <ac:spMk id="2" creationId="{5D132F43-DC25-1034-768F-995957AF84E5}"/>
           </ac:spMkLst>
         </pc:spChg>
-        <pc:spChg chg="add mod">
-          <ac:chgData name="Weifeng Xu" userId="e7aed605-a3dd-4d5a-a692-a87037af107b" providerId="ADAL" clId="{C93986A8-D257-46D5-A932-87F105AEF0C6}" dt="2025-04-04T12:25:58.307" v="1620" actId="14100"/>
+        <pc:spChg chg="add del mod">
+          <ac:chgData name="Weifeng Xu" userId="e7aed605-a3dd-4d5a-a692-a87037af107b" providerId="ADAL" clId="{C93986A8-D257-46D5-A932-87F105AEF0C6}" dt="2025-04-15T15:03:23.208" v="2483" actId="478"/>
           <ac:spMkLst>
             <pc:docMk/>
             <pc:sldMk cId="3057585943" sldId="523"/>
             <ac:spMk id="3" creationId="{65FD65D0-C3A2-FD60-83FB-3D419AF7AA32}"/>
           </ac:spMkLst>
         </pc:spChg>
-      </pc:sldChg>
-      <pc:sldChg chg="addSp modSp new mod modClrScheme chgLayout modNotesTx">
-        <pc:chgData name="Weifeng Xu" userId="e7aed605-a3dd-4d5a-a692-a87037af107b" providerId="ADAL" clId="{C93986A8-D257-46D5-A932-87F105AEF0C6}" dt="2025-04-04T13:18:53.627" v="2095" actId="20577"/>
+        <pc:spChg chg="del">
+          <ac:chgData name="Weifeng Xu" userId="e7aed605-a3dd-4d5a-a692-a87037af107b" providerId="ADAL" clId="{C93986A8-D257-46D5-A932-87F105AEF0C6}" dt="2025-04-15T15:03:23.208" v="2483" actId="478"/>
+          <ac:spMkLst>
+            <pc:docMk/>
+            <pc:sldMk cId="3057585943" sldId="523"/>
+            <ac:spMk id="6" creationId="{BFB5C54F-7E34-42AD-9CBA-061E6E4D4A76}"/>
+          </ac:spMkLst>
+        </pc:spChg>
+        <pc:picChg chg="del mod">
+          <ac:chgData name="Weifeng Xu" userId="e7aed605-a3dd-4d5a-a692-a87037af107b" providerId="ADAL" clId="{C93986A8-D257-46D5-A932-87F105AEF0C6}" dt="2025-04-15T15:03:23.208" v="2483" actId="478"/>
+          <ac:picMkLst>
+            <pc:docMk/>
+            <pc:sldMk cId="3057585943" sldId="523"/>
+            <ac:picMk id="5" creationId="{BA00B114-EB72-495B-88DF-D2D75B198CDF}"/>
+          </ac:picMkLst>
+        </pc:picChg>
+        <pc:picChg chg="add mod">
+          <ac:chgData name="Weifeng Xu" userId="e7aed605-a3dd-4d5a-a692-a87037af107b" providerId="ADAL" clId="{C93986A8-D257-46D5-A932-87F105AEF0C6}" dt="2025-04-15T15:04:24.246" v="2485" actId="1076"/>
+          <ac:picMkLst>
+            <pc:docMk/>
+            <pc:sldMk cId="3057585943" sldId="523"/>
+            <ac:picMk id="7" creationId="{93A87F37-BAB2-178C-EBDF-EEB48956F9DE}"/>
+          </ac:picMkLst>
+        </pc:picChg>
+      </pc:sldChg>
+      <pc:sldChg chg="addSp modSp new mod ord modClrScheme chgLayout modNotesTx">
+        <pc:chgData name="Weifeng Xu" userId="e7aed605-a3dd-4d5a-a692-a87037af107b" providerId="ADAL" clId="{C93986A8-D257-46D5-A932-87F105AEF0C6}" dt="2025-04-15T15:17:50.033" v="2642" actId="20577"/>
         <pc:sldMkLst>
           <pc:docMk/>
           <pc:sldMk cId="3611995831" sldId="524"/>
         </pc:sldMkLst>
         <pc:spChg chg="add mod ord">
-          <ac:chgData name="Weifeng Xu" userId="e7aed605-a3dd-4d5a-a692-a87037af107b" providerId="ADAL" clId="{C93986A8-D257-46D5-A932-87F105AEF0C6}" dt="2025-04-04T13:18:53.627" v="2095" actId="20577"/>
+          <ac:chgData name="Weifeng Xu" userId="e7aed605-a3dd-4d5a-a692-a87037af107b" providerId="ADAL" clId="{C93986A8-D257-46D5-A932-87F105AEF0C6}" dt="2025-04-15T15:17:50.033" v="2642" actId="20577"/>
           <ac:spMkLst>
             <pc:docMk/>
             <pc:sldMk cId="3611995831" sldId="524"/>
             <ac:spMk id="2" creationId="{235D3EA3-6D82-4D19-DC06-61D86AC6B86F}"/>
           </ac:spMkLst>
         </pc:spChg>
-        <pc:picChg chg="mod">
-          <ac:chgData name="Weifeng Xu" userId="e7aed605-a3dd-4d5a-a692-a87037af107b" providerId="ADAL" clId="{C93986A8-D257-46D5-A932-87F105AEF0C6}" dt="2025-04-04T13:05:15.537" v="1972" actId="1076"/>
+        <pc:picChg chg="mod modCrop">
+          <ac:chgData name="Weifeng Xu" userId="e7aed605-a3dd-4d5a-a692-a87037af107b" providerId="ADAL" clId="{C93986A8-D257-46D5-A932-87F105AEF0C6}" dt="2025-04-15T15:17:25.762" v="2632" actId="1076"/>
           <ac:picMkLst>
             <pc:docMk/>
             <pc:sldMk cId="3611995831" sldId="524"/>
@@ -6149,7 +6222,7 @@
           </ac:picMkLst>
         </pc:picChg>
         <pc:picChg chg="mod">
-          <ac:chgData name="Weifeng Xu" userId="e7aed605-a3dd-4d5a-a692-a87037af107b" providerId="ADAL" clId="{C93986A8-D257-46D5-A932-87F105AEF0C6}" dt="2025-04-04T13:05:15.537" v="1972" actId="1076"/>
+          <ac:chgData name="Weifeng Xu" userId="e7aed605-a3dd-4d5a-a692-a87037af107b" providerId="ADAL" clId="{C93986A8-D257-46D5-A932-87F105AEF0C6}" dt="2025-04-15T15:17:31.405" v="2634" actId="1076"/>
           <ac:picMkLst>
             <pc:docMk/>
             <pc:sldMk cId="3611995831" sldId="524"/>
@@ -6157,8 +6230,8 @@
           </ac:picMkLst>
         </pc:picChg>
       </pc:sldChg>
-      <pc:sldChg chg="addSp delSp modSp new mod modNotesTx">
-        <pc:chgData name="Weifeng Xu" userId="e7aed605-a3dd-4d5a-a692-a87037af107b" providerId="ADAL" clId="{C93986A8-D257-46D5-A932-87F105AEF0C6}" dt="2021-08-15T01:27:02.028" v="646" actId="1076"/>
+      <pc:sldChg chg="addSp delSp modSp new mod ord modNotesTx">
+        <pc:chgData name="Weifeng Xu" userId="e7aed605-a3dd-4d5a-a692-a87037af107b" providerId="ADAL" clId="{C93986A8-D257-46D5-A932-87F105AEF0C6}" dt="2025-04-15T15:07:37.769" v="2499"/>
         <pc:sldMkLst>
           <pc:docMk/>
           <pc:sldMk cId="4120589217" sldId="525"/>
@@ -6171,19 +6244,27 @@
           <pc:sldMk cId="1335316084" sldId="526"/>
         </pc:sldMkLst>
       </pc:sldChg>
-      <pc:sldChg chg="addSp delSp modSp new mod modNotesTx">
-        <pc:chgData name="Weifeng Xu" userId="e7aed605-a3dd-4d5a-a692-a87037af107b" providerId="ADAL" clId="{C93986A8-D257-46D5-A932-87F105AEF0C6}" dt="2021-08-15T20:01:20.547" v="1576" actId="20577"/>
+      <pc:sldChg chg="addSp delSp modSp new mod ord modNotesTx">
+        <pc:chgData name="Weifeng Xu" userId="e7aed605-a3dd-4d5a-a692-a87037af107b" providerId="ADAL" clId="{C93986A8-D257-46D5-A932-87F105AEF0C6}" dt="2025-04-15T15:07:37.769" v="2499"/>
         <pc:sldMkLst>
           <pc:docMk/>
           <pc:sldMk cId="3709013047" sldId="527"/>
         </pc:sldMkLst>
       </pc:sldChg>
       <pc:sldChg chg="addSp modSp new mod modClrScheme chgLayout">
-        <pc:chgData name="Weifeng Xu" userId="e7aed605-a3dd-4d5a-a692-a87037af107b" providerId="ADAL" clId="{C93986A8-D257-46D5-A932-87F105AEF0C6}" dt="2021-08-15T01:33:56.657" v="729" actId="20577"/>
+        <pc:chgData name="Weifeng Xu" userId="e7aed605-a3dd-4d5a-a692-a87037af107b" providerId="ADAL" clId="{C93986A8-D257-46D5-A932-87F105AEF0C6}" dt="2025-04-15T14:53:17.972" v="2419" actId="20577"/>
         <pc:sldMkLst>
           <pc:docMk/>
           <pc:sldMk cId="1311878670" sldId="528"/>
         </pc:sldMkLst>
+        <pc:spChg chg="mod">
+          <ac:chgData name="Weifeng Xu" userId="e7aed605-a3dd-4d5a-a692-a87037af107b" providerId="ADAL" clId="{C93986A8-D257-46D5-A932-87F105AEF0C6}" dt="2025-04-15T14:53:17.972" v="2419" actId="20577"/>
+          <ac:spMkLst>
+            <pc:docMk/>
+            <pc:sldMk cId="1311878670" sldId="528"/>
+            <ac:spMk id="2" creationId="{F7CE2EDE-E25A-4A70-8F62-F085450451DD}"/>
+          </ac:spMkLst>
+        </pc:spChg>
       </pc:sldChg>
       <pc:sldChg chg="new del">
         <pc:chgData name="Weifeng Xu" userId="e7aed605-a3dd-4d5a-a692-a87037af107b" providerId="ADAL" clId="{C93986A8-D257-46D5-A932-87F105AEF0C6}" dt="2021-08-15T20:03:51.144" v="1587" actId="47"/>
@@ -6193,11 +6274,19 @@
         </pc:sldMkLst>
       </pc:sldChg>
       <pc:sldChg chg="addSp delSp modSp add mod ord">
-        <pc:chgData name="Weifeng Xu" userId="e7aed605-a3dd-4d5a-a692-a87037af107b" providerId="ADAL" clId="{C93986A8-D257-46D5-A932-87F105AEF0C6}" dt="2021-08-15T20:03:09.589" v="1583" actId="14100"/>
+        <pc:chgData name="Weifeng Xu" userId="e7aed605-a3dd-4d5a-a692-a87037af107b" providerId="ADAL" clId="{C93986A8-D257-46D5-A932-87F105AEF0C6}" dt="2025-04-15T15:21:09.259" v="2691" actId="20577"/>
         <pc:sldMkLst>
           <pc:docMk/>
           <pc:sldMk cId="1311538801" sldId="530"/>
         </pc:sldMkLst>
+        <pc:spChg chg="mod">
+          <ac:chgData name="Weifeng Xu" userId="e7aed605-a3dd-4d5a-a692-a87037af107b" providerId="ADAL" clId="{C93986A8-D257-46D5-A932-87F105AEF0C6}" dt="2025-04-15T15:21:09.259" v="2691" actId="20577"/>
+          <ac:spMkLst>
+            <pc:docMk/>
+            <pc:sldMk cId="1311538801" sldId="530"/>
+            <ac:spMk id="2" creationId="{F7CE2EDE-E25A-4A70-8F62-F085450451DD}"/>
+          </ac:spMkLst>
+        </pc:spChg>
       </pc:sldChg>
       <pc:sldChg chg="addSp delSp modSp new del mod">
         <pc:chgData name="Weifeng Xu" userId="e7aed605-a3dd-4d5a-a692-a87037af107b" providerId="ADAL" clId="{C93986A8-D257-46D5-A932-87F105AEF0C6}" dt="2025-04-04T13:54:35.383" v="2189" actId="47"/>
@@ -6205,22 +6294,6 @@
           <pc:docMk/>
           <pc:sldMk cId="1903883902" sldId="531"/>
         </pc:sldMkLst>
-        <pc:spChg chg="mod">
-          <ac:chgData name="Weifeng Xu" userId="e7aed605-a3dd-4d5a-a692-a87037af107b" providerId="ADAL" clId="{C93986A8-D257-46D5-A932-87F105AEF0C6}" dt="2025-04-04T13:37:01.503" v="2153" actId="207"/>
-          <ac:spMkLst>
-            <pc:docMk/>
-            <pc:sldMk cId="1903883902" sldId="531"/>
-            <ac:spMk id="2" creationId="{B487C63A-A947-476D-8037-F6FE72367F38}"/>
-          </ac:spMkLst>
-        </pc:spChg>
-        <pc:picChg chg="del">
-          <ac:chgData name="Weifeng Xu" userId="e7aed605-a3dd-4d5a-a692-a87037af107b" providerId="ADAL" clId="{C93986A8-D257-46D5-A932-87F105AEF0C6}" dt="2025-04-04T13:37:36.154" v="2154" actId="478"/>
-          <ac:picMkLst>
-            <pc:docMk/>
-            <pc:sldMk cId="1903883902" sldId="531"/>
-            <ac:picMk id="5" creationId="{197C3542-80BF-41D1-A7F9-4B93595EFC27}"/>
-          </ac:picMkLst>
-        </pc:picChg>
       </pc:sldChg>
       <pc:sldChg chg="new del ord">
         <pc:chgData name="Weifeng Xu" userId="e7aed605-a3dd-4d5a-a692-a87037af107b" providerId="ADAL" clId="{C93986A8-D257-46D5-A932-87F105AEF0C6}" dt="2021-08-15T20:03:50.489" v="1584" actId="47"/>
@@ -6265,13 +6338,13 @@
         </pc:sldMkLst>
       </pc:sldChg>
       <pc:sldChg chg="addSp modSp new mod modClrScheme chgLayout">
-        <pc:chgData name="Weifeng Xu" userId="e7aed605-a3dd-4d5a-a692-a87037af107b" providerId="ADAL" clId="{C93986A8-D257-46D5-A932-87F105AEF0C6}" dt="2025-04-04T14:00:33.687" v="2245" actId="6549"/>
+        <pc:chgData name="Weifeng Xu" userId="e7aed605-a3dd-4d5a-a692-a87037af107b" providerId="ADAL" clId="{C93986A8-D257-46D5-A932-87F105AEF0C6}" dt="2025-04-15T15:28:02.828" v="2853" actId="20577"/>
         <pc:sldMkLst>
           <pc:docMk/>
           <pc:sldMk cId="3578698584" sldId="538"/>
         </pc:sldMkLst>
         <pc:spChg chg="mod">
-          <ac:chgData name="Weifeng Xu" userId="e7aed605-a3dd-4d5a-a692-a87037af107b" providerId="ADAL" clId="{C93986A8-D257-46D5-A932-87F105AEF0C6}" dt="2025-04-04T13:58:23.556" v="2199"/>
+          <ac:chgData name="Weifeng Xu" userId="e7aed605-a3dd-4d5a-a692-a87037af107b" providerId="ADAL" clId="{C93986A8-D257-46D5-A932-87F105AEF0C6}" dt="2025-04-15T15:25:15.870" v="2760" actId="20577"/>
           <ac:spMkLst>
             <pc:docMk/>
             <pc:sldMk cId="3578698584" sldId="538"/>
@@ -6279,7 +6352,7 @@
           </ac:spMkLst>
         </pc:spChg>
         <pc:spChg chg="mod">
-          <ac:chgData name="Weifeng Xu" userId="e7aed605-a3dd-4d5a-a692-a87037af107b" providerId="ADAL" clId="{C93986A8-D257-46D5-A932-87F105AEF0C6}" dt="2025-04-04T14:00:33.687" v="2245" actId="6549"/>
+          <ac:chgData name="Weifeng Xu" userId="e7aed605-a3dd-4d5a-a692-a87037af107b" providerId="ADAL" clId="{C93986A8-D257-46D5-A932-87F105AEF0C6}" dt="2025-04-15T15:28:02.828" v="2853" actId="20577"/>
           <ac:spMkLst>
             <pc:docMk/>
             <pc:sldMk cId="3578698584" sldId="538"/>
@@ -6303,7 +6376,7 @@
         </pc:sldMkLst>
       </pc:sldChg>
       <pc:sldChg chg="addSp delSp modSp new mod modClrScheme chgLayout">
-        <pc:chgData name="Weifeng Xu" userId="e7aed605-a3dd-4d5a-a692-a87037af107b" providerId="ADAL" clId="{C93986A8-D257-46D5-A932-87F105AEF0C6}" dt="2025-04-04T13:15:48.384" v="2050" actId="6549"/>
+        <pc:chgData name="Weifeng Xu" userId="e7aed605-a3dd-4d5a-a692-a87037af107b" providerId="ADAL" clId="{C93986A8-D257-46D5-A932-87F105AEF0C6}" dt="2025-04-15T15:06:05.377" v="2493" actId="20577"/>
         <pc:sldMkLst>
           <pc:docMk/>
           <pc:sldMk cId="1777753340" sldId="540"/>
@@ -6317,19 +6390,11 @@
           </ac:spMkLst>
         </pc:spChg>
         <pc:spChg chg="add del mod">
-          <ac:chgData name="Weifeng Xu" userId="e7aed605-a3dd-4d5a-a692-a87037af107b" providerId="ADAL" clId="{C93986A8-D257-46D5-A932-87F105AEF0C6}" dt="2025-04-04T13:15:48.384" v="2050" actId="6549"/>
+          <ac:chgData name="Weifeng Xu" userId="e7aed605-a3dd-4d5a-a692-a87037af107b" providerId="ADAL" clId="{C93986A8-D257-46D5-A932-87F105AEF0C6}" dt="2025-04-15T15:06:05.377" v="2493" actId="20577"/>
           <ac:spMkLst>
             <pc:docMk/>
             <pc:sldMk cId="1777753340" sldId="540"/>
             <ac:spMk id="3" creationId="{CA9DD39F-AA11-B44D-9E18-32778265BD4B}"/>
-          </ac:spMkLst>
-        </pc:spChg>
-        <pc:spChg chg="add mod">
-          <ac:chgData name="Weifeng Xu" userId="e7aed605-a3dd-4d5a-a692-a87037af107b" providerId="ADAL" clId="{C93986A8-D257-46D5-A932-87F105AEF0C6}" dt="2025-04-04T12:27:40.774" v="1625"/>
-          <ac:spMkLst>
-            <pc:docMk/>
-            <pc:sldMk cId="1777753340" sldId="540"/>
-            <ac:spMk id="4" creationId="{BE28224E-07EA-037E-7BF8-FC907D85FAA2}"/>
           </ac:spMkLst>
         </pc:spChg>
       </pc:sldChg>
@@ -6380,29 +6445,13 @@
         </pc:spChg>
       </pc:sldChg>
       <pc:sldChg chg="addSp delSp modSp new mod modClrScheme chgLayout">
-        <pc:chgData name="Weifeng Xu" userId="e7aed605-a3dd-4d5a-a692-a87037af107b" providerId="ADAL" clId="{C93986A8-D257-46D5-A932-87F105AEF0C6}" dt="2025-04-04T13:33:33.299" v="2107" actId="20577"/>
+        <pc:chgData name="Weifeng Xu" userId="e7aed605-a3dd-4d5a-a692-a87037af107b" providerId="ADAL" clId="{C93986A8-D257-46D5-A932-87F105AEF0C6}" dt="2025-04-15T15:19:38.922" v="2673" actId="207"/>
         <pc:sldMkLst>
           <pc:docMk/>
           <pc:sldMk cId="250569170" sldId="543"/>
         </pc:sldMkLst>
-        <pc:spChg chg="del mod ord">
-          <ac:chgData name="Weifeng Xu" userId="e7aed605-a3dd-4d5a-a692-a87037af107b" providerId="ADAL" clId="{C93986A8-D257-46D5-A932-87F105AEF0C6}" dt="2025-04-04T12:48:33.581" v="1798" actId="700"/>
-          <ac:spMkLst>
-            <pc:docMk/>
-            <pc:sldMk cId="250569170" sldId="543"/>
-            <ac:spMk id="2" creationId="{9B23613D-BE3C-865E-D3CB-8C7FFED1A7E0}"/>
-          </ac:spMkLst>
-        </pc:spChg>
-        <pc:spChg chg="del">
-          <ac:chgData name="Weifeng Xu" userId="e7aed605-a3dd-4d5a-a692-a87037af107b" providerId="ADAL" clId="{C93986A8-D257-46D5-A932-87F105AEF0C6}" dt="2025-04-04T12:48:33.581" v="1798" actId="700"/>
-          <ac:spMkLst>
-            <pc:docMk/>
-            <pc:sldMk cId="250569170" sldId="543"/>
-            <ac:spMk id="3" creationId="{41D00BC0-5680-D6CE-4481-51A80D11DE0A}"/>
-          </ac:spMkLst>
-        </pc:spChg>
         <pc:spChg chg="add mod ord">
-          <ac:chgData name="Weifeng Xu" userId="e7aed605-a3dd-4d5a-a692-a87037af107b" providerId="ADAL" clId="{C93986A8-D257-46D5-A932-87F105AEF0C6}" dt="2025-04-04T13:18:27.060" v="2090" actId="20577"/>
+          <ac:chgData name="Weifeng Xu" userId="e7aed605-a3dd-4d5a-a692-a87037af107b" providerId="ADAL" clId="{C93986A8-D257-46D5-A932-87F105AEF0C6}" dt="2025-04-15T15:19:38.922" v="2673" actId="207"/>
           <ac:spMkLst>
             <pc:docMk/>
             <pc:sldMk cId="250569170" sldId="543"/>
@@ -6410,7 +6459,7 @@
           </ac:spMkLst>
         </pc:spChg>
         <pc:spChg chg="add mod ord">
-          <ac:chgData name="Weifeng Xu" userId="e7aed605-a3dd-4d5a-a692-a87037af107b" providerId="ADAL" clId="{C93986A8-D257-46D5-A932-87F105AEF0C6}" dt="2025-04-04T13:33:33.299" v="2107" actId="20577"/>
+          <ac:chgData name="Weifeng Xu" userId="e7aed605-a3dd-4d5a-a692-a87037af107b" providerId="ADAL" clId="{C93986A8-D257-46D5-A932-87F105AEF0C6}" dt="2025-04-15T15:18:51.301" v="2648" actId="27636"/>
           <ac:spMkLst>
             <pc:docMk/>
             <pc:sldMk cId="250569170" sldId="543"/>
@@ -6418,7 +6467,7 @@
           </ac:spMkLst>
         </pc:spChg>
         <pc:picChg chg="add mod modCrop">
-          <ac:chgData name="Weifeng Xu" userId="e7aed605-a3dd-4d5a-a692-a87037af107b" providerId="ADAL" clId="{C93986A8-D257-46D5-A932-87F105AEF0C6}" dt="2025-04-04T12:52:27.197" v="1808" actId="14100"/>
+          <ac:chgData name="Weifeng Xu" userId="e7aed605-a3dd-4d5a-a692-a87037af107b" providerId="ADAL" clId="{C93986A8-D257-46D5-A932-87F105AEF0C6}" dt="2025-04-15T15:18:43.988" v="2646" actId="1076"/>
           <ac:picMkLst>
             <pc:docMk/>
             <pc:sldMk cId="250569170" sldId="543"/>
@@ -6440,22 +6489,6 @@
           <pc:docMk/>
           <pc:sldMk cId="1161210120" sldId="544"/>
         </pc:sldMkLst>
-        <pc:spChg chg="del">
-          <ac:chgData name="Weifeng Xu" userId="e7aed605-a3dd-4d5a-a692-a87037af107b" providerId="ADAL" clId="{C93986A8-D257-46D5-A932-87F105AEF0C6}" dt="2025-04-04T12:57:45.635" v="1916" actId="700"/>
-          <ac:spMkLst>
-            <pc:docMk/>
-            <pc:sldMk cId="1161210120" sldId="544"/>
-            <ac:spMk id="2" creationId="{E6E09D63-39F4-D505-1BD6-1E047B42B4EE}"/>
-          </ac:spMkLst>
-        </pc:spChg>
-        <pc:spChg chg="del">
-          <ac:chgData name="Weifeng Xu" userId="e7aed605-a3dd-4d5a-a692-a87037af107b" providerId="ADAL" clId="{C93986A8-D257-46D5-A932-87F105AEF0C6}" dt="2025-04-04T12:57:45.635" v="1916" actId="700"/>
-          <ac:spMkLst>
-            <pc:docMk/>
-            <pc:sldMk cId="1161210120" sldId="544"/>
-            <ac:spMk id="3" creationId="{21356D23-13DF-4285-74BC-047BBDBEFF65}"/>
-          </ac:spMkLst>
-        </pc:spChg>
         <pc:spChg chg="add mod">
           <ac:chgData name="Weifeng Xu" userId="e7aed605-a3dd-4d5a-a692-a87037af107b" providerId="ADAL" clId="{C93986A8-D257-46D5-A932-87F105AEF0C6}" dt="2025-04-04T13:00:58.691" v="1968" actId="207"/>
           <ac:spMkLst>
@@ -6482,13 +6515,13 @@
         </pc:picChg>
       </pc:sldChg>
       <pc:sldChg chg="modSp add mod">
-        <pc:chgData name="Weifeng Xu" userId="e7aed605-a3dd-4d5a-a692-a87037af107b" providerId="ADAL" clId="{C93986A8-D257-46D5-A932-87F105AEF0C6}" dt="2025-04-04T13:46:38.529" v="2188"/>
+        <pc:chgData name="Weifeng Xu" userId="e7aed605-a3dd-4d5a-a692-a87037af107b" providerId="ADAL" clId="{C93986A8-D257-46D5-A932-87F105AEF0C6}" dt="2025-04-15T15:23:01.451" v="2701" actId="6549"/>
         <pc:sldMkLst>
           <pc:docMk/>
           <pc:sldMk cId="780716649" sldId="545"/>
         </pc:sldMkLst>
         <pc:spChg chg="mod">
-          <ac:chgData name="Weifeng Xu" userId="e7aed605-a3dd-4d5a-a692-a87037af107b" providerId="ADAL" clId="{C93986A8-D257-46D5-A932-87F105AEF0C6}" dt="2025-04-04T13:46:38.529" v="2188"/>
+          <ac:chgData name="Weifeng Xu" userId="e7aed605-a3dd-4d5a-a692-a87037af107b" providerId="ADAL" clId="{C93986A8-D257-46D5-A932-87F105AEF0C6}" dt="2025-04-15T15:23:01.451" v="2701" actId="6549"/>
           <ac:spMkLst>
             <pc:docMk/>
             <pc:sldMk cId="780716649" sldId="545"/>
@@ -6516,6 +6549,253 @@
             <pc:docMk/>
             <pc:sldMk cId="2179553264" sldId="546"/>
             <ac:spMk id="3" creationId="{0920B6B3-8143-0661-9D01-6424C7CD1AA6}"/>
+          </ac:spMkLst>
+        </pc:spChg>
+      </pc:sldChg>
+      <pc:sldChg chg="addSp delSp modSp new mod modClrScheme chgLayout">
+        <pc:chgData name="Weifeng Xu" userId="e7aed605-a3dd-4d5a-a692-a87037af107b" providerId="ADAL" clId="{C93986A8-D257-46D5-A932-87F105AEF0C6}" dt="2025-04-15T14:47:58.675" v="2265" actId="6549"/>
+        <pc:sldMkLst>
+          <pc:docMk/>
+          <pc:sldMk cId="1288205896" sldId="547"/>
+        </pc:sldMkLst>
+        <pc:spChg chg="del mod ord">
+          <ac:chgData name="Weifeng Xu" userId="e7aed605-a3dd-4d5a-a692-a87037af107b" providerId="ADAL" clId="{C93986A8-D257-46D5-A932-87F105AEF0C6}" dt="2025-04-15T14:38:51.995" v="2247" actId="700"/>
+          <ac:spMkLst>
+            <pc:docMk/>
+            <pc:sldMk cId="1288205896" sldId="547"/>
+            <ac:spMk id="2" creationId="{996B2B42-437A-41A2-4F10-C1DCCB945A26}"/>
+          </ac:spMkLst>
+        </pc:spChg>
+        <pc:spChg chg="del mod ord">
+          <ac:chgData name="Weifeng Xu" userId="e7aed605-a3dd-4d5a-a692-a87037af107b" providerId="ADAL" clId="{C93986A8-D257-46D5-A932-87F105AEF0C6}" dt="2025-04-15T14:38:51.995" v="2247" actId="700"/>
+          <ac:spMkLst>
+            <pc:docMk/>
+            <pc:sldMk cId="1288205896" sldId="547"/>
+            <ac:spMk id="3" creationId="{36659EFF-7D73-2BD3-B78D-2B7F01C68099}"/>
+          </ac:spMkLst>
+        </pc:spChg>
+        <pc:spChg chg="add mod ord">
+          <ac:chgData name="Weifeng Xu" userId="e7aed605-a3dd-4d5a-a692-a87037af107b" providerId="ADAL" clId="{C93986A8-D257-46D5-A932-87F105AEF0C6}" dt="2025-04-15T14:47:58.675" v="2265" actId="6549"/>
+          <ac:spMkLst>
+            <pc:docMk/>
+            <pc:sldMk cId="1288205896" sldId="547"/>
+            <ac:spMk id="4" creationId="{B8E1AA29-01DE-9CBD-3C97-E32587C7EF19}"/>
+          </ac:spMkLst>
+        </pc:spChg>
+        <pc:spChg chg="add del mod ord">
+          <ac:chgData name="Weifeng Xu" userId="e7aed605-a3dd-4d5a-a692-a87037af107b" providerId="ADAL" clId="{C93986A8-D257-46D5-A932-87F105AEF0C6}" dt="2025-04-15T14:47:53.817" v="2264" actId="700"/>
+          <ac:spMkLst>
+            <pc:docMk/>
+            <pc:sldMk cId="1288205896" sldId="547"/>
+            <ac:spMk id="5" creationId="{7C748658-C1FA-0E07-4439-328FE2A6EFC7}"/>
+          </ac:spMkLst>
+        </pc:spChg>
+        <pc:spChg chg="add del mod ord">
+          <ac:chgData name="Weifeng Xu" userId="e7aed605-a3dd-4d5a-a692-a87037af107b" providerId="ADAL" clId="{C93986A8-D257-46D5-A932-87F105AEF0C6}" dt="2025-04-15T14:47:53.817" v="2264" actId="700"/>
+          <ac:spMkLst>
+            <pc:docMk/>
+            <pc:sldMk cId="1288205896" sldId="547"/>
+            <ac:spMk id="6" creationId="{69D81759-1FF8-4E7B-A2D9-7975F397F266}"/>
+          </ac:spMkLst>
+        </pc:spChg>
+      </pc:sldChg>
+      <pc:sldChg chg="addSp delSp modSp new mod modClrScheme chgLayout">
+        <pc:chgData name="Weifeng Xu" userId="e7aed605-a3dd-4d5a-a692-a87037af107b" providerId="ADAL" clId="{C93986A8-D257-46D5-A932-87F105AEF0C6}" dt="2025-04-15T14:52:51.769" v="2407" actId="207"/>
+        <pc:sldMkLst>
+          <pc:docMk/>
+          <pc:sldMk cId="1733187922" sldId="548"/>
+        </pc:sldMkLst>
+        <pc:spChg chg="del mod ord">
+          <ac:chgData name="Weifeng Xu" userId="e7aed605-a3dd-4d5a-a692-a87037af107b" providerId="ADAL" clId="{C93986A8-D257-46D5-A932-87F105AEF0C6}" dt="2025-04-15T14:48:05.465" v="2267" actId="700"/>
+          <ac:spMkLst>
+            <pc:docMk/>
+            <pc:sldMk cId="1733187922" sldId="548"/>
+            <ac:spMk id="2" creationId="{0F61DE08-D720-C839-EFDE-90C1C45F5185}"/>
+          </ac:spMkLst>
+        </pc:spChg>
+        <pc:spChg chg="del mod ord">
+          <ac:chgData name="Weifeng Xu" userId="e7aed605-a3dd-4d5a-a692-a87037af107b" providerId="ADAL" clId="{C93986A8-D257-46D5-A932-87F105AEF0C6}" dt="2025-04-15T14:48:05.465" v="2267" actId="700"/>
+          <ac:spMkLst>
+            <pc:docMk/>
+            <pc:sldMk cId="1733187922" sldId="548"/>
+            <ac:spMk id="3" creationId="{1D802E35-ED2A-69BE-AE60-9D4F6A500C03}"/>
+          </ac:spMkLst>
+        </pc:spChg>
+        <pc:spChg chg="add mod ord">
+          <ac:chgData name="Weifeng Xu" userId="e7aed605-a3dd-4d5a-a692-a87037af107b" providerId="ADAL" clId="{C93986A8-D257-46D5-A932-87F105AEF0C6}" dt="2025-04-15T14:48:26.178" v="2291" actId="6549"/>
+          <ac:spMkLst>
+            <pc:docMk/>
+            <pc:sldMk cId="1733187922" sldId="548"/>
+            <ac:spMk id="4" creationId="{9C393BBA-17D4-EA19-3412-C672C9C00DAF}"/>
+          </ac:spMkLst>
+        </pc:spChg>
+        <pc:spChg chg="add mod ord">
+          <ac:chgData name="Weifeng Xu" userId="e7aed605-a3dd-4d5a-a692-a87037af107b" providerId="ADAL" clId="{C93986A8-D257-46D5-A932-87F105AEF0C6}" dt="2025-04-15T14:52:51.769" v="2407" actId="207"/>
+          <ac:spMkLst>
+            <pc:docMk/>
+            <pc:sldMk cId="1733187922" sldId="548"/>
+            <ac:spMk id="5" creationId="{20DDCBC4-14FB-923A-366B-E476346C9C41}"/>
+          </ac:spMkLst>
+        </pc:spChg>
+      </pc:sldChg>
+      <pc:sldChg chg="addSp delSp modSp new mod modClrScheme chgLayout">
+        <pc:chgData name="Weifeng Xu" userId="e7aed605-a3dd-4d5a-a692-a87037af107b" providerId="ADAL" clId="{C93986A8-D257-46D5-A932-87F105AEF0C6}" dt="2025-04-15T14:57:06.463" v="2480" actId="20577"/>
+        <pc:sldMkLst>
+          <pc:docMk/>
+          <pc:sldMk cId="2185650768" sldId="549"/>
+        </pc:sldMkLst>
+        <pc:spChg chg="del mod ord">
+          <ac:chgData name="Weifeng Xu" userId="e7aed605-a3dd-4d5a-a692-a87037af107b" providerId="ADAL" clId="{C93986A8-D257-46D5-A932-87F105AEF0C6}" dt="2025-04-15T14:53:28.044" v="2421" actId="700"/>
+          <ac:spMkLst>
+            <pc:docMk/>
+            <pc:sldMk cId="2185650768" sldId="549"/>
+            <ac:spMk id="2" creationId="{333D27BB-2799-02F8-B621-DB500983D5FD}"/>
+          </ac:spMkLst>
+        </pc:spChg>
+        <pc:spChg chg="del mod ord">
+          <ac:chgData name="Weifeng Xu" userId="e7aed605-a3dd-4d5a-a692-a87037af107b" providerId="ADAL" clId="{C93986A8-D257-46D5-A932-87F105AEF0C6}" dt="2025-04-15T14:53:28.044" v="2421" actId="700"/>
+          <ac:spMkLst>
+            <pc:docMk/>
+            <pc:sldMk cId="2185650768" sldId="549"/>
+            <ac:spMk id="3" creationId="{E6508BA7-F877-ECE9-2334-9F62181A3CBA}"/>
+          </ac:spMkLst>
+        </pc:spChg>
+        <pc:spChg chg="add mod ord">
+          <ac:chgData name="Weifeng Xu" userId="e7aed605-a3dd-4d5a-a692-a87037af107b" providerId="ADAL" clId="{C93986A8-D257-46D5-A932-87F105AEF0C6}" dt="2025-04-15T14:57:06.463" v="2480" actId="20577"/>
+          <ac:spMkLst>
+            <pc:docMk/>
+            <pc:sldMk cId="2185650768" sldId="549"/>
+            <ac:spMk id="4" creationId="{7E995024-C1B7-6FA8-4151-B87FFD958D19}"/>
+          </ac:spMkLst>
+        </pc:spChg>
+        <pc:spChg chg="add mod ord">
+          <ac:chgData name="Weifeng Xu" userId="e7aed605-a3dd-4d5a-a692-a87037af107b" providerId="ADAL" clId="{C93986A8-D257-46D5-A932-87F105AEF0C6}" dt="2025-04-15T14:53:28.044" v="2421" actId="700"/>
+          <ac:spMkLst>
+            <pc:docMk/>
+            <pc:sldMk cId="2185650768" sldId="549"/>
+            <ac:spMk id="5" creationId="{AE44FF1E-B4A8-930C-237A-2F39BC3AE7AF}"/>
+          </ac:spMkLst>
+        </pc:spChg>
+      </pc:sldChg>
+      <pc:sldChg chg="addSp delSp modSp new mod ord modClrScheme chgLayout">
+        <pc:chgData name="Weifeng Xu" userId="e7aed605-a3dd-4d5a-a692-a87037af107b" providerId="ADAL" clId="{C93986A8-D257-46D5-A932-87F105AEF0C6}" dt="2025-04-15T15:06:26.718" v="2497" actId="20577"/>
+        <pc:sldMkLst>
+          <pc:docMk/>
+          <pc:sldMk cId="3946298176" sldId="550"/>
+        </pc:sldMkLst>
+        <pc:spChg chg="del mod ord">
+          <ac:chgData name="Weifeng Xu" userId="e7aed605-a3dd-4d5a-a692-a87037af107b" providerId="ADAL" clId="{C93986A8-D257-46D5-A932-87F105AEF0C6}" dt="2025-04-15T14:55:19.044" v="2463" actId="700"/>
+          <ac:spMkLst>
+            <pc:docMk/>
+            <pc:sldMk cId="3946298176" sldId="550"/>
+            <ac:spMk id="2" creationId="{53C5DA0A-6BD1-458E-9ACF-1F0F3F525FB9}"/>
+          </ac:spMkLst>
+        </pc:spChg>
+        <pc:spChg chg="del mod ord">
+          <ac:chgData name="Weifeng Xu" userId="e7aed605-a3dd-4d5a-a692-a87037af107b" providerId="ADAL" clId="{C93986A8-D257-46D5-A932-87F105AEF0C6}" dt="2025-04-15T14:55:19.044" v="2463" actId="700"/>
+          <ac:spMkLst>
+            <pc:docMk/>
+            <pc:sldMk cId="3946298176" sldId="550"/>
+            <ac:spMk id="3" creationId="{3776A5DD-05BA-89DD-C850-3B62D6E2BB01}"/>
+          </ac:spMkLst>
+        </pc:spChg>
+        <pc:spChg chg="add mod ord">
+          <ac:chgData name="Weifeng Xu" userId="e7aed605-a3dd-4d5a-a692-a87037af107b" providerId="ADAL" clId="{C93986A8-D257-46D5-A932-87F105AEF0C6}" dt="2025-04-15T15:06:26.718" v="2497" actId="20577"/>
+          <ac:spMkLst>
+            <pc:docMk/>
+            <pc:sldMk cId="3946298176" sldId="550"/>
+            <ac:spMk id="4" creationId="{B3C801A6-5F07-875A-CA9A-2DFE984CC16B}"/>
+          </ac:spMkLst>
+        </pc:spChg>
+        <pc:spChg chg="add mod ord">
+          <ac:chgData name="Weifeng Xu" userId="e7aed605-a3dd-4d5a-a692-a87037af107b" providerId="ADAL" clId="{C93986A8-D257-46D5-A932-87F105AEF0C6}" dt="2025-04-15T14:55:19.044" v="2463" actId="700"/>
+          <ac:spMkLst>
+            <pc:docMk/>
+            <pc:sldMk cId="3946298176" sldId="550"/>
+            <ac:spMk id="5" creationId="{FFCB9AB2-945C-4648-DAAC-B68EFB639744}"/>
+          </ac:spMkLst>
+        </pc:spChg>
+      </pc:sldChg>
+      <pc:sldChg chg="add">
+        <pc:chgData name="Weifeng Xu" userId="e7aed605-a3dd-4d5a-a692-a87037af107b" providerId="ADAL" clId="{C93986A8-D257-46D5-A932-87F105AEF0C6}" dt="2025-04-15T15:05:47.806" v="2486"/>
+        <pc:sldMkLst>
+          <pc:docMk/>
+          <pc:sldMk cId="2089248285" sldId="551"/>
+        </pc:sldMkLst>
+      </pc:sldChg>
+      <pc:sldChg chg="addSp modSp new mod ord modClrScheme chgLayout">
+        <pc:chgData name="Weifeng Xu" userId="e7aed605-a3dd-4d5a-a692-a87037af107b" providerId="ADAL" clId="{C93986A8-D257-46D5-A932-87F105AEF0C6}" dt="2025-04-15T15:16:21.529" v="2630" actId="27636"/>
+        <pc:sldMkLst>
+          <pc:docMk/>
+          <pc:sldMk cId="2135567668" sldId="552"/>
+        </pc:sldMkLst>
+        <pc:spChg chg="mod ord">
+          <ac:chgData name="Weifeng Xu" userId="e7aed605-a3dd-4d5a-a692-a87037af107b" providerId="ADAL" clId="{C93986A8-D257-46D5-A932-87F105AEF0C6}" dt="2025-04-15T15:11:08.599" v="2530" actId="700"/>
+          <ac:spMkLst>
+            <pc:docMk/>
+            <pc:sldMk cId="2135567668" sldId="552"/>
+            <ac:spMk id="2" creationId="{476EA533-48EE-E680-250C-2D4DA195A5C5}"/>
+          </ac:spMkLst>
+        </pc:spChg>
+        <pc:spChg chg="add mod ord">
+          <ac:chgData name="Weifeng Xu" userId="e7aed605-a3dd-4d5a-a692-a87037af107b" providerId="ADAL" clId="{C93986A8-D257-46D5-A932-87F105AEF0C6}" dt="2025-04-15T15:16:21.529" v="2630" actId="27636"/>
+          <ac:spMkLst>
+            <pc:docMk/>
+            <pc:sldMk cId="2135567668" sldId="552"/>
+            <ac:spMk id="5" creationId="{87864908-AC94-3239-7E39-38425B8784A7}"/>
+          </ac:spMkLst>
+        </pc:spChg>
+        <pc:picChg chg="add mod">
+          <ac:chgData name="Weifeng Xu" userId="e7aed605-a3dd-4d5a-a692-a87037af107b" providerId="ADAL" clId="{C93986A8-D257-46D5-A932-87F105AEF0C6}" dt="2025-04-15T15:09:29.152" v="2504" actId="1076"/>
+          <ac:picMkLst>
+            <pc:docMk/>
+            <pc:sldMk cId="2135567668" sldId="552"/>
+            <ac:picMk id="4" creationId="{50BD909C-CB6C-0615-F8FD-2985B6BA288C}"/>
+          </ac:picMkLst>
+        </pc:picChg>
+      </pc:sldChg>
+      <pc:sldChg chg="modSp add mod ord">
+        <pc:chgData name="Weifeng Xu" userId="e7aed605-a3dd-4d5a-a692-a87037af107b" providerId="ADAL" clId="{C93986A8-D257-46D5-A932-87F105AEF0C6}" dt="2025-04-15T15:22:52.176" v="2699" actId="207"/>
+        <pc:sldMkLst>
+          <pc:docMk/>
+          <pc:sldMk cId="4258047189" sldId="553"/>
+        </pc:sldMkLst>
+        <pc:spChg chg="mod">
+          <ac:chgData name="Weifeng Xu" userId="e7aed605-a3dd-4d5a-a692-a87037af107b" providerId="ADAL" clId="{C93986A8-D257-46D5-A932-87F105AEF0C6}" dt="2025-04-15T15:22:52.176" v="2699" actId="207"/>
+          <ac:spMkLst>
+            <pc:docMk/>
+            <pc:sldMk cId="4258047189" sldId="553"/>
+            <ac:spMk id="4" creationId="{8944D7BE-74C7-672C-4626-FC538C968F4D}"/>
+          </ac:spMkLst>
+        </pc:spChg>
+      </pc:sldChg>
+      <pc:sldChg chg="modSp add mod ord">
+        <pc:chgData name="Weifeng Xu" userId="e7aed605-a3dd-4d5a-a692-a87037af107b" providerId="ADAL" clId="{C93986A8-D257-46D5-A932-87F105AEF0C6}" dt="2025-04-15T15:24:52.516" v="2737" actId="20577"/>
+        <pc:sldMkLst>
+          <pc:docMk/>
+          <pc:sldMk cId="901885364" sldId="554"/>
+        </pc:sldMkLst>
+        <pc:spChg chg="mod">
+          <ac:chgData name="Weifeng Xu" userId="e7aed605-a3dd-4d5a-a692-a87037af107b" providerId="ADAL" clId="{C93986A8-D257-46D5-A932-87F105AEF0C6}" dt="2025-04-15T15:24:52.516" v="2737" actId="20577"/>
+          <ac:spMkLst>
+            <pc:docMk/>
+            <pc:sldMk cId="901885364" sldId="554"/>
+            <ac:spMk id="4" creationId="{55CE59F5-A742-EE5F-5490-F4587F362538}"/>
+          </ac:spMkLst>
+        </pc:spChg>
+      </pc:sldChg>
+      <pc:sldChg chg="modSp add mod ord">
+        <pc:chgData name="Weifeng Xu" userId="e7aed605-a3dd-4d5a-a692-a87037af107b" providerId="ADAL" clId="{C93986A8-D257-46D5-A932-87F105AEF0C6}" dt="2025-04-15T15:29:10.420" v="2865" actId="20577"/>
+        <pc:sldMkLst>
+          <pc:docMk/>
+          <pc:sldMk cId="2573116480" sldId="555"/>
+        </pc:sldMkLst>
+        <pc:spChg chg="mod">
+          <ac:chgData name="Weifeng Xu" userId="e7aed605-a3dd-4d5a-a692-a87037af107b" providerId="ADAL" clId="{C93986A8-D257-46D5-A932-87F105AEF0C6}" dt="2025-04-15T15:29:10.420" v="2865" actId="20577"/>
+          <ac:spMkLst>
+            <pc:docMk/>
+            <pc:sldMk cId="2573116480" sldId="555"/>
+            <ac:spMk id="4" creationId="{84C29BEA-A4BA-50A6-F384-78E18FAC007D}"/>
           </ac:spMkLst>
         </pc:spChg>
       </pc:sldChg>
@@ -7567,7 +7847,7 @@
           <a:p>
             <a:fld id="{EE41F6E3-57F9-402E-BDBA-5B2DE11C8530}" type="datetimeFigureOut">
               <a:rPr lang="en-US" smtClean="0"/>
-              <a:t>4/4/2025</a:t>
+              <a:t>4/15/2025</a:t>
             </a:fld>
             <a:endParaRPr lang="en-US"/>
           </a:p>
@@ -7994,7 +8274,7 @@
           <a:p>
             <a:fld id="{DDBF98C7-164A-4723-84F0-B1E4B080DDEC}" type="slidenum">
               <a:rPr lang="en-US" smtClean="0"/>
-              <a:t>5</a:t>
+              <a:t>8</a:t>
             </a:fld>
             <a:endParaRPr lang="en-US"/>
           </a:p>
@@ -8101,7 +8381,7 @@
           <a:p>
             <a:fld id="{DDBF98C7-164A-4723-84F0-B1E4B080DDEC}" type="slidenum">
               <a:rPr lang="en-US" smtClean="0"/>
-              <a:t>12</a:t>
+              <a:t>15</a:t>
             </a:fld>
             <a:endParaRPr lang="en-US"/>
           </a:p>
@@ -8194,7 +8474,7 @@
           <a:p>
             <a:fld id="{DDBF98C7-164A-4723-84F0-B1E4B080DDEC}" type="slidenum">
               <a:rPr lang="en-US" smtClean="0"/>
-              <a:t>13</a:t>
+              <a:t>16</a:t>
             </a:fld>
             <a:endParaRPr lang="en-US"/>
           </a:p>
@@ -8287,7 +8567,7 @@
           <a:p>
             <a:fld id="{DDBF98C7-164A-4723-84F0-B1E4B080DDEC}" type="slidenum">
               <a:rPr lang="en-US" smtClean="0"/>
-              <a:t>14</a:t>
+              <a:t>17</a:t>
             </a:fld>
             <a:endParaRPr lang="en-US"/>
           </a:p>
@@ -8435,7 +8715,7 @@
           <a:p>
             <a:fld id="{4263717A-E3C1-4BED-ABE0-B7069385E023}" type="datetimeFigureOut">
               <a:rPr lang="en-US" smtClean="0"/>
-              <a:t>4/4/2025</a:t>
+              <a:t>4/15/2025</a:t>
             </a:fld>
             <a:endParaRPr lang="en-US"/>
           </a:p>
@@ -8608,7 +8888,7 @@
           <a:p>
             <a:fld id="{4263717A-E3C1-4BED-ABE0-B7069385E023}" type="datetimeFigureOut">
               <a:rPr lang="en-US" smtClean="0"/>
-              <a:t>4/4/2025</a:t>
+              <a:t>4/15/2025</a:t>
             </a:fld>
             <a:endParaRPr lang="en-US"/>
           </a:p>
@@ -8786,7 +9066,7 @@
           <a:p>
             <a:fld id="{4263717A-E3C1-4BED-ABE0-B7069385E023}" type="datetimeFigureOut">
               <a:rPr lang="en-US" smtClean="0"/>
-              <a:t>4/4/2025</a:t>
+              <a:t>4/15/2025</a:t>
             </a:fld>
             <a:endParaRPr lang="en-US"/>
           </a:p>
@@ -8954,7 +9234,7 @@
           <a:p>
             <a:fld id="{4263717A-E3C1-4BED-ABE0-B7069385E023}" type="datetimeFigureOut">
               <a:rPr lang="en-US" smtClean="0"/>
-              <a:t>4/4/2025</a:t>
+              <a:t>4/15/2025</a:t>
             </a:fld>
             <a:endParaRPr lang="en-US"/>
           </a:p>
@@ -9199,7 +9479,7 @@
           <a:p>
             <a:fld id="{4263717A-E3C1-4BED-ABE0-B7069385E023}" type="datetimeFigureOut">
               <a:rPr lang="en-US" smtClean="0"/>
-              <a:t>4/4/2025</a:t>
+              <a:t>4/15/2025</a:t>
             </a:fld>
             <a:endParaRPr lang="en-US"/>
           </a:p>
@@ -9428,7 +9708,7 @@
           <a:p>
             <a:fld id="{4263717A-E3C1-4BED-ABE0-B7069385E023}" type="datetimeFigureOut">
               <a:rPr lang="en-US" smtClean="0"/>
-              <a:t>4/4/2025</a:t>
+              <a:t>4/15/2025</a:t>
             </a:fld>
             <a:endParaRPr lang="en-US"/>
           </a:p>
@@ -9792,7 +10072,7 @@
           <a:p>
             <a:fld id="{4263717A-E3C1-4BED-ABE0-B7069385E023}" type="datetimeFigureOut">
               <a:rPr lang="en-US" smtClean="0"/>
-              <a:t>4/4/2025</a:t>
+              <a:t>4/15/2025</a:t>
             </a:fld>
             <a:endParaRPr lang="en-US"/>
           </a:p>
@@ -9909,7 +10189,7 @@
           <a:p>
             <a:fld id="{4263717A-E3C1-4BED-ABE0-B7069385E023}" type="datetimeFigureOut">
               <a:rPr lang="en-US" smtClean="0"/>
-              <a:t>4/4/2025</a:t>
+              <a:t>4/15/2025</a:t>
             </a:fld>
             <a:endParaRPr lang="en-US"/>
           </a:p>
@@ -10004,7 +10284,7 @@
           <a:p>
             <a:fld id="{4263717A-E3C1-4BED-ABE0-B7069385E023}" type="datetimeFigureOut">
               <a:rPr lang="en-US" smtClean="0"/>
-              <a:t>4/4/2025</a:t>
+              <a:t>4/15/2025</a:t>
             </a:fld>
             <a:endParaRPr lang="en-US"/>
           </a:p>
@@ -10279,7 +10559,7 @@
           <a:p>
             <a:fld id="{4263717A-E3C1-4BED-ABE0-B7069385E023}" type="datetimeFigureOut">
               <a:rPr lang="en-US" smtClean="0"/>
-              <a:t>4/4/2025</a:t>
+              <a:t>4/15/2025</a:t>
             </a:fld>
             <a:endParaRPr lang="en-US"/>
           </a:p>
@@ -10531,7 +10811,7 @@
           <a:p>
             <a:fld id="{4263717A-E3C1-4BED-ABE0-B7069385E023}" type="datetimeFigureOut">
               <a:rPr lang="en-US" smtClean="0"/>
-              <a:t>4/4/2025</a:t>
+              <a:t>4/15/2025</a:t>
             </a:fld>
             <a:endParaRPr lang="en-US"/>
           </a:p>
@@ -10742,7 +11022,7 @@
           <a:p>
             <a:fld id="{4263717A-E3C1-4BED-ABE0-B7069385E023}" type="datetimeFigureOut">
               <a:rPr lang="en-US" smtClean="0"/>
-              <a:t>4/4/2025</a:t>
+              <a:t>4/15/2025</a:t>
             </a:fld>
             <a:endParaRPr lang="en-US"/>
           </a:p>
@@ -11362,15 +11642,7 @@
           <a:p>
             <a:r>
               <a:rPr lang="en-US" dirty="0"/>
-              <a:t>Part 2</a:t>
-            </a:r>
-            <a:r>
-              <a:rPr lang="en-US"/>
-              <a:t>: GMS Google </a:t>
-            </a:r>
-            <a:r>
-              <a:rPr lang="en-US" dirty="0"/>
-              <a:t>Phone Dialer App</a:t>
+              <a:t>Part 2: GMS Google Phone Dialer App</a:t>
             </a:r>
           </a:p>
         </p:txBody>
@@ -11423,6 +11695,535 @@
   <p:cSld>
     <p:spTree>
       <p:nvGrpSpPr>
+        <p:cNvPr id="1" name="">
+          <a:extLst>
+            <a:ext uri="{FF2B5EF4-FFF2-40B4-BE49-F238E27FC236}">
+              <a16:creationId xmlns:a16="http://schemas.microsoft.com/office/drawing/2014/main" id="{AA87F9E7-A606-7D97-8149-62A5BC88CD24}"/>
+            </a:ext>
+          </a:extLst>
+        </p:cNvPr>
+        <p:cNvGrpSpPr/>
+        <p:nvPr/>
+      </p:nvGrpSpPr>
+      <p:grpSpPr>
+        <a:xfrm>
+          <a:off x="0" y="0"/>
+          <a:ext cx="0" cy="0"/>
+          <a:chOff x="0" y="0"/>
+          <a:chExt cx="0" cy="0"/>
+        </a:xfrm>
+      </p:grpSpPr>
+      <p:sp>
+        <p:nvSpPr>
+          <p:cNvPr id="2" name="Title 1">
+            <a:extLst>
+              <a:ext uri="{FF2B5EF4-FFF2-40B4-BE49-F238E27FC236}">
+                <a16:creationId xmlns:a16="http://schemas.microsoft.com/office/drawing/2014/main" id="{09AC0554-88CC-7991-D77C-A6992D81C3D7}"/>
+              </a:ext>
+            </a:extLst>
+          </p:cNvPr>
+          <p:cNvSpPr>
+            <a:spLocks noGrp="1"/>
+          </p:cNvSpPr>
+          <p:nvPr>
+            <p:ph type="title"/>
+          </p:nvPr>
+        </p:nvSpPr>
+        <p:spPr/>
+        <p:txBody>
+          <a:bodyPr/>
+          <a:lstStyle/>
+          <a:p>
+            <a:r>
+              <a:rPr lang="en-GB" dirty="0"/>
+              <a:t>Most Valuable Tables for Investigation (2)</a:t>
+            </a:r>
+            <a:endParaRPr lang="en-US" dirty="0"/>
+          </a:p>
+        </p:txBody>
+      </p:sp>
+      <p:sp>
+        <p:nvSpPr>
+          <p:cNvPr id="3" name="Content Placeholder 2">
+            <a:extLst>
+              <a:ext uri="{FF2B5EF4-FFF2-40B4-BE49-F238E27FC236}">
+                <a16:creationId xmlns:a16="http://schemas.microsoft.com/office/drawing/2014/main" id="{0920B6B3-8143-0661-9D01-6424C7CD1AA6}"/>
+              </a:ext>
+            </a:extLst>
+          </p:cNvPr>
+          <p:cNvSpPr>
+            <a:spLocks noGrp="1"/>
+          </p:cNvSpPr>
+          <p:nvPr>
+            <p:ph idx="1"/>
+          </p:nvPr>
+        </p:nvSpPr>
+        <p:spPr/>
+        <p:txBody>
+          <a:bodyPr>
+            <a:normAutofit/>
+          </a:bodyPr>
+          <a:lstStyle/>
+          <a:p>
+            <a:r>
+              <a:rPr lang="en-US" dirty="0" err="1">
+                <a:solidFill>
+                  <a:srgbClr val="7030A0"/>
+                </a:solidFill>
+              </a:rPr>
+              <a:t>suggest_contact_database</a:t>
+            </a:r>
+            <a:endParaRPr lang="en-US" dirty="0">
+              <a:solidFill>
+                <a:srgbClr val="7030A0"/>
+              </a:solidFill>
+            </a:endParaRPr>
+          </a:p>
+          <a:p>
+            <a:pPr lvl="1"/>
+            <a:r>
+              <a:rPr lang="en-GB" b="1" dirty="0"/>
+              <a:t>Why? </a:t>
+            </a:r>
+            <a:r>
+              <a:rPr lang="en-GB" dirty="0"/>
+              <a:t>store data for suggesting contacts, likely across a broader range of interactions beyond just </a:t>
+            </a:r>
+            <a:r>
+              <a:rPr lang="en-GB" dirty="0" err="1"/>
+              <a:t>dialing</a:t>
+            </a:r>
+            <a:r>
+              <a:rPr lang="en-GB" dirty="0"/>
+              <a:t>.</a:t>
+            </a:r>
+          </a:p>
+          <a:p>
+            <a:pPr lvl="2"/>
+            <a:r>
+              <a:rPr lang="en-GB" dirty="0"/>
+              <a:t>Suggesting contacts to call based on recent interactions (calls, messages, emails).</a:t>
+            </a:r>
+          </a:p>
+          <a:p>
+            <a:pPr lvl="2"/>
+            <a:r>
+              <a:rPr lang="en-GB" dirty="0"/>
+              <a:t>Suggesting contacts for sharing content (e.g., via the share sheet).</a:t>
+            </a:r>
+          </a:p>
+          <a:p>
+            <a:pPr lvl="2"/>
+            <a:r>
+              <a:rPr lang="en-GB" dirty="0"/>
+              <a:t>Suggesting contacts in other contexts, like when composing a message or email.</a:t>
+            </a:r>
+          </a:p>
+          <a:p>
+            <a:pPr lvl="1"/>
+            <a:r>
+              <a:rPr lang="en-GB" b="1" dirty="0"/>
+              <a:t>Use Case: </a:t>
+            </a:r>
+          </a:p>
+          <a:p>
+            <a:pPr lvl="2"/>
+            <a:r>
+              <a:rPr lang="en-GB" dirty="0"/>
+              <a:t>Useful for understanding a broader range of the user’s interactions with contacts, not just </a:t>
+            </a:r>
+            <a:r>
+              <a:rPr lang="en-GB" dirty="0" err="1"/>
+              <a:t>dialing</a:t>
+            </a:r>
+            <a:r>
+              <a:rPr lang="en-GB" dirty="0"/>
+              <a:t>. </a:t>
+            </a:r>
+          </a:p>
+          <a:p>
+            <a:pPr lvl="2"/>
+            <a:r>
+              <a:rPr lang="en-GB" dirty="0"/>
+              <a:t>Could reveal contacts the user frequently interacts with across different apps or contexts (e.g., messaging, email), which might not show up in </a:t>
+            </a:r>
+            <a:r>
+              <a:rPr lang="en-GB" dirty="0" err="1">
+                <a:solidFill>
+                  <a:srgbClr val="7030A0"/>
+                </a:solidFill>
+              </a:rPr>
+              <a:t>smartdial_table</a:t>
+            </a:r>
+            <a:r>
+              <a:rPr lang="en-GB" dirty="0">
+                <a:solidFill>
+                  <a:srgbClr val="7030A0"/>
+                </a:solidFill>
+              </a:rPr>
+              <a:t> </a:t>
+            </a:r>
+            <a:r>
+              <a:rPr lang="en-GB" dirty="0"/>
+              <a:t>if they weren’t </a:t>
+            </a:r>
+            <a:r>
+              <a:rPr lang="en-GB" dirty="0" err="1"/>
+              <a:t>dialed</a:t>
+            </a:r>
+            <a:r>
+              <a:rPr lang="en-GB" dirty="0"/>
+              <a:t>.</a:t>
+            </a:r>
+          </a:p>
+        </p:txBody>
+      </p:sp>
+    </p:spTree>
+    <p:extLst>
+      <p:ext uri="{BB962C8B-B14F-4D97-AF65-F5344CB8AC3E}">
+        <p14:creationId xmlns:p14="http://schemas.microsoft.com/office/powerpoint/2010/main" val="2179553264"/>
+      </p:ext>
+    </p:extLst>
+  </p:cSld>
+  <p:clrMapOvr>
+    <a:masterClrMapping/>
+  </p:clrMapOvr>
+</p:sld>
+</file>
+
+<file path=ppt/slides/slide11.xml><?xml version="1.0" encoding="utf-8"?>
+<p:sld xmlns:a="http://schemas.openxmlformats.org/drawingml/2006/main" xmlns:r="http://schemas.openxmlformats.org/officeDocument/2006/relationships" xmlns:p="http://schemas.openxmlformats.org/presentationml/2006/main">
+  <p:cSld>
+    <p:spTree>
+      <p:nvGrpSpPr>
+        <p:cNvPr id="1" name="">
+          <a:extLst>
+            <a:ext uri="{FF2B5EF4-FFF2-40B4-BE49-F238E27FC236}">
+              <a16:creationId xmlns:a16="http://schemas.microsoft.com/office/drawing/2014/main" id="{0E5431C3-1814-0B6F-B2B7-16B7ECBF38C5}"/>
+            </a:ext>
+          </a:extLst>
+        </p:cNvPr>
+        <p:cNvGrpSpPr/>
+        <p:nvPr/>
+      </p:nvGrpSpPr>
+      <p:grpSpPr>
+        <a:xfrm>
+          <a:off x="0" y="0"/>
+          <a:ext cx="0" cy="0"/>
+          <a:chOff x="0" y="0"/>
+          <a:chExt cx="0" cy="0"/>
+        </a:xfrm>
+      </p:grpSpPr>
+      <p:sp>
+        <p:nvSpPr>
+          <p:cNvPr id="2" name="Title 1">
+            <a:extLst>
+              <a:ext uri="{FF2B5EF4-FFF2-40B4-BE49-F238E27FC236}">
+                <a16:creationId xmlns:a16="http://schemas.microsoft.com/office/drawing/2014/main" id="{DB2743EB-F407-1D19-C005-E1425EFA3E03}"/>
+              </a:ext>
+            </a:extLst>
+          </p:cNvPr>
+          <p:cNvSpPr>
+            <a:spLocks noGrp="1"/>
+          </p:cNvSpPr>
+          <p:nvPr>
+            <p:ph type="title"/>
+          </p:nvPr>
+        </p:nvSpPr>
+        <p:spPr/>
+        <p:txBody>
+          <a:bodyPr/>
+          <a:lstStyle/>
+          <a:p>
+            <a:r>
+              <a:rPr lang="en-GB" dirty="0"/>
+              <a:t>Most Valuable Tables for Investigation (3)</a:t>
+            </a:r>
+            <a:endParaRPr lang="en-US" dirty="0"/>
+          </a:p>
+        </p:txBody>
+      </p:sp>
+      <p:sp>
+        <p:nvSpPr>
+          <p:cNvPr id="3" name="Content Placeholder 2">
+            <a:extLst>
+              <a:ext uri="{FF2B5EF4-FFF2-40B4-BE49-F238E27FC236}">
+                <a16:creationId xmlns:a16="http://schemas.microsoft.com/office/drawing/2014/main" id="{4B0390EF-709E-BFDF-FD22-0C2C0F3AEB43}"/>
+              </a:ext>
+            </a:extLst>
+          </p:cNvPr>
+          <p:cNvSpPr>
+            <a:spLocks noGrp="1"/>
+          </p:cNvSpPr>
+          <p:nvPr>
+            <p:ph idx="1"/>
+          </p:nvPr>
+        </p:nvSpPr>
+        <p:spPr/>
+        <p:txBody>
+          <a:bodyPr>
+            <a:normAutofit fontScale="92500"/>
+          </a:bodyPr>
+          <a:lstStyle/>
+          <a:p>
+            <a:r>
+              <a:rPr lang="en-US" dirty="0" err="1">
+                <a:solidFill>
+                  <a:srgbClr val="7030A0"/>
+                </a:solidFill>
+              </a:rPr>
+              <a:t>voicemail.db</a:t>
+            </a:r>
+            <a:endParaRPr lang="en-GB" dirty="0">
+              <a:solidFill>
+                <a:srgbClr val="7030A0"/>
+              </a:solidFill>
+            </a:endParaRPr>
+          </a:p>
+          <a:p>
+            <a:pPr lvl="1"/>
+            <a:r>
+              <a:rPr lang="en-GB" b="1" dirty="0"/>
+              <a:t>Why? </a:t>
+            </a:r>
+            <a:r>
+              <a:rPr lang="en-GB" dirty="0"/>
+              <a:t>Voicemails can contain critical information, such as audio recordings, transcriptions, and metadata about the caller. This could reveal important conversations or evidence.</a:t>
+            </a:r>
+          </a:p>
+          <a:p>
+            <a:pPr lvl="1"/>
+            <a:r>
+              <a:rPr lang="en-GB" b="1" dirty="0"/>
+              <a:t>Use Case: </a:t>
+            </a:r>
+            <a:r>
+              <a:rPr lang="en-GB" dirty="0"/>
+              <a:t>Extracting voicemail content for evidence of threats, plans, or other relevant communications.</a:t>
+            </a:r>
+          </a:p>
+          <a:p>
+            <a:r>
+              <a:rPr lang="en-US" dirty="0" err="1">
+                <a:solidFill>
+                  <a:srgbClr val="7030A0"/>
+                </a:solidFill>
+              </a:rPr>
+              <a:t>phone_lookup_history.db</a:t>
+            </a:r>
+            <a:endParaRPr lang="en-US" dirty="0">
+              <a:solidFill>
+                <a:srgbClr val="7030A0"/>
+              </a:solidFill>
+            </a:endParaRPr>
+          </a:p>
+          <a:p>
+            <a:pPr lvl="1"/>
+            <a:r>
+              <a:rPr lang="en-GB" b="1" dirty="0"/>
+              <a:t>Why? </a:t>
+            </a:r>
+            <a:r>
+              <a:rPr lang="en-GB" dirty="0"/>
+              <a:t>This database tracks phone number lookups, which could reveal attempts to identify unknown callers, reverse lookups, or spam detection queries. It might also show if the user or app queried a number against a known database.</a:t>
+            </a:r>
+          </a:p>
+          <a:p>
+            <a:pPr lvl="1"/>
+            <a:r>
+              <a:rPr lang="en-GB" b="1" dirty="0"/>
+              <a:t>Use Case: </a:t>
+            </a:r>
+            <a:r>
+              <a:rPr lang="en-GB" dirty="0"/>
+              <a:t>Investigating whether the user was dealing with unknown or suspicious numbers.</a:t>
+            </a:r>
+            <a:endParaRPr lang="en-US" dirty="0"/>
+          </a:p>
+        </p:txBody>
+      </p:sp>
+    </p:spTree>
+    <p:extLst>
+      <p:ext uri="{BB962C8B-B14F-4D97-AF65-F5344CB8AC3E}">
+        <p14:creationId xmlns:p14="http://schemas.microsoft.com/office/powerpoint/2010/main" val="747876307"/>
+      </p:ext>
+    </p:extLst>
+  </p:cSld>
+  <p:clrMapOvr>
+    <a:masterClrMapping/>
+  </p:clrMapOvr>
+</p:sld>
+</file>
+
+<file path=ppt/slides/slide12.xml><?xml version="1.0" encoding="utf-8"?>
+<p:sld xmlns:a="http://schemas.openxmlformats.org/drawingml/2006/main" xmlns:r="http://schemas.openxmlformats.org/officeDocument/2006/relationships" xmlns:p="http://schemas.openxmlformats.org/presentationml/2006/main">
+  <p:cSld>
+    <p:spTree>
+      <p:nvGrpSpPr>
+        <p:cNvPr id="1" name="">
+          <a:extLst>
+            <a:ext uri="{FF2B5EF4-FFF2-40B4-BE49-F238E27FC236}">
+              <a16:creationId xmlns:a16="http://schemas.microsoft.com/office/drawing/2014/main" id="{BAA0DEEC-B1A5-DA79-AA6D-923ADCB421AF}"/>
+            </a:ext>
+          </a:extLst>
+        </p:cNvPr>
+        <p:cNvGrpSpPr/>
+        <p:nvPr/>
+      </p:nvGrpSpPr>
+      <p:grpSpPr>
+        <a:xfrm>
+          <a:off x="0" y="0"/>
+          <a:ext cx="0" cy="0"/>
+          <a:chOff x="0" y="0"/>
+          <a:chExt cx="0" cy="0"/>
+        </a:xfrm>
+      </p:grpSpPr>
+      <p:sp>
+        <p:nvSpPr>
+          <p:cNvPr id="2" name="Title 1">
+            <a:extLst>
+              <a:ext uri="{FF2B5EF4-FFF2-40B4-BE49-F238E27FC236}">
+                <a16:creationId xmlns:a16="http://schemas.microsoft.com/office/drawing/2014/main" id="{CB2B2C99-33FF-6666-DF71-1CD1BA2B73B1}"/>
+              </a:ext>
+            </a:extLst>
+          </p:cNvPr>
+          <p:cNvSpPr>
+            <a:spLocks noGrp="1"/>
+          </p:cNvSpPr>
+          <p:nvPr>
+            <p:ph type="title"/>
+          </p:nvPr>
+        </p:nvSpPr>
+        <p:spPr/>
+        <p:txBody>
+          <a:bodyPr/>
+          <a:lstStyle/>
+          <a:p>
+            <a:r>
+              <a:rPr lang="en-GB" dirty="0"/>
+              <a:t>Most Valuable Tables for Investigation (4)</a:t>
+            </a:r>
+            <a:endParaRPr lang="en-US" dirty="0"/>
+          </a:p>
+        </p:txBody>
+      </p:sp>
+      <p:sp>
+        <p:nvSpPr>
+          <p:cNvPr id="3" name="Content Placeholder 2">
+            <a:extLst>
+              <a:ext uri="{FF2B5EF4-FFF2-40B4-BE49-F238E27FC236}">
+                <a16:creationId xmlns:a16="http://schemas.microsoft.com/office/drawing/2014/main" id="{A8473B7E-4B8F-4067-4420-1D17DC2FB680}"/>
+              </a:ext>
+            </a:extLst>
+          </p:cNvPr>
+          <p:cNvSpPr>
+            <a:spLocks noGrp="1"/>
+          </p:cNvSpPr>
+          <p:nvPr>
+            <p:ph idx="1"/>
+          </p:nvPr>
+        </p:nvSpPr>
+        <p:spPr/>
+        <p:txBody>
+          <a:bodyPr>
+            <a:normAutofit/>
+          </a:bodyPr>
+          <a:lstStyle/>
+          <a:p>
+            <a:r>
+              <a:rPr lang="en-US" dirty="0" err="1">
+                <a:solidFill>
+                  <a:srgbClr val="7030A0"/>
+                </a:solidFill>
+              </a:rPr>
+              <a:t>rtt_transcript.db</a:t>
+            </a:r>
+            <a:endParaRPr lang="en-US" dirty="0">
+              <a:solidFill>
+                <a:srgbClr val="7030A0"/>
+              </a:solidFill>
+            </a:endParaRPr>
+          </a:p>
+          <a:p>
+            <a:pPr lvl="1"/>
+            <a:r>
+              <a:rPr lang="en-GB" b="1" dirty="0"/>
+              <a:t>Why</a:t>
+            </a:r>
+            <a:r>
+              <a:rPr lang="en-GB" dirty="0"/>
+              <a:t>? If the user used RTT (Real-Time Text) for communication, this database could contain transcripts of text-based conversations during calls, which might be relevant for accessibility users or specific investigations.</a:t>
+            </a:r>
+          </a:p>
+          <a:p>
+            <a:pPr lvl="1"/>
+            <a:r>
+              <a:rPr lang="en-GB" b="1" dirty="0"/>
+              <a:t>Use Case: </a:t>
+            </a:r>
+            <a:r>
+              <a:rPr lang="en-GB" dirty="0"/>
+              <a:t>Extracting text communications that occurred during calls.</a:t>
+            </a:r>
+          </a:p>
+          <a:p>
+            <a:r>
+              <a:rPr lang="en-US" dirty="0" err="1">
+                <a:solidFill>
+                  <a:srgbClr val="7030A0"/>
+                </a:solidFill>
+              </a:rPr>
+              <a:t>callscreen_transcripts</a:t>
+            </a:r>
+            <a:endParaRPr lang="en-US" dirty="0">
+              <a:solidFill>
+                <a:srgbClr val="7030A0"/>
+              </a:solidFill>
+            </a:endParaRPr>
+          </a:p>
+          <a:p>
+            <a:pPr lvl="1"/>
+            <a:r>
+              <a:rPr lang="en-GB" b="1" dirty="0"/>
+              <a:t>Why? </a:t>
+            </a:r>
+            <a:r>
+              <a:rPr lang="en-GB" dirty="0"/>
+              <a:t>contains transcriptions of call screening interactions (e.g., Google’s Call Screen feature, which answers calls and transcribes responses). It could reveal interactions with unknown callers.</a:t>
+            </a:r>
+          </a:p>
+          <a:p>
+            <a:pPr lvl="1"/>
+            <a:r>
+              <a:rPr lang="en-GB" b="1" dirty="0"/>
+              <a:t>Use Case: </a:t>
+            </a:r>
+            <a:r>
+              <a:rPr lang="en-GB" dirty="0"/>
+              <a:t>Investigating interactions with unknown or suspicious callers through call screening.</a:t>
+            </a:r>
+            <a:endParaRPr lang="en-US" dirty="0"/>
+          </a:p>
+        </p:txBody>
+      </p:sp>
+    </p:spTree>
+    <p:extLst>
+      <p:ext uri="{BB962C8B-B14F-4D97-AF65-F5344CB8AC3E}">
+        <p14:creationId xmlns:p14="http://schemas.microsoft.com/office/powerpoint/2010/main" val="1556875773"/>
+      </p:ext>
+    </p:extLst>
+  </p:cSld>
+  <p:clrMapOvr>
+    <a:masterClrMapping/>
+  </p:clrMapOvr>
+</p:sld>
+</file>
+
+<file path=ppt/slides/slide13.xml><?xml version="1.0" encoding="utf-8"?>
+<p:sld xmlns:a="http://schemas.openxmlformats.org/drawingml/2006/main" xmlns:r="http://schemas.openxmlformats.org/officeDocument/2006/relationships" xmlns:p="http://schemas.openxmlformats.org/presentationml/2006/main">
+  <p:cSld>
+    <p:spTree>
+      <p:nvGrpSpPr>
         <p:cNvPr id="1" name=""/>
         <p:cNvGrpSpPr/>
         <p:nvPr/>
@@ -11440,7 +12241,7 @@
           <p:cNvPr id="4" name="Title 3">
             <a:extLst>
               <a:ext uri="{FF2B5EF4-FFF2-40B4-BE49-F238E27FC236}">
-                <a16:creationId xmlns:a16="http://schemas.microsoft.com/office/drawing/2014/main" id="{EA6A5203-A9FD-66C1-E0A2-9F6CA7F4B282}"/>
+                <a16:creationId xmlns:a16="http://schemas.microsoft.com/office/drawing/2014/main" id="{B3C801A6-5F07-875A-CA9A-2DFE984CC16B}"/>
               </a:ext>
             </a:extLst>
           </p:cNvPr>
@@ -11457,34 +12258,27 @@
           <a:lstStyle/>
           <a:p>
             <a:r>
-              <a:rPr lang="en-GB" dirty="0"/>
-              <a:t>Smart dial information in  </a:t>
-            </a:r>
-            <a:r>
-              <a:rPr lang="en-US" dirty="0" err="1">
+              <a:rPr lang="en-GB" dirty="0" err="1">
                 <a:solidFill>
-                  <a:srgbClr val="7030A0"/>
+                  <a:schemeClr val="accent2"/>
                 </a:solidFill>
               </a:rPr>
-              <a:t>dialer.db</a:t>
-            </a:r>
-            <a:r>
-              <a:rPr lang="en-US" dirty="0">
-                <a:solidFill>
-                  <a:srgbClr val="7030A0"/>
-                </a:solidFill>
-              </a:rPr>
-              <a:t> </a:t>
-            </a:r>
+              <a:t>annotated_call_log.db</a:t>
+            </a:r>
+            <a:endParaRPr lang="en-US" dirty="0">
+              <a:solidFill>
+                <a:schemeClr val="accent2"/>
+              </a:solidFill>
+            </a:endParaRPr>
           </a:p>
         </p:txBody>
       </p:sp>
       <p:sp>
         <p:nvSpPr>
-          <p:cNvPr id="7" name="Content Placeholder 6">
+          <p:cNvPr id="5" name="Text Placeholder 4">
             <a:extLst>
               <a:ext uri="{FF2B5EF4-FFF2-40B4-BE49-F238E27FC236}">
-                <a16:creationId xmlns:a16="http://schemas.microsoft.com/office/drawing/2014/main" id="{4762B4CC-C8A3-E596-5B4C-B8E7DDAF1B29}"/>
+                <a16:creationId xmlns:a16="http://schemas.microsoft.com/office/drawing/2014/main" id="{FFCB9AB2-945C-4648-DAAC-B68EFB639744}"/>
               </a:ext>
             </a:extLst>
           </p:cNvPr>
@@ -11492,231 +12286,22 @@
             <a:spLocks noGrp="1"/>
           </p:cNvSpPr>
           <p:nvPr>
-            <p:ph idx="1"/>
+            <p:ph type="body" idx="1"/>
           </p:nvPr>
         </p:nvSpPr>
-        <p:spPr>
-          <a:xfrm>
-            <a:off x="5120640" y="1825625"/>
-            <a:ext cx="6233160" cy="4351338"/>
-          </a:xfrm>
-        </p:spPr>
+        <p:spPr/>
         <p:txBody>
-          <a:bodyPr>
-            <a:normAutofit fontScale="92500" lnSpcReduction="10000"/>
-          </a:bodyPr>
+          <a:bodyPr/>
           <a:lstStyle/>
           <a:p>
-            <a:r>
-              <a:rPr lang="en-GB" dirty="0"/>
-              <a:t>"smart dial" functionality</a:t>
-            </a:r>
-          </a:p>
-          <a:p>
-            <a:pPr lvl="1"/>
-            <a:r>
-              <a:rPr lang="en-GB" dirty="0"/>
-              <a:t> Allows users to quickly find contacts by typing a portion of a name or number, with the app suggesting matches as they type.</a:t>
-            </a:r>
-          </a:p>
-          <a:p>
-            <a:r>
-              <a:rPr lang="en-GB" dirty="0"/>
-              <a:t>Provides detailed information about frequently </a:t>
-            </a:r>
-            <a:r>
-              <a:rPr lang="en-GB" dirty="0" err="1"/>
-              <a:t>dialed</a:t>
-            </a:r>
-            <a:r>
-              <a:rPr lang="en-GB" dirty="0"/>
-              <a:t> or interacted-with contacts</a:t>
-            </a:r>
-          </a:p>
-          <a:p>
-            <a:pPr lvl="1"/>
-            <a:r>
-              <a:rPr lang="en-GB" dirty="0"/>
-              <a:t>including usage patterns (</a:t>
-            </a:r>
-            <a:r>
-              <a:rPr lang="en-GB" dirty="0" err="1">
-                <a:solidFill>
-                  <a:srgbClr val="7030A0"/>
-                </a:solidFill>
-              </a:rPr>
-              <a:t>last_time_used</a:t>
-            </a:r>
-            <a:r>
-              <a:rPr lang="en-GB" dirty="0"/>
-              <a:t>, </a:t>
-            </a:r>
-            <a:r>
-              <a:rPr lang="en-GB" dirty="0" err="1">
-                <a:solidFill>
-                  <a:srgbClr val="7030A0"/>
-                </a:solidFill>
-              </a:rPr>
-              <a:t>times_used</a:t>
-            </a:r>
-            <a:r>
-              <a:rPr lang="en-GB" dirty="0"/>
-              <a:t>). </a:t>
-            </a:r>
-          </a:p>
-          <a:p>
-            <a:pPr lvl="1"/>
-            <a:r>
-              <a:rPr lang="en-GB" dirty="0" err="1">
-                <a:solidFill>
-                  <a:srgbClr val="7030A0"/>
-                </a:solidFill>
-              </a:rPr>
-              <a:t>contact_id</a:t>
-            </a:r>
-            <a:r>
-              <a:rPr lang="en-GB" dirty="0">
-                <a:solidFill>
-                  <a:srgbClr val="7030A0"/>
-                </a:solidFill>
-              </a:rPr>
-              <a:t> </a:t>
-            </a:r>
-            <a:r>
-              <a:rPr lang="en-GB" dirty="0"/>
-              <a:t>and </a:t>
-            </a:r>
-            <a:r>
-              <a:rPr lang="en-GB" dirty="0" err="1">
-                <a:solidFill>
-                  <a:srgbClr val="7030A0"/>
-                </a:solidFill>
-              </a:rPr>
-              <a:t>lookup_key</a:t>
-            </a:r>
-            <a:r>
-              <a:rPr lang="en-GB" dirty="0">
-                <a:solidFill>
-                  <a:srgbClr val="7030A0"/>
-                </a:solidFill>
-              </a:rPr>
-              <a:t> </a:t>
-            </a:r>
-            <a:r>
-              <a:rPr lang="en-GB" dirty="0"/>
-              <a:t>can link to the Android Contacts database, </a:t>
-            </a:r>
-          </a:p>
-          <a:p>
-            <a:pPr lvl="1"/>
-            <a:r>
-              <a:rPr lang="en-GB" dirty="0">
-                <a:solidFill>
-                  <a:srgbClr val="7030A0"/>
-                </a:solidFill>
-              </a:rPr>
-              <a:t>starred</a:t>
-            </a:r>
-            <a:r>
-              <a:rPr lang="en-GB" dirty="0"/>
-              <a:t> or </a:t>
-            </a:r>
-            <a:r>
-              <a:rPr lang="en-GB" dirty="0" err="1">
-                <a:solidFill>
-                  <a:srgbClr val="7030A0"/>
-                </a:solidFill>
-              </a:rPr>
-              <a:t>is_primary</a:t>
-            </a:r>
-            <a:r>
-              <a:rPr lang="en-GB" dirty="0">
-                <a:solidFill>
-                  <a:srgbClr val="7030A0"/>
-                </a:solidFill>
-              </a:rPr>
-              <a:t> </a:t>
-            </a:r>
-            <a:r>
-              <a:rPr lang="en-GB" dirty="0"/>
-              <a:t>can indicate important contacts.</a:t>
-            </a:r>
-            <a:endParaRPr lang="en-US" dirty="0"/>
+            <a:endParaRPr lang="en-US"/>
           </a:p>
         </p:txBody>
       </p:sp>
-      <p:pic>
-        <p:nvPicPr>
-          <p:cNvPr id="6" name="Picture 5">
-            <a:extLst>
-              <a:ext uri="{FF2B5EF4-FFF2-40B4-BE49-F238E27FC236}">
-                <a16:creationId xmlns:a16="http://schemas.microsoft.com/office/drawing/2014/main" id="{B9BA693B-F3DC-A556-CB54-147E0A523A35}"/>
-              </a:ext>
-            </a:extLst>
-          </p:cNvPr>
-          <p:cNvPicPr>
-            <a:picLocks noChangeAspect="1"/>
-          </p:cNvPicPr>
-          <p:nvPr/>
-        </p:nvPicPr>
-        <p:blipFill>
-          <a:blip r:embed="rId2"/>
-          <a:srcRect r="31944"/>
-          <a:stretch/>
-        </p:blipFill>
-        <p:spPr>
-          <a:xfrm>
-            <a:off x="838200" y="2114451"/>
-            <a:ext cx="3649157" cy="3156795"/>
-          </a:xfrm>
-          <a:prstGeom prst="rect">
-            <a:avLst/>
-          </a:prstGeom>
-        </p:spPr>
-      </p:pic>
-      <p:cxnSp>
-        <p:nvCxnSpPr>
-          <p:cNvPr id="9" name="Straight Arrow Connector 8">
-            <a:extLst>
-              <a:ext uri="{FF2B5EF4-FFF2-40B4-BE49-F238E27FC236}">
-                <a16:creationId xmlns:a16="http://schemas.microsoft.com/office/drawing/2014/main" id="{B6E557D2-59A7-FF7E-26F6-0E9D10A3AB09}"/>
-              </a:ext>
-            </a:extLst>
-          </p:cNvPr>
-          <p:cNvCxnSpPr/>
-          <p:nvPr/>
-        </p:nvCxnSpPr>
-        <p:spPr>
-          <a:xfrm flipH="1">
-            <a:off x="3575957" y="2114451"/>
-            <a:ext cx="1690007" cy="2351413"/>
-          </a:xfrm>
-          <a:prstGeom prst="straightConnector1">
-            <a:avLst/>
-          </a:prstGeom>
-          <a:ln>
-            <a:tailEnd type="triangle"/>
-          </a:ln>
-        </p:spPr>
-        <p:style>
-          <a:lnRef idx="1">
-            <a:schemeClr val="accent2"/>
-          </a:lnRef>
-          <a:fillRef idx="0">
-            <a:schemeClr val="accent2"/>
-          </a:fillRef>
-          <a:effectRef idx="0">
-            <a:schemeClr val="accent2"/>
-          </a:effectRef>
-          <a:fontRef idx="minor">
-            <a:schemeClr val="tx1"/>
-          </a:fontRef>
-        </p:style>
-      </p:cxnSp>
     </p:spTree>
     <p:extLst>
       <p:ext uri="{BB962C8B-B14F-4D97-AF65-F5344CB8AC3E}">
-        <p14:creationId xmlns:p14="http://schemas.microsoft.com/office/powerpoint/2010/main" val="250569170"/>
+        <p14:creationId xmlns:p14="http://schemas.microsoft.com/office/powerpoint/2010/main" val="3946298176"/>
       </p:ext>
     </p:extLst>
   </p:cSld>
@@ -11726,7 +12311,7 @@
 </p:sld>
 </file>
 
-<file path=ppt/slides/slide11.xml><?xml version="1.0" encoding="utf-8"?>
+<file path=ppt/slides/slide14.xml><?xml version="1.0" encoding="utf-8"?>
 <p:sld xmlns:a="http://schemas.openxmlformats.org/drawingml/2006/main" xmlns:r="http://schemas.openxmlformats.org/officeDocument/2006/relationships" xmlns:p="http://schemas.openxmlformats.org/presentationml/2006/main">
   <p:cSld>
     <p:spTree>
@@ -11743,12 +12328,268 @@
           <a:chExt cx="0" cy="0"/>
         </a:xfrm>
       </p:grpSpPr>
+      <p:sp>
+        <p:nvSpPr>
+          <p:cNvPr id="2" name="Title 1">
+            <a:extLst>
+              <a:ext uri="{FF2B5EF4-FFF2-40B4-BE49-F238E27FC236}">
+                <a16:creationId xmlns:a16="http://schemas.microsoft.com/office/drawing/2014/main" id="{476EA533-48EE-E680-250C-2D4DA195A5C5}"/>
+              </a:ext>
+            </a:extLst>
+          </p:cNvPr>
+          <p:cNvSpPr>
+            <a:spLocks noGrp="1"/>
+          </p:cNvSpPr>
+          <p:nvPr>
+            <p:ph type="title"/>
+          </p:nvPr>
+        </p:nvSpPr>
+        <p:spPr/>
+        <p:txBody>
+          <a:bodyPr/>
+          <a:lstStyle/>
+          <a:p>
+            <a:r>
+              <a:rPr lang="en-US" dirty="0" err="1">
+                <a:solidFill>
+                  <a:schemeClr val="accent2"/>
+                </a:solidFill>
+              </a:rPr>
+              <a:t>AnnotatedCallLog</a:t>
+            </a:r>
+            <a:r>
+              <a:rPr lang="en-US" dirty="0"/>
+              <a:t> table schema</a:t>
+            </a:r>
+          </a:p>
+        </p:txBody>
+      </p:sp>
+      <p:sp>
+        <p:nvSpPr>
+          <p:cNvPr id="5" name="Content Placeholder 4">
+            <a:extLst>
+              <a:ext uri="{FF2B5EF4-FFF2-40B4-BE49-F238E27FC236}">
+                <a16:creationId xmlns:a16="http://schemas.microsoft.com/office/drawing/2014/main" id="{87864908-AC94-3239-7E39-38425B8784A7}"/>
+              </a:ext>
+            </a:extLst>
+          </p:cNvPr>
+          <p:cNvSpPr>
+            <a:spLocks noGrp="1"/>
+          </p:cNvSpPr>
+          <p:nvPr>
+            <p:ph idx="1"/>
+          </p:nvPr>
+        </p:nvSpPr>
+        <p:spPr>
+          <a:xfrm>
+            <a:off x="3438768" y="1825625"/>
+            <a:ext cx="7915031" cy="4667250"/>
+          </a:xfrm>
+        </p:spPr>
+        <p:txBody>
+          <a:bodyPr>
+            <a:normAutofit fontScale="92500" lnSpcReduction="10000"/>
+          </a:bodyPr>
+          <a:lstStyle/>
+          <a:p>
+            <a:r>
+              <a:rPr lang="en-GB" sz="1600" dirty="0">
+                <a:solidFill>
+                  <a:schemeClr val="accent2"/>
+                </a:solidFill>
+              </a:rPr>
+              <a:t>_id:</a:t>
+            </a:r>
+            <a:r>
+              <a:rPr lang="en-GB" sz="1600" dirty="0"/>
+              <a:t> unique identifier for each call log entry, essential for referencing specific calls.</a:t>
+            </a:r>
+          </a:p>
+          <a:p>
+            <a:r>
+              <a:rPr lang="en-GB" sz="1600" dirty="0">
+                <a:solidFill>
+                  <a:schemeClr val="accent2"/>
+                </a:solidFill>
+              </a:rPr>
+              <a:t>timestamp:</a:t>
+            </a:r>
+            <a:r>
+              <a:rPr lang="en-GB" sz="1600" dirty="0"/>
+              <a:t> records when the call occurred</a:t>
+            </a:r>
+          </a:p>
+          <a:p>
+            <a:r>
+              <a:rPr lang="en-GB" sz="1600" dirty="0">
+                <a:solidFill>
+                  <a:schemeClr val="accent2"/>
+                </a:solidFill>
+              </a:rPr>
+              <a:t>number</a:t>
+            </a:r>
+            <a:r>
+              <a:rPr lang="en-GB" sz="1600" dirty="0"/>
+              <a:t>: phone number involved in the call, a core piece of data for identifying callers.</a:t>
+            </a:r>
+          </a:p>
+          <a:p>
+            <a:r>
+              <a:rPr lang="en-GB" sz="1600" dirty="0" err="1">
+                <a:solidFill>
+                  <a:schemeClr val="accent2"/>
+                </a:solidFill>
+              </a:rPr>
+              <a:t>formatted_number</a:t>
+            </a:r>
+            <a:r>
+              <a:rPr lang="en-GB" sz="1600" dirty="0"/>
+              <a:t>: A user-friendly version of the phone number, useful for display purposes.</a:t>
+            </a:r>
+          </a:p>
+          <a:p>
+            <a:r>
+              <a:rPr lang="en-GB" sz="1600" dirty="0">
+                <a:solidFill>
+                  <a:schemeClr val="accent2"/>
+                </a:solidFill>
+              </a:rPr>
+              <a:t>duration:</a:t>
+            </a:r>
+            <a:r>
+              <a:rPr lang="en-GB" sz="1600" dirty="0"/>
+              <a:t> length of the call in seconds</a:t>
+            </a:r>
+          </a:p>
+          <a:p>
+            <a:r>
+              <a:rPr lang="en-GB" sz="1600" dirty="0" err="1">
+                <a:solidFill>
+                  <a:schemeClr val="accent2"/>
+                </a:solidFill>
+              </a:rPr>
+              <a:t>call_type</a:t>
+            </a:r>
+            <a:r>
+              <a:rPr lang="en-GB" sz="1600" dirty="0"/>
+              <a:t>: Indicates the type of call (e.g., incoming, outgoing, missed), </a:t>
+            </a:r>
+          </a:p>
+          <a:p>
+            <a:r>
+              <a:rPr lang="en-GB" sz="1600" dirty="0" err="1">
+                <a:solidFill>
+                  <a:schemeClr val="accent2"/>
+                </a:solidFill>
+              </a:rPr>
+              <a:t>is_read</a:t>
+            </a:r>
+            <a:r>
+              <a:rPr lang="en-GB" sz="1600" dirty="0"/>
+              <a:t>: if the call log entry has been viewed, useful for notifying users of new calls.</a:t>
+            </a:r>
+          </a:p>
+          <a:p>
+            <a:r>
+              <a:rPr lang="en-GB" sz="1600" dirty="0">
+                <a:solidFill>
+                  <a:schemeClr val="accent2"/>
+                </a:solidFill>
+              </a:rPr>
+              <a:t>new</a:t>
+            </a:r>
+            <a:r>
+              <a:rPr lang="en-GB" sz="1600" dirty="0"/>
+              <a:t>: Flags new call entries, helping the app highlight unread or unacknowledged calls.</a:t>
+            </a:r>
+          </a:p>
+          <a:p>
+            <a:r>
+              <a:rPr lang="en-GB" sz="1600" dirty="0" err="1">
+                <a:solidFill>
+                  <a:schemeClr val="accent2"/>
+                </a:solidFill>
+              </a:rPr>
+              <a:t>phone_account_component_name</a:t>
+            </a:r>
+            <a:r>
+              <a:rPr lang="en-GB" sz="1600" dirty="0"/>
+              <a:t>:  Identifies the account or SIM used for the call, valuable for multi-SIM devices.</a:t>
+            </a:r>
+          </a:p>
+          <a:p>
+            <a:r>
+              <a:rPr lang="en-GB" sz="1600" dirty="0" err="1">
+                <a:solidFill>
+                  <a:schemeClr val="accent2"/>
+                </a:solidFill>
+              </a:rPr>
+              <a:t>phone_account_id</a:t>
+            </a:r>
+            <a:r>
+              <a:rPr lang="en-GB" sz="1600" dirty="0"/>
+              <a:t>: Further specifies the account for the call, useful for managing multiple accounts.</a:t>
+            </a:r>
+          </a:p>
+          <a:p>
+            <a:r>
+              <a:rPr lang="en-GB" sz="1600" dirty="0" err="1">
+                <a:solidFill>
+                  <a:schemeClr val="accent2"/>
+                </a:solidFill>
+              </a:rPr>
+              <a:t>spam_status</a:t>
+            </a:r>
+            <a:r>
+              <a:rPr lang="en-GB" sz="1600" dirty="0"/>
+              <a:t>: Indicates if the call is marked as spam, critical for user safety and filtering.</a:t>
+            </a:r>
+          </a:p>
+          <a:p>
+            <a:r>
+              <a:rPr lang="en-GB" sz="1600" dirty="0" err="1">
+                <a:solidFill>
+                  <a:schemeClr val="accent2"/>
+                </a:solidFill>
+              </a:rPr>
+              <a:t>voicemail_uri</a:t>
+            </a:r>
+            <a:r>
+              <a:rPr lang="en-GB" sz="1600" dirty="0">
+                <a:solidFill>
+                  <a:schemeClr val="accent2"/>
+                </a:solidFill>
+              </a:rPr>
+              <a:t>:  </a:t>
+            </a:r>
+            <a:r>
+              <a:rPr lang="en-GB" sz="1600" dirty="0"/>
+              <a:t>Links to voicemail audio, important for voicemail-enabled apps.</a:t>
+            </a:r>
+          </a:p>
+          <a:p>
+            <a:r>
+              <a:rPr lang="en-GB" sz="1600" dirty="0">
+                <a:solidFill>
+                  <a:schemeClr val="accent2"/>
+                </a:solidFill>
+              </a:rPr>
+              <a:t>transcription</a:t>
+            </a:r>
+            <a:r>
+              <a:rPr lang="en-GB" sz="1600" dirty="0"/>
+              <a:t>: Provides a text version of the voicemail, enhancing accessibility and searchability.</a:t>
+            </a:r>
+            <a:endParaRPr lang="en-US" sz="1600" dirty="0"/>
+          </a:p>
+        </p:txBody>
+      </p:sp>
       <p:pic>
         <p:nvPicPr>
-          <p:cNvPr id="5" name="Picture 4">
+          <p:cNvPr id="4" name="Picture 3">
             <a:extLst>
               <a:ext uri="{FF2B5EF4-FFF2-40B4-BE49-F238E27FC236}">
-                <a16:creationId xmlns:a16="http://schemas.microsoft.com/office/drawing/2014/main" id="{40B1DCDE-C125-2F8A-8A40-14DE7D76BABB}"/>
+                <a16:creationId xmlns:a16="http://schemas.microsoft.com/office/drawing/2014/main" id="{50BD909C-CB6C-0615-F8FD-2985B6BA288C}"/>
               </a:ext>
             </a:extLst>
           </p:cNvPr>
@@ -11765,88 +12606,18 @@
         </p:blipFill>
         <p:spPr>
           <a:xfrm>
-            <a:off x="766024" y="1842899"/>
-            <a:ext cx="10198611" cy="1607613"/>
+            <a:off x="925836" y="1800325"/>
+            <a:ext cx="2325364" cy="4692550"/>
           </a:xfrm>
           <a:prstGeom prst="rect">
             <a:avLst/>
           </a:prstGeom>
         </p:spPr>
       </p:pic>
-      <p:pic>
-        <p:nvPicPr>
-          <p:cNvPr id="7" name="Picture 6">
-            <a:extLst>
-              <a:ext uri="{FF2B5EF4-FFF2-40B4-BE49-F238E27FC236}">
-                <a16:creationId xmlns:a16="http://schemas.microsoft.com/office/drawing/2014/main" id="{1581DD33-245D-3949-4A5D-34BD40E20D8A}"/>
-              </a:ext>
-            </a:extLst>
-          </p:cNvPr>
-          <p:cNvPicPr>
-            <a:picLocks noChangeAspect="1"/>
-          </p:cNvPicPr>
-          <p:nvPr/>
-        </p:nvPicPr>
-        <p:blipFill>
-          <a:blip r:embed="rId3"/>
-          <a:stretch>
-            <a:fillRect/>
-          </a:stretch>
-        </p:blipFill>
-        <p:spPr>
-          <a:xfrm>
-            <a:off x="766024" y="4178121"/>
-            <a:ext cx="7128840" cy="1464703"/>
-          </a:xfrm>
-          <a:prstGeom prst="rect">
-            <a:avLst/>
-          </a:prstGeom>
-        </p:spPr>
-      </p:pic>
-      <p:sp>
-        <p:nvSpPr>
-          <p:cNvPr id="8" name="TextBox 7">
-            <a:extLst>
-              <a:ext uri="{FF2B5EF4-FFF2-40B4-BE49-F238E27FC236}">
-                <a16:creationId xmlns:a16="http://schemas.microsoft.com/office/drawing/2014/main" id="{0ACA8700-8A72-F9B0-199D-8DB49D896527}"/>
-              </a:ext>
-            </a:extLst>
-          </p:cNvPr>
-          <p:cNvSpPr txBox="1"/>
-          <p:nvPr/>
-        </p:nvSpPr>
-        <p:spPr>
-          <a:xfrm>
-            <a:off x="766024" y="1445079"/>
-            <a:ext cx="3073662" cy="369332"/>
-          </a:xfrm>
-          <a:prstGeom prst="rect">
-            <a:avLst/>
-          </a:prstGeom>
-          <a:solidFill>
-            <a:schemeClr val="accent4">
-              <a:lumMod val="20000"/>
-              <a:lumOff val="80000"/>
-            </a:schemeClr>
-          </a:solidFill>
-        </p:spPr>
-        <p:txBody>
-          <a:bodyPr wrap="none" rtlCol="0">
-            <a:spAutoFit/>
-          </a:bodyPr>
-          <a:lstStyle/>
-          <a:p>
-            <a:r>
-              <a:rPr lang="en-US" dirty="0"/>
-              <a:t>Two phone numbers are found</a:t>
-            </a:r>
-          </a:p>
-        </p:txBody>
-      </p:sp>
     </p:spTree>
     <p:extLst>
       <p:ext uri="{BB962C8B-B14F-4D97-AF65-F5344CB8AC3E}">
-        <p14:creationId xmlns:p14="http://schemas.microsoft.com/office/powerpoint/2010/main" val="1161210120"/>
+        <p14:creationId xmlns:p14="http://schemas.microsoft.com/office/powerpoint/2010/main" val="2135567668"/>
       </p:ext>
     </p:extLst>
   </p:cSld>
@@ -11856,7 +12627,7 @@
 </p:sld>
 </file>
 
-<file path=ppt/slides/slide12.xml><?xml version="1.0" encoding="utf-8"?>
+<file path=ppt/slides/slide15.xml><?xml version="1.0" encoding="utf-8"?>
 <p:sld xmlns:a="http://schemas.openxmlformats.org/drawingml/2006/main" xmlns:r="http://schemas.openxmlformats.org/officeDocument/2006/relationships" xmlns:p="http://schemas.openxmlformats.org/presentationml/2006/main">
   <p:cSld>
     <p:spTree>
@@ -11889,14 +12660,13 @@
         </p:nvPicPr>
         <p:blipFill>
           <a:blip r:embed="rId3"/>
-          <a:stretch>
-            <a:fillRect/>
-          </a:stretch>
+          <a:srcRect l="2646" t="29470"/>
+          <a:stretch/>
         </p:blipFill>
         <p:spPr>
           <a:xfrm>
-            <a:off x="544349" y="1815568"/>
-            <a:ext cx="11103302" cy="4526672"/>
+            <a:off x="838200" y="2203810"/>
+            <a:ext cx="10809451" cy="3192640"/>
           </a:xfrm>
           <a:prstGeom prst="rect">
             <a:avLst/>
@@ -11925,7 +12695,7 @@
         </p:blipFill>
         <p:spPr>
           <a:xfrm>
-            <a:off x="2943280" y="4786797"/>
+            <a:off x="2701004" y="3800130"/>
             <a:ext cx="1463167" cy="1219306"/>
           </a:xfrm>
           <a:prstGeom prst="rect">
@@ -11967,16 +12737,16 @@
           <a:lstStyle/>
           <a:p>
             <a:r>
-              <a:rPr lang="en-US" dirty="0"/>
-              <a:t>Call log in </a:t>
-            </a:r>
-            <a:r>
               <a:rPr lang="en-US" dirty="0" err="1">
                 <a:solidFill>
-                  <a:srgbClr val="7030A0"/>
+                  <a:schemeClr val="accent2"/>
                 </a:solidFill>
               </a:rPr>
-              <a:t>annotated_call_log.db</a:t>
+              <a:t>AnnotatedCallLog</a:t>
+            </a:r>
+            <a:r>
+              <a:rPr lang="en-US" dirty="0"/>
+              <a:t> table content</a:t>
             </a:r>
             <a:endParaRPr lang="en-US" dirty="0">
               <a:solidFill>
@@ -11999,7 +12769,7 @@
 </p:sld>
 </file>
 
-<file path=ppt/slides/slide13.xml><?xml version="1.0" encoding="utf-8"?>
+<file path=ppt/slides/slide16.xml><?xml version="1.0" encoding="utf-8"?>
 <p:sld xmlns:a="http://schemas.openxmlformats.org/drawingml/2006/main" xmlns:r="http://schemas.openxmlformats.org/officeDocument/2006/relationships" xmlns:p="http://schemas.openxmlformats.org/presentationml/2006/main">
   <p:cSld>
     <p:spTree>
@@ -12793,7 +13563,7 @@
 </p:sld>
 </file>
 
-<file path=ppt/slides/slide14.xml><?xml version="1.0" encoding="utf-8"?>
+<file path=ppt/slides/slide17.xml><?xml version="1.0" encoding="utf-8"?>
 <p:sld xmlns:a="http://schemas.openxmlformats.org/drawingml/2006/main" xmlns:r="http://schemas.openxmlformats.org/officeDocument/2006/relationships" xmlns:p="http://schemas.openxmlformats.org/presentationml/2006/main">
   <p:cSld>
     <p:spTree>
@@ -13221,7 +13991,7 @@
 </p:sld>
 </file>
 
-<file path=ppt/slides/slide15.xml><?xml version="1.0" encoding="utf-8"?>
+<file path=ppt/slides/slide18.xml><?xml version="1.0" encoding="utf-8"?>
 <p:sld xmlns:a="http://schemas.openxmlformats.org/drawingml/2006/main" xmlns:r="http://schemas.openxmlformats.org/officeDocument/2006/relationships" xmlns:p="http://schemas.openxmlformats.org/presentationml/2006/main">
   <p:cSld>
     <p:spTree>
@@ -13261,7 +14031,7 @@
           <a:p>
             <a:r>
               <a:rPr lang="en-US" dirty="0"/>
-              <a:t>Answer</a:t>
+              <a:t>Sample Questions</a:t>
             </a:r>
           </a:p>
         </p:txBody>
@@ -13549,7 +14319,717 @@
 </p:sld>
 </file>
 
-<file path=ppt/slides/slide16.xml><?xml version="1.0" encoding="utf-8"?>
+<file path=ppt/slides/slide19.xml><?xml version="1.0" encoding="utf-8"?>
+<p:sld xmlns:a="http://schemas.openxmlformats.org/drawingml/2006/main" xmlns:r="http://schemas.openxmlformats.org/officeDocument/2006/relationships" xmlns:p="http://schemas.openxmlformats.org/presentationml/2006/main">
+  <p:cSld>
+    <p:spTree>
+      <p:nvGrpSpPr>
+        <p:cNvPr id="1" name="">
+          <a:extLst>
+            <a:ext uri="{FF2B5EF4-FFF2-40B4-BE49-F238E27FC236}">
+              <a16:creationId xmlns:a16="http://schemas.microsoft.com/office/drawing/2014/main" id="{06360024-3B11-A57D-08D1-0BA714BE5475}"/>
+            </a:ext>
+          </a:extLst>
+        </p:cNvPr>
+        <p:cNvGrpSpPr/>
+        <p:nvPr/>
+      </p:nvGrpSpPr>
+      <p:grpSpPr>
+        <a:xfrm>
+          <a:off x="0" y="0"/>
+          <a:ext cx="0" cy="0"/>
+          <a:chOff x="0" y="0"/>
+          <a:chExt cx="0" cy="0"/>
+        </a:xfrm>
+      </p:grpSpPr>
+      <p:sp>
+        <p:nvSpPr>
+          <p:cNvPr id="4" name="Title 3">
+            <a:extLst>
+              <a:ext uri="{FF2B5EF4-FFF2-40B4-BE49-F238E27FC236}">
+                <a16:creationId xmlns:a16="http://schemas.microsoft.com/office/drawing/2014/main" id="{153F1245-FE95-FDD1-FA2E-BAD1E2107E13}"/>
+              </a:ext>
+            </a:extLst>
+          </p:cNvPr>
+          <p:cNvSpPr>
+            <a:spLocks noGrp="1"/>
+          </p:cNvSpPr>
+          <p:nvPr>
+            <p:ph type="title"/>
+          </p:nvPr>
+        </p:nvSpPr>
+        <p:spPr/>
+        <p:txBody>
+          <a:bodyPr/>
+          <a:lstStyle/>
+          <a:p>
+            <a:r>
+              <a:rPr lang="en-US" dirty="0" err="1">
+                <a:solidFill>
+                  <a:schemeClr val="accent2"/>
+                </a:solidFill>
+              </a:rPr>
+              <a:t>dialer.db</a:t>
+            </a:r>
+            <a:endParaRPr lang="en-US" dirty="0">
+              <a:solidFill>
+                <a:schemeClr val="accent2"/>
+              </a:solidFill>
+            </a:endParaRPr>
+          </a:p>
+        </p:txBody>
+      </p:sp>
+      <p:sp>
+        <p:nvSpPr>
+          <p:cNvPr id="5" name="Text Placeholder 4">
+            <a:extLst>
+              <a:ext uri="{FF2B5EF4-FFF2-40B4-BE49-F238E27FC236}">
+                <a16:creationId xmlns:a16="http://schemas.microsoft.com/office/drawing/2014/main" id="{ECD0DB52-2704-4364-2784-569575739577}"/>
+              </a:ext>
+            </a:extLst>
+          </p:cNvPr>
+          <p:cNvSpPr>
+            <a:spLocks noGrp="1"/>
+          </p:cNvSpPr>
+          <p:nvPr>
+            <p:ph type="body" idx="1"/>
+          </p:nvPr>
+        </p:nvSpPr>
+        <p:spPr/>
+        <p:txBody>
+          <a:bodyPr/>
+          <a:lstStyle/>
+          <a:p>
+            <a:endParaRPr lang="en-US"/>
+          </a:p>
+        </p:txBody>
+      </p:sp>
+    </p:spTree>
+    <p:extLst>
+      <p:ext uri="{BB962C8B-B14F-4D97-AF65-F5344CB8AC3E}">
+        <p14:creationId xmlns:p14="http://schemas.microsoft.com/office/powerpoint/2010/main" val="2089248285"/>
+      </p:ext>
+    </p:extLst>
+  </p:cSld>
+  <p:clrMapOvr>
+    <a:masterClrMapping/>
+  </p:clrMapOvr>
+</p:sld>
+</file>
+
+<file path=ppt/slides/slide2.xml><?xml version="1.0" encoding="utf-8"?>
+<p:sld xmlns:a="http://schemas.openxmlformats.org/drawingml/2006/main" xmlns:r="http://schemas.openxmlformats.org/officeDocument/2006/relationships" xmlns:p="http://schemas.openxmlformats.org/presentationml/2006/main">
+  <p:cSld>
+    <p:spTree>
+      <p:nvGrpSpPr>
+        <p:cNvPr id="1" name=""/>
+        <p:cNvGrpSpPr/>
+        <p:nvPr/>
+      </p:nvGrpSpPr>
+      <p:grpSpPr>
+        <a:xfrm>
+          <a:off x="0" y="0"/>
+          <a:ext cx="0" cy="0"/>
+          <a:chOff x="0" y="0"/>
+          <a:chExt cx="0" cy="0"/>
+        </a:xfrm>
+      </p:grpSpPr>
+      <p:sp>
+        <p:nvSpPr>
+          <p:cNvPr id="4" name="Title 3">
+            <a:extLst>
+              <a:ext uri="{FF2B5EF4-FFF2-40B4-BE49-F238E27FC236}">
+                <a16:creationId xmlns:a16="http://schemas.microsoft.com/office/drawing/2014/main" id="{B8E1AA29-01DE-9CBD-3C97-E32587C7EF19}"/>
+              </a:ext>
+            </a:extLst>
+          </p:cNvPr>
+          <p:cNvSpPr>
+            <a:spLocks noGrp="1"/>
+          </p:cNvSpPr>
+          <p:nvPr>
+            <p:ph type="title"/>
+          </p:nvPr>
+        </p:nvSpPr>
+        <p:spPr/>
+        <p:txBody>
+          <a:bodyPr/>
+          <a:lstStyle/>
+          <a:p>
+            <a:r>
+              <a:rPr lang="en-US" dirty="0"/>
+              <a:t>Phone Dialer App?</a:t>
+            </a:r>
+          </a:p>
+        </p:txBody>
+      </p:sp>
+      <p:sp>
+        <p:nvSpPr>
+          <p:cNvPr id="5" name="Text Placeholder 4">
+            <a:extLst>
+              <a:ext uri="{FF2B5EF4-FFF2-40B4-BE49-F238E27FC236}">
+                <a16:creationId xmlns:a16="http://schemas.microsoft.com/office/drawing/2014/main" id="{7C748658-C1FA-0E07-4439-328FE2A6EFC7}"/>
+              </a:ext>
+            </a:extLst>
+          </p:cNvPr>
+          <p:cNvSpPr>
+            <a:spLocks noGrp="1"/>
+          </p:cNvSpPr>
+          <p:nvPr>
+            <p:ph type="body" idx="1"/>
+          </p:nvPr>
+        </p:nvSpPr>
+        <p:spPr/>
+        <p:txBody>
+          <a:bodyPr/>
+          <a:lstStyle/>
+          <a:p>
+            <a:endParaRPr lang="en-US"/>
+          </a:p>
+        </p:txBody>
+      </p:sp>
+    </p:spTree>
+    <p:extLst>
+      <p:ext uri="{BB962C8B-B14F-4D97-AF65-F5344CB8AC3E}">
+        <p14:creationId xmlns:p14="http://schemas.microsoft.com/office/powerpoint/2010/main" val="1288205896"/>
+      </p:ext>
+    </p:extLst>
+  </p:cSld>
+  <p:clrMapOvr>
+    <a:masterClrMapping/>
+  </p:clrMapOvr>
+</p:sld>
+</file>
+
+<file path=ppt/slides/slide20.xml><?xml version="1.0" encoding="utf-8"?>
+<p:sld xmlns:a="http://schemas.openxmlformats.org/drawingml/2006/main" xmlns:r="http://schemas.openxmlformats.org/officeDocument/2006/relationships" xmlns:p="http://schemas.openxmlformats.org/presentationml/2006/main">
+  <p:cSld>
+    <p:spTree>
+      <p:nvGrpSpPr>
+        <p:cNvPr id="1" name=""/>
+        <p:cNvGrpSpPr/>
+        <p:nvPr/>
+      </p:nvGrpSpPr>
+      <p:grpSpPr>
+        <a:xfrm>
+          <a:off x="0" y="0"/>
+          <a:ext cx="0" cy="0"/>
+          <a:chOff x="0" y="0"/>
+          <a:chExt cx="0" cy="0"/>
+        </a:xfrm>
+      </p:grpSpPr>
+      <p:sp>
+        <p:nvSpPr>
+          <p:cNvPr id="4" name="Title 3">
+            <a:extLst>
+              <a:ext uri="{FF2B5EF4-FFF2-40B4-BE49-F238E27FC236}">
+                <a16:creationId xmlns:a16="http://schemas.microsoft.com/office/drawing/2014/main" id="{EA6A5203-A9FD-66C1-E0A2-9F6CA7F4B282}"/>
+              </a:ext>
+            </a:extLst>
+          </p:cNvPr>
+          <p:cNvSpPr>
+            <a:spLocks noGrp="1"/>
+          </p:cNvSpPr>
+          <p:nvPr>
+            <p:ph type="title"/>
+          </p:nvPr>
+        </p:nvSpPr>
+        <p:spPr/>
+        <p:txBody>
+          <a:bodyPr/>
+          <a:lstStyle/>
+          <a:p>
+            <a:r>
+              <a:rPr lang="en-GB" dirty="0" err="1">
+                <a:solidFill>
+                  <a:schemeClr val="accent2"/>
+                </a:solidFill>
+              </a:rPr>
+              <a:t>smart_dial_table</a:t>
+            </a:r>
+            <a:endParaRPr lang="en-US" dirty="0">
+              <a:solidFill>
+                <a:schemeClr val="accent2"/>
+              </a:solidFill>
+            </a:endParaRPr>
+          </a:p>
+        </p:txBody>
+      </p:sp>
+      <p:sp>
+        <p:nvSpPr>
+          <p:cNvPr id="7" name="Content Placeholder 6">
+            <a:extLst>
+              <a:ext uri="{FF2B5EF4-FFF2-40B4-BE49-F238E27FC236}">
+                <a16:creationId xmlns:a16="http://schemas.microsoft.com/office/drawing/2014/main" id="{4762B4CC-C8A3-E596-5B4C-B8E7DDAF1B29}"/>
+              </a:ext>
+            </a:extLst>
+          </p:cNvPr>
+          <p:cNvSpPr>
+            <a:spLocks noGrp="1"/>
+          </p:cNvSpPr>
+          <p:nvPr>
+            <p:ph idx="1"/>
+          </p:nvPr>
+        </p:nvSpPr>
+        <p:spPr>
+          <a:xfrm>
+            <a:off x="4892431" y="1825625"/>
+            <a:ext cx="6461369" cy="4351338"/>
+          </a:xfrm>
+        </p:spPr>
+        <p:txBody>
+          <a:bodyPr>
+            <a:normAutofit fontScale="92500"/>
+          </a:bodyPr>
+          <a:lstStyle/>
+          <a:p>
+            <a:r>
+              <a:rPr lang="en-GB" dirty="0"/>
+              <a:t>"smart dial" functionality</a:t>
+            </a:r>
+          </a:p>
+          <a:p>
+            <a:pPr lvl="1"/>
+            <a:r>
+              <a:rPr lang="en-GB" dirty="0"/>
+              <a:t> Allows users to quickly find contacts by typing a portion of a name or number, with the app suggesting matches as they type.</a:t>
+            </a:r>
+          </a:p>
+          <a:p>
+            <a:r>
+              <a:rPr lang="en-GB" dirty="0"/>
+              <a:t>Provides detailed information about frequently </a:t>
+            </a:r>
+            <a:r>
+              <a:rPr lang="en-GB" dirty="0" err="1"/>
+              <a:t>dialed</a:t>
+            </a:r>
+            <a:r>
+              <a:rPr lang="en-GB" dirty="0"/>
+              <a:t> or interacted-with contacts</a:t>
+            </a:r>
+          </a:p>
+          <a:p>
+            <a:pPr lvl="1"/>
+            <a:r>
+              <a:rPr lang="en-GB" dirty="0"/>
+              <a:t>including usage patterns (</a:t>
+            </a:r>
+            <a:r>
+              <a:rPr lang="en-GB" dirty="0" err="1">
+                <a:solidFill>
+                  <a:srgbClr val="7030A0"/>
+                </a:solidFill>
+              </a:rPr>
+              <a:t>last_time_used</a:t>
+            </a:r>
+            <a:r>
+              <a:rPr lang="en-GB" dirty="0"/>
+              <a:t>, </a:t>
+            </a:r>
+            <a:r>
+              <a:rPr lang="en-GB" dirty="0" err="1">
+                <a:solidFill>
+                  <a:srgbClr val="7030A0"/>
+                </a:solidFill>
+              </a:rPr>
+              <a:t>times_used</a:t>
+            </a:r>
+            <a:r>
+              <a:rPr lang="en-GB" dirty="0"/>
+              <a:t>). </a:t>
+            </a:r>
+          </a:p>
+          <a:p>
+            <a:pPr lvl="1"/>
+            <a:r>
+              <a:rPr lang="en-GB" dirty="0" err="1">
+                <a:solidFill>
+                  <a:srgbClr val="7030A0"/>
+                </a:solidFill>
+              </a:rPr>
+              <a:t>contact_id</a:t>
+            </a:r>
+            <a:r>
+              <a:rPr lang="en-GB" dirty="0">
+                <a:solidFill>
+                  <a:srgbClr val="7030A0"/>
+                </a:solidFill>
+              </a:rPr>
+              <a:t> </a:t>
+            </a:r>
+            <a:r>
+              <a:rPr lang="en-GB" dirty="0"/>
+              <a:t>and </a:t>
+            </a:r>
+            <a:r>
+              <a:rPr lang="en-GB" dirty="0" err="1">
+                <a:solidFill>
+                  <a:srgbClr val="7030A0"/>
+                </a:solidFill>
+              </a:rPr>
+              <a:t>lookup_key</a:t>
+            </a:r>
+            <a:r>
+              <a:rPr lang="en-GB" dirty="0">
+                <a:solidFill>
+                  <a:srgbClr val="7030A0"/>
+                </a:solidFill>
+              </a:rPr>
+              <a:t> </a:t>
+            </a:r>
+            <a:r>
+              <a:rPr lang="en-GB" dirty="0"/>
+              <a:t>can link to the Android Contacts database, </a:t>
+            </a:r>
+          </a:p>
+          <a:p>
+            <a:pPr lvl="1"/>
+            <a:r>
+              <a:rPr lang="en-GB" dirty="0">
+                <a:solidFill>
+                  <a:srgbClr val="7030A0"/>
+                </a:solidFill>
+              </a:rPr>
+              <a:t>starred</a:t>
+            </a:r>
+            <a:r>
+              <a:rPr lang="en-GB" dirty="0"/>
+              <a:t> or </a:t>
+            </a:r>
+            <a:r>
+              <a:rPr lang="en-GB" dirty="0" err="1">
+                <a:solidFill>
+                  <a:srgbClr val="7030A0"/>
+                </a:solidFill>
+              </a:rPr>
+              <a:t>is_primary</a:t>
+            </a:r>
+            <a:r>
+              <a:rPr lang="en-GB" dirty="0">
+                <a:solidFill>
+                  <a:srgbClr val="7030A0"/>
+                </a:solidFill>
+              </a:rPr>
+              <a:t> </a:t>
+            </a:r>
+            <a:r>
+              <a:rPr lang="en-GB" dirty="0"/>
+              <a:t>can indicate important contacts.</a:t>
+            </a:r>
+            <a:endParaRPr lang="en-US" dirty="0"/>
+          </a:p>
+        </p:txBody>
+      </p:sp>
+      <p:pic>
+        <p:nvPicPr>
+          <p:cNvPr id="6" name="Picture 5">
+            <a:extLst>
+              <a:ext uri="{FF2B5EF4-FFF2-40B4-BE49-F238E27FC236}">
+                <a16:creationId xmlns:a16="http://schemas.microsoft.com/office/drawing/2014/main" id="{B9BA693B-F3DC-A556-CB54-147E0A523A35}"/>
+              </a:ext>
+            </a:extLst>
+          </p:cNvPr>
+          <p:cNvPicPr>
+            <a:picLocks noChangeAspect="1"/>
+          </p:cNvPicPr>
+          <p:nvPr/>
+        </p:nvPicPr>
+        <p:blipFill>
+          <a:blip r:embed="rId2"/>
+          <a:srcRect r="31944"/>
+          <a:stretch/>
+        </p:blipFill>
+        <p:spPr>
+          <a:xfrm>
+            <a:off x="1254556" y="2538214"/>
+            <a:ext cx="3009261" cy="2603237"/>
+          </a:xfrm>
+          <a:prstGeom prst="rect">
+            <a:avLst/>
+          </a:prstGeom>
+        </p:spPr>
+      </p:pic>
+      <p:cxnSp>
+        <p:nvCxnSpPr>
+          <p:cNvPr id="9" name="Straight Arrow Connector 8">
+            <a:extLst>
+              <a:ext uri="{FF2B5EF4-FFF2-40B4-BE49-F238E27FC236}">
+                <a16:creationId xmlns:a16="http://schemas.microsoft.com/office/drawing/2014/main" id="{B6E557D2-59A7-FF7E-26F6-0E9D10A3AB09}"/>
+              </a:ext>
+            </a:extLst>
+          </p:cNvPr>
+          <p:cNvCxnSpPr/>
+          <p:nvPr/>
+        </p:nvCxnSpPr>
+        <p:spPr>
+          <a:xfrm flipH="1">
+            <a:off x="3575957" y="2114451"/>
+            <a:ext cx="1690007" cy="2351413"/>
+          </a:xfrm>
+          <a:prstGeom prst="straightConnector1">
+            <a:avLst/>
+          </a:prstGeom>
+          <a:ln>
+            <a:tailEnd type="triangle"/>
+          </a:ln>
+        </p:spPr>
+        <p:style>
+          <a:lnRef idx="1">
+            <a:schemeClr val="accent2"/>
+          </a:lnRef>
+          <a:fillRef idx="0">
+            <a:schemeClr val="accent2"/>
+          </a:fillRef>
+          <a:effectRef idx="0">
+            <a:schemeClr val="accent2"/>
+          </a:effectRef>
+          <a:fontRef idx="minor">
+            <a:schemeClr val="tx1"/>
+          </a:fontRef>
+        </p:style>
+      </p:cxnSp>
+    </p:spTree>
+    <p:extLst>
+      <p:ext uri="{BB962C8B-B14F-4D97-AF65-F5344CB8AC3E}">
+        <p14:creationId xmlns:p14="http://schemas.microsoft.com/office/powerpoint/2010/main" val="250569170"/>
+      </p:ext>
+    </p:extLst>
+  </p:cSld>
+  <p:clrMapOvr>
+    <a:masterClrMapping/>
+  </p:clrMapOvr>
+</p:sld>
+</file>
+
+<file path=ppt/slides/slide21.xml><?xml version="1.0" encoding="utf-8"?>
+<p:sld xmlns:a="http://schemas.openxmlformats.org/drawingml/2006/main" xmlns:r="http://schemas.openxmlformats.org/officeDocument/2006/relationships" xmlns:p="http://schemas.openxmlformats.org/presentationml/2006/main">
+  <p:cSld>
+    <p:spTree>
+      <p:nvGrpSpPr>
+        <p:cNvPr id="1" name=""/>
+        <p:cNvGrpSpPr/>
+        <p:nvPr/>
+      </p:nvGrpSpPr>
+      <p:grpSpPr>
+        <a:xfrm>
+          <a:off x="0" y="0"/>
+          <a:ext cx="0" cy="0"/>
+          <a:chOff x="0" y="0"/>
+          <a:chExt cx="0" cy="0"/>
+        </a:xfrm>
+      </p:grpSpPr>
+      <p:pic>
+        <p:nvPicPr>
+          <p:cNvPr id="5" name="Picture 4">
+            <a:extLst>
+              <a:ext uri="{FF2B5EF4-FFF2-40B4-BE49-F238E27FC236}">
+                <a16:creationId xmlns:a16="http://schemas.microsoft.com/office/drawing/2014/main" id="{40B1DCDE-C125-2F8A-8A40-14DE7D76BABB}"/>
+              </a:ext>
+            </a:extLst>
+          </p:cNvPr>
+          <p:cNvPicPr>
+            <a:picLocks noChangeAspect="1"/>
+          </p:cNvPicPr>
+          <p:nvPr/>
+        </p:nvPicPr>
+        <p:blipFill>
+          <a:blip r:embed="rId2"/>
+          <a:stretch>
+            <a:fillRect/>
+          </a:stretch>
+        </p:blipFill>
+        <p:spPr>
+          <a:xfrm>
+            <a:off x="766024" y="1842899"/>
+            <a:ext cx="10198611" cy="1607613"/>
+          </a:xfrm>
+          <a:prstGeom prst="rect">
+            <a:avLst/>
+          </a:prstGeom>
+        </p:spPr>
+      </p:pic>
+      <p:pic>
+        <p:nvPicPr>
+          <p:cNvPr id="7" name="Picture 6">
+            <a:extLst>
+              <a:ext uri="{FF2B5EF4-FFF2-40B4-BE49-F238E27FC236}">
+                <a16:creationId xmlns:a16="http://schemas.microsoft.com/office/drawing/2014/main" id="{1581DD33-245D-3949-4A5D-34BD40E20D8A}"/>
+              </a:ext>
+            </a:extLst>
+          </p:cNvPr>
+          <p:cNvPicPr>
+            <a:picLocks noChangeAspect="1"/>
+          </p:cNvPicPr>
+          <p:nvPr/>
+        </p:nvPicPr>
+        <p:blipFill>
+          <a:blip r:embed="rId3"/>
+          <a:stretch>
+            <a:fillRect/>
+          </a:stretch>
+        </p:blipFill>
+        <p:spPr>
+          <a:xfrm>
+            <a:off x="766024" y="4178121"/>
+            <a:ext cx="7128840" cy="1464703"/>
+          </a:xfrm>
+          <a:prstGeom prst="rect">
+            <a:avLst/>
+          </a:prstGeom>
+        </p:spPr>
+      </p:pic>
+      <p:sp>
+        <p:nvSpPr>
+          <p:cNvPr id="8" name="TextBox 7">
+            <a:extLst>
+              <a:ext uri="{FF2B5EF4-FFF2-40B4-BE49-F238E27FC236}">
+                <a16:creationId xmlns:a16="http://schemas.microsoft.com/office/drawing/2014/main" id="{0ACA8700-8A72-F9B0-199D-8DB49D896527}"/>
+              </a:ext>
+            </a:extLst>
+          </p:cNvPr>
+          <p:cNvSpPr txBox="1"/>
+          <p:nvPr/>
+        </p:nvSpPr>
+        <p:spPr>
+          <a:xfrm>
+            <a:off x="766024" y="1445079"/>
+            <a:ext cx="3073662" cy="369332"/>
+          </a:xfrm>
+          <a:prstGeom prst="rect">
+            <a:avLst/>
+          </a:prstGeom>
+          <a:solidFill>
+            <a:schemeClr val="accent4">
+              <a:lumMod val="20000"/>
+              <a:lumOff val="80000"/>
+            </a:schemeClr>
+          </a:solidFill>
+        </p:spPr>
+        <p:txBody>
+          <a:bodyPr wrap="none" rtlCol="0">
+            <a:spAutoFit/>
+          </a:bodyPr>
+          <a:lstStyle/>
+          <a:p>
+            <a:r>
+              <a:rPr lang="en-US" dirty="0"/>
+              <a:t>Two phone numbers are found</a:t>
+            </a:r>
+          </a:p>
+        </p:txBody>
+      </p:sp>
+    </p:spTree>
+    <p:extLst>
+      <p:ext uri="{BB962C8B-B14F-4D97-AF65-F5344CB8AC3E}">
+        <p14:creationId xmlns:p14="http://schemas.microsoft.com/office/powerpoint/2010/main" val="1161210120"/>
+      </p:ext>
+    </p:extLst>
+  </p:cSld>
+  <p:clrMapOvr>
+    <a:masterClrMapping/>
+  </p:clrMapOvr>
+</p:sld>
+</file>
+
+<file path=ppt/slides/slide22.xml><?xml version="1.0" encoding="utf-8"?>
+<p:sld xmlns:a="http://schemas.openxmlformats.org/drawingml/2006/main" xmlns:r="http://schemas.openxmlformats.org/officeDocument/2006/relationships" xmlns:p="http://schemas.openxmlformats.org/presentationml/2006/main">
+  <p:cSld>
+    <p:spTree>
+      <p:nvGrpSpPr>
+        <p:cNvPr id="1" name="">
+          <a:extLst>
+            <a:ext uri="{FF2B5EF4-FFF2-40B4-BE49-F238E27FC236}">
+              <a16:creationId xmlns:a16="http://schemas.microsoft.com/office/drawing/2014/main" id="{AC639AD6-79CA-975C-4B64-42C012F7F501}"/>
+            </a:ext>
+          </a:extLst>
+        </p:cNvPr>
+        <p:cNvGrpSpPr/>
+        <p:nvPr/>
+      </p:nvGrpSpPr>
+      <p:grpSpPr>
+        <a:xfrm>
+          <a:off x="0" y="0"/>
+          <a:ext cx="0" cy="0"/>
+          <a:chOff x="0" y="0"/>
+          <a:chExt cx="0" cy="0"/>
+        </a:xfrm>
+      </p:grpSpPr>
+      <p:sp>
+        <p:nvSpPr>
+          <p:cNvPr id="4" name="Title 3">
+            <a:extLst>
+              <a:ext uri="{FF2B5EF4-FFF2-40B4-BE49-F238E27FC236}">
+                <a16:creationId xmlns:a16="http://schemas.microsoft.com/office/drawing/2014/main" id="{8944D7BE-74C7-672C-4626-FC538C968F4D}"/>
+              </a:ext>
+            </a:extLst>
+          </p:cNvPr>
+          <p:cNvSpPr>
+            <a:spLocks noGrp="1"/>
+          </p:cNvSpPr>
+          <p:nvPr>
+            <p:ph type="title"/>
+          </p:nvPr>
+        </p:nvSpPr>
+        <p:spPr/>
+        <p:txBody>
+          <a:bodyPr/>
+          <a:lstStyle/>
+          <a:p>
+            <a:r>
+              <a:rPr lang="en-GB" dirty="0" err="1">
+                <a:solidFill>
+                  <a:schemeClr val="accent2"/>
+                </a:solidFill>
+              </a:rPr>
+              <a:t>suggest_contact_database</a:t>
+            </a:r>
+            <a:endParaRPr lang="en-US" dirty="0">
+              <a:solidFill>
+                <a:schemeClr val="accent2"/>
+              </a:solidFill>
+            </a:endParaRPr>
+          </a:p>
+        </p:txBody>
+      </p:sp>
+      <p:sp>
+        <p:nvSpPr>
+          <p:cNvPr id="5" name="Text Placeholder 4">
+            <a:extLst>
+              <a:ext uri="{FF2B5EF4-FFF2-40B4-BE49-F238E27FC236}">
+                <a16:creationId xmlns:a16="http://schemas.microsoft.com/office/drawing/2014/main" id="{B279052C-81E2-5E43-C497-D2439A284950}"/>
+              </a:ext>
+            </a:extLst>
+          </p:cNvPr>
+          <p:cNvSpPr>
+            <a:spLocks noGrp="1"/>
+          </p:cNvSpPr>
+          <p:nvPr>
+            <p:ph type="body" idx="1"/>
+          </p:nvPr>
+        </p:nvSpPr>
+        <p:spPr/>
+        <p:txBody>
+          <a:bodyPr/>
+          <a:lstStyle/>
+          <a:p>
+            <a:endParaRPr lang="en-US"/>
+          </a:p>
+        </p:txBody>
+      </p:sp>
+    </p:spTree>
+    <p:extLst>
+      <p:ext uri="{BB962C8B-B14F-4D97-AF65-F5344CB8AC3E}">
+        <p14:creationId xmlns:p14="http://schemas.microsoft.com/office/powerpoint/2010/main" val="4258047189"/>
+      </p:ext>
+    </p:extLst>
+  </p:cSld>
+  <p:clrMapOvr>
+    <a:masterClrMapping/>
+  </p:clrMapOvr>
+</p:sld>
+</file>
+
+<file path=ppt/slides/slide23.xml><?xml version="1.0" encoding="utf-8"?>
 <p:sld xmlns:a="http://schemas.openxmlformats.org/drawingml/2006/main" xmlns:r="http://schemas.openxmlformats.org/officeDocument/2006/relationships" xmlns:p="http://schemas.openxmlformats.org/presentationml/2006/main">
   <p:cSld>
     <p:spTree>
@@ -13600,22 +15080,6 @@
             <a:r>
               <a:rPr lang="en-GB" dirty="0" err="1"/>
               <a:t>dialing</a:t>
-            </a:r>
-            <a:r>
-              <a:rPr lang="en-GB" dirty="0"/>
-              <a:t> (</a:t>
-            </a:r>
-            <a:r>
-              <a:rPr lang="en-GB" dirty="0" err="1">
-                <a:solidFill>
-                  <a:srgbClr val="7030A0"/>
-                </a:solidFill>
-              </a:rPr>
-              <a:t>suggest_contact_database</a:t>
-            </a:r>
-            <a:r>
-              <a:rPr lang="en-GB" dirty="0"/>
-              <a:t>)</a:t>
             </a:r>
             <a:endParaRPr lang="en-US" dirty="0"/>
           </a:p>
@@ -13698,7 +15162,7 @@
 </p:sld>
 </file>
 
-<file path=ppt/slides/slide17.xml><?xml version="1.0" encoding="utf-8"?>
+<file path=ppt/slides/slide24.xml><?xml version="1.0" encoding="utf-8"?>
 <p:sld xmlns:a="http://schemas.openxmlformats.org/drawingml/2006/main" xmlns:r="http://schemas.openxmlformats.org/officeDocument/2006/relationships" xmlns:p="http://schemas.openxmlformats.org/presentationml/2006/main">
   <p:cSld>
     <p:spTree>
@@ -13918,7 +15382,105 @@
 </p:sld>
 </file>
 
-<file path=ppt/slides/slide18.xml><?xml version="1.0" encoding="utf-8"?>
+<file path=ppt/slides/slide25.xml><?xml version="1.0" encoding="utf-8"?>
+<p:sld xmlns:a="http://schemas.openxmlformats.org/drawingml/2006/main" xmlns:r="http://schemas.openxmlformats.org/officeDocument/2006/relationships" xmlns:p="http://schemas.openxmlformats.org/presentationml/2006/main">
+  <p:cSld>
+    <p:spTree>
+      <p:nvGrpSpPr>
+        <p:cNvPr id="1" name="">
+          <a:extLst>
+            <a:ext uri="{FF2B5EF4-FFF2-40B4-BE49-F238E27FC236}">
+              <a16:creationId xmlns:a16="http://schemas.microsoft.com/office/drawing/2014/main" id="{588C4349-1A02-A652-56D8-30719EE83552}"/>
+            </a:ext>
+          </a:extLst>
+        </p:cNvPr>
+        <p:cNvGrpSpPr/>
+        <p:nvPr/>
+      </p:nvGrpSpPr>
+      <p:grpSpPr>
+        <a:xfrm>
+          <a:off x="0" y="0"/>
+          <a:ext cx="0" cy="0"/>
+          <a:chOff x="0" y="0"/>
+          <a:chExt cx="0" cy="0"/>
+        </a:xfrm>
+      </p:grpSpPr>
+      <p:sp>
+        <p:nvSpPr>
+          <p:cNvPr id="4" name="Title 3">
+            <a:extLst>
+              <a:ext uri="{FF2B5EF4-FFF2-40B4-BE49-F238E27FC236}">
+                <a16:creationId xmlns:a16="http://schemas.microsoft.com/office/drawing/2014/main" id="{55CE59F5-A742-EE5F-5490-F4587F362538}"/>
+              </a:ext>
+            </a:extLst>
+          </p:cNvPr>
+          <p:cNvSpPr>
+            <a:spLocks noGrp="1"/>
+          </p:cNvSpPr>
+          <p:nvPr>
+            <p:ph type="title"/>
+          </p:nvPr>
+        </p:nvSpPr>
+        <p:spPr/>
+        <p:txBody>
+          <a:bodyPr/>
+          <a:lstStyle/>
+          <a:p>
+            <a:r>
+              <a:rPr lang="en-GB" dirty="0" err="1">
+                <a:solidFill>
+                  <a:schemeClr val="accent2"/>
+                </a:solidFill>
+              </a:rPr>
+              <a:t>phone_lookup_history.db</a:t>
+            </a:r>
+            <a:endParaRPr lang="en-US" dirty="0">
+              <a:solidFill>
+                <a:schemeClr val="accent2"/>
+              </a:solidFill>
+            </a:endParaRPr>
+          </a:p>
+        </p:txBody>
+      </p:sp>
+      <p:sp>
+        <p:nvSpPr>
+          <p:cNvPr id="5" name="Text Placeholder 4">
+            <a:extLst>
+              <a:ext uri="{FF2B5EF4-FFF2-40B4-BE49-F238E27FC236}">
+                <a16:creationId xmlns:a16="http://schemas.microsoft.com/office/drawing/2014/main" id="{91E7905B-03BD-B5A7-8ACD-0D67691A6725}"/>
+              </a:ext>
+            </a:extLst>
+          </p:cNvPr>
+          <p:cNvSpPr>
+            <a:spLocks noGrp="1"/>
+          </p:cNvSpPr>
+          <p:nvPr>
+            <p:ph type="body" idx="1"/>
+          </p:nvPr>
+        </p:nvSpPr>
+        <p:spPr/>
+        <p:txBody>
+          <a:bodyPr/>
+          <a:lstStyle/>
+          <a:p>
+            <a:endParaRPr lang="en-US"/>
+          </a:p>
+        </p:txBody>
+      </p:sp>
+    </p:spTree>
+    <p:extLst>
+      <p:ext uri="{BB962C8B-B14F-4D97-AF65-F5344CB8AC3E}">
+        <p14:creationId xmlns:p14="http://schemas.microsoft.com/office/powerpoint/2010/main" val="901885364"/>
+      </p:ext>
+    </p:extLst>
+  </p:cSld>
+  <p:clrMapOvr>
+    <a:masterClrMapping/>
+  </p:clrMapOvr>
+</p:sld>
+</file>
+
+<file path=ppt/slides/slide26.xml><?xml version="1.0" encoding="utf-8"?>
 <p:sld xmlns:a="http://schemas.openxmlformats.org/drawingml/2006/main" xmlns:r="http://schemas.openxmlformats.org/officeDocument/2006/relationships" xmlns:p="http://schemas.openxmlformats.org/presentationml/2006/main">
   <p:cSld>
     <p:spTree>
@@ -13958,15 +15520,7 @@
           <a:p>
             <a:r>
               <a:rPr lang="en-US" dirty="0"/>
-              <a:t>List phone lookup (</a:t>
-            </a:r>
-            <a:r>
-              <a:rPr lang="en-GB" dirty="0"/>
-              <a:t>caller ID</a:t>
-            </a:r>
-            <a:r>
-              <a:rPr lang="en-US" dirty="0"/>
-              <a:t>) history</a:t>
+              <a:t>What is the phone lookup function?</a:t>
             </a:r>
           </a:p>
         </p:txBody>
@@ -13995,41 +15549,26 @@
         </p:spPr>
         <p:txBody>
           <a:bodyPr>
-            <a:normAutofit fontScale="85000" lnSpcReduction="10000"/>
+            <a:normAutofit fontScale="92500"/>
           </a:bodyPr>
           <a:lstStyle/>
           <a:p>
             <a:r>
               <a:rPr lang="en-GB" dirty="0"/>
-              <a:t>When the Google </a:t>
-            </a:r>
-            <a:r>
-              <a:rPr lang="en-GB" dirty="0" err="1"/>
-              <a:t>Dialer</a:t>
-            </a:r>
+              <a:t>Identify the caller (caller ID)</a:t>
+            </a:r>
+          </a:p>
+          <a:p>
+            <a:pPr lvl="1"/>
             <a:r>
               <a:rPr lang="en-GB" dirty="0"/>
-              <a:t> app performs a caller ID lookup</a:t>
-            </a:r>
-          </a:p>
-          <a:p>
-            <a:pPr lvl="1"/>
+              <a:t>It needs to query Google’s servers or another external database </a:t>
+            </a:r>
+          </a:p>
+          <a:p>
             <a:r>
               <a:rPr lang="en-GB" dirty="0"/>
-              <a:t>it may query Google’s servers or another external database to identify the caller. </a:t>
-            </a:r>
-          </a:p>
-          <a:p>
-            <a:pPr lvl="1"/>
-            <a:r>
-              <a:rPr lang="en-GB" dirty="0"/>
-              <a:t>done either manually by the user or automatically for caller ID</a:t>
-            </a:r>
-          </a:p>
-          <a:p>
-            <a:r>
-              <a:rPr lang="en-GB" dirty="0"/>
-              <a:t>Storing these results locally in </a:t>
+              <a:t>Cached these results locally in </a:t>
             </a:r>
             <a:r>
               <a:rPr lang="en-GB" dirty="0" err="1">
@@ -14048,12 +15587,15 @@
           <a:p>
             <a:pPr lvl="1"/>
             <a:r>
-              <a:rPr lang="en-GB"/>
-              <a:t>allows </a:t>
-            </a:r>
-            <a:r>
               <a:rPr lang="en-GB" dirty="0"/>
-              <a:t>the app to quickly retrieve the same information if the same number calls again, reducing the need for repeated server queries and improving performance.</a:t>
+              <a:t> Allows the app to quickly retrieve the same information if the same number calls again</a:t>
+            </a:r>
+          </a:p>
+          <a:p>
+            <a:pPr lvl="1"/>
+            <a:r>
+              <a:rPr lang="en-GB" dirty="0"/>
+              <a:t> Reducing the need for repeated server queries and improving performance.</a:t>
             </a:r>
             <a:endParaRPr lang="en-US" dirty="0"/>
           </a:p>
@@ -14102,7 +15644,7 @@
 </p:sld>
 </file>
 
-<file path=ppt/slides/slide19.xml><?xml version="1.0" encoding="utf-8"?>
+<file path=ppt/slides/slide27.xml><?xml version="1.0" encoding="utf-8"?>
 <p:sld xmlns:a="http://schemas.openxmlformats.org/drawingml/2006/main" xmlns:r="http://schemas.openxmlformats.org/officeDocument/2006/relationships" xmlns:p="http://schemas.openxmlformats.org/presentationml/2006/main">
   <p:cSld>
     <p:spTree>
@@ -14314,12 +15856,18 @@
 </p:sld>
 </file>
 
-<file path=ppt/slides/slide2.xml><?xml version="1.0" encoding="utf-8"?>
+<file path=ppt/slides/slide28.xml><?xml version="1.0" encoding="utf-8"?>
 <p:sld xmlns:a="http://schemas.openxmlformats.org/drawingml/2006/main" xmlns:r="http://schemas.openxmlformats.org/officeDocument/2006/relationships" xmlns:p="http://schemas.openxmlformats.org/presentationml/2006/main">
   <p:cSld>
     <p:spTree>
       <p:nvGrpSpPr>
-        <p:cNvPr id="1" name=""/>
+        <p:cNvPr id="1" name="">
+          <a:extLst>
+            <a:ext uri="{FF2B5EF4-FFF2-40B4-BE49-F238E27FC236}">
+              <a16:creationId xmlns:a16="http://schemas.microsoft.com/office/drawing/2014/main" id="{55665620-7871-5B67-797F-4D7F6F6433A0}"/>
+            </a:ext>
+          </a:extLst>
+        </p:cNvPr>
         <p:cNvGrpSpPr/>
         <p:nvPr/>
       </p:nvGrpSpPr>
@@ -14336,7 +15884,7 @@
           <p:cNvPr id="4" name="Title 3">
             <a:extLst>
               <a:ext uri="{FF2B5EF4-FFF2-40B4-BE49-F238E27FC236}">
-                <a16:creationId xmlns:a16="http://schemas.microsoft.com/office/drawing/2014/main" id="{C56E7611-8511-43F9-B6DC-680747335AF4}"/>
+                <a16:creationId xmlns:a16="http://schemas.microsoft.com/office/drawing/2014/main" id="{84C29BEA-A4BA-50A6-F384-78E18FAC007D}"/>
               </a:ext>
             </a:extLst>
           </p:cNvPr>
@@ -14349,163 +15897,54 @@
         </p:nvSpPr>
         <p:spPr/>
         <p:txBody>
-          <a:bodyPr>
-            <a:normAutofit/>
-          </a:bodyPr>
+          <a:bodyPr/>
           <a:lstStyle/>
           <a:p>
             <a:r>
-              <a:rPr lang="en-GB" dirty="0"/>
-              <a:t>Phone App by Google </a:t>
-            </a:r>
-            <a:r>
-              <a:rPr lang="en-US" sz="2800" i="1" dirty="0">
+              <a:rPr lang="en-GB" dirty="0" err="1">
                 <a:solidFill>
-                  <a:srgbClr val="7030A0"/>
+                  <a:schemeClr val="accent2"/>
                 </a:solidFill>
               </a:rPr>
-              <a:t>id=</a:t>
-            </a:r>
-            <a:r>
-              <a:rPr lang="en-US" sz="2800" i="1" dirty="0" err="1">
-                <a:solidFill>
-                  <a:srgbClr val="7030A0"/>
-                </a:solidFill>
-              </a:rPr>
-              <a:t>com.google.android.dialer</a:t>
-            </a:r>
-            <a:endParaRPr lang="en-US" i="1" dirty="0">
+              <a:t>voicemail.db</a:t>
+            </a:r>
+            <a:endParaRPr lang="en-US" dirty="0">
               <a:solidFill>
-                <a:srgbClr val="7030A0"/>
+                <a:schemeClr val="accent2"/>
               </a:solidFill>
             </a:endParaRPr>
           </a:p>
         </p:txBody>
       </p:sp>
-      <p:pic>
-        <p:nvPicPr>
-          <p:cNvPr id="8" name="Picture 7" descr="Graphical user interface, application&#10;&#10;Description automatically generated">
+      <p:sp>
+        <p:nvSpPr>
+          <p:cNvPr id="5" name="Text Placeholder 4">
             <a:extLst>
               <a:ext uri="{FF2B5EF4-FFF2-40B4-BE49-F238E27FC236}">
-                <a16:creationId xmlns:a16="http://schemas.microsoft.com/office/drawing/2014/main" id="{F7A71BE9-17B4-4AEA-A0D5-196DEE53A18D}"/>
+                <a16:creationId xmlns:a16="http://schemas.microsoft.com/office/drawing/2014/main" id="{0B18FC7F-0826-79A1-93FE-29328D546C25}"/>
               </a:ext>
             </a:extLst>
           </p:cNvPr>
-          <p:cNvPicPr>
-            <a:picLocks noChangeAspect="1"/>
-          </p:cNvPicPr>
-          <p:nvPr/>
-        </p:nvPicPr>
-        <p:blipFill>
-          <a:blip r:embed="rId2"/>
-          <a:stretch>
-            <a:fillRect/>
-          </a:stretch>
-        </p:blipFill>
-        <p:spPr>
-          <a:xfrm>
-            <a:off x="299129" y="1620077"/>
-            <a:ext cx="2580791" cy="4631635"/>
-          </a:xfrm>
-          <a:prstGeom prst="rect">
-            <a:avLst/>
-          </a:prstGeom>
-        </p:spPr>
-      </p:pic>
-      <p:pic>
-        <p:nvPicPr>
-          <p:cNvPr id="10" name="Picture 9" descr="Graphical user interface, application&#10;&#10;Description automatically generated">
-            <a:extLst>
-              <a:ext uri="{FF2B5EF4-FFF2-40B4-BE49-F238E27FC236}">
-                <a16:creationId xmlns:a16="http://schemas.microsoft.com/office/drawing/2014/main" id="{951823AA-25C4-458E-B5BB-50993074C44A}"/>
-              </a:ext>
-            </a:extLst>
-          </p:cNvPr>
-          <p:cNvPicPr>
-            <a:picLocks noChangeAspect="1"/>
-          </p:cNvPicPr>
-          <p:nvPr/>
-        </p:nvPicPr>
-        <p:blipFill>
-          <a:blip r:embed="rId3"/>
-          <a:stretch>
-            <a:fillRect/>
-          </a:stretch>
-        </p:blipFill>
-        <p:spPr>
-          <a:xfrm>
-            <a:off x="3081249" y="1620077"/>
-            <a:ext cx="2563984" cy="4552122"/>
-          </a:xfrm>
-          <a:prstGeom prst="rect">
-            <a:avLst/>
-          </a:prstGeom>
-        </p:spPr>
-      </p:pic>
-      <p:pic>
-        <p:nvPicPr>
-          <p:cNvPr id="13" name="Picture 12" descr="Graphical user interface, text, application, chat or text message&#10;&#10;Description automatically generated">
-            <a:extLst>
-              <a:ext uri="{FF2B5EF4-FFF2-40B4-BE49-F238E27FC236}">
-                <a16:creationId xmlns:a16="http://schemas.microsoft.com/office/drawing/2014/main" id="{7A649AC0-1747-4D88-9E55-C4C85B54A67C}"/>
-              </a:ext>
-            </a:extLst>
-          </p:cNvPr>
-          <p:cNvPicPr>
-            <a:picLocks noChangeAspect="1"/>
-          </p:cNvPicPr>
-          <p:nvPr/>
-        </p:nvPicPr>
-        <p:blipFill>
-          <a:blip r:embed="rId4"/>
-          <a:stretch>
-            <a:fillRect/>
-          </a:stretch>
-        </p:blipFill>
-        <p:spPr>
-          <a:xfrm>
-            <a:off x="5846562" y="1620077"/>
-            <a:ext cx="2597030" cy="4782827"/>
-          </a:xfrm>
-          <a:prstGeom prst="rect">
-            <a:avLst/>
-          </a:prstGeom>
-        </p:spPr>
-      </p:pic>
-      <p:pic>
-        <p:nvPicPr>
-          <p:cNvPr id="15" name="Picture 14" descr="Graphical user interface, text, application, chat or text message&#10;&#10;Description automatically generated">
-            <a:extLst>
-              <a:ext uri="{FF2B5EF4-FFF2-40B4-BE49-F238E27FC236}">
-                <a16:creationId xmlns:a16="http://schemas.microsoft.com/office/drawing/2014/main" id="{336CA6AB-D86A-48EC-8321-33CBF151ABC5}"/>
-              </a:ext>
-            </a:extLst>
-          </p:cNvPr>
-          <p:cNvPicPr>
-            <a:picLocks noChangeAspect="1"/>
-          </p:cNvPicPr>
-          <p:nvPr/>
-        </p:nvPicPr>
-        <p:blipFill>
-          <a:blip r:embed="rId5"/>
-          <a:stretch>
-            <a:fillRect/>
-          </a:stretch>
-        </p:blipFill>
-        <p:spPr>
-          <a:xfrm>
-            <a:off x="8857127" y="1620077"/>
-            <a:ext cx="2698002" cy="5128591"/>
-          </a:xfrm>
-          <a:prstGeom prst="rect">
-            <a:avLst/>
-          </a:prstGeom>
-        </p:spPr>
-      </p:pic>
+          <p:cNvSpPr>
+            <a:spLocks noGrp="1"/>
+          </p:cNvSpPr>
+          <p:nvPr>
+            <p:ph type="body" idx="1"/>
+          </p:nvPr>
+        </p:nvSpPr>
+        <p:spPr/>
+        <p:txBody>
+          <a:bodyPr/>
+          <a:lstStyle/>
+          <a:p>
+            <a:endParaRPr lang="en-US"/>
+          </a:p>
+        </p:txBody>
+      </p:sp>
     </p:spTree>
     <p:extLst>
       <p:ext uri="{BB962C8B-B14F-4D97-AF65-F5344CB8AC3E}">
-        <p14:creationId xmlns:p14="http://schemas.microsoft.com/office/powerpoint/2010/main" val="1798688075"/>
+        <p14:creationId xmlns:p14="http://schemas.microsoft.com/office/powerpoint/2010/main" val="2573116480"/>
       </p:ext>
     </p:extLst>
   </p:cSld>
@@ -14515,7 +15954,7 @@
 </p:sld>
 </file>
 
-<file path=ppt/slides/slide20.xml><?xml version="1.0" encoding="utf-8"?>
+<file path=ppt/slides/slide29.xml><?xml version="1.0" encoding="utf-8"?>
 <p:sld xmlns:a="http://schemas.openxmlformats.org/drawingml/2006/main" xmlns:r="http://schemas.openxmlformats.org/officeDocument/2006/relationships" xmlns:p="http://schemas.openxmlformats.org/presentationml/2006/main">
   <p:cSld>
     <p:spTree>
@@ -14638,7 +16077,149 @@
 </p:sld>
 </file>
 
-<file path=ppt/slides/slide21.xml><?xml version="1.0" encoding="utf-8"?>
+<file path=ppt/slides/slide3.xml><?xml version="1.0" encoding="utf-8"?>
+<p:sld xmlns:a="http://schemas.openxmlformats.org/drawingml/2006/main" xmlns:r="http://schemas.openxmlformats.org/officeDocument/2006/relationships" xmlns:p="http://schemas.openxmlformats.org/presentationml/2006/main">
+  <p:cSld>
+    <p:spTree>
+      <p:nvGrpSpPr>
+        <p:cNvPr id="1" name=""/>
+        <p:cNvGrpSpPr/>
+        <p:nvPr/>
+      </p:nvGrpSpPr>
+      <p:grpSpPr>
+        <a:xfrm>
+          <a:off x="0" y="0"/>
+          <a:ext cx="0" cy="0"/>
+          <a:chOff x="0" y="0"/>
+          <a:chExt cx="0" cy="0"/>
+        </a:xfrm>
+      </p:grpSpPr>
+      <p:sp>
+        <p:nvSpPr>
+          <p:cNvPr id="4" name="Title 3">
+            <a:extLst>
+              <a:ext uri="{FF2B5EF4-FFF2-40B4-BE49-F238E27FC236}">
+                <a16:creationId xmlns:a16="http://schemas.microsoft.com/office/drawing/2014/main" id="{9C393BBA-17D4-EA19-3412-C672C9C00DAF}"/>
+              </a:ext>
+            </a:extLst>
+          </p:cNvPr>
+          <p:cNvSpPr>
+            <a:spLocks noGrp="1"/>
+          </p:cNvSpPr>
+          <p:nvPr>
+            <p:ph type="title"/>
+          </p:nvPr>
+        </p:nvSpPr>
+        <p:spPr/>
+        <p:txBody>
+          <a:bodyPr/>
+          <a:lstStyle/>
+          <a:p>
+            <a:r>
+              <a:rPr lang="en-US" dirty="0"/>
+              <a:t>What is Phone Dialer App?</a:t>
+            </a:r>
+          </a:p>
+        </p:txBody>
+      </p:sp>
+      <p:sp>
+        <p:nvSpPr>
+          <p:cNvPr id="5" name="Content Placeholder 4">
+            <a:extLst>
+              <a:ext uri="{FF2B5EF4-FFF2-40B4-BE49-F238E27FC236}">
+                <a16:creationId xmlns:a16="http://schemas.microsoft.com/office/drawing/2014/main" id="{20DDCBC4-14FB-923A-366B-E476346C9C41}"/>
+              </a:ext>
+            </a:extLst>
+          </p:cNvPr>
+          <p:cNvSpPr>
+            <a:spLocks noGrp="1"/>
+          </p:cNvSpPr>
+          <p:nvPr>
+            <p:ph idx="1"/>
+          </p:nvPr>
+        </p:nvSpPr>
+        <p:spPr/>
+        <p:txBody>
+          <a:bodyPr>
+            <a:normAutofit/>
+          </a:bodyPr>
+          <a:lstStyle/>
+          <a:p>
+            <a:r>
+              <a:rPr lang="en-GB" dirty="0"/>
+              <a:t>It's the default phone app on many Android devices</a:t>
+            </a:r>
+          </a:p>
+          <a:p>
+            <a:pPr lvl="1"/>
+            <a:r>
+              <a:rPr lang="en-GB" dirty="0"/>
+              <a:t>especially Google Pixel phones and some other OEM devices running stock or near-stock Android. </a:t>
+            </a:r>
+          </a:p>
+          <a:p>
+            <a:pPr lvl="1"/>
+            <a:r>
+              <a:rPr lang="en-GB" dirty="0"/>
+              <a:t>can sometimes be downloaded from the Google Play Store on compatible devices.</a:t>
+            </a:r>
+            <a:endParaRPr lang="en-US" dirty="0"/>
+          </a:p>
+          <a:p>
+            <a:r>
+              <a:rPr lang="en-GB" b="1" dirty="0"/>
+              <a:t>Key features</a:t>
+            </a:r>
+            <a:r>
+              <a:rPr lang="en-GB" dirty="0"/>
+              <a:t>: handles phone calls, call history, contacts</a:t>
+            </a:r>
+          </a:p>
+          <a:p>
+            <a:r>
+              <a:rPr lang="en-GB" b="1" dirty="0"/>
+              <a:t>Other features</a:t>
+            </a:r>
+            <a:r>
+              <a:rPr lang="en-GB" dirty="0"/>
+              <a:t>: spam call filtering, visual voicemail, and call screening on supported devices. </a:t>
+            </a:r>
+          </a:p>
+          <a:p>
+            <a:r>
+              <a:rPr lang="en-GB" dirty="0"/>
+              <a:t>Package ID: </a:t>
+            </a:r>
+            <a:r>
+              <a:rPr lang="en-GB" dirty="0" err="1">
+                <a:solidFill>
+                  <a:schemeClr val="accent2"/>
+                </a:solidFill>
+              </a:rPr>
+              <a:t>com.google.android.dialer</a:t>
+            </a:r>
+            <a:endParaRPr lang="en-GB" dirty="0">
+              <a:solidFill>
+                <a:schemeClr val="accent2"/>
+              </a:solidFill>
+            </a:endParaRPr>
+          </a:p>
+        </p:txBody>
+      </p:sp>
+    </p:spTree>
+    <p:extLst>
+      <p:ext uri="{BB962C8B-B14F-4D97-AF65-F5344CB8AC3E}">
+        <p14:creationId xmlns:p14="http://schemas.microsoft.com/office/powerpoint/2010/main" val="1733187922"/>
+      </p:ext>
+    </p:extLst>
+  </p:cSld>
+  <p:clrMapOvr>
+    <a:masterClrMapping/>
+  </p:clrMapOvr>
+</p:sld>
+</file>
+
+<file path=ppt/slides/slide30.xml><?xml version="1.0" encoding="utf-8"?>
 <p:sld xmlns:a="http://schemas.openxmlformats.org/drawingml/2006/main" xmlns:r="http://schemas.openxmlformats.org/officeDocument/2006/relationships" xmlns:p="http://schemas.openxmlformats.org/presentationml/2006/main">
   <p:cSld>
     <p:spTree>
@@ -14858,7 +16439,7 @@
 </p:sld>
 </file>
 
-<file path=ppt/slides/slide22.xml><?xml version="1.0" encoding="utf-8"?>
+<file path=ppt/slides/slide31.xml><?xml version="1.0" encoding="utf-8"?>
 <p:sld xmlns:a="http://schemas.openxmlformats.org/drawingml/2006/main" xmlns:r="http://schemas.openxmlformats.org/officeDocument/2006/relationships" xmlns:p="http://schemas.openxmlformats.org/presentationml/2006/main">
   <p:cSld>
     <p:spTree>
@@ -15072,7 +16653,157 @@
 </p:sld>
 </file>
 
-<file path=ppt/slides/slide3.xml><?xml version="1.0" encoding="utf-8"?>
+<file path=ppt/slides/slide4.xml><?xml version="1.0" encoding="utf-8"?>
+<p:sld xmlns:a="http://schemas.openxmlformats.org/drawingml/2006/main" xmlns:r="http://schemas.openxmlformats.org/officeDocument/2006/relationships" xmlns:p="http://schemas.openxmlformats.org/presentationml/2006/main">
+  <p:cSld>
+    <p:spTree>
+      <p:nvGrpSpPr>
+        <p:cNvPr id="1" name=""/>
+        <p:cNvGrpSpPr/>
+        <p:nvPr/>
+      </p:nvGrpSpPr>
+      <p:grpSpPr>
+        <a:xfrm>
+          <a:off x="0" y="0"/>
+          <a:ext cx="0" cy="0"/>
+          <a:chOff x="0" y="0"/>
+          <a:chExt cx="0" cy="0"/>
+        </a:xfrm>
+      </p:grpSpPr>
+      <p:pic>
+        <p:nvPicPr>
+          <p:cNvPr id="8" name="Picture 7" descr="Graphical user interface, application&#10;&#10;Description automatically generated">
+            <a:extLst>
+              <a:ext uri="{FF2B5EF4-FFF2-40B4-BE49-F238E27FC236}">
+                <a16:creationId xmlns:a16="http://schemas.microsoft.com/office/drawing/2014/main" id="{F7A71BE9-17B4-4AEA-A0D5-196DEE53A18D}"/>
+              </a:ext>
+            </a:extLst>
+          </p:cNvPr>
+          <p:cNvPicPr>
+            <a:picLocks noChangeAspect="1"/>
+          </p:cNvPicPr>
+          <p:nvPr/>
+        </p:nvPicPr>
+        <p:blipFill>
+          <a:blip r:embed="rId2"/>
+          <a:stretch>
+            <a:fillRect/>
+          </a:stretch>
+        </p:blipFill>
+        <p:spPr>
+          <a:xfrm>
+            <a:off x="283498" y="1037586"/>
+            <a:ext cx="2580791" cy="4631635"/>
+          </a:xfrm>
+          <a:prstGeom prst="rect">
+            <a:avLst/>
+          </a:prstGeom>
+        </p:spPr>
+      </p:pic>
+      <p:pic>
+        <p:nvPicPr>
+          <p:cNvPr id="10" name="Picture 9" descr="Graphical user interface, application&#10;&#10;Description automatically generated">
+            <a:extLst>
+              <a:ext uri="{FF2B5EF4-FFF2-40B4-BE49-F238E27FC236}">
+                <a16:creationId xmlns:a16="http://schemas.microsoft.com/office/drawing/2014/main" id="{951823AA-25C4-458E-B5BB-50993074C44A}"/>
+              </a:ext>
+            </a:extLst>
+          </p:cNvPr>
+          <p:cNvPicPr>
+            <a:picLocks noChangeAspect="1"/>
+          </p:cNvPicPr>
+          <p:nvPr/>
+        </p:nvPicPr>
+        <p:blipFill>
+          <a:blip r:embed="rId3"/>
+          <a:stretch>
+            <a:fillRect/>
+          </a:stretch>
+        </p:blipFill>
+        <p:spPr>
+          <a:xfrm>
+            <a:off x="3065618" y="1037586"/>
+            <a:ext cx="2563984" cy="4552122"/>
+          </a:xfrm>
+          <a:prstGeom prst="rect">
+            <a:avLst/>
+          </a:prstGeom>
+        </p:spPr>
+      </p:pic>
+      <p:pic>
+        <p:nvPicPr>
+          <p:cNvPr id="13" name="Picture 12" descr="Graphical user interface, text, application, chat or text message&#10;&#10;Description automatically generated">
+            <a:extLst>
+              <a:ext uri="{FF2B5EF4-FFF2-40B4-BE49-F238E27FC236}">
+                <a16:creationId xmlns:a16="http://schemas.microsoft.com/office/drawing/2014/main" id="{7A649AC0-1747-4D88-9E55-C4C85B54A67C}"/>
+              </a:ext>
+            </a:extLst>
+          </p:cNvPr>
+          <p:cNvPicPr>
+            <a:picLocks noChangeAspect="1"/>
+          </p:cNvPicPr>
+          <p:nvPr/>
+        </p:nvPicPr>
+        <p:blipFill>
+          <a:blip r:embed="rId4"/>
+          <a:stretch>
+            <a:fillRect/>
+          </a:stretch>
+        </p:blipFill>
+        <p:spPr>
+          <a:xfrm>
+            <a:off x="5830931" y="1037586"/>
+            <a:ext cx="2597030" cy="4782827"/>
+          </a:xfrm>
+          <a:prstGeom prst="rect">
+            <a:avLst/>
+          </a:prstGeom>
+        </p:spPr>
+      </p:pic>
+      <p:pic>
+        <p:nvPicPr>
+          <p:cNvPr id="15" name="Picture 14" descr="Graphical user interface, text, application, chat or text message&#10;&#10;Description automatically generated">
+            <a:extLst>
+              <a:ext uri="{FF2B5EF4-FFF2-40B4-BE49-F238E27FC236}">
+                <a16:creationId xmlns:a16="http://schemas.microsoft.com/office/drawing/2014/main" id="{336CA6AB-D86A-48EC-8321-33CBF151ABC5}"/>
+              </a:ext>
+            </a:extLst>
+          </p:cNvPr>
+          <p:cNvPicPr>
+            <a:picLocks noChangeAspect="1"/>
+          </p:cNvPicPr>
+          <p:nvPr/>
+        </p:nvPicPr>
+        <p:blipFill>
+          <a:blip r:embed="rId5"/>
+          <a:stretch>
+            <a:fillRect/>
+          </a:stretch>
+        </p:blipFill>
+        <p:spPr>
+          <a:xfrm>
+            <a:off x="8841496" y="1037586"/>
+            <a:ext cx="2698002" cy="5128591"/>
+          </a:xfrm>
+          <a:prstGeom prst="rect">
+            <a:avLst/>
+          </a:prstGeom>
+        </p:spPr>
+      </p:pic>
+    </p:spTree>
+    <p:extLst>
+      <p:ext uri="{BB962C8B-B14F-4D97-AF65-F5344CB8AC3E}">
+        <p14:creationId xmlns:p14="http://schemas.microsoft.com/office/powerpoint/2010/main" val="1798688075"/>
+      </p:ext>
+    </p:extLst>
+  </p:cSld>
+  <p:clrMapOvr>
+    <a:masterClrMapping/>
+  </p:clrMapOvr>
+</p:sld>
+</file>
+
+<file path=ppt/slides/slide5.xml><?xml version="1.0" encoding="utf-8"?>
 <p:sld xmlns:a="http://schemas.openxmlformats.org/drawingml/2006/main" xmlns:r="http://schemas.openxmlformats.org/officeDocument/2006/relationships" xmlns:p="http://schemas.openxmlformats.org/presentationml/2006/main">
   <p:cSld>
     <p:spTree>
@@ -15222,7 +16953,7 @@
 </p:sld>
 </file>
 
-<file path=ppt/slides/slide4.xml><?xml version="1.0" encoding="utf-8"?>
+<file path=ppt/slides/slide6.xml><?xml version="1.0" encoding="utf-8"?>
 <p:sld xmlns:a="http://schemas.openxmlformats.org/drawingml/2006/main" xmlns:r="http://schemas.openxmlformats.org/officeDocument/2006/relationships" xmlns:p="http://schemas.openxmlformats.org/presentationml/2006/main">
   <p:cSld>
     <p:spTree>
@@ -15262,7 +16993,7 @@
           <a:p>
             <a:r>
               <a:rPr lang="en-US" dirty="0"/>
-              <a:t>Questions</a:t>
+              <a:t>Sample questions</a:t>
             </a:r>
           </a:p>
         </p:txBody>
@@ -15314,7 +17045,90 @@
 </p:sld>
 </file>
 
-<file path=ppt/slides/slide5.xml><?xml version="1.0" encoding="utf-8"?>
+<file path=ppt/slides/slide7.xml><?xml version="1.0" encoding="utf-8"?>
+<p:sld xmlns:a="http://schemas.openxmlformats.org/drawingml/2006/main" xmlns:r="http://schemas.openxmlformats.org/officeDocument/2006/relationships" xmlns:p="http://schemas.openxmlformats.org/presentationml/2006/main">
+  <p:cSld>
+    <p:spTree>
+      <p:nvGrpSpPr>
+        <p:cNvPr id="1" name=""/>
+        <p:cNvGrpSpPr/>
+        <p:nvPr/>
+      </p:nvGrpSpPr>
+      <p:grpSpPr>
+        <a:xfrm>
+          <a:off x="0" y="0"/>
+          <a:ext cx="0" cy="0"/>
+          <a:chOff x="0" y="0"/>
+          <a:chExt cx="0" cy="0"/>
+        </a:xfrm>
+      </p:grpSpPr>
+      <p:sp>
+        <p:nvSpPr>
+          <p:cNvPr id="4" name="Title 3">
+            <a:extLst>
+              <a:ext uri="{FF2B5EF4-FFF2-40B4-BE49-F238E27FC236}">
+                <a16:creationId xmlns:a16="http://schemas.microsoft.com/office/drawing/2014/main" id="{7E995024-C1B7-6FA8-4151-B87FFD958D19}"/>
+              </a:ext>
+            </a:extLst>
+          </p:cNvPr>
+          <p:cNvSpPr>
+            <a:spLocks noGrp="1"/>
+          </p:cNvSpPr>
+          <p:nvPr>
+            <p:ph type="title"/>
+          </p:nvPr>
+        </p:nvSpPr>
+        <p:spPr/>
+        <p:txBody>
+          <a:bodyPr/>
+          <a:lstStyle/>
+          <a:p>
+            <a:r>
+              <a:rPr lang="en-US" dirty="0"/>
+              <a:t>Databases</a:t>
+            </a:r>
+          </a:p>
+        </p:txBody>
+      </p:sp>
+      <p:sp>
+        <p:nvSpPr>
+          <p:cNvPr id="5" name="Text Placeholder 4">
+            <a:extLst>
+              <a:ext uri="{FF2B5EF4-FFF2-40B4-BE49-F238E27FC236}">
+                <a16:creationId xmlns:a16="http://schemas.microsoft.com/office/drawing/2014/main" id="{AE44FF1E-B4A8-930C-237A-2F39BC3AE7AF}"/>
+              </a:ext>
+            </a:extLst>
+          </p:cNvPr>
+          <p:cNvSpPr>
+            <a:spLocks noGrp="1"/>
+          </p:cNvSpPr>
+          <p:nvPr>
+            <p:ph type="body" idx="1"/>
+          </p:nvPr>
+        </p:nvSpPr>
+        <p:spPr/>
+        <p:txBody>
+          <a:bodyPr/>
+          <a:lstStyle/>
+          <a:p>
+            <a:endParaRPr lang="en-US"/>
+          </a:p>
+        </p:txBody>
+      </p:sp>
+    </p:spTree>
+    <p:extLst>
+      <p:ext uri="{BB962C8B-B14F-4D97-AF65-F5344CB8AC3E}">
+        <p14:creationId xmlns:p14="http://schemas.microsoft.com/office/powerpoint/2010/main" val="2185650768"/>
+      </p:ext>
+    </p:extLst>
+  </p:cSld>
+  <p:clrMapOvr>
+    <a:masterClrMapping/>
+  </p:clrMapOvr>
+</p:sld>
+</file>
+
+<file path=ppt/slides/slide8.xml><?xml version="1.0" encoding="utf-8"?>
 <p:sld xmlns:a="http://schemas.openxmlformats.org/drawingml/2006/main" xmlns:r="http://schemas.openxmlformats.org/officeDocument/2006/relationships" xmlns:p="http://schemas.openxmlformats.org/presentationml/2006/main">
   <p:cSld>
     <p:spTree>
@@ -15333,10 +17147,10 @@
       </p:grpSpPr>
       <p:pic>
         <p:nvPicPr>
-          <p:cNvPr id="5" name="Picture 4" descr="Text&#10;&#10;Description automatically generated">
+          <p:cNvPr id="7" name="Picture 6">
             <a:extLst>
               <a:ext uri="{FF2B5EF4-FFF2-40B4-BE49-F238E27FC236}">
-                <a16:creationId xmlns:a16="http://schemas.microsoft.com/office/drawing/2014/main" id="{BA00B114-EB72-495B-88DF-D2D75B198CDF}"/>
+                <a16:creationId xmlns:a16="http://schemas.microsoft.com/office/drawing/2014/main" id="{93A87F37-BAB2-178C-EBDF-EEB48956F9DE}"/>
               </a:ext>
             </a:extLst>
           </p:cNvPr>
@@ -15353,170 +17167,14 @@
         </p:blipFill>
         <p:spPr>
           <a:xfrm>
-            <a:off x="2127476" y="417224"/>
-            <a:ext cx="8659836" cy="6192298"/>
+            <a:off x="1665438" y="1333013"/>
+            <a:ext cx="7574936" cy="4473328"/>
           </a:xfrm>
           <a:prstGeom prst="rect">
             <a:avLst/>
           </a:prstGeom>
         </p:spPr>
       </p:pic>
-      <p:sp>
-        <p:nvSpPr>
-          <p:cNvPr id="6" name="Rectangle 5">
-            <a:extLst>
-              <a:ext uri="{FF2B5EF4-FFF2-40B4-BE49-F238E27FC236}">
-                <a16:creationId xmlns:a16="http://schemas.microsoft.com/office/drawing/2014/main" id="{BFB5C54F-7E34-42AD-9CBA-061E6E4D4A76}"/>
-              </a:ext>
-            </a:extLst>
-          </p:cNvPr>
-          <p:cNvSpPr/>
-          <p:nvPr/>
-        </p:nvSpPr>
-        <p:spPr>
-          <a:xfrm>
-            <a:off x="2597533" y="1385175"/>
-            <a:ext cx="2898806" cy="224964"/>
-          </a:xfrm>
-          <a:prstGeom prst="rect">
-            <a:avLst/>
-          </a:prstGeom>
-          <a:noFill/>
-          <a:ln w="28575">
-            <a:solidFill>
-              <a:srgbClr val="FF0000"/>
-            </a:solidFill>
-          </a:ln>
-        </p:spPr>
-        <p:style>
-          <a:lnRef idx="2">
-            <a:schemeClr val="accent1">
-              <a:shade val="50000"/>
-            </a:schemeClr>
-          </a:lnRef>
-          <a:fillRef idx="1">
-            <a:schemeClr val="accent1"/>
-          </a:fillRef>
-          <a:effectRef idx="0">
-            <a:schemeClr val="accent1"/>
-          </a:effectRef>
-          <a:fontRef idx="minor">
-            <a:schemeClr val="lt1"/>
-          </a:fontRef>
-        </p:style>
-        <p:txBody>
-          <a:bodyPr rtlCol="0" anchor="ctr"/>
-          <a:lstStyle/>
-          <a:p>
-            <a:pPr algn="ctr"/>
-            <a:endParaRPr lang="en-US"/>
-          </a:p>
-        </p:txBody>
-      </p:sp>
-      <p:sp>
-        <p:nvSpPr>
-          <p:cNvPr id="2" name="Rectangle 1">
-            <a:extLst>
-              <a:ext uri="{FF2B5EF4-FFF2-40B4-BE49-F238E27FC236}">
-                <a16:creationId xmlns:a16="http://schemas.microsoft.com/office/drawing/2014/main" id="{5D132F43-DC25-1034-768F-995957AF84E5}"/>
-              </a:ext>
-            </a:extLst>
-          </p:cNvPr>
-          <p:cNvSpPr/>
-          <p:nvPr/>
-        </p:nvSpPr>
-        <p:spPr>
-          <a:xfrm>
-            <a:off x="2597533" y="2668859"/>
-            <a:ext cx="1416906" cy="224964"/>
-          </a:xfrm>
-          <a:prstGeom prst="rect">
-            <a:avLst/>
-          </a:prstGeom>
-          <a:noFill/>
-          <a:ln w="28575">
-            <a:solidFill>
-              <a:srgbClr val="FF0000"/>
-            </a:solidFill>
-          </a:ln>
-        </p:spPr>
-        <p:style>
-          <a:lnRef idx="2">
-            <a:schemeClr val="accent1">
-              <a:shade val="15000"/>
-            </a:schemeClr>
-          </a:lnRef>
-          <a:fillRef idx="1">
-            <a:schemeClr val="accent1"/>
-          </a:fillRef>
-          <a:effectRef idx="0">
-            <a:schemeClr val="accent1"/>
-          </a:effectRef>
-          <a:fontRef idx="minor">
-            <a:schemeClr val="lt1"/>
-          </a:fontRef>
-        </p:style>
-        <p:txBody>
-          <a:bodyPr rtlCol="0" anchor="ctr"/>
-          <a:lstStyle/>
-          <a:p>
-            <a:pPr algn="ctr"/>
-            <a:endParaRPr lang="en-US"/>
-          </a:p>
-        </p:txBody>
-      </p:sp>
-      <p:sp>
-        <p:nvSpPr>
-          <p:cNvPr id="3" name="Rectangle 2">
-            <a:extLst>
-              <a:ext uri="{FF2B5EF4-FFF2-40B4-BE49-F238E27FC236}">
-                <a16:creationId xmlns:a16="http://schemas.microsoft.com/office/drawing/2014/main" id="{65FD65D0-C3A2-FD60-83FB-3D419AF7AA32}"/>
-              </a:ext>
-            </a:extLst>
-          </p:cNvPr>
-          <p:cNvSpPr/>
-          <p:nvPr/>
-        </p:nvSpPr>
-        <p:spPr>
-          <a:xfrm>
-            <a:off x="2630029" y="5839522"/>
-            <a:ext cx="1711511" cy="224964"/>
-          </a:xfrm>
-          <a:prstGeom prst="rect">
-            <a:avLst/>
-          </a:prstGeom>
-          <a:noFill/>
-          <a:ln w="28575">
-            <a:solidFill>
-              <a:srgbClr val="FF0000"/>
-            </a:solidFill>
-          </a:ln>
-        </p:spPr>
-        <p:style>
-          <a:lnRef idx="2">
-            <a:schemeClr val="accent1">
-              <a:shade val="15000"/>
-            </a:schemeClr>
-          </a:lnRef>
-          <a:fillRef idx="1">
-            <a:schemeClr val="accent1"/>
-          </a:fillRef>
-          <a:effectRef idx="0">
-            <a:schemeClr val="accent1"/>
-          </a:effectRef>
-          <a:fontRef idx="minor">
-            <a:schemeClr val="lt1"/>
-          </a:fontRef>
-        </p:style>
-        <p:txBody>
-          <a:bodyPr rtlCol="0" anchor="ctr"/>
-          <a:lstStyle/>
-          <a:p>
-            <a:pPr algn="ctr"/>
-            <a:endParaRPr lang="en-US"/>
-          </a:p>
-        </p:txBody>
-      </p:sp>
     </p:spTree>
     <p:extLst>
       <p:ext uri="{BB962C8B-B14F-4D97-AF65-F5344CB8AC3E}">
@@ -15530,7 +17188,7 @@
 </p:sld>
 </file>
 
-<file path=ppt/slides/slide6.xml><?xml version="1.0" encoding="utf-8"?>
+<file path=ppt/slides/slide9.xml><?xml version="1.0" encoding="utf-8"?>
 <p:sld xmlns:a="http://schemas.openxmlformats.org/drawingml/2006/main" xmlns:r="http://schemas.openxmlformats.org/officeDocument/2006/relationships" xmlns:p="http://schemas.openxmlformats.org/presentationml/2006/main">
   <p:cSld>
     <p:spTree>
@@ -15605,6 +17263,51 @@
                   <a:srgbClr val="7030A0"/>
                 </a:solidFill>
               </a:rPr>
+              <a:t>annotated_call_log.db</a:t>
+            </a:r>
+            <a:endParaRPr lang="en-GB" dirty="0">
+              <a:solidFill>
+                <a:srgbClr val="7030A0"/>
+              </a:solidFill>
+            </a:endParaRPr>
+          </a:p>
+          <a:p>
+            <a:pPr lvl="1"/>
+            <a:r>
+              <a:rPr lang="en-GB" b="1" dirty="0"/>
+              <a:t>Why? </a:t>
+            </a:r>
+            <a:r>
+              <a:rPr lang="en-GB" dirty="0"/>
+              <a:t>includes enriched call log data, such as whether a call was flagged as spam, marked as a </a:t>
+            </a:r>
+            <a:r>
+              <a:rPr lang="en-GB" dirty="0" err="1"/>
+              <a:t>favorite</a:t>
+            </a:r>
+            <a:r>
+              <a:rPr lang="en-GB" dirty="0"/>
+              <a:t>, or associated with a specific contact. It might also include user annotations or app-generated labels.</a:t>
+            </a:r>
+          </a:p>
+          <a:p>
+            <a:pPr lvl="1"/>
+            <a:r>
+              <a:rPr lang="en-GB" b="1" dirty="0"/>
+              <a:t>Use Case: </a:t>
+            </a:r>
+            <a:r>
+              <a:rPr lang="en-GB" dirty="0"/>
+              <a:t>Identifying suspicious calls (e.g., flagged as spam) or understanding user interactions with specific numbers.</a:t>
+            </a:r>
+          </a:p>
+          <a:p>
+            <a:r>
+              <a:rPr lang="en-GB" dirty="0" err="1">
+                <a:solidFill>
+                  <a:srgbClr val="7030A0"/>
+                </a:solidFill>
+              </a:rPr>
               <a:t>dialer.db</a:t>
             </a:r>
             <a:r>
@@ -15650,587 +17353,12 @@
               <a:t>Investigating frequently contacted numbers, mapping phone numbers to contacts, and identifying blocked or filtered numbers.</a:t>
             </a:r>
           </a:p>
-          <a:p>
-            <a:r>
-              <a:rPr lang="en-GB" dirty="0" err="1">
-                <a:solidFill>
-                  <a:srgbClr val="7030A0"/>
-                </a:solidFill>
-              </a:rPr>
-              <a:t>annotated_call_log.db</a:t>
-            </a:r>
-            <a:endParaRPr lang="en-GB" dirty="0">
-              <a:solidFill>
-                <a:srgbClr val="7030A0"/>
-              </a:solidFill>
-            </a:endParaRPr>
-          </a:p>
-          <a:p>
-            <a:pPr lvl="1"/>
-            <a:r>
-              <a:rPr lang="en-GB" b="1" dirty="0"/>
-              <a:t>Why? </a:t>
-            </a:r>
-            <a:r>
-              <a:rPr lang="en-GB" dirty="0"/>
-              <a:t>includes enriched call log data, such as whether a call was flagged as spam, marked as a </a:t>
-            </a:r>
-            <a:r>
-              <a:rPr lang="en-GB" dirty="0" err="1"/>
-              <a:t>favorite</a:t>
-            </a:r>
-            <a:r>
-              <a:rPr lang="en-GB" dirty="0"/>
-              <a:t>, or associated with a specific contact. It might also include user annotations or app-generated labels.</a:t>
-            </a:r>
-          </a:p>
-          <a:p>
-            <a:pPr lvl="1"/>
-            <a:r>
-              <a:rPr lang="en-GB" b="1" dirty="0"/>
-              <a:t>Use Case: </a:t>
-            </a:r>
-            <a:r>
-              <a:rPr lang="en-GB" dirty="0"/>
-              <a:t>Identifying suspicious calls (e.g., flagged as spam) or understanding user interactions with specific numbers.</a:t>
-            </a:r>
-            <a:endParaRPr lang="en-US" dirty="0"/>
-          </a:p>
         </p:txBody>
       </p:sp>
     </p:spTree>
     <p:extLst>
       <p:ext uri="{BB962C8B-B14F-4D97-AF65-F5344CB8AC3E}">
         <p14:creationId xmlns:p14="http://schemas.microsoft.com/office/powerpoint/2010/main" val="1777753340"/>
-      </p:ext>
-    </p:extLst>
-  </p:cSld>
-  <p:clrMapOvr>
-    <a:masterClrMapping/>
-  </p:clrMapOvr>
-</p:sld>
-</file>
-
-<file path=ppt/slides/slide7.xml><?xml version="1.0" encoding="utf-8"?>
-<p:sld xmlns:a="http://schemas.openxmlformats.org/drawingml/2006/main" xmlns:r="http://schemas.openxmlformats.org/officeDocument/2006/relationships" xmlns:p="http://schemas.openxmlformats.org/presentationml/2006/main">
-  <p:cSld>
-    <p:spTree>
-      <p:nvGrpSpPr>
-        <p:cNvPr id="1" name="">
-          <a:extLst>
-            <a:ext uri="{FF2B5EF4-FFF2-40B4-BE49-F238E27FC236}">
-              <a16:creationId xmlns:a16="http://schemas.microsoft.com/office/drawing/2014/main" id="{AA87F9E7-A606-7D97-8149-62A5BC88CD24}"/>
-            </a:ext>
-          </a:extLst>
-        </p:cNvPr>
-        <p:cNvGrpSpPr/>
-        <p:nvPr/>
-      </p:nvGrpSpPr>
-      <p:grpSpPr>
-        <a:xfrm>
-          <a:off x="0" y="0"/>
-          <a:ext cx="0" cy="0"/>
-          <a:chOff x="0" y="0"/>
-          <a:chExt cx="0" cy="0"/>
-        </a:xfrm>
-      </p:grpSpPr>
-      <p:sp>
-        <p:nvSpPr>
-          <p:cNvPr id="2" name="Title 1">
-            <a:extLst>
-              <a:ext uri="{FF2B5EF4-FFF2-40B4-BE49-F238E27FC236}">
-                <a16:creationId xmlns:a16="http://schemas.microsoft.com/office/drawing/2014/main" id="{09AC0554-88CC-7991-D77C-A6992D81C3D7}"/>
-              </a:ext>
-            </a:extLst>
-          </p:cNvPr>
-          <p:cNvSpPr>
-            <a:spLocks noGrp="1"/>
-          </p:cNvSpPr>
-          <p:nvPr>
-            <p:ph type="title"/>
-          </p:nvPr>
-        </p:nvSpPr>
-        <p:spPr/>
-        <p:txBody>
-          <a:bodyPr/>
-          <a:lstStyle/>
-          <a:p>
-            <a:r>
-              <a:rPr lang="en-GB" dirty="0"/>
-              <a:t>Most Valuable Tables for Investigation (2)</a:t>
-            </a:r>
-            <a:endParaRPr lang="en-US" dirty="0"/>
-          </a:p>
-        </p:txBody>
-      </p:sp>
-      <p:sp>
-        <p:nvSpPr>
-          <p:cNvPr id="3" name="Content Placeholder 2">
-            <a:extLst>
-              <a:ext uri="{FF2B5EF4-FFF2-40B4-BE49-F238E27FC236}">
-                <a16:creationId xmlns:a16="http://schemas.microsoft.com/office/drawing/2014/main" id="{0920B6B3-8143-0661-9D01-6424C7CD1AA6}"/>
-              </a:ext>
-            </a:extLst>
-          </p:cNvPr>
-          <p:cNvSpPr>
-            <a:spLocks noGrp="1"/>
-          </p:cNvSpPr>
-          <p:nvPr>
-            <p:ph idx="1"/>
-          </p:nvPr>
-        </p:nvSpPr>
-        <p:spPr/>
-        <p:txBody>
-          <a:bodyPr>
-            <a:normAutofit/>
-          </a:bodyPr>
-          <a:lstStyle/>
-          <a:p>
-            <a:r>
-              <a:rPr lang="en-US" dirty="0" err="1">
-                <a:solidFill>
-                  <a:srgbClr val="7030A0"/>
-                </a:solidFill>
-              </a:rPr>
-              <a:t>suggest_contact_database</a:t>
-            </a:r>
-            <a:endParaRPr lang="en-US" dirty="0">
-              <a:solidFill>
-                <a:srgbClr val="7030A0"/>
-              </a:solidFill>
-            </a:endParaRPr>
-          </a:p>
-          <a:p>
-            <a:pPr lvl="1"/>
-            <a:r>
-              <a:rPr lang="en-GB" b="1" dirty="0"/>
-              <a:t>Why? </a:t>
-            </a:r>
-            <a:r>
-              <a:rPr lang="en-GB" dirty="0"/>
-              <a:t>store data for suggesting contacts, likely across a broader range of interactions beyond just </a:t>
-            </a:r>
-            <a:r>
-              <a:rPr lang="en-GB" dirty="0" err="1"/>
-              <a:t>dialing</a:t>
-            </a:r>
-            <a:r>
-              <a:rPr lang="en-GB" dirty="0"/>
-              <a:t>.</a:t>
-            </a:r>
-          </a:p>
-          <a:p>
-            <a:pPr lvl="2"/>
-            <a:r>
-              <a:rPr lang="en-GB" dirty="0"/>
-              <a:t>Suggesting contacts to call based on recent interactions (calls, messages, emails).</a:t>
-            </a:r>
-          </a:p>
-          <a:p>
-            <a:pPr lvl="2"/>
-            <a:r>
-              <a:rPr lang="en-GB" dirty="0"/>
-              <a:t>Suggesting contacts for sharing content (e.g., via the share sheet).</a:t>
-            </a:r>
-          </a:p>
-          <a:p>
-            <a:pPr lvl="2"/>
-            <a:r>
-              <a:rPr lang="en-GB" dirty="0"/>
-              <a:t>Suggesting contacts in other contexts, like when composing a message or email.</a:t>
-            </a:r>
-          </a:p>
-          <a:p>
-            <a:pPr lvl="1"/>
-            <a:r>
-              <a:rPr lang="en-GB" b="1" dirty="0"/>
-              <a:t>Use Case: </a:t>
-            </a:r>
-          </a:p>
-          <a:p>
-            <a:pPr lvl="2"/>
-            <a:r>
-              <a:rPr lang="en-GB" dirty="0"/>
-              <a:t>Useful for understanding a broader range of the user’s interactions with contacts, not just </a:t>
-            </a:r>
-            <a:r>
-              <a:rPr lang="en-GB" dirty="0" err="1"/>
-              <a:t>dialing</a:t>
-            </a:r>
-            <a:r>
-              <a:rPr lang="en-GB" dirty="0"/>
-              <a:t>. </a:t>
-            </a:r>
-          </a:p>
-          <a:p>
-            <a:pPr lvl="2"/>
-            <a:r>
-              <a:rPr lang="en-GB" dirty="0"/>
-              <a:t>Could reveal contacts the user frequently interacts with across different apps or contexts (e.g., messaging, email), which might not show up in </a:t>
-            </a:r>
-            <a:r>
-              <a:rPr lang="en-GB" dirty="0" err="1">
-                <a:solidFill>
-                  <a:srgbClr val="7030A0"/>
-                </a:solidFill>
-              </a:rPr>
-              <a:t>smartdial_table</a:t>
-            </a:r>
-            <a:r>
-              <a:rPr lang="en-GB" dirty="0">
-                <a:solidFill>
-                  <a:srgbClr val="7030A0"/>
-                </a:solidFill>
-              </a:rPr>
-              <a:t> </a:t>
-            </a:r>
-            <a:r>
-              <a:rPr lang="en-GB" dirty="0"/>
-              <a:t>if they weren’t </a:t>
-            </a:r>
-            <a:r>
-              <a:rPr lang="en-GB" dirty="0" err="1"/>
-              <a:t>dialed</a:t>
-            </a:r>
-            <a:r>
-              <a:rPr lang="en-GB" dirty="0"/>
-              <a:t>.</a:t>
-            </a:r>
-          </a:p>
-        </p:txBody>
-      </p:sp>
-    </p:spTree>
-    <p:extLst>
-      <p:ext uri="{BB962C8B-B14F-4D97-AF65-F5344CB8AC3E}">
-        <p14:creationId xmlns:p14="http://schemas.microsoft.com/office/powerpoint/2010/main" val="2179553264"/>
-      </p:ext>
-    </p:extLst>
-  </p:cSld>
-  <p:clrMapOvr>
-    <a:masterClrMapping/>
-  </p:clrMapOvr>
-</p:sld>
-</file>
-
-<file path=ppt/slides/slide8.xml><?xml version="1.0" encoding="utf-8"?>
-<p:sld xmlns:a="http://schemas.openxmlformats.org/drawingml/2006/main" xmlns:r="http://schemas.openxmlformats.org/officeDocument/2006/relationships" xmlns:p="http://schemas.openxmlformats.org/presentationml/2006/main">
-  <p:cSld>
-    <p:spTree>
-      <p:nvGrpSpPr>
-        <p:cNvPr id="1" name="">
-          <a:extLst>
-            <a:ext uri="{FF2B5EF4-FFF2-40B4-BE49-F238E27FC236}">
-              <a16:creationId xmlns:a16="http://schemas.microsoft.com/office/drawing/2014/main" id="{0E5431C3-1814-0B6F-B2B7-16B7ECBF38C5}"/>
-            </a:ext>
-          </a:extLst>
-        </p:cNvPr>
-        <p:cNvGrpSpPr/>
-        <p:nvPr/>
-      </p:nvGrpSpPr>
-      <p:grpSpPr>
-        <a:xfrm>
-          <a:off x="0" y="0"/>
-          <a:ext cx="0" cy="0"/>
-          <a:chOff x="0" y="0"/>
-          <a:chExt cx="0" cy="0"/>
-        </a:xfrm>
-      </p:grpSpPr>
-      <p:sp>
-        <p:nvSpPr>
-          <p:cNvPr id="2" name="Title 1">
-            <a:extLst>
-              <a:ext uri="{FF2B5EF4-FFF2-40B4-BE49-F238E27FC236}">
-                <a16:creationId xmlns:a16="http://schemas.microsoft.com/office/drawing/2014/main" id="{DB2743EB-F407-1D19-C005-E1425EFA3E03}"/>
-              </a:ext>
-            </a:extLst>
-          </p:cNvPr>
-          <p:cNvSpPr>
-            <a:spLocks noGrp="1"/>
-          </p:cNvSpPr>
-          <p:nvPr>
-            <p:ph type="title"/>
-          </p:nvPr>
-        </p:nvSpPr>
-        <p:spPr/>
-        <p:txBody>
-          <a:bodyPr/>
-          <a:lstStyle/>
-          <a:p>
-            <a:r>
-              <a:rPr lang="en-GB" dirty="0"/>
-              <a:t>Most Valuable Tables for Investigation (3)</a:t>
-            </a:r>
-            <a:endParaRPr lang="en-US" dirty="0"/>
-          </a:p>
-        </p:txBody>
-      </p:sp>
-      <p:sp>
-        <p:nvSpPr>
-          <p:cNvPr id="3" name="Content Placeholder 2">
-            <a:extLst>
-              <a:ext uri="{FF2B5EF4-FFF2-40B4-BE49-F238E27FC236}">
-                <a16:creationId xmlns:a16="http://schemas.microsoft.com/office/drawing/2014/main" id="{4B0390EF-709E-BFDF-FD22-0C2C0F3AEB43}"/>
-              </a:ext>
-            </a:extLst>
-          </p:cNvPr>
-          <p:cNvSpPr>
-            <a:spLocks noGrp="1"/>
-          </p:cNvSpPr>
-          <p:nvPr>
-            <p:ph idx="1"/>
-          </p:nvPr>
-        </p:nvSpPr>
-        <p:spPr/>
-        <p:txBody>
-          <a:bodyPr>
-            <a:normAutofit fontScale="92500"/>
-          </a:bodyPr>
-          <a:lstStyle/>
-          <a:p>
-            <a:r>
-              <a:rPr lang="en-US" dirty="0" err="1">
-                <a:solidFill>
-                  <a:srgbClr val="7030A0"/>
-                </a:solidFill>
-              </a:rPr>
-              <a:t>voicemail.db</a:t>
-            </a:r>
-            <a:endParaRPr lang="en-GB" dirty="0">
-              <a:solidFill>
-                <a:srgbClr val="7030A0"/>
-              </a:solidFill>
-            </a:endParaRPr>
-          </a:p>
-          <a:p>
-            <a:pPr lvl="1"/>
-            <a:r>
-              <a:rPr lang="en-GB" b="1" dirty="0"/>
-              <a:t>Why? </a:t>
-            </a:r>
-            <a:r>
-              <a:rPr lang="en-GB" dirty="0"/>
-              <a:t>Voicemails can contain critical information, such as audio recordings, transcriptions, and metadata about the caller. This could reveal important conversations or evidence.</a:t>
-            </a:r>
-          </a:p>
-          <a:p>
-            <a:pPr lvl="1"/>
-            <a:r>
-              <a:rPr lang="en-GB" b="1" dirty="0"/>
-              <a:t>Use Case: </a:t>
-            </a:r>
-            <a:r>
-              <a:rPr lang="en-GB" dirty="0"/>
-              <a:t>Extracting voicemail content for evidence of threats, plans, or other relevant communications.</a:t>
-            </a:r>
-          </a:p>
-          <a:p>
-            <a:r>
-              <a:rPr lang="en-US" dirty="0" err="1">
-                <a:solidFill>
-                  <a:srgbClr val="7030A0"/>
-                </a:solidFill>
-              </a:rPr>
-              <a:t>phone_lookup_history.db</a:t>
-            </a:r>
-            <a:endParaRPr lang="en-US" dirty="0">
-              <a:solidFill>
-                <a:srgbClr val="7030A0"/>
-              </a:solidFill>
-            </a:endParaRPr>
-          </a:p>
-          <a:p>
-            <a:pPr lvl="1"/>
-            <a:r>
-              <a:rPr lang="en-GB" b="1" dirty="0"/>
-              <a:t>Why? </a:t>
-            </a:r>
-            <a:r>
-              <a:rPr lang="en-GB" dirty="0"/>
-              <a:t>This database tracks phone number lookups, which could reveal attempts to identify unknown callers, reverse lookups, or spam detection queries. It might also show if the user or app queried a number against a known database.</a:t>
-            </a:r>
-          </a:p>
-          <a:p>
-            <a:pPr lvl="1"/>
-            <a:r>
-              <a:rPr lang="en-GB" b="1" dirty="0"/>
-              <a:t>Use Case: </a:t>
-            </a:r>
-            <a:r>
-              <a:rPr lang="en-GB" dirty="0"/>
-              <a:t>Investigating whether the user was dealing with unknown or suspicious numbers.</a:t>
-            </a:r>
-            <a:endParaRPr lang="en-US" dirty="0"/>
-          </a:p>
-        </p:txBody>
-      </p:sp>
-    </p:spTree>
-    <p:extLst>
-      <p:ext uri="{BB962C8B-B14F-4D97-AF65-F5344CB8AC3E}">
-        <p14:creationId xmlns:p14="http://schemas.microsoft.com/office/powerpoint/2010/main" val="747876307"/>
-      </p:ext>
-    </p:extLst>
-  </p:cSld>
-  <p:clrMapOvr>
-    <a:masterClrMapping/>
-  </p:clrMapOvr>
-</p:sld>
-</file>
-
-<file path=ppt/slides/slide9.xml><?xml version="1.0" encoding="utf-8"?>
-<p:sld xmlns:a="http://schemas.openxmlformats.org/drawingml/2006/main" xmlns:r="http://schemas.openxmlformats.org/officeDocument/2006/relationships" xmlns:p="http://schemas.openxmlformats.org/presentationml/2006/main">
-  <p:cSld>
-    <p:spTree>
-      <p:nvGrpSpPr>
-        <p:cNvPr id="1" name="">
-          <a:extLst>
-            <a:ext uri="{FF2B5EF4-FFF2-40B4-BE49-F238E27FC236}">
-              <a16:creationId xmlns:a16="http://schemas.microsoft.com/office/drawing/2014/main" id="{BAA0DEEC-B1A5-DA79-AA6D-923ADCB421AF}"/>
-            </a:ext>
-          </a:extLst>
-        </p:cNvPr>
-        <p:cNvGrpSpPr/>
-        <p:nvPr/>
-      </p:nvGrpSpPr>
-      <p:grpSpPr>
-        <a:xfrm>
-          <a:off x="0" y="0"/>
-          <a:ext cx="0" cy="0"/>
-          <a:chOff x="0" y="0"/>
-          <a:chExt cx="0" cy="0"/>
-        </a:xfrm>
-      </p:grpSpPr>
-      <p:sp>
-        <p:nvSpPr>
-          <p:cNvPr id="2" name="Title 1">
-            <a:extLst>
-              <a:ext uri="{FF2B5EF4-FFF2-40B4-BE49-F238E27FC236}">
-                <a16:creationId xmlns:a16="http://schemas.microsoft.com/office/drawing/2014/main" id="{CB2B2C99-33FF-6666-DF71-1CD1BA2B73B1}"/>
-              </a:ext>
-            </a:extLst>
-          </p:cNvPr>
-          <p:cNvSpPr>
-            <a:spLocks noGrp="1"/>
-          </p:cNvSpPr>
-          <p:nvPr>
-            <p:ph type="title"/>
-          </p:nvPr>
-        </p:nvSpPr>
-        <p:spPr/>
-        <p:txBody>
-          <a:bodyPr/>
-          <a:lstStyle/>
-          <a:p>
-            <a:r>
-              <a:rPr lang="en-GB" dirty="0"/>
-              <a:t>Most Valuable Tables for Investigation (4)</a:t>
-            </a:r>
-            <a:endParaRPr lang="en-US" dirty="0"/>
-          </a:p>
-        </p:txBody>
-      </p:sp>
-      <p:sp>
-        <p:nvSpPr>
-          <p:cNvPr id="3" name="Content Placeholder 2">
-            <a:extLst>
-              <a:ext uri="{FF2B5EF4-FFF2-40B4-BE49-F238E27FC236}">
-                <a16:creationId xmlns:a16="http://schemas.microsoft.com/office/drawing/2014/main" id="{A8473B7E-4B8F-4067-4420-1D17DC2FB680}"/>
-              </a:ext>
-            </a:extLst>
-          </p:cNvPr>
-          <p:cNvSpPr>
-            <a:spLocks noGrp="1"/>
-          </p:cNvSpPr>
-          <p:nvPr>
-            <p:ph idx="1"/>
-          </p:nvPr>
-        </p:nvSpPr>
-        <p:spPr/>
-        <p:txBody>
-          <a:bodyPr>
-            <a:normAutofit/>
-          </a:bodyPr>
-          <a:lstStyle/>
-          <a:p>
-            <a:r>
-              <a:rPr lang="en-US" dirty="0" err="1">
-                <a:solidFill>
-                  <a:srgbClr val="7030A0"/>
-                </a:solidFill>
-              </a:rPr>
-              <a:t>rtt_transcript.db</a:t>
-            </a:r>
-            <a:endParaRPr lang="en-US" dirty="0">
-              <a:solidFill>
-                <a:srgbClr val="7030A0"/>
-              </a:solidFill>
-            </a:endParaRPr>
-          </a:p>
-          <a:p>
-            <a:pPr lvl="1"/>
-            <a:r>
-              <a:rPr lang="en-GB" b="1" dirty="0"/>
-              <a:t>Why</a:t>
-            </a:r>
-            <a:r>
-              <a:rPr lang="en-GB" dirty="0"/>
-              <a:t>? If the user used RTT (Real-Time Text) for communication, this database could contain transcripts of text-based conversations during calls, which might be relevant for accessibility users or specific investigations.</a:t>
-            </a:r>
-          </a:p>
-          <a:p>
-            <a:pPr lvl="1"/>
-            <a:r>
-              <a:rPr lang="en-GB" b="1" dirty="0"/>
-              <a:t>Use Case: </a:t>
-            </a:r>
-            <a:r>
-              <a:rPr lang="en-GB" dirty="0"/>
-              <a:t>Extracting text communications that occurred during calls.</a:t>
-            </a:r>
-          </a:p>
-          <a:p>
-            <a:r>
-              <a:rPr lang="en-US" dirty="0" err="1">
-                <a:solidFill>
-                  <a:srgbClr val="7030A0"/>
-                </a:solidFill>
-              </a:rPr>
-              <a:t>callscreen_transcripts</a:t>
-            </a:r>
-            <a:endParaRPr lang="en-US" dirty="0">
-              <a:solidFill>
-                <a:srgbClr val="7030A0"/>
-              </a:solidFill>
-            </a:endParaRPr>
-          </a:p>
-          <a:p>
-            <a:pPr lvl="1"/>
-            <a:r>
-              <a:rPr lang="en-GB" b="1" dirty="0"/>
-              <a:t>Why? </a:t>
-            </a:r>
-            <a:r>
-              <a:rPr lang="en-GB" dirty="0"/>
-              <a:t>contains transcriptions of call screening interactions (e.g., Google’s Call Screen feature, which answers calls and transcribes responses). It could reveal interactions with unknown callers.</a:t>
-            </a:r>
-          </a:p>
-          <a:p>
-            <a:pPr lvl="1"/>
-            <a:r>
-              <a:rPr lang="en-GB" b="1" dirty="0"/>
-              <a:t>Use Case: </a:t>
-            </a:r>
-            <a:r>
-              <a:rPr lang="en-GB" dirty="0"/>
-              <a:t>Investigating interactions with unknown or suspicious callers through call screening.</a:t>
-            </a:r>
-            <a:endParaRPr lang="en-US" dirty="0"/>
-          </a:p>
-        </p:txBody>
-      </p:sp>
-    </p:spTree>
-    <p:extLst>
-      <p:ext uri="{BB962C8B-B14F-4D97-AF65-F5344CB8AC3E}">
-        <p14:creationId xmlns:p14="http://schemas.microsoft.com/office/powerpoint/2010/main" val="1556875773"/>
       </p:ext>
     </p:extLst>
   </p:cSld>

--- a/Android10/5_2_2_GMS_App_Investigations_Dialer.pptx
+++ b/Android10/5_2_2_GMS_App_Investigations_Dialer.pptx
@@ -5,7 +5,7 @@
     <p:sldMasterId id="2147483648" r:id="rId1"/>
   </p:sldMasterIdLst>
   <p:notesMasterIdLst>
-    <p:notesMasterId r:id="rId33"/>
+    <p:notesMasterId r:id="rId37"/>
   </p:notesMasterIdLst>
   <p:sldIdLst>
     <p:sldId id="256" r:id="rId2"/>
@@ -26,19 +26,23 @@
     <p:sldId id="525" r:id="rId17"/>
     <p:sldId id="527" r:id="rId18"/>
     <p:sldId id="530" r:id="rId19"/>
-    <p:sldId id="551" r:id="rId20"/>
-    <p:sldId id="543" r:id="rId21"/>
-    <p:sldId id="544" r:id="rId22"/>
-    <p:sldId id="553" r:id="rId23"/>
-    <p:sldId id="545" r:id="rId24"/>
-    <p:sldId id="533" r:id="rId25"/>
-    <p:sldId id="554" r:id="rId26"/>
-    <p:sldId id="538" r:id="rId27"/>
-    <p:sldId id="539" r:id="rId28"/>
-    <p:sldId id="555" r:id="rId29"/>
-    <p:sldId id="535" r:id="rId30"/>
-    <p:sldId id="536" r:id="rId31"/>
-    <p:sldId id="526" r:id="rId32"/>
+    <p:sldId id="556" r:id="rId20"/>
+    <p:sldId id="557" r:id="rId21"/>
+    <p:sldId id="551" r:id="rId22"/>
+    <p:sldId id="543" r:id="rId23"/>
+    <p:sldId id="544" r:id="rId24"/>
+    <p:sldId id="553" r:id="rId25"/>
+    <p:sldId id="545" r:id="rId26"/>
+    <p:sldId id="533" r:id="rId27"/>
+    <p:sldId id="554" r:id="rId28"/>
+    <p:sldId id="538" r:id="rId29"/>
+    <p:sldId id="539" r:id="rId30"/>
+    <p:sldId id="558" r:id="rId31"/>
+    <p:sldId id="559" r:id="rId32"/>
+    <p:sldId id="555" r:id="rId33"/>
+    <p:sldId id="535" r:id="rId34"/>
+    <p:sldId id="536" r:id="rId35"/>
+    <p:sldId id="526" r:id="rId36"/>
   </p:sldIdLst>
   <p:sldSz cx="12192000" cy="6858000"/>
   <p:notesSz cx="6858000" cy="9144000"/>
@@ -160,7 +164,7 @@
 <file path=ppt/revisionInfo.xml><?xml version="1.0" encoding="utf-8"?>
 <p1510:revInfo xmlns:a="http://schemas.openxmlformats.org/drawingml/2006/main" xmlns:r="http://schemas.openxmlformats.org/officeDocument/2006/relationships" xmlns:p1510="http://schemas.microsoft.com/office/powerpoint/2015/10/main">
   <p1510:revLst>
-    <p1510:client id="{C93986A8-D257-46D5-A932-87F105AEF0C6}" v="50" dt="2025-04-15T15:28:58.478"/>
+    <p1510:client id="{C93986A8-D257-46D5-A932-87F105AEF0C6}" v="58" dt="2025-04-23T14:03:58.719"/>
   </p1510:revLst>
 </p1510:revInfo>
 </file>
@@ -5736,7 +5740,7 @@
   <pc:docChgLst>
     <pc:chgData name="Weifeng Xu" userId="e7aed605-a3dd-4d5a-a692-a87037af107b" providerId="ADAL" clId="{C93986A8-D257-46D5-A932-87F105AEF0C6}"/>
     <pc:docChg chg="undo redo custSel addSld delSld modSld sldOrd">
-      <pc:chgData name="Weifeng Xu" userId="e7aed605-a3dd-4d5a-a692-a87037af107b" providerId="ADAL" clId="{C93986A8-D257-46D5-A932-87F105AEF0C6}" dt="2025-04-15T15:29:10.420" v="2865" actId="20577"/>
+      <pc:chgData name="Weifeng Xu" userId="e7aed605-a3dd-4d5a-a692-a87037af107b" providerId="ADAL" clId="{C93986A8-D257-46D5-A932-87F105AEF0C6}" dt="2025-04-23T14:12:02.738" v="3140" actId="1076"/>
       <pc:docMkLst>
         <pc:docMk/>
       </pc:docMkLst>
@@ -6104,14 +6108,6 @@
           <pc:docMk/>
           <pc:sldMk cId="1798688075" sldId="521"/>
         </pc:sldMkLst>
-        <pc:spChg chg="del mod">
-          <ac:chgData name="Weifeng Xu" userId="e7aed605-a3dd-4d5a-a692-a87037af107b" providerId="ADAL" clId="{C93986A8-D257-46D5-A932-87F105AEF0C6}" dt="2025-04-15T14:53:05.867" v="2409" actId="700"/>
-          <ac:spMkLst>
-            <pc:docMk/>
-            <pc:sldMk cId="1798688075" sldId="521"/>
-            <ac:spMk id="4" creationId="{C56E7611-8511-43F9-B6DC-680747335AF4}"/>
-          </ac:spMkLst>
-        </pc:spChg>
         <pc:picChg chg="mod">
           <ac:chgData name="Weifeng Xu" userId="e7aed605-a3dd-4d5a-a692-a87037af107b" providerId="ADAL" clId="{C93986A8-D257-46D5-A932-87F105AEF0C6}" dt="2025-04-15T14:53:10.150" v="2410" actId="1076"/>
           <ac:picMkLst>
@@ -6158,38 +6154,6 @@
           <pc:docMk/>
           <pc:sldMk cId="3057585943" sldId="523"/>
         </pc:sldMkLst>
-        <pc:spChg chg="add del mod">
-          <ac:chgData name="Weifeng Xu" userId="e7aed605-a3dd-4d5a-a692-a87037af107b" providerId="ADAL" clId="{C93986A8-D257-46D5-A932-87F105AEF0C6}" dt="2025-04-15T15:03:23.208" v="2483" actId="478"/>
-          <ac:spMkLst>
-            <pc:docMk/>
-            <pc:sldMk cId="3057585943" sldId="523"/>
-            <ac:spMk id="2" creationId="{5D132F43-DC25-1034-768F-995957AF84E5}"/>
-          </ac:spMkLst>
-        </pc:spChg>
-        <pc:spChg chg="add del mod">
-          <ac:chgData name="Weifeng Xu" userId="e7aed605-a3dd-4d5a-a692-a87037af107b" providerId="ADAL" clId="{C93986A8-D257-46D5-A932-87F105AEF0C6}" dt="2025-04-15T15:03:23.208" v="2483" actId="478"/>
-          <ac:spMkLst>
-            <pc:docMk/>
-            <pc:sldMk cId="3057585943" sldId="523"/>
-            <ac:spMk id="3" creationId="{65FD65D0-C3A2-FD60-83FB-3D419AF7AA32}"/>
-          </ac:spMkLst>
-        </pc:spChg>
-        <pc:spChg chg="del">
-          <ac:chgData name="Weifeng Xu" userId="e7aed605-a3dd-4d5a-a692-a87037af107b" providerId="ADAL" clId="{C93986A8-D257-46D5-A932-87F105AEF0C6}" dt="2025-04-15T15:03:23.208" v="2483" actId="478"/>
-          <ac:spMkLst>
-            <pc:docMk/>
-            <pc:sldMk cId="3057585943" sldId="523"/>
-            <ac:spMk id="6" creationId="{BFB5C54F-7E34-42AD-9CBA-061E6E4D4A76}"/>
-          </ac:spMkLst>
-        </pc:spChg>
-        <pc:picChg chg="del mod">
-          <ac:chgData name="Weifeng Xu" userId="e7aed605-a3dd-4d5a-a692-a87037af107b" providerId="ADAL" clId="{C93986A8-D257-46D5-A932-87F105AEF0C6}" dt="2025-04-15T15:03:23.208" v="2483" actId="478"/>
-          <ac:picMkLst>
-            <pc:docMk/>
-            <pc:sldMk cId="3057585943" sldId="523"/>
-            <ac:picMk id="5" creationId="{BA00B114-EB72-495B-88DF-D2D75B198CDF}"/>
-          </ac:picMkLst>
-        </pc:picChg>
         <pc:picChg chg="add mod">
           <ac:chgData name="Weifeng Xu" userId="e7aed605-a3dd-4d5a-a692-a87037af107b" providerId="ADAL" clId="{C93986A8-D257-46D5-A932-87F105AEF0C6}" dt="2025-04-15T15:04:24.246" v="2485" actId="1076"/>
           <ac:picMkLst>
@@ -6338,7 +6302,7 @@
         </pc:sldMkLst>
       </pc:sldChg>
       <pc:sldChg chg="addSp modSp new mod modClrScheme chgLayout">
-        <pc:chgData name="Weifeng Xu" userId="e7aed605-a3dd-4d5a-a692-a87037af107b" providerId="ADAL" clId="{C93986A8-D257-46D5-A932-87F105AEF0C6}" dt="2025-04-15T15:28:02.828" v="2853" actId="20577"/>
+        <pc:chgData name="Weifeng Xu" userId="e7aed605-a3dd-4d5a-a692-a87037af107b" providerId="ADAL" clId="{C93986A8-D257-46D5-A932-87F105AEF0C6}" dt="2025-04-23T13:52:35.037" v="3030" actId="6549"/>
         <pc:sldMkLst>
           <pc:docMk/>
           <pc:sldMk cId="3578698584" sldId="538"/>
@@ -6352,7 +6316,7 @@
           </ac:spMkLst>
         </pc:spChg>
         <pc:spChg chg="mod">
-          <ac:chgData name="Weifeng Xu" userId="e7aed605-a3dd-4d5a-a692-a87037af107b" providerId="ADAL" clId="{C93986A8-D257-46D5-A932-87F105AEF0C6}" dt="2025-04-15T15:28:02.828" v="2853" actId="20577"/>
+          <ac:chgData name="Weifeng Xu" userId="e7aed605-a3dd-4d5a-a692-a87037af107b" providerId="ADAL" clId="{C93986A8-D257-46D5-A932-87F105AEF0C6}" dt="2025-04-23T13:52:35.037" v="3030" actId="6549"/>
           <ac:spMkLst>
             <pc:docMk/>
             <pc:sldMk cId="3578698584" sldId="538"/>
@@ -6369,11 +6333,75 @@
         </pc:picChg>
       </pc:sldChg>
       <pc:sldChg chg="addSp delSp modSp new mod modClrScheme chgLayout">
-        <pc:chgData name="Weifeng Xu" userId="e7aed605-a3dd-4d5a-a692-a87037af107b" providerId="ADAL" clId="{C93986A8-D257-46D5-A932-87F105AEF0C6}" dt="2021-08-15T03:28:20.644" v="1504" actId="20577"/>
+        <pc:chgData name="Weifeng Xu" userId="e7aed605-a3dd-4d5a-a692-a87037af107b" providerId="ADAL" clId="{C93986A8-D257-46D5-A932-87F105AEF0C6}" dt="2025-04-23T14:03:45.394" v="3060" actId="1076"/>
         <pc:sldMkLst>
           <pc:docMk/>
           <pc:sldMk cId="1495699096" sldId="539"/>
         </pc:sldMkLst>
+        <pc:spChg chg="add del mod">
+          <ac:chgData name="Weifeng Xu" userId="e7aed605-a3dd-4d5a-a692-a87037af107b" providerId="ADAL" clId="{C93986A8-D257-46D5-A932-87F105AEF0C6}" dt="2025-04-23T14:00:51.386" v="3037" actId="478"/>
+          <ac:spMkLst>
+            <pc:docMk/>
+            <pc:sldMk cId="1495699096" sldId="539"/>
+            <ac:spMk id="3" creationId="{C248125D-58D9-AA2D-94EB-7A8F5530FF69}"/>
+          </ac:spMkLst>
+        </pc:spChg>
+        <pc:spChg chg="add del">
+          <ac:chgData name="Weifeng Xu" userId="e7aed605-a3dd-4d5a-a692-a87037af107b" providerId="ADAL" clId="{C93986A8-D257-46D5-A932-87F105AEF0C6}" dt="2025-04-23T14:03:34.233" v="3057" actId="478"/>
+          <ac:spMkLst>
+            <pc:docMk/>
+            <pc:sldMk cId="1495699096" sldId="539"/>
+            <ac:spMk id="4" creationId="{839E01B5-FEAE-F946-76B6-6F2E39289AE2}"/>
+          </ac:spMkLst>
+        </pc:spChg>
+        <pc:spChg chg="add del mod">
+          <ac:chgData name="Weifeng Xu" userId="e7aed605-a3dd-4d5a-a692-a87037af107b" providerId="ADAL" clId="{C93986A8-D257-46D5-A932-87F105AEF0C6}" dt="2025-04-23T14:03:41.136" v="3059" actId="478"/>
+          <ac:spMkLst>
+            <pc:docMk/>
+            <pc:sldMk cId="1495699096" sldId="539"/>
+            <ac:spMk id="8" creationId="{B5651676-C79B-DD14-5955-D2B361B87A24}"/>
+          </ac:spMkLst>
+        </pc:spChg>
+        <pc:spChg chg="mod">
+          <ac:chgData name="Weifeng Xu" userId="e7aed605-a3dd-4d5a-a692-a87037af107b" providerId="ADAL" clId="{C93986A8-D257-46D5-A932-87F105AEF0C6}" dt="2025-04-23T14:03:45.394" v="3060" actId="1076"/>
+          <ac:spMkLst>
+            <pc:docMk/>
+            <pc:sldMk cId="1495699096" sldId="539"/>
+            <ac:spMk id="10" creationId="{38963192-A564-4C49-BA1C-22C3F488DFF0}"/>
+          </ac:spMkLst>
+        </pc:spChg>
+        <pc:spChg chg="del">
+          <ac:chgData name="Weifeng Xu" userId="e7aed605-a3dd-4d5a-a692-a87037af107b" providerId="ADAL" clId="{C93986A8-D257-46D5-A932-87F105AEF0C6}" dt="2025-04-23T14:03:38.242" v="3058" actId="478"/>
+          <ac:spMkLst>
+            <pc:docMk/>
+            <pc:sldMk cId="1495699096" sldId="539"/>
+            <ac:spMk id="11" creationId="{884103A9-E37C-4959-A633-0363560DA7CE}"/>
+          </ac:spMkLst>
+        </pc:spChg>
+        <pc:picChg chg="mod">
+          <ac:chgData name="Weifeng Xu" userId="e7aed605-a3dd-4d5a-a692-a87037af107b" providerId="ADAL" clId="{C93986A8-D257-46D5-A932-87F105AEF0C6}" dt="2025-04-23T14:03:45.394" v="3060" actId="1076"/>
+          <ac:picMkLst>
+            <pc:docMk/>
+            <pc:sldMk cId="1495699096" sldId="539"/>
+            <ac:picMk id="5" creationId="{CDC9D4A2-1A29-419B-8CF3-FA31B4B46DC0}"/>
+          </ac:picMkLst>
+        </pc:picChg>
+        <pc:picChg chg="mod">
+          <ac:chgData name="Weifeng Xu" userId="e7aed605-a3dd-4d5a-a692-a87037af107b" providerId="ADAL" clId="{C93986A8-D257-46D5-A932-87F105AEF0C6}" dt="2025-04-23T14:03:45.394" v="3060" actId="1076"/>
+          <ac:picMkLst>
+            <pc:docMk/>
+            <pc:sldMk cId="1495699096" sldId="539"/>
+            <ac:picMk id="7" creationId="{390BE3CF-794C-4B41-85D5-B314048A8AED}"/>
+          </ac:picMkLst>
+        </pc:picChg>
+        <pc:picChg chg="del">
+          <ac:chgData name="Weifeng Xu" userId="e7aed605-a3dd-4d5a-a692-a87037af107b" providerId="ADAL" clId="{C93986A8-D257-46D5-A932-87F105AEF0C6}" dt="2025-04-23T14:03:38.242" v="3058" actId="478"/>
+          <ac:picMkLst>
+            <pc:docMk/>
+            <pc:sldMk cId="1495699096" sldId="539"/>
+            <ac:picMk id="9" creationId="{B6516974-8E35-4D9E-8B52-0F9861769110}"/>
+          </ac:picMkLst>
+        </pc:picChg>
       </pc:sldChg>
       <pc:sldChg chg="addSp delSp modSp new mod modClrScheme chgLayout">
         <pc:chgData name="Weifeng Xu" userId="e7aed605-a3dd-4d5a-a692-a87037af107b" providerId="ADAL" clId="{C93986A8-D257-46D5-A932-87F105AEF0C6}" dt="2025-04-15T15:06:05.377" v="2493" actId="20577"/>
@@ -6558,22 +6586,6 @@
           <pc:docMk/>
           <pc:sldMk cId="1288205896" sldId="547"/>
         </pc:sldMkLst>
-        <pc:spChg chg="del mod ord">
-          <ac:chgData name="Weifeng Xu" userId="e7aed605-a3dd-4d5a-a692-a87037af107b" providerId="ADAL" clId="{C93986A8-D257-46D5-A932-87F105AEF0C6}" dt="2025-04-15T14:38:51.995" v="2247" actId="700"/>
-          <ac:spMkLst>
-            <pc:docMk/>
-            <pc:sldMk cId="1288205896" sldId="547"/>
-            <ac:spMk id="2" creationId="{996B2B42-437A-41A2-4F10-C1DCCB945A26}"/>
-          </ac:spMkLst>
-        </pc:spChg>
-        <pc:spChg chg="del mod ord">
-          <ac:chgData name="Weifeng Xu" userId="e7aed605-a3dd-4d5a-a692-a87037af107b" providerId="ADAL" clId="{C93986A8-D257-46D5-A932-87F105AEF0C6}" dt="2025-04-15T14:38:51.995" v="2247" actId="700"/>
-          <ac:spMkLst>
-            <pc:docMk/>
-            <pc:sldMk cId="1288205896" sldId="547"/>
-            <ac:spMk id="3" creationId="{36659EFF-7D73-2BD3-B78D-2B7F01C68099}"/>
-          </ac:spMkLst>
-        </pc:spChg>
         <pc:spChg chg="add mod ord">
           <ac:chgData name="Weifeng Xu" userId="e7aed605-a3dd-4d5a-a692-a87037af107b" providerId="ADAL" clId="{C93986A8-D257-46D5-A932-87F105AEF0C6}" dt="2025-04-15T14:47:58.675" v="2265" actId="6549"/>
           <ac:spMkLst>
@@ -6590,14 +6602,6 @@
             <ac:spMk id="5" creationId="{7C748658-C1FA-0E07-4439-328FE2A6EFC7}"/>
           </ac:spMkLst>
         </pc:spChg>
-        <pc:spChg chg="add del mod ord">
-          <ac:chgData name="Weifeng Xu" userId="e7aed605-a3dd-4d5a-a692-a87037af107b" providerId="ADAL" clId="{C93986A8-D257-46D5-A932-87F105AEF0C6}" dt="2025-04-15T14:47:53.817" v="2264" actId="700"/>
-          <ac:spMkLst>
-            <pc:docMk/>
-            <pc:sldMk cId="1288205896" sldId="547"/>
-            <ac:spMk id="6" creationId="{69D81759-1FF8-4E7B-A2D9-7975F397F266}"/>
-          </ac:spMkLst>
-        </pc:spChg>
       </pc:sldChg>
       <pc:sldChg chg="addSp delSp modSp new mod modClrScheme chgLayout">
         <pc:chgData name="Weifeng Xu" userId="e7aed605-a3dd-4d5a-a692-a87037af107b" providerId="ADAL" clId="{C93986A8-D257-46D5-A932-87F105AEF0C6}" dt="2025-04-15T14:52:51.769" v="2407" actId="207"/>
@@ -6605,22 +6609,6 @@
           <pc:docMk/>
           <pc:sldMk cId="1733187922" sldId="548"/>
         </pc:sldMkLst>
-        <pc:spChg chg="del mod ord">
-          <ac:chgData name="Weifeng Xu" userId="e7aed605-a3dd-4d5a-a692-a87037af107b" providerId="ADAL" clId="{C93986A8-D257-46D5-A932-87F105AEF0C6}" dt="2025-04-15T14:48:05.465" v="2267" actId="700"/>
-          <ac:spMkLst>
-            <pc:docMk/>
-            <pc:sldMk cId="1733187922" sldId="548"/>
-            <ac:spMk id="2" creationId="{0F61DE08-D720-C839-EFDE-90C1C45F5185}"/>
-          </ac:spMkLst>
-        </pc:spChg>
-        <pc:spChg chg="del mod ord">
-          <ac:chgData name="Weifeng Xu" userId="e7aed605-a3dd-4d5a-a692-a87037af107b" providerId="ADAL" clId="{C93986A8-D257-46D5-A932-87F105AEF0C6}" dt="2025-04-15T14:48:05.465" v="2267" actId="700"/>
-          <ac:spMkLst>
-            <pc:docMk/>
-            <pc:sldMk cId="1733187922" sldId="548"/>
-            <ac:spMk id="3" creationId="{1D802E35-ED2A-69BE-AE60-9D4F6A500C03}"/>
-          </ac:spMkLst>
-        </pc:spChg>
         <pc:spChg chg="add mod ord">
           <ac:chgData name="Weifeng Xu" userId="e7aed605-a3dd-4d5a-a692-a87037af107b" providerId="ADAL" clId="{C93986A8-D257-46D5-A932-87F105AEF0C6}" dt="2025-04-15T14:48:26.178" v="2291" actId="6549"/>
           <ac:spMkLst>
@@ -6639,29 +6627,13 @@
         </pc:spChg>
       </pc:sldChg>
       <pc:sldChg chg="addSp delSp modSp new mod modClrScheme chgLayout">
-        <pc:chgData name="Weifeng Xu" userId="e7aed605-a3dd-4d5a-a692-a87037af107b" providerId="ADAL" clId="{C93986A8-D257-46D5-A932-87F105AEF0C6}" dt="2025-04-15T14:57:06.463" v="2480" actId="20577"/>
+        <pc:chgData name="Weifeng Xu" userId="e7aed605-a3dd-4d5a-a692-a87037af107b" providerId="ADAL" clId="{C93986A8-D257-46D5-A932-87F105AEF0C6}" dt="2025-04-23T13:19:21.651" v="2867" actId="20577"/>
         <pc:sldMkLst>
           <pc:docMk/>
           <pc:sldMk cId="2185650768" sldId="549"/>
         </pc:sldMkLst>
-        <pc:spChg chg="del mod ord">
-          <ac:chgData name="Weifeng Xu" userId="e7aed605-a3dd-4d5a-a692-a87037af107b" providerId="ADAL" clId="{C93986A8-D257-46D5-A932-87F105AEF0C6}" dt="2025-04-15T14:53:28.044" v="2421" actId="700"/>
-          <ac:spMkLst>
-            <pc:docMk/>
-            <pc:sldMk cId="2185650768" sldId="549"/>
-            <ac:spMk id="2" creationId="{333D27BB-2799-02F8-B621-DB500983D5FD}"/>
-          </ac:spMkLst>
-        </pc:spChg>
-        <pc:spChg chg="del mod ord">
-          <ac:chgData name="Weifeng Xu" userId="e7aed605-a3dd-4d5a-a692-a87037af107b" providerId="ADAL" clId="{C93986A8-D257-46D5-A932-87F105AEF0C6}" dt="2025-04-15T14:53:28.044" v="2421" actId="700"/>
-          <ac:spMkLst>
-            <pc:docMk/>
-            <pc:sldMk cId="2185650768" sldId="549"/>
-            <ac:spMk id="3" creationId="{E6508BA7-F877-ECE9-2334-9F62181A3CBA}"/>
-          </ac:spMkLst>
-        </pc:spChg>
         <pc:spChg chg="add mod ord">
-          <ac:chgData name="Weifeng Xu" userId="e7aed605-a3dd-4d5a-a692-a87037af107b" providerId="ADAL" clId="{C93986A8-D257-46D5-A932-87F105AEF0C6}" dt="2025-04-15T14:57:06.463" v="2480" actId="20577"/>
+          <ac:chgData name="Weifeng Xu" userId="e7aed605-a3dd-4d5a-a692-a87037af107b" providerId="ADAL" clId="{C93986A8-D257-46D5-A932-87F105AEF0C6}" dt="2025-04-23T13:19:21.651" v="2867" actId="20577"/>
           <ac:spMkLst>
             <pc:docMk/>
             <pc:sldMk cId="2185650768" sldId="549"/>
@@ -6683,22 +6655,6 @@
           <pc:docMk/>
           <pc:sldMk cId="3946298176" sldId="550"/>
         </pc:sldMkLst>
-        <pc:spChg chg="del mod ord">
-          <ac:chgData name="Weifeng Xu" userId="e7aed605-a3dd-4d5a-a692-a87037af107b" providerId="ADAL" clId="{C93986A8-D257-46D5-A932-87F105AEF0C6}" dt="2025-04-15T14:55:19.044" v="2463" actId="700"/>
-          <ac:spMkLst>
-            <pc:docMk/>
-            <pc:sldMk cId="3946298176" sldId="550"/>
-            <ac:spMk id="2" creationId="{53C5DA0A-6BD1-458E-9ACF-1F0F3F525FB9}"/>
-          </ac:spMkLst>
-        </pc:spChg>
-        <pc:spChg chg="del mod ord">
-          <ac:chgData name="Weifeng Xu" userId="e7aed605-a3dd-4d5a-a692-a87037af107b" providerId="ADAL" clId="{C93986A8-D257-46D5-A932-87F105AEF0C6}" dt="2025-04-15T14:55:19.044" v="2463" actId="700"/>
-          <ac:spMkLst>
-            <pc:docMk/>
-            <pc:sldMk cId="3946298176" sldId="550"/>
-            <ac:spMk id="3" creationId="{3776A5DD-05BA-89DD-C850-3B62D6E2BB01}"/>
-          </ac:spMkLst>
-        </pc:spChg>
         <pc:spChg chg="add mod ord">
           <ac:chgData name="Weifeng Xu" userId="e7aed605-a3dd-4d5a-a692-a87037af107b" providerId="ADAL" clId="{C93986A8-D257-46D5-A932-87F105AEF0C6}" dt="2025-04-15T15:06:26.718" v="2497" actId="20577"/>
           <ac:spMkLst>
@@ -6798,6 +6754,194 @@
             <ac:spMk id="4" creationId="{84C29BEA-A4BA-50A6-F384-78E18FAC007D}"/>
           </ac:spMkLst>
         </pc:spChg>
+      </pc:sldChg>
+      <pc:sldChg chg="addSp delSp modSp new mod ord">
+        <pc:chgData name="Weifeng Xu" userId="e7aed605-a3dd-4d5a-a692-a87037af107b" providerId="ADAL" clId="{C93986A8-D257-46D5-A932-87F105AEF0C6}" dt="2025-04-23T13:37:52.781" v="2878"/>
+        <pc:sldMkLst>
+          <pc:docMk/>
+          <pc:sldMk cId="674427553" sldId="556"/>
+        </pc:sldMkLst>
+        <pc:picChg chg="add del mod">
+          <ac:chgData name="Weifeng Xu" userId="e7aed605-a3dd-4d5a-a692-a87037af107b" providerId="ADAL" clId="{C93986A8-D257-46D5-A932-87F105AEF0C6}" dt="2025-04-23T13:36:20.523" v="2873" actId="478"/>
+          <ac:picMkLst>
+            <pc:docMk/>
+            <pc:sldMk cId="674427553" sldId="556"/>
+            <ac:picMk id="3" creationId="{715FBD11-8589-D6BB-6E5C-0EE218871829}"/>
+          </ac:picMkLst>
+        </pc:picChg>
+        <pc:picChg chg="add mod">
+          <ac:chgData name="Weifeng Xu" userId="e7aed605-a3dd-4d5a-a692-a87037af107b" providerId="ADAL" clId="{C93986A8-D257-46D5-A932-87F105AEF0C6}" dt="2025-04-23T13:36:47.251" v="2876" actId="1076"/>
+          <ac:picMkLst>
+            <pc:docMk/>
+            <pc:sldMk cId="674427553" sldId="556"/>
+            <ac:picMk id="5" creationId="{0B69BCC3-98E6-D667-4594-F40A6AA2898A}"/>
+          </ac:picMkLst>
+        </pc:picChg>
+      </pc:sldChg>
+      <pc:sldChg chg="addSp delSp modSp new mod modClrScheme chgLayout">
+        <pc:chgData name="Weifeng Xu" userId="e7aed605-a3dd-4d5a-a692-a87037af107b" providerId="ADAL" clId="{C93986A8-D257-46D5-A932-87F105AEF0C6}" dt="2025-04-23T13:48:22.906" v="3028" actId="207"/>
+        <pc:sldMkLst>
+          <pc:docMk/>
+          <pc:sldMk cId="792115356" sldId="557"/>
+        </pc:sldMkLst>
+        <pc:spChg chg="add mod">
+          <ac:chgData name="Weifeng Xu" userId="e7aed605-a3dd-4d5a-a692-a87037af107b" providerId="ADAL" clId="{C93986A8-D257-46D5-A932-87F105AEF0C6}" dt="2025-04-23T13:39:24.236" v="2993" actId="207"/>
+          <ac:spMkLst>
+            <pc:docMk/>
+            <pc:sldMk cId="792115356" sldId="557"/>
+            <ac:spMk id="2" creationId="{935775B0-C8A1-C69F-6DC3-CC0976DAC231}"/>
+          </ac:spMkLst>
+        </pc:spChg>
+        <pc:spChg chg="add del mod">
+          <ac:chgData name="Weifeng Xu" userId="e7aed605-a3dd-4d5a-a692-a87037af107b" providerId="ADAL" clId="{C93986A8-D257-46D5-A932-87F105AEF0C6}" dt="2025-04-23T13:48:22.906" v="3028" actId="207"/>
+          <ac:spMkLst>
+            <pc:docMk/>
+            <pc:sldMk cId="792115356" sldId="557"/>
+            <ac:spMk id="3" creationId="{68FDF470-BF87-92FD-26B4-CF9CE27F9631}"/>
+          </ac:spMkLst>
+        </pc:spChg>
+        <pc:spChg chg="add mod">
+          <ac:chgData name="Weifeng Xu" userId="e7aed605-a3dd-4d5a-a692-a87037af107b" providerId="ADAL" clId="{C93986A8-D257-46D5-A932-87F105AEF0C6}" dt="2025-04-23T13:39:36.903" v="2995"/>
+          <ac:spMkLst>
+            <pc:docMk/>
+            <pc:sldMk cId="792115356" sldId="557"/>
+            <ac:spMk id="4" creationId="{FBB21A85-A85C-4C2C-795D-0E0B368E714F}"/>
+          </ac:spMkLst>
+        </pc:spChg>
+      </pc:sldChg>
+      <pc:sldChg chg="addSp delSp modSp add mod modClrScheme chgLayout">
+        <pc:chgData name="Weifeng Xu" userId="e7aed605-a3dd-4d5a-a692-a87037af107b" providerId="ADAL" clId="{C93986A8-D257-46D5-A932-87F105AEF0C6}" dt="2025-04-23T14:07:36.650" v="3122" actId="6549"/>
+        <pc:sldMkLst>
+          <pc:docMk/>
+          <pc:sldMk cId="204470065" sldId="558"/>
+        </pc:sldMkLst>
+        <pc:spChg chg="add mod ord">
+          <ac:chgData name="Weifeng Xu" userId="e7aed605-a3dd-4d5a-a692-a87037af107b" providerId="ADAL" clId="{C93986A8-D257-46D5-A932-87F105AEF0C6}" dt="2025-04-23T14:05:17.642" v="3091" actId="1076"/>
+          <ac:spMkLst>
+            <pc:docMk/>
+            <pc:sldMk cId="204470065" sldId="558"/>
+            <ac:spMk id="2" creationId="{E77662BB-5E19-1844-09CE-C040110E0FC5}"/>
+          </ac:spMkLst>
+        </pc:spChg>
+        <pc:spChg chg="add del mod ord">
+          <ac:chgData name="Weifeng Xu" userId="e7aed605-a3dd-4d5a-a692-a87037af107b" providerId="ADAL" clId="{C93986A8-D257-46D5-A932-87F105AEF0C6}" dt="2025-04-23T14:05:00.314" v="3084" actId="700"/>
+          <ac:spMkLst>
+            <pc:docMk/>
+            <pc:sldMk cId="204470065" sldId="558"/>
+            <ac:spMk id="3" creationId="{453C7C40-E646-6FD6-6F83-46161622F8FE}"/>
+          </ac:spMkLst>
+        </pc:spChg>
+        <pc:spChg chg="del mod">
+          <ac:chgData name="Weifeng Xu" userId="e7aed605-a3dd-4d5a-a692-a87037af107b" providerId="ADAL" clId="{C93986A8-D257-46D5-A932-87F105AEF0C6}" dt="2025-04-23T14:03:58.719" v="3063" actId="478"/>
+          <ac:spMkLst>
+            <pc:docMk/>
+            <pc:sldMk cId="204470065" sldId="558"/>
+            <ac:spMk id="4" creationId="{DFB1B673-83A9-4316-A8B7-F7FE3E4F59A4}"/>
+          </ac:spMkLst>
+        </pc:spChg>
+        <pc:spChg chg="add mod ord">
+          <ac:chgData name="Weifeng Xu" userId="e7aed605-a3dd-4d5a-a692-a87037af107b" providerId="ADAL" clId="{C93986A8-D257-46D5-A932-87F105AEF0C6}" dt="2025-04-23T14:07:36.650" v="3122" actId="6549"/>
+          <ac:spMkLst>
+            <pc:docMk/>
+            <pc:sldMk cId="204470065" sldId="558"/>
+            <ac:spMk id="6" creationId="{CAD5851A-A011-5D7C-F84D-94BC70EEB92D}"/>
+          </ac:spMkLst>
+        </pc:spChg>
+        <pc:spChg chg="del mod">
+          <ac:chgData name="Weifeng Xu" userId="e7aed605-a3dd-4d5a-a692-a87037af107b" providerId="ADAL" clId="{C93986A8-D257-46D5-A932-87F105AEF0C6}" dt="2025-04-23T14:05:04.696" v="3087"/>
+          <ac:spMkLst>
+            <pc:docMk/>
+            <pc:sldMk cId="204470065" sldId="558"/>
+            <ac:spMk id="8" creationId="{C86D0EED-2218-E01A-416D-BC6E7FD36317}"/>
+          </ac:spMkLst>
+        </pc:spChg>
+        <pc:spChg chg="del">
+          <ac:chgData name="Weifeng Xu" userId="e7aed605-a3dd-4d5a-a692-a87037af107b" providerId="ADAL" clId="{C93986A8-D257-46D5-A932-87F105AEF0C6}" dt="2025-04-23T14:03:51.623" v="3061" actId="478"/>
+          <ac:spMkLst>
+            <pc:docMk/>
+            <pc:sldMk cId="204470065" sldId="558"/>
+            <ac:spMk id="10" creationId="{3EDA4DB6-6CB4-8408-8308-AD95EC9D6F28}"/>
+          </ac:spMkLst>
+        </pc:spChg>
+        <pc:spChg chg="del mod">
+          <ac:chgData name="Weifeng Xu" userId="e7aed605-a3dd-4d5a-a692-a87037af107b" providerId="ADAL" clId="{C93986A8-D257-46D5-A932-87F105AEF0C6}" dt="2025-04-23T14:04:14.241" v="3066" actId="478"/>
+          <ac:spMkLst>
+            <pc:docMk/>
+            <pc:sldMk cId="204470065" sldId="558"/>
+            <ac:spMk id="11" creationId="{0B96F8FD-8197-681E-EB74-255B17042D20}"/>
+          </ac:spMkLst>
+        </pc:spChg>
+        <pc:picChg chg="del">
+          <ac:chgData name="Weifeng Xu" userId="e7aed605-a3dd-4d5a-a692-a87037af107b" providerId="ADAL" clId="{C93986A8-D257-46D5-A932-87F105AEF0C6}" dt="2025-04-23T14:03:51.623" v="3061" actId="478"/>
+          <ac:picMkLst>
+            <pc:docMk/>
+            <pc:sldMk cId="204470065" sldId="558"/>
+            <ac:picMk id="5" creationId="{59B97951-19C9-26B3-F5F8-59E69090F7C4}"/>
+          </ac:picMkLst>
+        </pc:picChg>
+        <pc:picChg chg="del">
+          <ac:chgData name="Weifeng Xu" userId="e7aed605-a3dd-4d5a-a692-a87037af107b" providerId="ADAL" clId="{C93986A8-D257-46D5-A932-87F105AEF0C6}" dt="2025-04-23T14:03:51.623" v="3061" actId="478"/>
+          <ac:picMkLst>
+            <pc:docMk/>
+            <pc:sldMk cId="204470065" sldId="558"/>
+            <ac:picMk id="7" creationId="{E583F806-330C-D641-D006-77EA4EBD18A6}"/>
+          </ac:picMkLst>
+        </pc:picChg>
+        <pc:picChg chg="mod modCrop">
+          <ac:chgData name="Weifeng Xu" userId="e7aed605-a3dd-4d5a-a692-a87037af107b" providerId="ADAL" clId="{C93986A8-D257-46D5-A932-87F105AEF0C6}" dt="2025-04-23T14:05:31.418" v="3094" actId="1076"/>
+          <ac:picMkLst>
+            <pc:docMk/>
+            <pc:sldMk cId="204470065" sldId="558"/>
+            <ac:picMk id="9" creationId="{AD71472D-94CF-FDF2-3A98-2B1BA51E1DA8}"/>
+          </ac:picMkLst>
+        </pc:picChg>
+      </pc:sldChg>
+      <pc:sldChg chg="addSp delSp modSp new mod modClrScheme chgLayout modNotesTx">
+        <pc:chgData name="Weifeng Xu" userId="e7aed605-a3dd-4d5a-a692-a87037af107b" providerId="ADAL" clId="{C93986A8-D257-46D5-A932-87F105AEF0C6}" dt="2025-04-23T14:12:02.738" v="3140" actId="1076"/>
+        <pc:sldMkLst>
+          <pc:docMk/>
+          <pc:sldMk cId="869897344" sldId="559"/>
+        </pc:sldMkLst>
+        <pc:spChg chg="mod ord">
+          <ac:chgData name="Weifeng Xu" userId="e7aed605-a3dd-4d5a-a692-a87037af107b" providerId="ADAL" clId="{C93986A8-D257-46D5-A932-87F105AEF0C6}" dt="2025-04-23T14:08:30.556" v="3127" actId="700"/>
+          <ac:spMkLst>
+            <pc:docMk/>
+            <pc:sldMk cId="869897344" sldId="559"/>
+            <ac:spMk id="2" creationId="{F470E545-9371-FF9B-EA3E-4174C4CC30BB}"/>
+          </ac:spMkLst>
+        </pc:spChg>
+        <pc:spChg chg="del">
+          <ac:chgData name="Weifeng Xu" userId="e7aed605-a3dd-4d5a-a692-a87037af107b" providerId="ADAL" clId="{C93986A8-D257-46D5-A932-87F105AEF0C6}" dt="2025-04-23T14:08:30.556" v="3127" actId="700"/>
+          <ac:spMkLst>
+            <pc:docMk/>
+            <pc:sldMk cId="869897344" sldId="559"/>
+            <ac:spMk id="3" creationId="{0794A95B-03F4-465F-D34B-1F8C17761B5C}"/>
+          </ac:spMkLst>
+        </pc:spChg>
+        <pc:picChg chg="add del mod">
+          <ac:chgData name="Weifeng Xu" userId="e7aed605-a3dd-4d5a-a692-a87037af107b" providerId="ADAL" clId="{C93986A8-D257-46D5-A932-87F105AEF0C6}" dt="2025-04-23T14:11:01.222" v="3131" actId="478"/>
+          <ac:picMkLst>
+            <pc:docMk/>
+            <pc:sldMk cId="869897344" sldId="559"/>
+            <ac:picMk id="5" creationId="{97AA1BE3-9BC4-3D30-2BB1-67BF8E1A1381}"/>
+          </ac:picMkLst>
+        </pc:picChg>
+        <pc:picChg chg="add mod">
+          <ac:chgData name="Weifeng Xu" userId="e7aed605-a3dd-4d5a-a692-a87037af107b" providerId="ADAL" clId="{C93986A8-D257-46D5-A932-87F105AEF0C6}" dt="2025-04-23T14:12:01.548" v="3139" actId="1076"/>
+          <ac:picMkLst>
+            <pc:docMk/>
+            <pc:sldMk cId="869897344" sldId="559"/>
+            <ac:picMk id="7" creationId="{B3A6942E-2A56-F267-AB97-7F74E477FB84}"/>
+          </ac:picMkLst>
+        </pc:picChg>
+        <pc:picChg chg="add mod">
+          <ac:chgData name="Weifeng Xu" userId="e7aed605-a3dd-4d5a-a692-a87037af107b" providerId="ADAL" clId="{C93986A8-D257-46D5-A932-87F105AEF0C6}" dt="2025-04-23T14:12:02.738" v="3140" actId="1076"/>
+          <ac:picMkLst>
+            <pc:docMk/>
+            <pc:sldMk cId="869897344" sldId="559"/>
+            <ac:picMk id="9" creationId="{505BAD6F-2674-8233-4621-42AEBD982138}"/>
+          </ac:picMkLst>
+        </pc:picChg>
       </pc:sldChg>
     </pc:docChg>
   </pc:docChgLst>
@@ -7847,7 +7991,7 @@
           <a:p>
             <a:fld id="{EE41F6E3-57F9-402E-BDBA-5B2DE11C8530}" type="datetimeFigureOut">
               <a:rPr lang="en-US" smtClean="0"/>
-              <a:t>4/15/2025</a:t>
+              <a:t>4/23/2025</a:t>
             </a:fld>
             <a:endParaRPr lang="en-US"/>
           </a:p>
@@ -8586,6 +8730,323 @@
 </p:notes>
 </file>
 
+<file path=ppt/notesSlides/notesSlide6.xml><?xml version="1.0" encoding="utf-8"?>
+<p:notes xmlns:a="http://schemas.openxmlformats.org/drawingml/2006/main" xmlns:r="http://schemas.openxmlformats.org/officeDocument/2006/relationships" xmlns:p="http://schemas.openxmlformats.org/presentationml/2006/main">
+  <p:cSld>
+    <p:spTree>
+      <p:nvGrpSpPr>
+        <p:cNvPr id="1" name=""/>
+        <p:cNvGrpSpPr/>
+        <p:nvPr/>
+      </p:nvGrpSpPr>
+      <p:grpSpPr>
+        <a:xfrm>
+          <a:off x="0" y="0"/>
+          <a:ext cx="0" cy="0"/>
+          <a:chOff x="0" y="0"/>
+          <a:chExt cx="0" cy="0"/>
+        </a:xfrm>
+      </p:grpSpPr>
+      <p:sp>
+        <p:nvSpPr>
+          <p:cNvPr id="2" name="Slide Image Placeholder 1"/>
+          <p:cNvSpPr>
+            <a:spLocks noGrp="1" noRot="1" noChangeAspect="1"/>
+          </p:cNvSpPr>
+          <p:nvPr>
+            <p:ph type="sldImg"/>
+          </p:nvPr>
+        </p:nvSpPr>
+        <p:spPr/>
+      </p:sp>
+      <p:sp>
+        <p:nvSpPr>
+          <p:cNvPr id="3" name="Notes Placeholder 2"/>
+          <p:cNvSpPr>
+            <a:spLocks noGrp="1"/>
+          </p:cNvSpPr>
+          <p:nvPr>
+            <p:ph type="body" idx="1"/>
+          </p:nvPr>
+        </p:nvSpPr>
+        <p:spPr/>
+        <p:txBody>
+          <a:bodyPr/>
+          <a:lstStyle/>
+          <a:p>
+            <a:r>
+              <a:rPr lang="en-US" dirty="0"/>
+              <a:t>import sqlite3</a:t>
+            </a:r>
+          </a:p>
+          <a:p>
+            <a:endParaRPr lang="en-US" dirty="0"/>
+          </a:p>
+          <a:p>
+            <a:r>
+              <a:rPr lang="en-US" dirty="0"/>
+              <a:t># Connect to the database</a:t>
+            </a:r>
+          </a:p>
+          <a:p>
+            <a:r>
+              <a:rPr lang="en-US" dirty="0"/>
+              <a:t>conn = sqlite3.connect('</a:t>
+            </a:r>
+            <a:r>
+              <a:rPr lang="en-US" dirty="0" err="1"/>
+              <a:t>phone_lookup_history.db</a:t>
+            </a:r>
+            <a:r>
+              <a:rPr lang="en-US" dirty="0"/>
+              <a:t>')</a:t>
+            </a:r>
+          </a:p>
+          <a:p>
+            <a:r>
+              <a:rPr lang="en-US" dirty="0"/>
+              <a:t>cursor = </a:t>
+            </a:r>
+            <a:r>
+              <a:rPr lang="en-US" dirty="0" err="1"/>
+              <a:t>conn.cursor</a:t>
+            </a:r>
+            <a:r>
+              <a:rPr lang="en-US" dirty="0"/>
+              <a:t>()</a:t>
+            </a:r>
+          </a:p>
+          <a:p>
+            <a:endParaRPr lang="en-US" dirty="0"/>
+          </a:p>
+          <a:p>
+            <a:r>
+              <a:rPr lang="en-US" dirty="0"/>
+              <a:t># Query the BLOB data</a:t>
+            </a:r>
+          </a:p>
+          <a:p>
+            <a:r>
+              <a:rPr lang="en-US" dirty="0" err="1"/>
+              <a:t>cursor.execute</a:t>
+            </a:r>
+            <a:r>
+              <a:rPr lang="en-US" dirty="0"/>
+              <a:t>("SELECT </a:t>
+            </a:r>
+            <a:r>
+              <a:rPr lang="en-US" dirty="0" err="1"/>
+              <a:t>normalized_number</a:t>
+            </a:r>
+            <a:r>
+              <a:rPr lang="en-US" dirty="0"/>
+              <a:t>, </a:t>
+            </a:r>
+            <a:r>
+              <a:rPr lang="en-US" dirty="0" err="1"/>
+              <a:t>phone_lookup_info</a:t>
+            </a:r>
+            <a:r>
+              <a:rPr lang="en-US" dirty="0"/>
+              <a:t> FROM </a:t>
+            </a:r>
+            <a:r>
+              <a:rPr lang="en-US" dirty="0" err="1"/>
+              <a:t>PhoneLookupHistory</a:t>
+            </a:r>
+            <a:r>
+              <a:rPr lang="en-US" dirty="0"/>
+              <a:t> WHERE </a:t>
+            </a:r>
+            <a:r>
+              <a:rPr lang="en-US" dirty="0" err="1"/>
+              <a:t>normalized_number</a:t>
+            </a:r>
+            <a:r>
+              <a:rPr lang="en-US" dirty="0"/>
+              <a:t> = '+13269243087'")</a:t>
+            </a:r>
+          </a:p>
+          <a:p>
+            <a:r>
+              <a:rPr lang="en-US" dirty="0"/>
+              <a:t>row = </a:t>
+            </a:r>
+            <a:r>
+              <a:rPr lang="en-US" dirty="0" err="1"/>
+              <a:t>cursor.fetchone</a:t>
+            </a:r>
+            <a:r>
+              <a:rPr lang="en-US" dirty="0"/>
+              <a:t>()</a:t>
+            </a:r>
+          </a:p>
+          <a:p>
+            <a:endParaRPr lang="en-US" dirty="0"/>
+          </a:p>
+          <a:p>
+            <a:r>
+              <a:rPr lang="en-US" dirty="0"/>
+              <a:t>if row:</a:t>
+            </a:r>
+          </a:p>
+          <a:p>
+            <a:r>
+              <a:rPr lang="en-US" dirty="0"/>
+              <a:t>    </a:t>
+            </a:r>
+            <a:r>
+              <a:rPr lang="en-US" dirty="0" err="1"/>
+              <a:t>normalized_number</a:t>
+            </a:r>
+            <a:r>
+              <a:rPr lang="en-US" dirty="0"/>
+              <a:t>, </a:t>
+            </a:r>
+            <a:r>
+              <a:rPr lang="en-US" dirty="0" err="1"/>
+              <a:t>blob_data</a:t>
+            </a:r>
+            <a:r>
+              <a:rPr lang="en-US" dirty="0"/>
+              <a:t> = row</a:t>
+            </a:r>
+          </a:p>
+          <a:p>
+            <a:r>
+              <a:rPr lang="en-US" dirty="0"/>
+              <a:t>    print(</a:t>
+            </a:r>
+            <a:r>
+              <a:rPr lang="en-US" dirty="0" err="1"/>
+              <a:t>f"Phone</a:t>
+            </a:r>
+            <a:r>
+              <a:rPr lang="en-US" dirty="0"/>
+              <a:t> Number: {</a:t>
+            </a:r>
+            <a:r>
+              <a:rPr lang="en-US" dirty="0" err="1"/>
+              <a:t>normalized_number</a:t>
+            </a:r>
+            <a:r>
+              <a:rPr lang="en-US" dirty="0"/>
+              <a:t>}")</a:t>
+            </a:r>
+          </a:p>
+          <a:p>
+            <a:r>
+              <a:rPr lang="en-US" dirty="0"/>
+              <a:t>    </a:t>
+            </a:r>
+          </a:p>
+          <a:p>
+            <a:r>
+              <a:rPr lang="en-US" dirty="0"/>
+              <a:t>    # Save the BLOB to a file for further processing</a:t>
+            </a:r>
+          </a:p>
+          <a:p>
+            <a:r>
+              <a:rPr lang="en-US" dirty="0"/>
+              <a:t>    with open('</a:t>
+            </a:r>
+            <a:r>
+              <a:rPr lang="en-US" dirty="0" err="1"/>
+              <a:t>phone_lookup_info.blob</a:t>
+            </a:r>
+            <a:r>
+              <a:rPr lang="en-US" dirty="0"/>
+              <a:t>', '</a:t>
+            </a:r>
+            <a:r>
+              <a:rPr lang="en-US" dirty="0" err="1"/>
+              <a:t>wb</a:t>
+            </a:r>
+            <a:r>
+              <a:rPr lang="en-US" dirty="0"/>
+              <a:t>') as f:</a:t>
+            </a:r>
+          </a:p>
+          <a:p>
+            <a:r>
+              <a:rPr lang="en-US" dirty="0"/>
+              <a:t>        </a:t>
+            </a:r>
+            <a:r>
+              <a:rPr lang="en-US" dirty="0" err="1"/>
+              <a:t>f.write</a:t>
+            </a:r>
+            <a:r>
+              <a:rPr lang="en-US" dirty="0"/>
+              <a:t>(</a:t>
+            </a:r>
+            <a:r>
+              <a:rPr lang="en-US" dirty="0" err="1"/>
+              <a:t>blob_data</a:t>
+            </a:r>
+            <a:r>
+              <a:rPr lang="en-US" dirty="0"/>
+              <a:t>)</a:t>
+            </a:r>
+          </a:p>
+          <a:p>
+            <a:endParaRPr lang="en-US" dirty="0"/>
+          </a:p>
+          <a:p>
+            <a:r>
+              <a:rPr lang="en-US" dirty="0"/>
+              <a:t># Close the connection</a:t>
+            </a:r>
+          </a:p>
+          <a:p>
+            <a:r>
+              <a:rPr lang="en-US" dirty="0" err="1"/>
+              <a:t>conn.close</a:t>
+            </a:r>
+            <a:r>
+              <a:rPr lang="en-US" dirty="0"/>
+              <a:t>()</a:t>
+            </a:r>
+          </a:p>
+        </p:txBody>
+      </p:sp>
+      <p:sp>
+        <p:nvSpPr>
+          <p:cNvPr id="4" name="Slide Number Placeholder 3"/>
+          <p:cNvSpPr>
+            <a:spLocks noGrp="1"/>
+          </p:cNvSpPr>
+          <p:nvPr>
+            <p:ph type="sldNum" sz="quarter" idx="5"/>
+          </p:nvPr>
+        </p:nvSpPr>
+        <p:spPr/>
+        <p:txBody>
+          <a:bodyPr/>
+          <a:lstStyle/>
+          <a:p>
+            <a:fld id="{DDBF98C7-164A-4723-84F0-B1E4B080DDEC}" type="slidenum">
+              <a:rPr lang="en-US" smtClean="0"/>
+              <a:t>31</a:t>
+            </a:fld>
+            <a:endParaRPr lang="en-US"/>
+          </a:p>
+        </p:txBody>
+      </p:sp>
+    </p:spTree>
+    <p:extLst>
+      <p:ext uri="{BB962C8B-B14F-4D97-AF65-F5344CB8AC3E}">
+        <p14:creationId xmlns:p14="http://schemas.microsoft.com/office/powerpoint/2010/main" val="2578357902"/>
+      </p:ext>
+    </p:extLst>
+  </p:cSld>
+  <p:clrMapOvr>
+    <a:masterClrMapping/>
+  </p:clrMapOvr>
+</p:notes>
+</file>
+
 <file path=ppt/slideLayouts/slideLayout1.xml><?xml version="1.0" encoding="utf-8"?>
 <p:sldLayout xmlns:a="http://schemas.openxmlformats.org/drawingml/2006/main" xmlns:r="http://schemas.openxmlformats.org/officeDocument/2006/relationships" xmlns:p="http://schemas.openxmlformats.org/presentationml/2006/main" type="title" preserve="1">
   <p:cSld name="Title Slide">
@@ -8715,7 +9176,7 @@
           <a:p>
             <a:fld id="{4263717A-E3C1-4BED-ABE0-B7069385E023}" type="datetimeFigureOut">
               <a:rPr lang="en-US" smtClean="0"/>
-              <a:t>4/15/2025</a:t>
+              <a:t>4/23/2025</a:t>
             </a:fld>
             <a:endParaRPr lang="en-US"/>
           </a:p>
@@ -8888,7 +9349,7 @@
           <a:p>
             <a:fld id="{4263717A-E3C1-4BED-ABE0-B7069385E023}" type="datetimeFigureOut">
               <a:rPr lang="en-US" smtClean="0"/>
-              <a:t>4/15/2025</a:t>
+              <a:t>4/23/2025</a:t>
             </a:fld>
             <a:endParaRPr lang="en-US"/>
           </a:p>
@@ -9066,7 +9527,7 @@
           <a:p>
             <a:fld id="{4263717A-E3C1-4BED-ABE0-B7069385E023}" type="datetimeFigureOut">
               <a:rPr lang="en-US" smtClean="0"/>
-              <a:t>4/15/2025</a:t>
+              <a:t>4/23/2025</a:t>
             </a:fld>
             <a:endParaRPr lang="en-US"/>
           </a:p>
@@ -9234,7 +9695,7 @@
           <a:p>
             <a:fld id="{4263717A-E3C1-4BED-ABE0-B7069385E023}" type="datetimeFigureOut">
               <a:rPr lang="en-US" smtClean="0"/>
-              <a:t>4/15/2025</a:t>
+              <a:t>4/23/2025</a:t>
             </a:fld>
             <a:endParaRPr lang="en-US"/>
           </a:p>
@@ -9479,7 +9940,7 @@
           <a:p>
             <a:fld id="{4263717A-E3C1-4BED-ABE0-B7069385E023}" type="datetimeFigureOut">
               <a:rPr lang="en-US" smtClean="0"/>
-              <a:t>4/15/2025</a:t>
+              <a:t>4/23/2025</a:t>
             </a:fld>
             <a:endParaRPr lang="en-US"/>
           </a:p>
@@ -9708,7 +10169,7 @@
           <a:p>
             <a:fld id="{4263717A-E3C1-4BED-ABE0-B7069385E023}" type="datetimeFigureOut">
               <a:rPr lang="en-US" smtClean="0"/>
-              <a:t>4/15/2025</a:t>
+              <a:t>4/23/2025</a:t>
             </a:fld>
             <a:endParaRPr lang="en-US"/>
           </a:p>
@@ -10072,7 +10533,7 @@
           <a:p>
             <a:fld id="{4263717A-E3C1-4BED-ABE0-B7069385E023}" type="datetimeFigureOut">
               <a:rPr lang="en-US" smtClean="0"/>
-              <a:t>4/15/2025</a:t>
+              <a:t>4/23/2025</a:t>
             </a:fld>
             <a:endParaRPr lang="en-US"/>
           </a:p>
@@ -10189,7 +10650,7 @@
           <a:p>
             <a:fld id="{4263717A-E3C1-4BED-ABE0-B7069385E023}" type="datetimeFigureOut">
               <a:rPr lang="en-US" smtClean="0"/>
-              <a:t>4/15/2025</a:t>
+              <a:t>4/23/2025</a:t>
             </a:fld>
             <a:endParaRPr lang="en-US"/>
           </a:p>
@@ -10284,7 +10745,7 @@
           <a:p>
             <a:fld id="{4263717A-E3C1-4BED-ABE0-B7069385E023}" type="datetimeFigureOut">
               <a:rPr lang="en-US" smtClean="0"/>
-              <a:t>4/15/2025</a:t>
+              <a:t>4/23/2025</a:t>
             </a:fld>
             <a:endParaRPr lang="en-US"/>
           </a:p>
@@ -10559,7 +11020,7 @@
           <a:p>
             <a:fld id="{4263717A-E3C1-4BED-ABE0-B7069385E023}" type="datetimeFigureOut">
               <a:rPr lang="en-US" smtClean="0"/>
-              <a:t>4/15/2025</a:t>
+              <a:t>4/23/2025</a:t>
             </a:fld>
             <a:endParaRPr lang="en-US"/>
           </a:p>
@@ -10811,7 +11272,7 @@
           <a:p>
             <a:fld id="{4263717A-E3C1-4BED-ABE0-B7069385E023}" type="datetimeFigureOut">
               <a:rPr lang="en-US" smtClean="0"/>
-              <a:t>4/15/2025</a:t>
+              <a:t>4/23/2025</a:t>
             </a:fld>
             <a:endParaRPr lang="en-US"/>
           </a:p>
@@ -11022,7 +11483,7 @@
           <a:p>
             <a:fld id="{4263717A-E3C1-4BED-ABE0-B7069385E023}" type="datetimeFigureOut">
               <a:rPr lang="en-US" smtClean="0"/>
-              <a:t>4/15/2025</a:t>
+              <a:t>4/23/2025</a:t>
             </a:fld>
             <a:endParaRPr lang="en-US"/>
           </a:p>
@@ -14324,13 +14785,7 @@
   <p:cSld>
     <p:spTree>
       <p:nvGrpSpPr>
-        <p:cNvPr id="1" name="">
-          <a:extLst>
-            <a:ext uri="{FF2B5EF4-FFF2-40B4-BE49-F238E27FC236}">
-              <a16:creationId xmlns:a16="http://schemas.microsoft.com/office/drawing/2014/main" id="{06360024-3B11-A57D-08D1-0BA714BE5475}"/>
-            </a:ext>
-          </a:extLst>
-        </p:cNvPr>
+        <p:cNvPr id="1" name=""/>
         <p:cNvGrpSpPr/>
         <p:nvPr/>
       </p:nvGrpSpPr>
@@ -14342,72 +14797,40 @@
           <a:chExt cx="0" cy="0"/>
         </a:xfrm>
       </p:grpSpPr>
-      <p:sp>
-        <p:nvSpPr>
-          <p:cNvPr id="4" name="Title 3">
+      <p:pic>
+        <p:nvPicPr>
+          <p:cNvPr id="5" name="Picture 4">
             <a:extLst>
               <a:ext uri="{FF2B5EF4-FFF2-40B4-BE49-F238E27FC236}">
-                <a16:creationId xmlns:a16="http://schemas.microsoft.com/office/drawing/2014/main" id="{153F1245-FE95-FDD1-FA2E-BAD1E2107E13}"/>
+                <a16:creationId xmlns:a16="http://schemas.microsoft.com/office/drawing/2014/main" id="{0B69BCC3-98E6-D667-4594-F40A6AA2898A}"/>
               </a:ext>
             </a:extLst>
           </p:cNvPr>
-          <p:cNvSpPr>
-            <a:spLocks noGrp="1"/>
-          </p:cNvSpPr>
-          <p:nvPr>
-            <p:ph type="title"/>
-          </p:nvPr>
-        </p:nvSpPr>
-        <p:spPr/>
-        <p:txBody>
-          <a:bodyPr/>
-          <a:lstStyle/>
-          <a:p>
-            <a:r>
-              <a:rPr lang="en-US" dirty="0" err="1">
-                <a:solidFill>
-                  <a:schemeClr val="accent2"/>
-                </a:solidFill>
-              </a:rPr>
-              <a:t>dialer.db</a:t>
-            </a:r>
-            <a:endParaRPr lang="en-US" dirty="0">
-              <a:solidFill>
-                <a:schemeClr val="accent2"/>
-              </a:solidFill>
-            </a:endParaRPr>
-          </a:p>
-        </p:txBody>
-      </p:sp>
-      <p:sp>
-        <p:nvSpPr>
-          <p:cNvPr id="5" name="Text Placeholder 4">
-            <a:extLst>
-              <a:ext uri="{FF2B5EF4-FFF2-40B4-BE49-F238E27FC236}">
-                <a16:creationId xmlns:a16="http://schemas.microsoft.com/office/drawing/2014/main" id="{ECD0DB52-2704-4364-2784-569575739577}"/>
-              </a:ext>
-            </a:extLst>
-          </p:cNvPr>
-          <p:cNvSpPr>
-            <a:spLocks noGrp="1"/>
-          </p:cNvSpPr>
-          <p:nvPr>
-            <p:ph type="body" idx="1"/>
-          </p:nvPr>
-        </p:nvSpPr>
-        <p:spPr/>
-        <p:txBody>
-          <a:bodyPr/>
-          <a:lstStyle/>
-          <a:p>
-            <a:endParaRPr lang="en-US"/>
-          </a:p>
-        </p:txBody>
-      </p:sp>
+          <p:cNvPicPr>
+            <a:picLocks noChangeAspect="1"/>
+          </p:cNvPicPr>
+          <p:nvPr/>
+        </p:nvPicPr>
+        <p:blipFill>
+          <a:blip r:embed="rId2"/>
+          <a:stretch>
+            <a:fillRect/>
+          </a:stretch>
+        </p:blipFill>
+        <p:spPr>
+          <a:xfrm>
+            <a:off x="1619573" y="626865"/>
+            <a:ext cx="8400939" cy="5787856"/>
+          </a:xfrm>
+          <a:prstGeom prst="rect">
+            <a:avLst/>
+          </a:prstGeom>
+        </p:spPr>
+      </p:pic>
     </p:spTree>
     <p:extLst>
       <p:ext uri="{BB962C8B-B14F-4D97-AF65-F5344CB8AC3E}">
-        <p14:creationId xmlns:p14="http://schemas.microsoft.com/office/powerpoint/2010/main" val="2089248285"/>
+        <p14:creationId xmlns:p14="http://schemas.microsoft.com/office/powerpoint/2010/main" val="674427553"/>
       </p:ext>
     </p:extLst>
   </p:cSld>
@@ -14501,6 +14924,369 @@
 </file>
 
 <file path=ppt/slides/slide20.xml><?xml version="1.0" encoding="utf-8"?>
+<p:sld xmlns:a="http://schemas.openxmlformats.org/drawingml/2006/main" xmlns:r="http://schemas.openxmlformats.org/officeDocument/2006/relationships" xmlns:p="http://schemas.openxmlformats.org/presentationml/2006/main">
+  <p:cSld>
+    <p:spTree>
+      <p:nvGrpSpPr>
+        <p:cNvPr id="1" name=""/>
+        <p:cNvGrpSpPr/>
+        <p:nvPr/>
+      </p:nvGrpSpPr>
+      <p:grpSpPr>
+        <a:xfrm>
+          <a:off x="0" y="0"/>
+          <a:ext cx="0" cy="0"/>
+          <a:chOff x="0" y="0"/>
+          <a:chExt cx="0" cy="0"/>
+        </a:xfrm>
+      </p:grpSpPr>
+      <p:sp>
+        <p:nvSpPr>
+          <p:cNvPr id="2" name="Title 1">
+            <a:extLst>
+              <a:ext uri="{FF2B5EF4-FFF2-40B4-BE49-F238E27FC236}">
+                <a16:creationId xmlns:a16="http://schemas.microsoft.com/office/drawing/2014/main" id="{935775B0-C8A1-C69F-6DC3-CC0976DAC231}"/>
+              </a:ext>
+            </a:extLst>
+          </p:cNvPr>
+          <p:cNvSpPr>
+            <a:spLocks noGrp="1"/>
+          </p:cNvSpPr>
+          <p:nvPr>
+            <p:ph type="title"/>
+          </p:nvPr>
+        </p:nvSpPr>
+        <p:spPr/>
+        <p:txBody>
+          <a:bodyPr/>
+          <a:lstStyle/>
+          <a:p>
+            <a:r>
+              <a:rPr lang="en-US" dirty="0"/>
+              <a:t>Data sharing between </a:t>
+            </a:r>
+            <a:r>
+              <a:rPr lang="en-US" dirty="0" err="1">
+                <a:solidFill>
+                  <a:schemeClr val="accent2"/>
+                </a:solidFill>
+              </a:rPr>
+              <a:t>calllog.db</a:t>
+            </a:r>
+            <a:r>
+              <a:rPr lang="en-US" dirty="0">
+                <a:solidFill>
+                  <a:schemeClr val="accent2"/>
+                </a:solidFill>
+              </a:rPr>
+              <a:t> </a:t>
+            </a:r>
+            <a:r>
+              <a:rPr lang="en-US" dirty="0"/>
+              <a:t>and </a:t>
+            </a:r>
+            <a:r>
+              <a:rPr lang="en-US" dirty="0" err="1">
+                <a:solidFill>
+                  <a:schemeClr val="accent2"/>
+                </a:solidFill>
+              </a:rPr>
+              <a:t>annotated_call_log.db</a:t>
+            </a:r>
+            <a:endParaRPr lang="en-US" dirty="0">
+              <a:solidFill>
+                <a:schemeClr val="accent2"/>
+              </a:solidFill>
+            </a:endParaRPr>
+          </a:p>
+        </p:txBody>
+      </p:sp>
+      <p:sp>
+        <p:nvSpPr>
+          <p:cNvPr id="3" name="Content Placeholder 2">
+            <a:extLst>
+              <a:ext uri="{FF2B5EF4-FFF2-40B4-BE49-F238E27FC236}">
+                <a16:creationId xmlns:a16="http://schemas.microsoft.com/office/drawing/2014/main" id="{68FDF470-BF87-92FD-26B4-CF9CE27F9631}"/>
+              </a:ext>
+            </a:extLst>
+          </p:cNvPr>
+          <p:cNvSpPr>
+            <a:spLocks noGrp="1"/>
+          </p:cNvSpPr>
+          <p:nvPr>
+            <p:ph idx="1"/>
+          </p:nvPr>
+        </p:nvSpPr>
+        <p:spPr/>
+        <p:txBody>
+          <a:bodyPr>
+            <a:normAutofit fontScale="92500" lnSpcReduction="10000"/>
+          </a:bodyPr>
+          <a:lstStyle/>
+          <a:p>
+            <a:r>
+              <a:rPr lang="en-GB" dirty="0"/>
+              <a:t>Data Sharing:</a:t>
+            </a:r>
+          </a:p>
+          <a:p>
+            <a:pPr lvl="1"/>
+            <a:r>
+              <a:rPr lang="en-GB" dirty="0"/>
+              <a:t>The </a:t>
+            </a:r>
+            <a:r>
+              <a:rPr lang="en-GB" dirty="0">
+                <a:solidFill>
+                  <a:schemeClr val="accent2"/>
+                </a:solidFill>
+              </a:rPr>
+              <a:t>calls</a:t>
+            </a:r>
+            <a:r>
+              <a:rPr lang="en-GB" dirty="0"/>
+              <a:t> table is the authoritative source. The Google </a:t>
+            </a:r>
+            <a:r>
+              <a:rPr lang="en-GB" dirty="0" err="1"/>
+              <a:t>Dialer</a:t>
+            </a:r>
+            <a:r>
+              <a:rPr lang="en-GB" dirty="0"/>
+              <a:t> and other apps read from it, but do not write data from their own databases back to it.</a:t>
+            </a:r>
+          </a:p>
+          <a:p>
+            <a:pPr lvl="1"/>
+            <a:r>
+              <a:rPr lang="en-GB" dirty="0"/>
+              <a:t>The </a:t>
+            </a:r>
+            <a:r>
+              <a:rPr lang="en-GB" dirty="0" err="1">
+                <a:solidFill>
+                  <a:schemeClr val="accent2"/>
+                </a:solidFill>
+              </a:rPr>
+              <a:t>annotated_calllog</a:t>
+            </a:r>
+            <a:r>
+              <a:rPr lang="en-GB" dirty="0">
+                <a:solidFill>
+                  <a:schemeClr val="accent2"/>
+                </a:solidFill>
+              </a:rPr>
+              <a:t> </a:t>
+            </a:r>
+            <a:r>
+              <a:rPr lang="en-GB" dirty="0"/>
+              <a:t>table is a copy/subset of recent entries from the system call log, enhanced with app-specific annotations.</a:t>
+            </a:r>
+          </a:p>
+          <a:p>
+            <a:r>
+              <a:rPr lang="en-GB" dirty="0"/>
+              <a:t>Synchronization:</a:t>
+            </a:r>
+          </a:p>
+          <a:p>
+            <a:pPr lvl="1"/>
+            <a:r>
+              <a:rPr lang="en-GB" dirty="0"/>
+              <a:t>There is no automatic, two-way synchronization between the two databases.</a:t>
+            </a:r>
+          </a:p>
+          <a:p>
+            <a:pPr lvl="1"/>
+            <a:r>
+              <a:rPr lang="en-GB" dirty="0"/>
+              <a:t>The Google </a:t>
+            </a:r>
+            <a:r>
+              <a:rPr lang="en-GB" dirty="0" err="1"/>
+              <a:t>Dialer</a:t>
+            </a:r>
+            <a:r>
+              <a:rPr lang="en-GB" dirty="0"/>
+              <a:t> app periodically reads new entries from the system call log and updates its own </a:t>
+            </a:r>
+            <a:r>
+              <a:rPr lang="en-GB" dirty="0" err="1">
+                <a:solidFill>
+                  <a:schemeClr val="accent2"/>
+                </a:solidFill>
+              </a:rPr>
+              <a:t>annotated_calllog</a:t>
+            </a:r>
+            <a:r>
+              <a:rPr lang="en-GB" dirty="0">
+                <a:solidFill>
+                  <a:schemeClr val="accent2"/>
+                </a:solidFill>
+              </a:rPr>
+              <a:t> </a:t>
+            </a:r>
+            <a:r>
+              <a:rPr lang="en-GB" dirty="0"/>
+              <a:t>table as needed.</a:t>
+            </a:r>
+          </a:p>
+          <a:p>
+            <a:r>
+              <a:rPr lang="en-GB" dirty="0"/>
+              <a:t>No foreign key in either table that references the other table’s primary key.</a:t>
+            </a:r>
+          </a:p>
+          <a:p>
+            <a:pPr lvl="1"/>
+            <a:r>
+              <a:rPr lang="en-GB" dirty="0"/>
+              <a:t>The </a:t>
+            </a:r>
+            <a:r>
+              <a:rPr lang="en-GB" dirty="0" err="1">
+                <a:solidFill>
+                  <a:schemeClr val="accent2"/>
+                </a:solidFill>
+              </a:rPr>
+              <a:t>annotated_calllog</a:t>
+            </a:r>
+            <a:r>
+              <a:rPr lang="en-GB" dirty="0">
+                <a:solidFill>
+                  <a:schemeClr val="accent2"/>
+                </a:solidFill>
+              </a:rPr>
+              <a:t> </a:t>
+            </a:r>
+            <a:r>
+              <a:rPr lang="en-GB" dirty="0"/>
+              <a:t>table is populated by the Google </a:t>
+            </a:r>
+            <a:r>
+              <a:rPr lang="en-GB" dirty="0" err="1"/>
+              <a:t>Dialer</a:t>
+            </a:r>
+            <a:r>
+              <a:rPr lang="en-GB" dirty="0"/>
+              <a:t> app reading data from the system calls table and copying relevant fields, but this is done at the application logic level, not via database-enforced foreign key constraints.</a:t>
+            </a:r>
+            <a:endParaRPr lang="en-US" dirty="0"/>
+          </a:p>
+        </p:txBody>
+      </p:sp>
+    </p:spTree>
+    <p:extLst>
+      <p:ext uri="{BB962C8B-B14F-4D97-AF65-F5344CB8AC3E}">
+        <p14:creationId xmlns:p14="http://schemas.microsoft.com/office/powerpoint/2010/main" val="792115356"/>
+      </p:ext>
+    </p:extLst>
+  </p:cSld>
+  <p:clrMapOvr>
+    <a:masterClrMapping/>
+  </p:clrMapOvr>
+</p:sld>
+</file>
+
+<file path=ppt/slides/slide21.xml><?xml version="1.0" encoding="utf-8"?>
+<p:sld xmlns:a="http://schemas.openxmlformats.org/drawingml/2006/main" xmlns:r="http://schemas.openxmlformats.org/officeDocument/2006/relationships" xmlns:p="http://schemas.openxmlformats.org/presentationml/2006/main">
+  <p:cSld>
+    <p:spTree>
+      <p:nvGrpSpPr>
+        <p:cNvPr id="1" name="">
+          <a:extLst>
+            <a:ext uri="{FF2B5EF4-FFF2-40B4-BE49-F238E27FC236}">
+              <a16:creationId xmlns:a16="http://schemas.microsoft.com/office/drawing/2014/main" id="{06360024-3B11-A57D-08D1-0BA714BE5475}"/>
+            </a:ext>
+          </a:extLst>
+        </p:cNvPr>
+        <p:cNvGrpSpPr/>
+        <p:nvPr/>
+      </p:nvGrpSpPr>
+      <p:grpSpPr>
+        <a:xfrm>
+          <a:off x="0" y="0"/>
+          <a:ext cx="0" cy="0"/>
+          <a:chOff x="0" y="0"/>
+          <a:chExt cx="0" cy="0"/>
+        </a:xfrm>
+      </p:grpSpPr>
+      <p:sp>
+        <p:nvSpPr>
+          <p:cNvPr id="4" name="Title 3">
+            <a:extLst>
+              <a:ext uri="{FF2B5EF4-FFF2-40B4-BE49-F238E27FC236}">
+                <a16:creationId xmlns:a16="http://schemas.microsoft.com/office/drawing/2014/main" id="{153F1245-FE95-FDD1-FA2E-BAD1E2107E13}"/>
+              </a:ext>
+            </a:extLst>
+          </p:cNvPr>
+          <p:cNvSpPr>
+            <a:spLocks noGrp="1"/>
+          </p:cNvSpPr>
+          <p:nvPr>
+            <p:ph type="title"/>
+          </p:nvPr>
+        </p:nvSpPr>
+        <p:spPr/>
+        <p:txBody>
+          <a:bodyPr/>
+          <a:lstStyle/>
+          <a:p>
+            <a:r>
+              <a:rPr lang="en-US" dirty="0" err="1">
+                <a:solidFill>
+                  <a:schemeClr val="accent2"/>
+                </a:solidFill>
+              </a:rPr>
+              <a:t>dialer.db</a:t>
+            </a:r>
+            <a:endParaRPr lang="en-US" dirty="0">
+              <a:solidFill>
+                <a:schemeClr val="accent2"/>
+              </a:solidFill>
+            </a:endParaRPr>
+          </a:p>
+        </p:txBody>
+      </p:sp>
+      <p:sp>
+        <p:nvSpPr>
+          <p:cNvPr id="5" name="Text Placeholder 4">
+            <a:extLst>
+              <a:ext uri="{FF2B5EF4-FFF2-40B4-BE49-F238E27FC236}">
+                <a16:creationId xmlns:a16="http://schemas.microsoft.com/office/drawing/2014/main" id="{ECD0DB52-2704-4364-2784-569575739577}"/>
+              </a:ext>
+            </a:extLst>
+          </p:cNvPr>
+          <p:cNvSpPr>
+            <a:spLocks noGrp="1"/>
+          </p:cNvSpPr>
+          <p:nvPr>
+            <p:ph type="body" idx="1"/>
+          </p:nvPr>
+        </p:nvSpPr>
+        <p:spPr/>
+        <p:txBody>
+          <a:bodyPr/>
+          <a:lstStyle/>
+          <a:p>
+            <a:endParaRPr lang="en-US"/>
+          </a:p>
+        </p:txBody>
+      </p:sp>
+    </p:spTree>
+    <p:extLst>
+      <p:ext uri="{BB962C8B-B14F-4D97-AF65-F5344CB8AC3E}">
+        <p14:creationId xmlns:p14="http://schemas.microsoft.com/office/powerpoint/2010/main" val="2089248285"/>
+      </p:ext>
+    </p:extLst>
+  </p:cSld>
+  <p:clrMapOvr>
+    <a:masterClrMapping/>
+  </p:clrMapOvr>
+</p:sld>
+</file>
+
+<file path=ppt/slides/slide22.xml><?xml version="1.0" encoding="utf-8"?>
 <p:sld xmlns:a="http://schemas.openxmlformats.org/drawingml/2006/main" xmlns:r="http://schemas.openxmlformats.org/officeDocument/2006/relationships" xmlns:p="http://schemas.openxmlformats.org/presentationml/2006/main">
   <p:cSld>
     <p:spTree>
@@ -14801,7 +15587,7 @@
 </p:sld>
 </file>
 
-<file path=ppt/slides/slide21.xml><?xml version="1.0" encoding="utf-8"?>
+<file path=ppt/slides/slide23.xml><?xml version="1.0" encoding="utf-8"?>
 <p:sld xmlns:a="http://schemas.openxmlformats.org/drawingml/2006/main" xmlns:r="http://schemas.openxmlformats.org/officeDocument/2006/relationships" xmlns:p="http://schemas.openxmlformats.org/presentationml/2006/main">
   <p:cSld>
     <p:spTree>
@@ -14931,7 +15717,7 @@
 </p:sld>
 </file>
 
-<file path=ppt/slides/slide22.xml><?xml version="1.0" encoding="utf-8"?>
+<file path=ppt/slides/slide24.xml><?xml version="1.0" encoding="utf-8"?>
 <p:sld xmlns:a="http://schemas.openxmlformats.org/drawingml/2006/main" xmlns:r="http://schemas.openxmlformats.org/officeDocument/2006/relationships" xmlns:p="http://schemas.openxmlformats.org/presentationml/2006/main">
   <p:cSld>
     <p:spTree>
@@ -15029,7 +15815,7 @@
 </p:sld>
 </file>
 
-<file path=ppt/slides/slide23.xml><?xml version="1.0" encoding="utf-8"?>
+<file path=ppt/slides/slide25.xml><?xml version="1.0" encoding="utf-8"?>
 <p:sld xmlns:a="http://schemas.openxmlformats.org/drawingml/2006/main" xmlns:r="http://schemas.openxmlformats.org/officeDocument/2006/relationships" xmlns:p="http://schemas.openxmlformats.org/presentationml/2006/main">
   <p:cSld>
     <p:spTree>
@@ -15162,7 +15948,7 @@
 </p:sld>
 </file>
 
-<file path=ppt/slides/slide24.xml><?xml version="1.0" encoding="utf-8"?>
+<file path=ppt/slides/slide26.xml><?xml version="1.0" encoding="utf-8"?>
 <p:sld xmlns:a="http://schemas.openxmlformats.org/drawingml/2006/main" xmlns:r="http://schemas.openxmlformats.org/officeDocument/2006/relationships" xmlns:p="http://schemas.openxmlformats.org/presentationml/2006/main">
   <p:cSld>
     <p:spTree>
@@ -15382,7 +16168,7 @@
 </p:sld>
 </file>
 
-<file path=ppt/slides/slide25.xml><?xml version="1.0" encoding="utf-8"?>
+<file path=ppt/slides/slide27.xml><?xml version="1.0" encoding="utf-8"?>
 <p:sld xmlns:a="http://schemas.openxmlformats.org/drawingml/2006/main" xmlns:r="http://schemas.openxmlformats.org/officeDocument/2006/relationships" xmlns:p="http://schemas.openxmlformats.org/presentationml/2006/main">
   <p:cSld>
     <p:spTree>
@@ -15480,7 +16266,7 @@
 </p:sld>
 </file>
 
-<file path=ppt/slides/slide26.xml><?xml version="1.0" encoding="utf-8"?>
+<file path=ppt/slides/slide28.xml><?xml version="1.0" encoding="utf-8"?>
 <p:sld xmlns:a="http://schemas.openxmlformats.org/drawingml/2006/main" xmlns:r="http://schemas.openxmlformats.org/officeDocument/2006/relationships" xmlns:p="http://schemas.openxmlformats.org/presentationml/2006/main">
   <p:cSld>
     <p:spTree>
@@ -15588,14 +16374,14 @@
             <a:pPr lvl="1"/>
             <a:r>
               <a:rPr lang="en-GB" dirty="0"/>
-              <a:t> Allows the app to quickly retrieve the same information if the same number calls again</a:t>
+              <a:t>Allows the app to quickly retrieve the same information if the same number calls again</a:t>
             </a:r>
           </a:p>
           <a:p>
             <a:pPr lvl="1"/>
             <a:r>
               <a:rPr lang="en-GB" dirty="0"/>
-              <a:t> Reducing the need for repeated server queries and improving performance.</a:t>
+              <a:t>Reducing the need for repeated server queries and improving performance.</a:t>
             </a:r>
             <a:endParaRPr lang="en-US" dirty="0"/>
           </a:p>
@@ -15644,7 +16430,7 @@
 </p:sld>
 </file>
 
-<file path=ppt/slides/slide27.xml><?xml version="1.0" encoding="utf-8"?>
+<file path=ppt/slides/slide29.xml><?xml version="1.0" encoding="utf-8"?>
 <p:sld xmlns:a="http://schemas.openxmlformats.org/drawingml/2006/main" xmlns:r="http://schemas.openxmlformats.org/officeDocument/2006/relationships" xmlns:p="http://schemas.openxmlformats.org/presentationml/2006/main">
   <p:cSld>
     <p:spTree>
@@ -15683,7 +16469,7 @@
         </p:blipFill>
         <p:spPr>
           <a:xfrm>
-            <a:off x="851089" y="1227130"/>
+            <a:off x="1176554" y="2312011"/>
             <a:ext cx="9999538" cy="581791"/>
           </a:xfrm>
           <a:prstGeom prst="rect">
@@ -15713,38 +16499,8 @@
         </p:blipFill>
         <p:spPr>
           <a:xfrm>
-            <a:off x="851089" y="1808921"/>
+            <a:off x="1176554" y="2893802"/>
             <a:ext cx="7866620" cy="1576661"/>
-          </a:xfrm>
-          <a:prstGeom prst="rect">
-            <a:avLst/>
-          </a:prstGeom>
-        </p:spPr>
-      </p:pic>
-      <p:pic>
-        <p:nvPicPr>
-          <p:cNvPr id="9" name="Picture 8" descr="Graphical user interface&#10;&#10;Description automatically generated">
-            <a:extLst>
-              <a:ext uri="{FF2B5EF4-FFF2-40B4-BE49-F238E27FC236}">
-                <a16:creationId xmlns:a16="http://schemas.microsoft.com/office/drawing/2014/main" id="{B6516974-8E35-4D9E-8B52-0F9861769110}"/>
-              </a:ext>
-            </a:extLst>
-          </p:cNvPr>
-          <p:cNvPicPr>
-            <a:picLocks noChangeAspect="1"/>
-          </p:cNvPicPr>
-          <p:nvPr/>
-        </p:nvPicPr>
-        <p:blipFill>
-          <a:blip r:embed="rId4"/>
-          <a:stretch>
-            <a:fillRect/>
-          </a:stretch>
-        </p:blipFill>
-        <p:spPr>
-          <a:xfrm>
-            <a:off x="851089" y="3992396"/>
-            <a:ext cx="4778154" cy="1905165"/>
           </a:xfrm>
           <a:prstGeom prst="rect">
             <a:avLst/>
@@ -15765,7 +16521,7 @@
         </p:nvSpPr>
         <p:spPr>
           <a:xfrm>
-            <a:off x="851089" y="845023"/>
+            <a:off x="1176554" y="1929904"/>
             <a:ext cx="3227615" cy="369332"/>
           </a:xfrm>
           <a:prstGeom prst="rect">
@@ -15801,273 +16557,10 @@
           </a:p>
         </p:txBody>
       </p:sp>
-      <p:sp>
-        <p:nvSpPr>
-          <p:cNvPr id="11" name="TextBox 10">
-            <a:extLst>
-              <a:ext uri="{FF2B5EF4-FFF2-40B4-BE49-F238E27FC236}">
-                <a16:creationId xmlns:a16="http://schemas.microsoft.com/office/drawing/2014/main" id="{884103A9-E37C-4959-A633-0363560DA7CE}"/>
-              </a:ext>
-            </a:extLst>
-          </p:cNvPr>
-          <p:cNvSpPr txBox="1"/>
-          <p:nvPr/>
-        </p:nvSpPr>
-        <p:spPr>
-          <a:xfrm>
-            <a:off x="851089" y="3623064"/>
-            <a:ext cx="2356222" cy="369332"/>
-          </a:xfrm>
-          <a:prstGeom prst="rect">
-            <a:avLst/>
-          </a:prstGeom>
-          <a:solidFill>
-            <a:schemeClr val="accent4"/>
-          </a:solidFill>
-        </p:spPr>
-        <p:txBody>
-          <a:bodyPr wrap="none" rtlCol="0">
-            <a:spAutoFit/>
-          </a:bodyPr>
-          <a:lstStyle/>
-          <a:p>
-            <a:r>
-              <a:rPr lang="en-US" dirty="0"/>
-              <a:t>Two contacts are saved</a:t>
-            </a:r>
-            <a:endParaRPr lang="en-US" i="1" dirty="0">
-              <a:solidFill>
-                <a:srgbClr val="7030A0"/>
-              </a:solidFill>
-            </a:endParaRPr>
-          </a:p>
-        </p:txBody>
-      </p:sp>
     </p:spTree>
     <p:extLst>
       <p:ext uri="{BB962C8B-B14F-4D97-AF65-F5344CB8AC3E}">
         <p14:creationId xmlns:p14="http://schemas.microsoft.com/office/powerpoint/2010/main" val="1495699096"/>
-      </p:ext>
-    </p:extLst>
-  </p:cSld>
-  <p:clrMapOvr>
-    <a:masterClrMapping/>
-  </p:clrMapOvr>
-</p:sld>
-</file>
-
-<file path=ppt/slides/slide28.xml><?xml version="1.0" encoding="utf-8"?>
-<p:sld xmlns:a="http://schemas.openxmlformats.org/drawingml/2006/main" xmlns:r="http://schemas.openxmlformats.org/officeDocument/2006/relationships" xmlns:p="http://schemas.openxmlformats.org/presentationml/2006/main">
-  <p:cSld>
-    <p:spTree>
-      <p:nvGrpSpPr>
-        <p:cNvPr id="1" name="">
-          <a:extLst>
-            <a:ext uri="{FF2B5EF4-FFF2-40B4-BE49-F238E27FC236}">
-              <a16:creationId xmlns:a16="http://schemas.microsoft.com/office/drawing/2014/main" id="{55665620-7871-5B67-797F-4D7F6F6433A0}"/>
-            </a:ext>
-          </a:extLst>
-        </p:cNvPr>
-        <p:cNvGrpSpPr/>
-        <p:nvPr/>
-      </p:nvGrpSpPr>
-      <p:grpSpPr>
-        <a:xfrm>
-          <a:off x="0" y="0"/>
-          <a:ext cx="0" cy="0"/>
-          <a:chOff x="0" y="0"/>
-          <a:chExt cx="0" cy="0"/>
-        </a:xfrm>
-      </p:grpSpPr>
-      <p:sp>
-        <p:nvSpPr>
-          <p:cNvPr id="4" name="Title 3">
-            <a:extLst>
-              <a:ext uri="{FF2B5EF4-FFF2-40B4-BE49-F238E27FC236}">
-                <a16:creationId xmlns:a16="http://schemas.microsoft.com/office/drawing/2014/main" id="{84C29BEA-A4BA-50A6-F384-78E18FAC007D}"/>
-              </a:ext>
-            </a:extLst>
-          </p:cNvPr>
-          <p:cNvSpPr>
-            <a:spLocks noGrp="1"/>
-          </p:cNvSpPr>
-          <p:nvPr>
-            <p:ph type="title"/>
-          </p:nvPr>
-        </p:nvSpPr>
-        <p:spPr/>
-        <p:txBody>
-          <a:bodyPr/>
-          <a:lstStyle/>
-          <a:p>
-            <a:r>
-              <a:rPr lang="en-GB" dirty="0" err="1">
-                <a:solidFill>
-                  <a:schemeClr val="accent2"/>
-                </a:solidFill>
-              </a:rPr>
-              <a:t>voicemail.db</a:t>
-            </a:r>
-            <a:endParaRPr lang="en-US" dirty="0">
-              <a:solidFill>
-                <a:schemeClr val="accent2"/>
-              </a:solidFill>
-            </a:endParaRPr>
-          </a:p>
-        </p:txBody>
-      </p:sp>
-      <p:sp>
-        <p:nvSpPr>
-          <p:cNvPr id="5" name="Text Placeholder 4">
-            <a:extLst>
-              <a:ext uri="{FF2B5EF4-FFF2-40B4-BE49-F238E27FC236}">
-                <a16:creationId xmlns:a16="http://schemas.microsoft.com/office/drawing/2014/main" id="{0B18FC7F-0826-79A1-93FE-29328D546C25}"/>
-              </a:ext>
-            </a:extLst>
-          </p:cNvPr>
-          <p:cNvSpPr>
-            <a:spLocks noGrp="1"/>
-          </p:cNvSpPr>
-          <p:nvPr>
-            <p:ph type="body" idx="1"/>
-          </p:nvPr>
-        </p:nvSpPr>
-        <p:spPr/>
-        <p:txBody>
-          <a:bodyPr/>
-          <a:lstStyle/>
-          <a:p>
-            <a:endParaRPr lang="en-US"/>
-          </a:p>
-        </p:txBody>
-      </p:sp>
-    </p:spTree>
-    <p:extLst>
-      <p:ext uri="{BB962C8B-B14F-4D97-AF65-F5344CB8AC3E}">
-        <p14:creationId xmlns:p14="http://schemas.microsoft.com/office/powerpoint/2010/main" val="2573116480"/>
-      </p:ext>
-    </p:extLst>
-  </p:cSld>
-  <p:clrMapOvr>
-    <a:masterClrMapping/>
-  </p:clrMapOvr>
-</p:sld>
-</file>
-
-<file path=ppt/slides/slide29.xml><?xml version="1.0" encoding="utf-8"?>
-<p:sld xmlns:a="http://schemas.openxmlformats.org/drawingml/2006/main" xmlns:r="http://schemas.openxmlformats.org/officeDocument/2006/relationships" xmlns:p="http://schemas.openxmlformats.org/presentationml/2006/main">
-  <p:cSld>
-    <p:spTree>
-      <p:nvGrpSpPr>
-        <p:cNvPr id="1" name=""/>
-        <p:cNvGrpSpPr/>
-        <p:nvPr/>
-      </p:nvGrpSpPr>
-      <p:grpSpPr>
-        <a:xfrm>
-          <a:off x="0" y="0"/>
-          <a:ext cx="0" cy="0"/>
-          <a:chOff x="0" y="0"/>
-          <a:chExt cx="0" cy="0"/>
-        </a:xfrm>
-      </p:grpSpPr>
-      <p:sp>
-        <p:nvSpPr>
-          <p:cNvPr id="2" name="Title 1">
-            <a:extLst>
-              <a:ext uri="{FF2B5EF4-FFF2-40B4-BE49-F238E27FC236}">
-                <a16:creationId xmlns:a16="http://schemas.microsoft.com/office/drawing/2014/main" id="{84AAD71E-1D63-4FE9-8A2D-A3C04021473A}"/>
-              </a:ext>
-            </a:extLst>
-          </p:cNvPr>
-          <p:cNvSpPr>
-            <a:spLocks noGrp="1"/>
-          </p:cNvSpPr>
-          <p:nvPr>
-            <p:ph type="title"/>
-          </p:nvPr>
-        </p:nvSpPr>
-        <p:spPr/>
-        <p:txBody>
-          <a:bodyPr/>
-          <a:lstStyle/>
-          <a:p>
-            <a:r>
-              <a:rPr lang="en-US" dirty="0"/>
-              <a:t>What is the greeting message?</a:t>
-            </a:r>
-          </a:p>
-        </p:txBody>
-      </p:sp>
-      <p:sp>
-        <p:nvSpPr>
-          <p:cNvPr id="3" name="Content Placeholder 2">
-            <a:extLst>
-              <a:ext uri="{FF2B5EF4-FFF2-40B4-BE49-F238E27FC236}">
-                <a16:creationId xmlns:a16="http://schemas.microsoft.com/office/drawing/2014/main" id="{C7D96ACB-A16D-4162-A340-47BFCF3CAD6A}"/>
-              </a:ext>
-            </a:extLst>
-          </p:cNvPr>
-          <p:cNvSpPr>
-            <a:spLocks noGrp="1"/>
-          </p:cNvSpPr>
-          <p:nvPr>
-            <p:ph idx="1"/>
-          </p:nvPr>
-        </p:nvSpPr>
-        <p:spPr>
-          <a:xfrm>
-            <a:off x="838200" y="1825625"/>
-            <a:ext cx="10515600" cy="636838"/>
-          </a:xfrm>
-        </p:spPr>
-        <p:txBody>
-          <a:bodyPr>
-            <a:normAutofit fontScale="85000" lnSpcReduction="20000"/>
-          </a:bodyPr>
-          <a:lstStyle/>
-          <a:p>
-            <a:r>
-              <a:rPr lang="en-US" dirty="0"/>
-              <a:t>The owner often provides greeting message. Did the owner use a greeting message?</a:t>
-            </a:r>
-          </a:p>
-        </p:txBody>
-      </p:sp>
-      <p:pic>
-        <p:nvPicPr>
-          <p:cNvPr id="5" name="Picture 4" descr="Text&#10;&#10;Description automatically generated">
-            <a:extLst>
-              <a:ext uri="{FF2B5EF4-FFF2-40B4-BE49-F238E27FC236}">
-                <a16:creationId xmlns:a16="http://schemas.microsoft.com/office/drawing/2014/main" id="{DE102491-6098-4C0F-8CDF-2ECB8C93DD1C}"/>
-              </a:ext>
-            </a:extLst>
-          </p:cNvPr>
-          <p:cNvPicPr>
-            <a:picLocks noChangeAspect="1"/>
-          </p:cNvPicPr>
-          <p:nvPr/>
-        </p:nvPicPr>
-        <p:blipFill>
-          <a:blip r:embed="rId2"/>
-          <a:stretch>
-            <a:fillRect/>
-          </a:stretch>
-        </p:blipFill>
-        <p:spPr>
-          <a:xfrm>
-            <a:off x="1037854" y="2735179"/>
-            <a:ext cx="7514844" cy="3684130"/>
-          </a:xfrm>
-          <a:prstGeom prst="rect">
-            <a:avLst/>
-          </a:prstGeom>
-        </p:spPr>
-      </p:pic>
-    </p:spTree>
-    <p:extLst>
-      <p:ext uri="{BB962C8B-B14F-4D97-AF65-F5344CB8AC3E}">
-        <p14:creationId xmlns:p14="http://schemas.microsoft.com/office/powerpoint/2010/main" val="4195252170"/>
       </p:ext>
     </p:extLst>
   </p:cSld>
@@ -16220,6 +16713,553 @@
 </file>
 
 <file path=ppt/slides/slide30.xml><?xml version="1.0" encoding="utf-8"?>
+<p:sld xmlns:a="http://schemas.openxmlformats.org/drawingml/2006/main" xmlns:r="http://schemas.openxmlformats.org/officeDocument/2006/relationships" xmlns:p="http://schemas.openxmlformats.org/presentationml/2006/main">
+  <p:cSld>
+    <p:spTree>
+      <p:nvGrpSpPr>
+        <p:cNvPr id="1" name="">
+          <a:extLst>
+            <a:ext uri="{FF2B5EF4-FFF2-40B4-BE49-F238E27FC236}">
+              <a16:creationId xmlns:a16="http://schemas.microsoft.com/office/drawing/2014/main" id="{1E4FBED3-F245-F70A-74E7-D15210240AE7}"/>
+            </a:ext>
+          </a:extLst>
+        </p:cNvPr>
+        <p:cNvGrpSpPr/>
+        <p:nvPr/>
+      </p:nvGrpSpPr>
+      <p:grpSpPr>
+        <a:xfrm>
+          <a:off x="0" y="0"/>
+          <a:ext cx="0" cy="0"/>
+          <a:chOff x="0" y="0"/>
+          <a:chExt cx="0" cy="0"/>
+        </a:xfrm>
+      </p:grpSpPr>
+      <p:pic>
+        <p:nvPicPr>
+          <p:cNvPr id="9" name="Picture 8" descr="Graphical user interface&#10;&#10;Description automatically generated">
+            <a:extLst>
+              <a:ext uri="{FF2B5EF4-FFF2-40B4-BE49-F238E27FC236}">
+                <a16:creationId xmlns:a16="http://schemas.microsoft.com/office/drawing/2014/main" id="{AD71472D-94CF-FDF2-3A98-2B1BA51E1DA8}"/>
+              </a:ext>
+            </a:extLst>
+          </p:cNvPr>
+          <p:cNvPicPr>
+            <a:picLocks noChangeAspect="1"/>
+          </p:cNvPicPr>
+          <p:nvPr/>
+        </p:nvPicPr>
+        <p:blipFill>
+          <a:blip r:embed="rId2"/>
+          <a:srcRect r="25208"/>
+          <a:stretch/>
+        </p:blipFill>
+        <p:spPr>
+          <a:xfrm>
+            <a:off x="8553746" y="0"/>
+            <a:ext cx="3573677" cy="1905165"/>
+          </a:xfrm>
+          <a:prstGeom prst="rect">
+            <a:avLst/>
+          </a:prstGeom>
+        </p:spPr>
+      </p:pic>
+      <p:sp>
+        <p:nvSpPr>
+          <p:cNvPr id="2" name="Title 1">
+            <a:extLst>
+              <a:ext uri="{FF2B5EF4-FFF2-40B4-BE49-F238E27FC236}">
+                <a16:creationId xmlns:a16="http://schemas.microsoft.com/office/drawing/2014/main" id="{E77662BB-5E19-1844-09CE-C040110E0FC5}"/>
+              </a:ext>
+            </a:extLst>
+          </p:cNvPr>
+          <p:cNvSpPr>
+            <a:spLocks noGrp="1"/>
+          </p:cNvSpPr>
+          <p:nvPr>
+            <p:ph type="title"/>
+          </p:nvPr>
+        </p:nvSpPr>
+        <p:spPr/>
+        <p:txBody>
+          <a:bodyPr/>
+          <a:lstStyle/>
+          <a:p>
+            <a:r>
+              <a:rPr lang="en-US" dirty="0" err="1">
+                <a:solidFill>
+                  <a:schemeClr val="accent2"/>
+                </a:solidFill>
+              </a:rPr>
+              <a:t>PhoneLookupHistory</a:t>
+            </a:r>
+            <a:r>
+              <a:rPr lang="en-US" dirty="0"/>
+              <a:t> table</a:t>
+            </a:r>
+          </a:p>
+        </p:txBody>
+      </p:sp>
+      <p:sp>
+        <p:nvSpPr>
+          <p:cNvPr id="6" name="Content Placeholder 5">
+            <a:extLst>
+              <a:ext uri="{FF2B5EF4-FFF2-40B4-BE49-F238E27FC236}">
+                <a16:creationId xmlns:a16="http://schemas.microsoft.com/office/drawing/2014/main" id="{CAD5851A-A011-5D7C-F84D-94BC70EEB92D}"/>
+              </a:ext>
+            </a:extLst>
+          </p:cNvPr>
+          <p:cNvSpPr>
+            <a:spLocks noGrp="1"/>
+          </p:cNvSpPr>
+          <p:nvPr>
+            <p:ph idx="1"/>
+          </p:nvPr>
+        </p:nvSpPr>
+        <p:spPr/>
+        <p:txBody>
+          <a:bodyPr>
+            <a:normAutofit/>
+          </a:bodyPr>
+          <a:lstStyle/>
+          <a:p>
+            <a:r>
+              <a:rPr lang="en-US" dirty="0" err="1">
+                <a:solidFill>
+                  <a:schemeClr val="accent2"/>
+                </a:solidFill>
+              </a:rPr>
+              <a:t>normalized_number</a:t>
+            </a:r>
+            <a:r>
+              <a:rPr lang="en-US" dirty="0">
+                <a:solidFill>
+                  <a:schemeClr val="accent2"/>
+                </a:solidFill>
+              </a:rPr>
+              <a:t>: </a:t>
+            </a:r>
+            <a:r>
+              <a:rPr lang="en-GB" dirty="0"/>
+              <a:t>stores the phone number in a standardized (normalized) format</a:t>
+            </a:r>
+            <a:endParaRPr lang="en-US" dirty="0"/>
+          </a:p>
+          <a:p>
+            <a:r>
+              <a:rPr lang="en-GB" dirty="0" err="1">
+                <a:solidFill>
+                  <a:schemeClr val="accent2"/>
+                </a:solidFill>
+              </a:rPr>
+              <a:t>phone_lookup_info</a:t>
+            </a:r>
+            <a:r>
+              <a:rPr lang="en-GB" dirty="0">
+                <a:solidFill>
+                  <a:schemeClr val="accent2"/>
+                </a:solidFill>
+              </a:rPr>
+              <a:t>:  </a:t>
+            </a:r>
+            <a:r>
+              <a:rPr lang="en-GB" dirty="0"/>
+              <a:t>stores the lookup information associated with the phone number. </a:t>
+            </a:r>
+          </a:p>
+          <a:p>
+            <a:pPr lvl="1"/>
+            <a:r>
+              <a:rPr lang="en-GB" dirty="0"/>
+              <a:t>Stored as a Binary Large Object (BLOB) </a:t>
+            </a:r>
+          </a:p>
+          <a:p>
+            <a:pPr lvl="2"/>
+            <a:r>
+              <a:rPr lang="en-GB" dirty="0"/>
+              <a:t>Structured data in a format like Protocol Buffers, JSON, or a custom binary format, which is then deserialized by the application.</a:t>
+            </a:r>
+          </a:p>
+          <a:p>
+            <a:pPr lvl="1"/>
+            <a:r>
+              <a:rPr lang="en-GB" dirty="0"/>
+              <a:t>The actual content could include:</a:t>
+            </a:r>
+          </a:p>
+          <a:p>
+            <a:pPr lvl="2"/>
+            <a:r>
+              <a:rPr lang="en-GB" dirty="0"/>
+              <a:t>Caller details (e.g., name, carrier, location).</a:t>
+            </a:r>
+          </a:p>
+          <a:p>
+            <a:pPr lvl="2"/>
+            <a:r>
+              <a:rPr lang="en-GB" dirty="0"/>
+              <a:t>Metadata about the lookup (e.g., source of the data, confidence score).</a:t>
+            </a:r>
+          </a:p>
+          <a:p>
+            <a:endParaRPr lang="en-US" dirty="0"/>
+          </a:p>
+        </p:txBody>
+      </p:sp>
+    </p:spTree>
+    <p:extLst>
+      <p:ext uri="{BB962C8B-B14F-4D97-AF65-F5344CB8AC3E}">
+        <p14:creationId xmlns:p14="http://schemas.microsoft.com/office/powerpoint/2010/main" val="204470065"/>
+      </p:ext>
+    </p:extLst>
+  </p:cSld>
+  <p:clrMapOvr>
+    <a:masterClrMapping/>
+  </p:clrMapOvr>
+</p:sld>
+</file>
+
+<file path=ppt/slides/slide31.xml><?xml version="1.0" encoding="utf-8"?>
+<p:sld xmlns:a="http://schemas.openxmlformats.org/drawingml/2006/main" xmlns:r="http://schemas.openxmlformats.org/officeDocument/2006/relationships" xmlns:p="http://schemas.openxmlformats.org/presentationml/2006/main">
+  <p:cSld>
+    <p:spTree>
+      <p:nvGrpSpPr>
+        <p:cNvPr id="1" name=""/>
+        <p:cNvGrpSpPr/>
+        <p:nvPr/>
+      </p:nvGrpSpPr>
+      <p:grpSpPr>
+        <a:xfrm>
+          <a:off x="0" y="0"/>
+          <a:ext cx="0" cy="0"/>
+          <a:chOff x="0" y="0"/>
+          <a:chExt cx="0" cy="0"/>
+        </a:xfrm>
+      </p:grpSpPr>
+      <p:sp>
+        <p:nvSpPr>
+          <p:cNvPr id="2" name="Title 1">
+            <a:extLst>
+              <a:ext uri="{FF2B5EF4-FFF2-40B4-BE49-F238E27FC236}">
+                <a16:creationId xmlns:a16="http://schemas.microsoft.com/office/drawing/2014/main" id="{F470E545-9371-FF9B-EA3E-4174C4CC30BB}"/>
+              </a:ext>
+            </a:extLst>
+          </p:cNvPr>
+          <p:cNvSpPr>
+            <a:spLocks noGrp="1"/>
+          </p:cNvSpPr>
+          <p:nvPr>
+            <p:ph type="title"/>
+          </p:nvPr>
+        </p:nvSpPr>
+        <p:spPr/>
+        <p:txBody>
+          <a:bodyPr/>
+          <a:lstStyle/>
+          <a:p>
+            <a:r>
+              <a:rPr lang="en-US" dirty="0"/>
+              <a:t>Access the BLOB</a:t>
+            </a:r>
+          </a:p>
+        </p:txBody>
+      </p:sp>
+      <p:pic>
+        <p:nvPicPr>
+          <p:cNvPr id="7" name="Picture 6">
+            <a:extLst>
+              <a:ext uri="{FF2B5EF4-FFF2-40B4-BE49-F238E27FC236}">
+                <a16:creationId xmlns:a16="http://schemas.microsoft.com/office/drawing/2014/main" id="{B3A6942E-2A56-F267-AB97-7F74E477FB84}"/>
+              </a:ext>
+            </a:extLst>
+          </p:cNvPr>
+          <p:cNvPicPr>
+            <a:picLocks noChangeAspect="1"/>
+          </p:cNvPicPr>
+          <p:nvPr/>
+        </p:nvPicPr>
+        <p:blipFill>
+          <a:blip r:embed="rId3"/>
+          <a:stretch>
+            <a:fillRect/>
+          </a:stretch>
+        </p:blipFill>
+        <p:spPr>
+          <a:xfrm>
+            <a:off x="838199" y="2057281"/>
+            <a:ext cx="6124207" cy="1735996"/>
+          </a:xfrm>
+          <a:prstGeom prst="rect">
+            <a:avLst/>
+          </a:prstGeom>
+        </p:spPr>
+      </p:pic>
+      <p:pic>
+        <p:nvPicPr>
+          <p:cNvPr id="9" name="Picture 8">
+            <a:extLst>
+              <a:ext uri="{FF2B5EF4-FFF2-40B4-BE49-F238E27FC236}">
+                <a16:creationId xmlns:a16="http://schemas.microsoft.com/office/drawing/2014/main" id="{505BAD6F-2674-8233-4621-42AEBD982138}"/>
+              </a:ext>
+            </a:extLst>
+          </p:cNvPr>
+          <p:cNvPicPr>
+            <a:picLocks noChangeAspect="1"/>
+          </p:cNvPicPr>
+          <p:nvPr/>
+        </p:nvPicPr>
+        <p:blipFill>
+          <a:blip r:embed="rId4"/>
+          <a:stretch>
+            <a:fillRect/>
+          </a:stretch>
+        </p:blipFill>
+        <p:spPr>
+          <a:xfrm>
+            <a:off x="838199" y="4159870"/>
+            <a:ext cx="5427373" cy="1735996"/>
+          </a:xfrm>
+          <a:prstGeom prst="rect">
+            <a:avLst/>
+          </a:prstGeom>
+        </p:spPr>
+      </p:pic>
+    </p:spTree>
+    <p:extLst>
+      <p:ext uri="{BB962C8B-B14F-4D97-AF65-F5344CB8AC3E}">
+        <p14:creationId xmlns:p14="http://schemas.microsoft.com/office/powerpoint/2010/main" val="869897344"/>
+      </p:ext>
+    </p:extLst>
+  </p:cSld>
+  <p:clrMapOvr>
+    <a:masterClrMapping/>
+  </p:clrMapOvr>
+</p:sld>
+</file>
+
+<file path=ppt/slides/slide32.xml><?xml version="1.0" encoding="utf-8"?>
+<p:sld xmlns:a="http://schemas.openxmlformats.org/drawingml/2006/main" xmlns:r="http://schemas.openxmlformats.org/officeDocument/2006/relationships" xmlns:p="http://schemas.openxmlformats.org/presentationml/2006/main">
+  <p:cSld>
+    <p:spTree>
+      <p:nvGrpSpPr>
+        <p:cNvPr id="1" name="">
+          <a:extLst>
+            <a:ext uri="{FF2B5EF4-FFF2-40B4-BE49-F238E27FC236}">
+              <a16:creationId xmlns:a16="http://schemas.microsoft.com/office/drawing/2014/main" id="{55665620-7871-5B67-797F-4D7F6F6433A0}"/>
+            </a:ext>
+          </a:extLst>
+        </p:cNvPr>
+        <p:cNvGrpSpPr/>
+        <p:nvPr/>
+      </p:nvGrpSpPr>
+      <p:grpSpPr>
+        <a:xfrm>
+          <a:off x="0" y="0"/>
+          <a:ext cx="0" cy="0"/>
+          <a:chOff x="0" y="0"/>
+          <a:chExt cx="0" cy="0"/>
+        </a:xfrm>
+      </p:grpSpPr>
+      <p:sp>
+        <p:nvSpPr>
+          <p:cNvPr id="4" name="Title 3">
+            <a:extLst>
+              <a:ext uri="{FF2B5EF4-FFF2-40B4-BE49-F238E27FC236}">
+                <a16:creationId xmlns:a16="http://schemas.microsoft.com/office/drawing/2014/main" id="{84C29BEA-A4BA-50A6-F384-78E18FAC007D}"/>
+              </a:ext>
+            </a:extLst>
+          </p:cNvPr>
+          <p:cNvSpPr>
+            <a:spLocks noGrp="1"/>
+          </p:cNvSpPr>
+          <p:nvPr>
+            <p:ph type="title"/>
+          </p:nvPr>
+        </p:nvSpPr>
+        <p:spPr/>
+        <p:txBody>
+          <a:bodyPr/>
+          <a:lstStyle/>
+          <a:p>
+            <a:r>
+              <a:rPr lang="en-GB" dirty="0" err="1">
+                <a:solidFill>
+                  <a:schemeClr val="accent2"/>
+                </a:solidFill>
+              </a:rPr>
+              <a:t>voicemail.db</a:t>
+            </a:r>
+            <a:endParaRPr lang="en-US" dirty="0">
+              <a:solidFill>
+                <a:schemeClr val="accent2"/>
+              </a:solidFill>
+            </a:endParaRPr>
+          </a:p>
+        </p:txBody>
+      </p:sp>
+      <p:sp>
+        <p:nvSpPr>
+          <p:cNvPr id="5" name="Text Placeholder 4">
+            <a:extLst>
+              <a:ext uri="{FF2B5EF4-FFF2-40B4-BE49-F238E27FC236}">
+                <a16:creationId xmlns:a16="http://schemas.microsoft.com/office/drawing/2014/main" id="{0B18FC7F-0826-79A1-93FE-29328D546C25}"/>
+              </a:ext>
+            </a:extLst>
+          </p:cNvPr>
+          <p:cNvSpPr>
+            <a:spLocks noGrp="1"/>
+          </p:cNvSpPr>
+          <p:nvPr>
+            <p:ph type="body" idx="1"/>
+          </p:nvPr>
+        </p:nvSpPr>
+        <p:spPr/>
+        <p:txBody>
+          <a:bodyPr/>
+          <a:lstStyle/>
+          <a:p>
+            <a:endParaRPr lang="en-US"/>
+          </a:p>
+        </p:txBody>
+      </p:sp>
+    </p:spTree>
+    <p:extLst>
+      <p:ext uri="{BB962C8B-B14F-4D97-AF65-F5344CB8AC3E}">
+        <p14:creationId xmlns:p14="http://schemas.microsoft.com/office/powerpoint/2010/main" val="2573116480"/>
+      </p:ext>
+    </p:extLst>
+  </p:cSld>
+  <p:clrMapOvr>
+    <a:masterClrMapping/>
+  </p:clrMapOvr>
+</p:sld>
+</file>
+
+<file path=ppt/slides/slide33.xml><?xml version="1.0" encoding="utf-8"?>
+<p:sld xmlns:a="http://schemas.openxmlformats.org/drawingml/2006/main" xmlns:r="http://schemas.openxmlformats.org/officeDocument/2006/relationships" xmlns:p="http://schemas.openxmlformats.org/presentationml/2006/main">
+  <p:cSld>
+    <p:spTree>
+      <p:nvGrpSpPr>
+        <p:cNvPr id="1" name=""/>
+        <p:cNvGrpSpPr/>
+        <p:nvPr/>
+      </p:nvGrpSpPr>
+      <p:grpSpPr>
+        <a:xfrm>
+          <a:off x="0" y="0"/>
+          <a:ext cx="0" cy="0"/>
+          <a:chOff x="0" y="0"/>
+          <a:chExt cx="0" cy="0"/>
+        </a:xfrm>
+      </p:grpSpPr>
+      <p:sp>
+        <p:nvSpPr>
+          <p:cNvPr id="2" name="Title 1">
+            <a:extLst>
+              <a:ext uri="{FF2B5EF4-FFF2-40B4-BE49-F238E27FC236}">
+                <a16:creationId xmlns:a16="http://schemas.microsoft.com/office/drawing/2014/main" id="{84AAD71E-1D63-4FE9-8A2D-A3C04021473A}"/>
+              </a:ext>
+            </a:extLst>
+          </p:cNvPr>
+          <p:cNvSpPr>
+            <a:spLocks noGrp="1"/>
+          </p:cNvSpPr>
+          <p:nvPr>
+            <p:ph type="title"/>
+          </p:nvPr>
+        </p:nvSpPr>
+        <p:spPr/>
+        <p:txBody>
+          <a:bodyPr/>
+          <a:lstStyle/>
+          <a:p>
+            <a:r>
+              <a:rPr lang="en-US" dirty="0"/>
+              <a:t>What is the greeting message?</a:t>
+            </a:r>
+          </a:p>
+        </p:txBody>
+      </p:sp>
+      <p:sp>
+        <p:nvSpPr>
+          <p:cNvPr id="3" name="Content Placeholder 2">
+            <a:extLst>
+              <a:ext uri="{FF2B5EF4-FFF2-40B4-BE49-F238E27FC236}">
+                <a16:creationId xmlns:a16="http://schemas.microsoft.com/office/drawing/2014/main" id="{C7D96ACB-A16D-4162-A340-47BFCF3CAD6A}"/>
+              </a:ext>
+            </a:extLst>
+          </p:cNvPr>
+          <p:cNvSpPr>
+            <a:spLocks noGrp="1"/>
+          </p:cNvSpPr>
+          <p:nvPr>
+            <p:ph idx="1"/>
+          </p:nvPr>
+        </p:nvSpPr>
+        <p:spPr>
+          <a:xfrm>
+            <a:off x="838200" y="1825625"/>
+            <a:ext cx="10515600" cy="636838"/>
+          </a:xfrm>
+        </p:spPr>
+        <p:txBody>
+          <a:bodyPr>
+            <a:normAutofit fontScale="85000" lnSpcReduction="20000"/>
+          </a:bodyPr>
+          <a:lstStyle/>
+          <a:p>
+            <a:r>
+              <a:rPr lang="en-US" dirty="0"/>
+              <a:t>The owner often provides greeting message. Did the owner use a greeting message?</a:t>
+            </a:r>
+          </a:p>
+        </p:txBody>
+      </p:sp>
+      <p:pic>
+        <p:nvPicPr>
+          <p:cNvPr id="5" name="Picture 4" descr="Text&#10;&#10;Description automatically generated">
+            <a:extLst>
+              <a:ext uri="{FF2B5EF4-FFF2-40B4-BE49-F238E27FC236}">
+                <a16:creationId xmlns:a16="http://schemas.microsoft.com/office/drawing/2014/main" id="{DE102491-6098-4C0F-8CDF-2ECB8C93DD1C}"/>
+              </a:ext>
+            </a:extLst>
+          </p:cNvPr>
+          <p:cNvPicPr>
+            <a:picLocks noChangeAspect="1"/>
+          </p:cNvPicPr>
+          <p:nvPr/>
+        </p:nvPicPr>
+        <p:blipFill>
+          <a:blip r:embed="rId2"/>
+          <a:stretch>
+            <a:fillRect/>
+          </a:stretch>
+        </p:blipFill>
+        <p:spPr>
+          <a:xfrm>
+            <a:off x="1037854" y="2735179"/>
+            <a:ext cx="7514844" cy="3684130"/>
+          </a:xfrm>
+          <a:prstGeom prst="rect">
+            <a:avLst/>
+          </a:prstGeom>
+        </p:spPr>
+      </p:pic>
+    </p:spTree>
+    <p:extLst>
+      <p:ext uri="{BB962C8B-B14F-4D97-AF65-F5344CB8AC3E}">
+        <p14:creationId xmlns:p14="http://schemas.microsoft.com/office/powerpoint/2010/main" val="4195252170"/>
+      </p:ext>
+    </p:extLst>
+  </p:cSld>
+  <p:clrMapOvr>
+    <a:masterClrMapping/>
+  </p:clrMapOvr>
+</p:sld>
+</file>
+
+<file path=ppt/slides/slide34.xml><?xml version="1.0" encoding="utf-8"?>
 <p:sld xmlns:a="http://schemas.openxmlformats.org/drawingml/2006/main" xmlns:r="http://schemas.openxmlformats.org/officeDocument/2006/relationships" xmlns:p="http://schemas.openxmlformats.org/presentationml/2006/main">
   <p:cSld>
     <p:spTree>
@@ -16439,7 +17479,7 @@
 </p:sld>
 </file>
 
-<file path=ppt/slides/slide31.xml><?xml version="1.0" encoding="utf-8"?>
+<file path=ppt/slides/slide35.xml><?xml version="1.0" encoding="utf-8"?>
 <p:sld xmlns:a="http://schemas.openxmlformats.org/drawingml/2006/main" xmlns:r="http://schemas.openxmlformats.org/officeDocument/2006/relationships" xmlns:p="http://schemas.openxmlformats.org/presentationml/2006/main">
   <p:cSld>
     <p:spTree>
@@ -17085,7 +18125,7 @@
           <a:p>
             <a:r>
               <a:rPr lang="en-US" dirty="0"/>
-              <a:t>Databases</a:t>
+              <a:t>Dialer Databases</a:t>
             </a:r>
           </a:p>
         </p:txBody>

--- a/Android10/5_2_2_GMS_App_Investigations_Dialer.pptx
+++ b/Android10/5_2_2_GMS_App_Investigations_Dialer.pptx
@@ -5740,7 +5740,7 @@
   <pc:docChgLst>
     <pc:chgData name="Weifeng Xu" userId="e7aed605-a3dd-4d5a-a692-a87037af107b" providerId="ADAL" clId="{C93986A8-D257-46D5-A932-87F105AEF0C6}"/>
     <pc:docChg chg="undo redo custSel addSld delSld modSld sldOrd">
-      <pc:chgData name="Weifeng Xu" userId="e7aed605-a3dd-4d5a-a692-a87037af107b" providerId="ADAL" clId="{C93986A8-D257-46D5-A932-87F105AEF0C6}" dt="2025-04-23T14:12:02.738" v="3140" actId="1076"/>
+      <pc:chgData name="Weifeng Xu" userId="e7aed605-a3dd-4d5a-a692-a87037af107b" providerId="ADAL" clId="{C93986A8-D257-46D5-A932-87F105AEF0C6}" dt="2025-04-28T12:32:32.868" v="3143" actId="20577"/>
       <pc:docMkLst>
         <pc:docMk/>
       </pc:docMkLst>
@@ -6338,44 +6338,12 @@
           <pc:docMk/>
           <pc:sldMk cId="1495699096" sldId="539"/>
         </pc:sldMkLst>
-        <pc:spChg chg="add del mod">
-          <ac:chgData name="Weifeng Xu" userId="e7aed605-a3dd-4d5a-a692-a87037af107b" providerId="ADAL" clId="{C93986A8-D257-46D5-A932-87F105AEF0C6}" dt="2025-04-23T14:00:51.386" v="3037" actId="478"/>
-          <ac:spMkLst>
-            <pc:docMk/>
-            <pc:sldMk cId="1495699096" sldId="539"/>
-            <ac:spMk id="3" creationId="{C248125D-58D9-AA2D-94EB-7A8F5530FF69}"/>
-          </ac:spMkLst>
-        </pc:spChg>
-        <pc:spChg chg="add del">
-          <ac:chgData name="Weifeng Xu" userId="e7aed605-a3dd-4d5a-a692-a87037af107b" providerId="ADAL" clId="{C93986A8-D257-46D5-A932-87F105AEF0C6}" dt="2025-04-23T14:03:34.233" v="3057" actId="478"/>
-          <ac:spMkLst>
-            <pc:docMk/>
-            <pc:sldMk cId="1495699096" sldId="539"/>
-            <ac:spMk id="4" creationId="{839E01B5-FEAE-F946-76B6-6F2E39289AE2}"/>
-          </ac:spMkLst>
-        </pc:spChg>
-        <pc:spChg chg="add del mod">
-          <ac:chgData name="Weifeng Xu" userId="e7aed605-a3dd-4d5a-a692-a87037af107b" providerId="ADAL" clId="{C93986A8-D257-46D5-A932-87F105AEF0C6}" dt="2025-04-23T14:03:41.136" v="3059" actId="478"/>
-          <ac:spMkLst>
-            <pc:docMk/>
-            <pc:sldMk cId="1495699096" sldId="539"/>
-            <ac:spMk id="8" creationId="{B5651676-C79B-DD14-5955-D2B361B87A24}"/>
-          </ac:spMkLst>
-        </pc:spChg>
         <pc:spChg chg="mod">
           <ac:chgData name="Weifeng Xu" userId="e7aed605-a3dd-4d5a-a692-a87037af107b" providerId="ADAL" clId="{C93986A8-D257-46D5-A932-87F105AEF0C6}" dt="2025-04-23T14:03:45.394" v="3060" actId="1076"/>
           <ac:spMkLst>
             <pc:docMk/>
             <pc:sldMk cId="1495699096" sldId="539"/>
             <ac:spMk id="10" creationId="{38963192-A564-4C49-BA1C-22C3F488DFF0}"/>
-          </ac:spMkLst>
-        </pc:spChg>
-        <pc:spChg chg="del">
-          <ac:chgData name="Weifeng Xu" userId="e7aed605-a3dd-4d5a-a692-a87037af107b" providerId="ADAL" clId="{C93986A8-D257-46D5-A932-87F105AEF0C6}" dt="2025-04-23T14:03:38.242" v="3058" actId="478"/>
-          <ac:spMkLst>
-            <pc:docMk/>
-            <pc:sldMk cId="1495699096" sldId="539"/>
-            <ac:spMk id="11" creationId="{884103A9-E37C-4959-A633-0363560DA7CE}"/>
           </ac:spMkLst>
         </pc:spChg>
         <pc:picChg chg="mod">
@@ -6394,14 +6362,6 @@
             <ac:picMk id="7" creationId="{390BE3CF-794C-4B41-85D5-B314048A8AED}"/>
           </ac:picMkLst>
         </pc:picChg>
-        <pc:picChg chg="del">
-          <ac:chgData name="Weifeng Xu" userId="e7aed605-a3dd-4d5a-a692-a87037af107b" providerId="ADAL" clId="{C93986A8-D257-46D5-A932-87F105AEF0C6}" dt="2025-04-23T14:03:38.242" v="3058" actId="478"/>
-          <ac:picMkLst>
-            <pc:docMk/>
-            <pc:sldMk cId="1495699096" sldId="539"/>
-            <ac:picMk id="9" creationId="{B6516974-8E35-4D9E-8B52-0F9861769110}"/>
-          </ac:picMkLst>
-        </pc:picChg>
       </pc:sldChg>
       <pc:sldChg chg="addSp delSp modSp new mod modClrScheme chgLayout">
         <pc:chgData name="Weifeng Xu" userId="e7aed605-a3dd-4d5a-a692-a87037af107b" providerId="ADAL" clId="{C93986A8-D257-46D5-A932-87F105AEF0C6}" dt="2025-04-15T15:06:05.377" v="2493" actId="20577"/>
@@ -6473,7 +6433,7 @@
         </pc:spChg>
       </pc:sldChg>
       <pc:sldChg chg="addSp delSp modSp new mod modClrScheme chgLayout">
-        <pc:chgData name="Weifeng Xu" userId="e7aed605-a3dd-4d5a-a692-a87037af107b" providerId="ADAL" clId="{C93986A8-D257-46D5-A932-87F105AEF0C6}" dt="2025-04-15T15:19:38.922" v="2673" actId="207"/>
+        <pc:chgData name="Weifeng Xu" userId="e7aed605-a3dd-4d5a-a692-a87037af107b" providerId="ADAL" clId="{C93986A8-D257-46D5-A932-87F105AEF0C6}" dt="2025-04-28T12:32:32.868" v="3143" actId="20577"/>
         <pc:sldMkLst>
           <pc:docMk/>
           <pc:sldMk cId="250569170" sldId="543"/>
@@ -6487,7 +6447,7 @@
           </ac:spMkLst>
         </pc:spChg>
         <pc:spChg chg="add mod ord">
-          <ac:chgData name="Weifeng Xu" userId="e7aed605-a3dd-4d5a-a692-a87037af107b" providerId="ADAL" clId="{C93986A8-D257-46D5-A932-87F105AEF0C6}" dt="2025-04-15T15:18:51.301" v="2648" actId="27636"/>
+          <ac:chgData name="Weifeng Xu" userId="e7aed605-a3dd-4d5a-a692-a87037af107b" providerId="ADAL" clId="{C93986A8-D257-46D5-A932-87F105AEF0C6}" dt="2025-04-28T12:32:32.868" v="3143" actId="20577"/>
           <ac:spMkLst>
             <pc:docMk/>
             <pc:sldMk cId="250569170" sldId="543"/>
@@ -6761,14 +6721,6 @@
           <pc:docMk/>
           <pc:sldMk cId="674427553" sldId="556"/>
         </pc:sldMkLst>
-        <pc:picChg chg="add del mod">
-          <ac:chgData name="Weifeng Xu" userId="e7aed605-a3dd-4d5a-a692-a87037af107b" providerId="ADAL" clId="{C93986A8-D257-46D5-A932-87F105AEF0C6}" dt="2025-04-23T13:36:20.523" v="2873" actId="478"/>
-          <ac:picMkLst>
-            <pc:docMk/>
-            <pc:sldMk cId="674427553" sldId="556"/>
-            <ac:picMk id="3" creationId="{715FBD11-8589-D6BB-6E5C-0EE218871829}"/>
-          </ac:picMkLst>
-        </pc:picChg>
         <pc:picChg chg="add mod">
           <ac:chgData name="Weifeng Xu" userId="e7aed605-a3dd-4d5a-a692-a87037af107b" providerId="ADAL" clId="{C93986A8-D257-46D5-A932-87F105AEF0C6}" dt="2025-04-23T13:36:47.251" v="2876" actId="1076"/>
           <ac:picMkLst>
@@ -6800,14 +6752,6 @@
             <ac:spMk id="3" creationId="{68FDF470-BF87-92FD-26B4-CF9CE27F9631}"/>
           </ac:spMkLst>
         </pc:spChg>
-        <pc:spChg chg="add mod">
-          <ac:chgData name="Weifeng Xu" userId="e7aed605-a3dd-4d5a-a692-a87037af107b" providerId="ADAL" clId="{C93986A8-D257-46D5-A932-87F105AEF0C6}" dt="2025-04-23T13:39:36.903" v="2995"/>
-          <ac:spMkLst>
-            <pc:docMk/>
-            <pc:sldMk cId="792115356" sldId="557"/>
-            <ac:spMk id="4" creationId="{FBB21A85-A85C-4C2C-795D-0E0B368E714F}"/>
-          </ac:spMkLst>
-        </pc:spChg>
       </pc:sldChg>
       <pc:sldChg chg="addSp delSp modSp add mod modClrScheme chgLayout">
         <pc:chgData name="Weifeng Xu" userId="e7aed605-a3dd-4d5a-a692-a87037af107b" providerId="ADAL" clId="{C93986A8-D257-46D5-A932-87F105AEF0C6}" dt="2025-04-23T14:07:36.650" v="3122" actId="6549"/>
@@ -6821,22 +6765,6 @@
             <pc:docMk/>
             <pc:sldMk cId="204470065" sldId="558"/>
             <ac:spMk id="2" creationId="{E77662BB-5E19-1844-09CE-C040110E0FC5}"/>
-          </ac:spMkLst>
-        </pc:spChg>
-        <pc:spChg chg="add del mod ord">
-          <ac:chgData name="Weifeng Xu" userId="e7aed605-a3dd-4d5a-a692-a87037af107b" providerId="ADAL" clId="{C93986A8-D257-46D5-A932-87F105AEF0C6}" dt="2025-04-23T14:05:00.314" v="3084" actId="700"/>
-          <ac:spMkLst>
-            <pc:docMk/>
-            <pc:sldMk cId="204470065" sldId="558"/>
-            <ac:spMk id="3" creationId="{453C7C40-E646-6FD6-6F83-46161622F8FE}"/>
-          </ac:spMkLst>
-        </pc:spChg>
-        <pc:spChg chg="del mod">
-          <ac:chgData name="Weifeng Xu" userId="e7aed605-a3dd-4d5a-a692-a87037af107b" providerId="ADAL" clId="{C93986A8-D257-46D5-A932-87F105AEF0C6}" dt="2025-04-23T14:03:58.719" v="3063" actId="478"/>
-          <ac:spMkLst>
-            <pc:docMk/>
-            <pc:sldMk cId="204470065" sldId="558"/>
-            <ac:spMk id="4" creationId="{DFB1B673-83A9-4316-A8B7-F7FE3E4F59A4}"/>
           </ac:spMkLst>
         </pc:spChg>
         <pc:spChg chg="add mod ord">
@@ -6847,46 +6775,6 @@
             <ac:spMk id="6" creationId="{CAD5851A-A011-5D7C-F84D-94BC70EEB92D}"/>
           </ac:spMkLst>
         </pc:spChg>
-        <pc:spChg chg="del mod">
-          <ac:chgData name="Weifeng Xu" userId="e7aed605-a3dd-4d5a-a692-a87037af107b" providerId="ADAL" clId="{C93986A8-D257-46D5-A932-87F105AEF0C6}" dt="2025-04-23T14:05:04.696" v="3087"/>
-          <ac:spMkLst>
-            <pc:docMk/>
-            <pc:sldMk cId="204470065" sldId="558"/>
-            <ac:spMk id="8" creationId="{C86D0EED-2218-E01A-416D-BC6E7FD36317}"/>
-          </ac:spMkLst>
-        </pc:spChg>
-        <pc:spChg chg="del">
-          <ac:chgData name="Weifeng Xu" userId="e7aed605-a3dd-4d5a-a692-a87037af107b" providerId="ADAL" clId="{C93986A8-D257-46D5-A932-87F105AEF0C6}" dt="2025-04-23T14:03:51.623" v="3061" actId="478"/>
-          <ac:spMkLst>
-            <pc:docMk/>
-            <pc:sldMk cId="204470065" sldId="558"/>
-            <ac:spMk id="10" creationId="{3EDA4DB6-6CB4-8408-8308-AD95EC9D6F28}"/>
-          </ac:spMkLst>
-        </pc:spChg>
-        <pc:spChg chg="del mod">
-          <ac:chgData name="Weifeng Xu" userId="e7aed605-a3dd-4d5a-a692-a87037af107b" providerId="ADAL" clId="{C93986A8-D257-46D5-A932-87F105AEF0C6}" dt="2025-04-23T14:04:14.241" v="3066" actId="478"/>
-          <ac:spMkLst>
-            <pc:docMk/>
-            <pc:sldMk cId="204470065" sldId="558"/>
-            <ac:spMk id="11" creationId="{0B96F8FD-8197-681E-EB74-255B17042D20}"/>
-          </ac:spMkLst>
-        </pc:spChg>
-        <pc:picChg chg="del">
-          <ac:chgData name="Weifeng Xu" userId="e7aed605-a3dd-4d5a-a692-a87037af107b" providerId="ADAL" clId="{C93986A8-D257-46D5-A932-87F105AEF0C6}" dt="2025-04-23T14:03:51.623" v="3061" actId="478"/>
-          <ac:picMkLst>
-            <pc:docMk/>
-            <pc:sldMk cId="204470065" sldId="558"/>
-            <ac:picMk id="5" creationId="{59B97951-19C9-26B3-F5F8-59E69090F7C4}"/>
-          </ac:picMkLst>
-        </pc:picChg>
-        <pc:picChg chg="del">
-          <ac:chgData name="Weifeng Xu" userId="e7aed605-a3dd-4d5a-a692-a87037af107b" providerId="ADAL" clId="{C93986A8-D257-46D5-A932-87F105AEF0C6}" dt="2025-04-23T14:03:51.623" v="3061" actId="478"/>
-          <ac:picMkLst>
-            <pc:docMk/>
-            <pc:sldMk cId="204470065" sldId="558"/>
-            <ac:picMk id="7" creationId="{E583F806-330C-D641-D006-77EA4EBD18A6}"/>
-          </ac:picMkLst>
-        </pc:picChg>
         <pc:picChg chg="mod modCrop">
           <ac:chgData name="Weifeng Xu" userId="e7aed605-a3dd-4d5a-a692-a87037af107b" providerId="ADAL" clId="{C93986A8-D257-46D5-A932-87F105AEF0C6}" dt="2025-04-23T14:05:31.418" v="3094" actId="1076"/>
           <ac:picMkLst>
@@ -6910,22 +6798,6 @@
             <ac:spMk id="2" creationId="{F470E545-9371-FF9B-EA3E-4174C4CC30BB}"/>
           </ac:spMkLst>
         </pc:spChg>
-        <pc:spChg chg="del">
-          <ac:chgData name="Weifeng Xu" userId="e7aed605-a3dd-4d5a-a692-a87037af107b" providerId="ADAL" clId="{C93986A8-D257-46D5-A932-87F105AEF0C6}" dt="2025-04-23T14:08:30.556" v="3127" actId="700"/>
-          <ac:spMkLst>
-            <pc:docMk/>
-            <pc:sldMk cId="869897344" sldId="559"/>
-            <ac:spMk id="3" creationId="{0794A95B-03F4-465F-D34B-1F8C17761B5C}"/>
-          </ac:spMkLst>
-        </pc:spChg>
-        <pc:picChg chg="add del mod">
-          <ac:chgData name="Weifeng Xu" userId="e7aed605-a3dd-4d5a-a692-a87037af107b" providerId="ADAL" clId="{C93986A8-D257-46D5-A932-87F105AEF0C6}" dt="2025-04-23T14:11:01.222" v="3131" actId="478"/>
-          <ac:picMkLst>
-            <pc:docMk/>
-            <pc:sldMk cId="869897344" sldId="559"/>
-            <ac:picMk id="5" creationId="{97AA1BE3-9BC4-3D30-2BB1-67BF8E1A1381}"/>
-          </ac:picMkLst>
-        </pc:picChg>
         <pc:picChg chg="add mod">
           <ac:chgData name="Weifeng Xu" userId="e7aed605-a3dd-4d5a-a692-a87037af107b" providerId="ADAL" clId="{C93986A8-D257-46D5-A932-87F105AEF0C6}" dt="2025-04-23T14:12:01.548" v="3139" actId="1076"/>
           <ac:picMkLst>
@@ -7991,7 +7863,7 @@
           <a:p>
             <a:fld id="{EE41F6E3-57F9-402E-BDBA-5B2DE11C8530}" type="datetimeFigureOut">
               <a:rPr lang="en-US" smtClean="0"/>
-              <a:t>4/23/2025</a:t>
+              <a:t>4/28/2025</a:t>
             </a:fld>
             <a:endParaRPr lang="en-US"/>
           </a:p>
@@ -9176,7 +9048,7 @@
           <a:p>
             <a:fld id="{4263717A-E3C1-4BED-ABE0-B7069385E023}" type="datetimeFigureOut">
               <a:rPr lang="en-US" smtClean="0"/>
-              <a:t>4/23/2025</a:t>
+              <a:t>4/28/2025</a:t>
             </a:fld>
             <a:endParaRPr lang="en-US"/>
           </a:p>
@@ -9349,7 +9221,7 @@
           <a:p>
             <a:fld id="{4263717A-E3C1-4BED-ABE0-B7069385E023}" type="datetimeFigureOut">
               <a:rPr lang="en-US" smtClean="0"/>
-              <a:t>4/23/2025</a:t>
+              <a:t>4/28/2025</a:t>
             </a:fld>
             <a:endParaRPr lang="en-US"/>
           </a:p>
@@ -9527,7 +9399,7 @@
           <a:p>
             <a:fld id="{4263717A-E3C1-4BED-ABE0-B7069385E023}" type="datetimeFigureOut">
               <a:rPr lang="en-US" smtClean="0"/>
-              <a:t>4/23/2025</a:t>
+              <a:t>4/28/2025</a:t>
             </a:fld>
             <a:endParaRPr lang="en-US"/>
           </a:p>
@@ -9695,7 +9567,7 @@
           <a:p>
             <a:fld id="{4263717A-E3C1-4BED-ABE0-B7069385E023}" type="datetimeFigureOut">
               <a:rPr lang="en-US" smtClean="0"/>
-              <a:t>4/23/2025</a:t>
+              <a:t>4/28/2025</a:t>
             </a:fld>
             <a:endParaRPr lang="en-US"/>
           </a:p>
@@ -9940,7 +9812,7 @@
           <a:p>
             <a:fld id="{4263717A-E3C1-4BED-ABE0-B7069385E023}" type="datetimeFigureOut">
               <a:rPr lang="en-US" smtClean="0"/>
-              <a:t>4/23/2025</a:t>
+              <a:t>4/28/2025</a:t>
             </a:fld>
             <a:endParaRPr lang="en-US"/>
           </a:p>
@@ -10169,7 +10041,7 @@
           <a:p>
             <a:fld id="{4263717A-E3C1-4BED-ABE0-B7069385E023}" type="datetimeFigureOut">
               <a:rPr lang="en-US" smtClean="0"/>
-              <a:t>4/23/2025</a:t>
+              <a:t>4/28/2025</a:t>
             </a:fld>
             <a:endParaRPr lang="en-US"/>
           </a:p>
@@ -10533,7 +10405,7 @@
           <a:p>
             <a:fld id="{4263717A-E3C1-4BED-ABE0-B7069385E023}" type="datetimeFigureOut">
               <a:rPr lang="en-US" smtClean="0"/>
-              <a:t>4/23/2025</a:t>
+              <a:t>4/28/2025</a:t>
             </a:fld>
             <a:endParaRPr lang="en-US"/>
           </a:p>
@@ -10650,7 +10522,7 @@
           <a:p>
             <a:fld id="{4263717A-E3C1-4BED-ABE0-B7069385E023}" type="datetimeFigureOut">
               <a:rPr lang="en-US" smtClean="0"/>
-              <a:t>4/23/2025</a:t>
+              <a:t>4/28/2025</a:t>
             </a:fld>
             <a:endParaRPr lang="en-US"/>
           </a:p>
@@ -10745,7 +10617,7 @@
           <a:p>
             <a:fld id="{4263717A-E3C1-4BED-ABE0-B7069385E023}" type="datetimeFigureOut">
               <a:rPr lang="en-US" smtClean="0"/>
-              <a:t>4/23/2025</a:t>
+              <a:t>4/28/2025</a:t>
             </a:fld>
             <a:endParaRPr lang="en-US"/>
           </a:p>
@@ -11020,7 +10892,7 @@
           <a:p>
             <a:fld id="{4263717A-E3C1-4BED-ABE0-B7069385E023}" type="datetimeFigureOut">
               <a:rPr lang="en-US" smtClean="0"/>
-              <a:t>4/23/2025</a:t>
+              <a:t>4/28/2025</a:t>
             </a:fld>
             <a:endParaRPr lang="en-US"/>
           </a:p>
@@ -11272,7 +11144,7 @@
           <a:p>
             <a:fld id="{4263717A-E3C1-4BED-ABE0-B7069385E023}" type="datetimeFigureOut">
               <a:rPr lang="en-US" smtClean="0"/>
-              <a:t>4/23/2025</a:t>
+              <a:t>4/28/2025</a:t>
             </a:fld>
             <a:endParaRPr lang="en-US"/>
           </a:p>
@@ -11483,7 +11355,7 @@
           <a:p>
             <a:fld id="{4263717A-E3C1-4BED-ABE0-B7069385E023}" type="datetimeFigureOut">
               <a:rPr lang="en-US" smtClean="0"/>
-              <a:t>4/23/2025</a:t>
+              <a:t>4/28/2025</a:t>
             </a:fld>
             <a:endParaRPr lang="en-US"/>
           </a:p>
@@ -15376,8 +15248,12 @@
           <a:p>
             <a:pPr lvl="1"/>
             <a:r>
+              <a:rPr lang="en-GB"/>
+              <a:t>allows </a:t>
+            </a:r>
+            <a:r>
               <a:rPr lang="en-GB" dirty="0"/>
-              <a:t> Allows users to quickly find contacts by typing a portion of a name or number, with the app suggesting matches as they type.</a:t>
+              <a:t>users to quickly find contacts by typing a portion of a name or number, with the app suggesting matches as they type.</a:t>
             </a:r>
           </a:p>
           <a:p>
